--- a/18. Descrição dos Processos de Negócio.pptx
+++ b/18. Descrição dos Processos de Negócio.pptx
@@ -5,12 +5,17 @@
     <p:sldMasterId id="2147483648" r:id="rId1"/>
   </p:sldMasterIdLst>
   <p:notesMasterIdLst>
-    <p:notesMasterId r:id="rId5"/>
+    <p:notesMasterId r:id="rId10"/>
   </p:notesMasterIdLst>
   <p:sldIdLst>
     <p:sldId id="259" r:id="rId2"/>
     <p:sldId id="258" r:id="rId3"/>
     <p:sldId id="257" r:id="rId4"/>
+    <p:sldId id="260" r:id="rId5"/>
+    <p:sldId id="261" r:id="rId6"/>
+    <p:sldId id="262" r:id="rId7"/>
+    <p:sldId id="263" r:id="rId8"/>
+    <p:sldId id="264" r:id="rId9"/>
   </p:sldIdLst>
   <p:sldSz cx="12192000" cy="6858000"/>
   <p:notesSz cx="6858000" cy="9144000"/>
@@ -120,15 +125,296 @@
 <file path=ppt/revisionInfo.xml><?xml version="1.0" encoding="utf-8"?>
 <p1510:revInfo xmlns:a="http://schemas.openxmlformats.org/drawingml/2006/main" xmlns:r="http://schemas.openxmlformats.org/officeDocument/2006/relationships" xmlns:p1510="http://schemas.microsoft.com/office/powerpoint/2015/10/main">
   <p1510:revLst>
-    <p1510:client id="{331D9DAE-A6D2-4280-8D11-1A19F29A6492}" v="8" dt="2020-09-26T14:14:46.293"/>
-    <p1510:client id="{81F0A7FE-0D53-4F8F-AAA3-505379F38082}" v="40" dt="2020-09-26T14:13:12.316"/>
-    <p1510:client id="{D654B7EC-94F0-459E-AE3A-B472BD512854}" v="254" dt="2020-09-26T14:11:11.182"/>
+    <p1510:client id="{0F2C64EE-C0FE-4513-8E58-5A5F9A11C41F}" v="60" dt="2020-10-17T01:49:34.011"/>
+    <p1510:client id="{737E9A05-8907-446D-A8C3-13D1D7DFBBAE}" v="95" dt="2020-10-17T00:22:45.973"/>
+    <p1510:client id="{9C965AD5-0C24-4130-8A54-FC63A3CD0D4B}" v="45" dt="2020-10-16T22:38:15.594"/>
+    <p1510:client id="{B9C36B1A-F083-4BAE-8590-88BABE035E76}" v="1" dt="2020-10-17T01:10:39.154"/>
+    <p1510:client id="{CA5FE1B1-CDD2-413E-9ED0-FCBA57181400}" v="7" dt="2020-10-17T04:12:38.953"/>
+    <p1510:client id="{DA2C4D56-67D7-4012-8AE1-FB4EAFC86F41}" v="52" dt="2020-10-22T02:50:25.898"/>
+    <p1510:client id="{FCCBAC36-6B76-4FBB-910C-0CD5DD751DDA}" v="3" dt="2020-10-16T22:36:22.171"/>
   </p1510:revLst>
 </p1510:revInfo>
 </file>
 
 <file path=ppt/changesInfos/changesInfo1.xml><?xml version="1.0" encoding="utf-8"?>
 <pc:chgInfo xmlns:a="http://schemas.openxmlformats.org/drawingml/2006/main" xmlns:r="http://schemas.openxmlformats.org/officeDocument/2006/relationships" xmlns:ac="http://schemas.microsoft.com/office/drawing/2013/main/command" xmlns:pc="http://schemas.microsoft.com/office/powerpoint/2013/main/command">
+  <pc:docChgLst>
+    <pc:chgData name="Usuário Convidado" providerId="Windows Live" clId="Web-{0803013E-7E72-4ED0-8737-BFA9EDB03F13}"/>
+    <pc:docChg chg="modSld">
+      <pc:chgData name="Usuário Convidado" userId="" providerId="Windows Live" clId="Web-{0803013E-7E72-4ED0-8737-BFA9EDB03F13}" dt="2020-10-14T22:35:41.581" v="39" actId="14100"/>
+      <pc:docMkLst>
+        <pc:docMk/>
+      </pc:docMkLst>
+      <pc:sldChg chg="modSp">
+        <pc:chgData name="Usuário Convidado" userId="" providerId="Windows Live" clId="Web-{0803013E-7E72-4ED0-8737-BFA9EDB03F13}" dt="2020-10-14T22:35:41.581" v="39" actId="14100"/>
+        <pc:sldMkLst>
+          <pc:docMk/>
+          <pc:sldMk cId="3918470033" sldId="257"/>
+        </pc:sldMkLst>
+        <pc:spChg chg="mod">
+          <ac:chgData name="Usuário Convidado" userId="" providerId="Windows Live" clId="Web-{0803013E-7E72-4ED0-8737-BFA9EDB03F13}" dt="2020-10-14T22:34:22.214" v="35" actId="1076"/>
+          <ac:spMkLst>
+            <pc:docMk/>
+            <pc:sldMk cId="3918470033" sldId="257"/>
+            <ac:spMk id="2" creationId="{5DD6C70C-B6EF-40FB-AB7C-C4AFD46DB42B}"/>
+          </ac:spMkLst>
+        </pc:spChg>
+        <pc:cxnChg chg="mod">
+          <ac:chgData name="Usuário Convidado" userId="" providerId="Windows Live" clId="Web-{0803013E-7E72-4ED0-8737-BFA9EDB03F13}" dt="2020-10-14T22:35:41.581" v="39" actId="14100"/>
+          <ac:cxnSpMkLst>
+            <pc:docMk/>
+            <pc:sldMk cId="3918470033" sldId="257"/>
+            <ac:cxnSpMk id="180" creationId="{1364CD29-E5EE-46A2-B0A3-E9706945F018}"/>
+          </ac:cxnSpMkLst>
+        </pc:cxnChg>
+        <pc:cxnChg chg="mod">
+          <ac:chgData name="Usuário Convidado" userId="" providerId="Windows Live" clId="Web-{0803013E-7E72-4ED0-8737-BFA9EDB03F13}" dt="2020-10-14T22:35:34.659" v="38" actId="14100"/>
+          <ac:cxnSpMkLst>
+            <pc:docMk/>
+            <pc:sldMk cId="3918470033" sldId="257"/>
+            <ac:cxnSpMk id="184" creationId="{960EE6A9-7D9B-42B4-AAAF-19F1A8E857DB}"/>
+          </ac:cxnSpMkLst>
+        </pc:cxnChg>
+      </pc:sldChg>
+      <pc:sldChg chg="modSp">
+        <pc:chgData name="Usuário Convidado" userId="" providerId="Windows Live" clId="Web-{0803013E-7E72-4ED0-8737-BFA9EDB03F13}" dt="2020-10-14T22:33:13.425" v="24" actId="1076"/>
+        <pc:sldMkLst>
+          <pc:docMk/>
+          <pc:sldMk cId="4164410817" sldId="258"/>
+        </pc:sldMkLst>
+        <pc:spChg chg="mod">
+          <ac:chgData name="Usuário Convidado" userId="" providerId="Windows Live" clId="Web-{0803013E-7E72-4ED0-8737-BFA9EDB03F13}" dt="2020-10-14T22:33:13.425" v="24" actId="1076"/>
+          <ac:spMkLst>
+            <pc:docMk/>
+            <pc:sldMk cId="4164410817" sldId="258"/>
+            <ac:spMk id="75" creationId="{EF268438-E457-4CA6-B1E7-51526B9EFD58}"/>
+          </ac:spMkLst>
+        </pc:spChg>
+      </pc:sldChg>
+    </pc:docChg>
+  </pc:docChgLst>
+  <pc:docChgLst>
+    <pc:chgData name="Bruno Pires" userId="2e75d9009844921f" providerId="Windows Live" clId="Web-{22EC5994-BA2F-4FA4-A10A-CF056D4A0927}"/>
+    <pc:docChg chg="modSld">
+      <pc:chgData name="Bruno Pires" userId="2e75d9009844921f" providerId="Windows Live" clId="Web-{22EC5994-BA2F-4FA4-A10A-CF056D4A0927}" dt="2020-10-09T23:49:20.983" v="955" actId="1076"/>
+      <pc:docMkLst>
+        <pc:docMk/>
+      </pc:docMkLst>
+      <pc:sldChg chg="modSp">
+        <pc:chgData name="Bruno Pires" userId="2e75d9009844921f" providerId="Windows Live" clId="Web-{22EC5994-BA2F-4FA4-A10A-CF056D4A0927}" dt="2020-10-09T23:49:20.983" v="955" actId="1076"/>
+        <pc:sldMkLst>
+          <pc:docMk/>
+          <pc:sldMk cId="3918470033" sldId="257"/>
+        </pc:sldMkLst>
+        <pc:spChg chg="mod">
+          <ac:chgData name="Bruno Pires" userId="2e75d9009844921f" providerId="Windows Live" clId="Web-{22EC5994-BA2F-4FA4-A10A-CF056D4A0927}" dt="2020-10-09T23:49:20.983" v="955" actId="1076"/>
+          <ac:spMkLst>
+            <pc:docMk/>
+            <pc:sldMk cId="3918470033" sldId="257"/>
+            <ac:spMk id="2" creationId="{5DD6C70C-B6EF-40FB-AB7C-C4AFD46DB42B}"/>
+          </ac:spMkLst>
+        </pc:spChg>
+      </pc:sldChg>
+      <pc:sldChg chg="modSp">
+        <pc:chgData name="Bruno Pires" userId="2e75d9009844921f" providerId="Windows Live" clId="Web-{22EC5994-BA2F-4FA4-A10A-CF056D4A0927}" dt="2020-10-09T23:43:19.120" v="907" actId="1076"/>
+        <pc:sldMkLst>
+          <pc:docMk/>
+          <pc:sldMk cId="4164410817" sldId="258"/>
+        </pc:sldMkLst>
+        <pc:spChg chg="mod">
+          <ac:chgData name="Bruno Pires" userId="2e75d9009844921f" providerId="Windows Live" clId="Web-{22EC5994-BA2F-4FA4-A10A-CF056D4A0927}" dt="2020-10-09T23:35:33.361" v="816" actId="1076"/>
+          <ac:spMkLst>
+            <pc:docMk/>
+            <pc:sldMk cId="4164410817" sldId="258"/>
+            <ac:spMk id="31" creationId="{E68F68BA-5CDE-4218-8145-29DD96CE59C1}"/>
+          </ac:spMkLst>
+        </pc:spChg>
+        <pc:spChg chg="mod">
+          <ac:chgData name="Bruno Pires" userId="2e75d9009844921f" providerId="Windows Live" clId="Web-{22EC5994-BA2F-4FA4-A10A-CF056D4A0927}" dt="2020-10-09T23:20:34.760" v="154" actId="1076"/>
+          <ac:spMkLst>
+            <pc:docMk/>
+            <pc:sldMk cId="4164410817" sldId="258"/>
+            <ac:spMk id="43" creationId="{F0909070-772F-4C9B-A118-A4D1094D8869}"/>
+          </ac:spMkLst>
+        </pc:spChg>
+        <pc:spChg chg="mod">
+          <ac:chgData name="Bruno Pires" userId="2e75d9009844921f" providerId="Windows Live" clId="Web-{22EC5994-BA2F-4FA4-A10A-CF056D4A0927}" dt="2020-10-09T23:43:19.120" v="907" actId="1076"/>
+          <ac:spMkLst>
+            <pc:docMk/>
+            <pc:sldMk cId="4164410817" sldId="258"/>
+            <ac:spMk id="75" creationId="{EF268438-E457-4CA6-B1E7-51526B9EFD58}"/>
+          </ac:spMkLst>
+        </pc:spChg>
+        <pc:cxnChg chg="mod">
+          <ac:chgData name="Bruno Pires" userId="2e75d9009844921f" providerId="Windows Live" clId="Web-{22EC5994-BA2F-4FA4-A10A-CF056D4A0927}" dt="2020-10-09T23:35:38.093" v="817" actId="14100"/>
+          <ac:cxnSpMkLst>
+            <pc:docMk/>
+            <pc:sldMk cId="4164410817" sldId="258"/>
+            <ac:cxnSpMk id="59" creationId="{F154A172-F16C-44D0-985E-25ABB5466534}"/>
+          </ac:cxnSpMkLst>
+        </pc:cxnChg>
+      </pc:sldChg>
+      <pc:sldChg chg="modSp">
+        <pc:chgData name="Bruno Pires" userId="2e75d9009844921f" providerId="Windows Live" clId="Web-{22EC5994-BA2F-4FA4-A10A-CF056D4A0927}" dt="2020-10-09T23:47:57.670" v="953" actId="1076"/>
+        <pc:sldMkLst>
+          <pc:docMk/>
+          <pc:sldMk cId="380695029" sldId="259"/>
+        </pc:sldMkLst>
+        <pc:spChg chg="mod">
+          <ac:chgData name="Bruno Pires" userId="2e75d9009844921f" providerId="Windows Live" clId="Web-{22EC5994-BA2F-4FA4-A10A-CF056D4A0927}" dt="2020-10-09T23:47:57.670" v="953" actId="1076"/>
+          <ac:spMkLst>
+            <pc:docMk/>
+            <pc:sldMk cId="380695029" sldId="259"/>
+            <ac:spMk id="3" creationId="{347FC2B7-BA24-4B90-B1F8-48AD93BDA9D8}"/>
+          </ac:spMkLst>
+        </pc:spChg>
+      </pc:sldChg>
+    </pc:docChg>
+  </pc:docChgLst>
+  <pc:docChgLst>
+    <pc:chgData name="Eduardo Marques" userId="b9dd18581288d1e4" providerId="Windows Live" clId="Web-{9C965AD5-0C24-4130-8A54-FC63A3CD0D4B}"/>
+    <pc:docChg chg="modSld">
+      <pc:chgData name="Eduardo Marques" userId="b9dd18581288d1e4" providerId="Windows Live" clId="Web-{9C965AD5-0C24-4130-8A54-FC63A3CD0D4B}" dt="2020-10-16T22:38:15.594" v="41" actId="1076"/>
+      <pc:docMkLst>
+        <pc:docMk/>
+      </pc:docMkLst>
+      <pc:sldChg chg="addSp delSp modSp">
+        <pc:chgData name="Eduardo Marques" userId="b9dd18581288d1e4" providerId="Windows Live" clId="Web-{9C965AD5-0C24-4130-8A54-FC63A3CD0D4B}" dt="2020-10-16T22:38:15.594" v="41" actId="1076"/>
+        <pc:sldMkLst>
+          <pc:docMk/>
+          <pc:sldMk cId="380695029" sldId="259"/>
+        </pc:sldMkLst>
+        <pc:spChg chg="mod">
+          <ac:chgData name="Eduardo Marques" userId="b9dd18581288d1e4" providerId="Windows Live" clId="Web-{9C965AD5-0C24-4130-8A54-FC63A3CD0D4B}" dt="2020-10-16T22:38:06.313" v="40" actId="1076"/>
+          <ac:spMkLst>
+            <pc:docMk/>
+            <pc:sldMk cId="380695029" sldId="259"/>
+            <ac:spMk id="3" creationId="{347FC2B7-BA24-4B90-B1F8-48AD93BDA9D8}"/>
+          </ac:spMkLst>
+        </pc:spChg>
+        <pc:spChg chg="mod">
+          <ac:chgData name="Eduardo Marques" userId="b9dd18581288d1e4" providerId="Windows Live" clId="Web-{9C965AD5-0C24-4130-8A54-FC63A3CD0D4B}" dt="2020-10-16T22:38:01.859" v="39" actId="1076"/>
+          <ac:spMkLst>
+            <pc:docMk/>
+            <pc:sldMk cId="380695029" sldId="259"/>
+            <ac:spMk id="5" creationId="{297D8B8E-3E90-4D4B-840D-CA53BD6BF5D4}"/>
+          </ac:spMkLst>
+        </pc:spChg>
+        <pc:spChg chg="del">
+          <ac:chgData name="Eduardo Marques" userId="b9dd18581288d1e4" providerId="Windows Live" clId="Web-{9C965AD5-0C24-4130-8A54-FC63A3CD0D4B}" dt="2020-10-16T22:35:45.309" v="12"/>
+          <ac:spMkLst>
+            <pc:docMk/>
+            <pc:sldMk cId="380695029" sldId="259"/>
+            <ac:spMk id="8" creationId="{6B1B69F4-DF7B-41E6-A9FA-E487E13A26A5}"/>
+          </ac:spMkLst>
+        </pc:spChg>
+        <pc:spChg chg="add mod">
+          <ac:chgData name="Eduardo Marques" userId="b9dd18581288d1e4" providerId="Windows Live" clId="Web-{9C965AD5-0C24-4130-8A54-FC63A3CD0D4B}" dt="2020-10-16T22:36:41.732" v="34" actId="14100"/>
+          <ac:spMkLst>
+            <pc:docMk/>
+            <pc:sldMk cId="380695029" sldId="259"/>
+            <ac:spMk id="9" creationId="{CC41C051-0614-4AFD-9D91-77C1974F0D15}"/>
+          </ac:spMkLst>
+        </pc:spChg>
+        <pc:spChg chg="del">
+          <ac:chgData name="Eduardo Marques" userId="b9dd18581288d1e4" providerId="Windows Live" clId="Web-{9C965AD5-0C24-4130-8A54-FC63A3CD0D4B}" dt="2020-10-16T22:35:40.762" v="4"/>
+          <ac:spMkLst>
+            <pc:docMk/>
+            <pc:sldMk cId="380695029" sldId="259"/>
+            <ac:spMk id="19" creationId="{E21F120E-560F-4BD5-A10F-313AE6760E6C}"/>
+          </ac:spMkLst>
+        </pc:spChg>
+        <pc:spChg chg="del mod">
+          <ac:chgData name="Eduardo Marques" userId="b9dd18581288d1e4" providerId="Windows Live" clId="Web-{9C965AD5-0C24-4130-8A54-FC63A3CD0D4B}" dt="2020-10-16T22:35:39.247" v="2"/>
+          <ac:spMkLst>
+            <pc:docMk/>
+            <pc:sldMk cId="380695029" sldId="259"/>
+            <ac:spMk id="21" creationId="{D87F9B19-3C5C-41CB-94E2-D5BE86A332FC}"/>
+          </ac:spMkLst>
+        </pc:spChg>
+        <pc:spChg chg="del mod">
+          <ac:chgData name="Eduardo Marques" userId="b9dd18581288d1e4" providerId="Windows Live" clId="Web-{9C965AD5-0C24-4130-8A54-FC63A3CD0D4B}" dt="2020-10-16T22:35:43.825" v="10"/>
+          <ac:spMkLst>
+            <pc:docMk/>
+            <pc:sldMk cId="380695029" sldId="259"/>
+            <ac:spMk id="31" creationId="{7D57ECA1-C665-46F7-9EB6-15A7B1C2DD76}"/>
+          </ac:spMkLst>
+        </pc:spChg>
+        <pc:spChg chg="del">
+          <ac:chgData name="Eduardo Marques" userId="b9dd18581288d1e4" providerId="Windows Live" clId="Web-{9C965AD5-0C24-4130-8A54-FC63A3CD0D4B}" dt="2020-10-16T22:35:37.340" v="0"/>
+          <ac:spMkLst>
+            <pc:docMk/>
+            <pc:sldMk cId="380695029" sldId="259"/>
+            <ac:spMk id="33" creationId="{FCA08B81-4560-4810-BE34-976E8E516FE1}"/>
+          </ac:spMkLst>
+        </pc:spChg>
+        <pc:picChg chg="add mod">
+          <ac:chgData name="Eduardo Marques" userId="b9dd18581288d1e4" providerId="Windows Live" clId="Web-{9C965AD5-0C24-4130-8A54-FC63A3CD0D4B}" dt="2020-10-16T22:38:15.594" v="41" actId="1076"/>
+          <ac:picMkLst>
+            <pc:docMk/>
+            <pc:sldMk cId="380695029" sldId="259"/>
+            <ac:picMk id="7" creationId="{C14B6780-2D11-4D73-9790-BF69A665559C}"/>
+          </ac:picMkLst>
+        </pc:picChg>
+        <pc:cxnChg chg="del">
+          <ac:chgData name="Eduardo Marques" userId="b9dd18581288d1e4" providerId="Windows Live" clId="Web-{9C965AD5-0C24-4130-8A54-FC63A3CD0D4B}" dt="2020-10-16T22:35:43.137" v="9"/>
+          <ac:cxnSpMkLst>
+            <pc:docMk/>
+            <pc:sldMk cId="380695029" sldId="259"/>
+            <ac:cxnSpMk id="2" creationId="{B2B02D3E-E516-4545-A377-9FF648A3FC7C}"/>
+          </ac:cxnSpMkLst>
+        </pc:cxnChg>
+        <pc:cxnChg chg="del">
+          <ac:chgData name="Eduardo Marques" userId="b9dd18581288d1e4" providerId="Windows Live" clId="Web-{9C965AD5-0C24-4130-8A54-FC63A3CD0D4B}" dt="2020-10-16T22:35:44.809" v="11"/>
+          <ac:cxnSpMkLst>
+            <pc:docMk/>
+            <pc:sldMk cId="380695029" sldId="259"/>
+            <ac:cxnSpMk id="4" creationId="{C3BFF9C8-B9F6-438C-8B4B-CCF347221A82}"/>
+          </ac:cxnSpMkLst>
+        </pc:cxnChg>
+        <pc:cxnChg chg="del">
+          <ac:chgData name="Eduardo Marques" userId="b9dd18581288d1e4" providerId="Windows Live" clId="Web-{9C965AD5-0C24-4130-8A54-FC63A3CD0D4B}" dt="2020-10-16T22:35:45.903" v="13"/>
+          <ac:cxnSpMkLst>
+            <pc:docMk/>
+            <pc:sldMk cId="380695029" sldId="259"/>
+            <ac:cxnSpMk id="6" creationId="{DEDBB86F-4A66-4BA5-9A3F-81231A6631F4}"/>
+          </ac:cxnSpMkLst>
+        </pc:cxnChg>
+        <pc:cxnChg chg="del">
+          <ac:chgData name="Eduardo Marques" userId="b9dd18581288d1e4" providerId="Windows Live" clId="Web-{9C965AD5-0C24-4130-8A54-FC63A3CD0D4B}" dt="2020-10-16T22:35:46.528" v="14"/>
+          <ac:cxnSpMkLst>
+            <pc:docMk/>
+            <pc:sldMk cId="380695029" sldId="259"/>
+            <ac:cxnSpMk id="16" creationId="{E0D4ECE4-DDEA-46AC-98FC-FAFB281FDFA9}"/>
+          </ac:cxnSpMkLst>
+        </pc:cxnChg>
+        <pc:cxnChg chg="del">
+          <ac:chgData name="Eduardo Marques" userId="b9dd18581288d1e4" providerId="Windows Live" clId="Web-{9C965AD5-0C24-4130-8A54-FC63A3CD0D4B}" dt="2020-10-16T22:35:40.309" v="3"/>
+          <ac:cxnSpMkLst>
+            <pc:docMk/>
+            <pc:sldMk cId="380695029" sldId="259"/>
+            <ac:cxnSpMk id="23" creationId="{2C9C0581-CA11-443B-832E-67384E3C344C}"/>
+          </ac:cxnSpMkLst>
+        </pc:cxnChg>
+        <pc:cxnChg chg="del">
+          <ac:chgData name="Eduardo Marques" userId="b9dd18581288d1e4" providerId="Windows Live" clId="Web-{9C965AD5-0C24-4130-8A54-FC63A3CD0D4B}" dt="2020-10-16T22:35:46.887" v="15"/>
+          <ac:cxnSpMkLst>
+            <pc:docMk/>
+            <pc:sldMk cId="380695029" sldId="259"/>
+            <ac:cxnSpMk id="25" creationId="{CDFEC531-2A2F-499E-9FE0-CDD23A5FE9BD}"/>
+          </ac:cxnSpMkLst>
+        </pc:cxnChg>
+        <pc:cxnChg chg="del">
+          <ac:chgData name="Eduardo Marques" userId="b9dd18581288d1e4" providerId="Windows Live" clId="Web-{9C965AD5-0C24-4130-8A54-FC63A3CD0D4B}" dt="2020-10-16T22:35:41.450" v="5"/>
+          <ac:cxnSpMkLst>
+            <pc:docMk/>
+            <pc:sldMk cId="380695029" sldId="259"/>
+            <ac:cxnSpMk id="29" creationId="{9382698B-A6E5-45CE-8EFA-D912CF06712C}"/>
+          </ac:cxnSpMkLst>
+        </pc:cxnChg>
+      </pc:sldChg>
+    </pc:docChg>
+  </pc:docChgLst>
   <pc:docChgLst>
     <pc:chgData name="Eduardo Marques" userId="b9dd18581288d1e4" providerId="Windows Live" clId="Web-{81F0A7FE-0D53-4F8F-AAA3-505379F38082}"/>
     <pc:docChg chg="modSld">
@@ -144,6 +430,822 @@
         </pc:sldMkLst>
         <pc:spChg chg="mod">
           <ac:chgData name="Eduardo Marques" userId="b9dd18581288d1e4" providerId="Windows Live" clId="Web-{81F0A7FE-0D53-4F8F-AAA3-505379F38082}" dt="2020-09-26T14:13:10.426" v="32" actId="20577"/>
+          <ac:spMkLst>
+            <pc:docMk/>
+            <pc:sldMk cId="380695029" sldId="259"/>
+            <ac:spMk id="3" creationId="{347FC2B7-BA24-4B90-B1F8-48AD93BDA9D8}"/>
+          </ac:spMkLst>
+        </pc:spChg>
+      </pc:sldChg>
+    </pc:docChg>
+  </pc:docChgLst>
+  <pc:docChgLst>
+    <pc:chgData name="Eduardo Marques" userId="b9dd18581288d1e4" providerId="Windows Live" clId="Web-{DA2C4D56-67D7-4012-8AE1-FB4EAFC86F41}"/>
+    <pc:docChg chg="addSld modSld">
+      <pc:chgData name="Eduardo Marques" userId="b9dd18581288d1e4" providerId="Windows Live" clId="Web-{DA2C4D56-67D7-4012-8AE1-FB4EAFC86F41}" dt="2020-10-22T02:50:25.898" v="46" actId="14100"/>
+      <pc:docMkLst>
+        <pc:docMk/>
+      </pc:docMkLst>
+      <pc:sldChg chg="addSp delSp modSp new">
+        <pc:chgData name="Eduardo Marques" userId="b9dd18581288d1e4" providerId="Windows Live" clId="Web-{DA2C4D56-67D7-4012-8AE1-FB4EAFC86F41}" dt="2020-10-22T02:46:48.221" v="23" actId="1076"/>
+        <pc:sldMkLst>
+          <pc:docMk/>
+          <pc:sldMk cId="794741976" sldId="260"/>
+        </pc:sldMkLst>
+        <pc:spChg chg="del">
+          <ac:chgData name="Eduardo Marques" userId="b9dd18581288d1e4" providerId="Windows Live" clId="Web-{DA2C4D56-67D7-4012-8AE1-FB4EAFC86F41}" dt="2020-10-22T02:38:28.522" v="5"/>
+          <ac:spMkLst>
+            <pc:docMk/>
+            <pc:sldMk cId="794741976" sldId="260"/>
+            <ac:spMk id="2" creationId="{8AC96FE2-21D4-45EE-82B6-DD659C3D5E26}"/>
+          </ac:spMkLst>
+        </pc:spChg>
+        <pc:spChg chg="del">
+          <ac:chgData name="Eduardo Marques" userId="b9dd18581288d1e4" providerId="Windows Live" clId="Web-{DA2C4D56-67D7-4012-8AE1-FB4EAFC86F41}" dt="2020-10-22T02:38:29.662" v="6"/>
+          <ac:spMkLst>
+            <pc:docMk/>
+            <pc:sldMk cId="794741976" sldId="260"/>
+            <ac:spMk id="3" creationId="{21E93543-0049-4E51-9159-7A2F05730677}"/>
+          </ac:spMkLst>
+        </pc:spChg>
+        <pc:picChg chg="add mod">
+          <ac:chgData name="Eduardo Marques" userId="b9dd18581288d1e4" providerId="Windows Live" clId="Web-{DA2C4D56-67D7-4012-8AE1-FB4EAFC86F41}" dt="2020-10-22T02:46:48.221" v="23" actId="1076"/>
+          <ac:picMkLst>
+            <pc:docMk/>
+            <pc:sldMk cId="794741976" sldId="260"/>
+            <ac:picMk id="4" creationId="{4C820C70-B8C8-4B92-BA3A-195B6A5B149E}"/>
+          </ac:picMkLst>
+        </pc:picChg>
+      </pc:sldChg>
+      <pc:sldChg chg="addSp delSp modSp new">
+        <pc:chgData name="Eduardo Marques" userId="b9dd18581288d1e4" providerId="Windows Live" clId="Web-{DA2C4D56-67D7-4012-8AE1-FB4EAFC86F41}" dt="2020-10-22T02:47:42.332" v="28" actId="1076"/>
+        <pc:sldMkLst>
+          <pc:docMk/>
+          <pc:sldMk cId="2802243338" sldId="261"/>
+        </pc:sldMkLst>
+        <pc:spChg chg="del">
+          <ac:chgData name="Eduardo Marques" userId="b9dd18581288d1e4" providerId="Windows Live" clId="Web-{DA2C4D56-67D7-4012-8AE1-FB4EAFC86F41}" dt="2020-10-22T02:38:32.897" v="7"/>
+          <ac:spMkLst>
+            <pc:docMk/>
+            <pc:sldMk cId="2802243338" sldId="261"/>
+            <ac:spMk id="2" creationId="{BB2047C4-2735-4475-B068-91FDD5043BA7}"/>
+          </ac:spMkLst>
+        </pc:spChg>
+        <pc:spChg chg="del">
+          <ac:chgData name="Eduardo Marques" userId="b9dd18581288d1e4" providerId="Windows Live" clId="Web-{DA2C4D56-67D7-4012-8AE1-FB4EAFC86F41}" dt="2020-10-22T02:38:33.600" v="8"/>
+          <ac:spMkLst>
+            <pc:docMk/>
+            <pc:sldMk cId="2802243338" sldId="261"/>
+            <ac:spMk id="3" creationId="{570A092A-6F56-430C-9C78-B55169FE2BD7}"/>
+          </ac:spMkLst>
+        </pc:spChg>
+        <pc:picChg chg="add mod">
+          <ac:chgData name="Eduardo Marques" userId="b9dd18581288d1e4" providerId="Windows Live" clId="Web-{DA2C4D56-67D7-4012-8AE1-FB4EAFC86F41}" dt="2020-10-22T02:47:42.332" v="28" actId="1076"/>
+          <ac:picMkLst>
+            <pc:docMk/>
+            <pc:sldMk cId="2802243338" sldId="261"/>
+            <ac:picMk id="4" creationId="{9197F1FD-D9D1-4E48-BD6E-21E66CBA70A9}"/>
+          </ac:picMkLst>
+        </pc:picChg>
+      </pc:sldChg>
+      <pc:sldChg chg="addSp delSp modSp new">
+        <pc:chgData name="Eduardo Marques" userId="b9dd18581288d1e4" providerId="Windows Live" clId="Web-{DA2C4D56-67D7-4012-8AE1-FB4EAFC86F41}" dt="2020-10-22T02:48:55.380" v="34" actId="1076"/>
+        <pc:sldMkLst>
+          <pc:docMk/>
+          <pc:sldMk cId="2407294601" sldId="262"/>
+        </pc:sldMkLst>
+        <pc:spChg chg="del">
+          <ac:chgData name="Eduardo Marques" userId="b9dd18581288d1e4" providerId="Windows Live" clId="Web-{DA2C4D56-67D7-4012-8AE1-FB4EAFC86F41}" dt="2020-10-22T02:38:35.256" v="9"/>
+          <ac:spMkLst>
+            <pc:docMk/>
+            <pc:sldMk cId="2407294601" sldId="262"/>
+            <ac:spMk id="2" creationId="{3D7D2EEB-7023-4590-9AD1-4B7A44570D1E}"/>
+          </ac:spMkLst>
+        </pc:spChg>
+        <pc:spChg chg="del">
+          <ac:chgData name="Eduardo Marques" userId="b9dd18581288d1e4" providerId="Windows Live" clId="Web-{DA2C4D56-67D7-4012-8AE1-FB4EAFC86F41}" dt="2020-10-22T02:38:36.209" v="10"/>
+          <ac:spMkLst>
+            <pc:docMk/>
+            <pc:sldMk cId="2407294601" sldId="262"/>
+            <ac:spMk id="3" creationId="{A9F57B85-36FF-49D4-8A3D-1E9F13549B13}"/>
+          </ac:spMkLst>
+        </pc:spChg>
+        <pc:picChg chg="add mod">
+          <ac:chgData name="Eduardo Marques" userId="b9dd18581288d1e4" providerId="Windows Live" clId="Web-{DA2C4D56-67D7-4012-8AE1-FB4EAFC86F41}" dt="2020-10-22T02:48:55.380" v="34" actId="1076"/>
+          <ac:picMkLst>
+            <pc:docMk/>
+            <pc:sldMk cId="2407294601" sldId="262"/>
+            <ac:picMk id="4" creationId="{E9D2DA22-E818-4D32-A70A-91D947D84079}"/>
+          </ac:picMkLst>
+        </pc:picChg>
+      </pc:sldChg>
+      <pc:sldChg chg="addSp delSp modSp new">
+        <pc:chgData name="Eduardo Marques" userId="b9dd18581288d1e4" providerId="Windows Live" clId="Web-{DA2C4D56-67D7-4012-8AE1-FB4EAFC86F41}" dt="2020-10-22T02:49:45.975" v="41" actId="1076"/>
+        <pc:sldMkLst>
+          <pc:docMk/>
+          <pc:sldMk cId="903245640" sldId="263"/>
+        </pc:sldMkLst>
+        <pc:spChg chg="del">
+          <ac:chgData name="Eduardo Marques" userId="b9dd18581288d1e4" providerId="Windows Live" clId="Web-{DA2C4D56-67D7-4012-8AE1-FB4EAFC86F41}" dt="2020-10-22T02:38:37.944" v="11"/>
+          <ac:spMkLst>
+            <pc:docMk/>
+            <pc:sldMk cId="903245640" sldId="263"/>
+            <ac:spMk id="2" creationId="{47FED4A2-5DAC-4E8E-AAC7-23AD0BD16116}"/>
+          </ac:spMkLst>
+        </pc:spChg>
+        <pc:spChg chg="del">
+          <ac:chgData name="Eduardo Marques" userId="b9dd18581288d1e4" providerId="Windows Live" clId="Web-{DA2C4D56-67D7-4012-8AE1-FB4EAFC86F41}" dt="2020-10-22T02:38:38.928" v="12"/>
+          <ac:spMkLst>
+            <pc:docMk/>
+            <pc:sldMk cId="903245640" sldId="263"/>
+            <ac:spMk id="3" creationId="{50703535-3E4D-405C-91D0-0E0EFDFC577E}"/>
+          </ac:spMkLst>
+        </pc:spChg>
+        <pc:picChg chg="add mod">
+          <ac:chgData name="Eduardo Marques" userId="b9dd18581288d1e4" providerId="Windows Live" clId="Web-{DA2C4D56-67D7-4012-8AE1-FB4EAFC86F41}" dt="2020-10-22T02:49:45.975" v="41" actId="1076"/>
+          <ac:picMkLst>
+            <pc:docMk/>
+            <pc:sldMk cId="903245640" sldId="263"/>
+            <ac:picMk id="4" creationId="{699CFC04-B36B-43FC-8AF6-8BCCC7EC0E83}"/>
+          </ac:picMkLst>
+        </pc:picChg>
+      </pc:sldChg>
+      <pc:sldChg chg="addSp delSp modSp new">
+        <pc:chgData name="Eduardo Marques" userId="b9dd18581288d1e4" providerId="Windows Live" clId="Web-{DA2C4D56-67D7-4012-8AE1-FB4EAFC86F41}" dt="2020-10-22T02:50:25.898" v="46" actId="14100"/>
+        <pc:sldMkLst>
+          <pc:docMk/>
+          <pc:sldMk cId="1100209163" sldId="264"/>
+        </pc:sldMkLst>
+        <pc:spChg chg="del">
+          <ac:chgData name="Eduardo Marques" userId="b9dd18581288d1e4" providerId="Windows Live" clId="Web-{DA2C4D56-67D7-4012-8AE1-FB4EAFC86F41}" dt="2020-10-22T02:38:42.428" v="13"/>
+          <ac:spMkLst>
+            <pc:docMk/>
+            <pc:sldMk cId="1100209163" sldId="264"/>
+            <ac:spMk id="2" creationId="{7300F02F-C00C-42F1-811D-C40276B6E09D}"/>
+          </ac:spMkLst>
+        </pc:spChg>
+        <pc:spChg chg="del">
+          <ac:chgData name="Eduardo Marques" userId="b9dd18581288d1e4" providerId="Windows Live" clId="Web-{DA2C4D56-67D7-4012-8AE1-FB4EAFC86F41}" dt="2020-10-22T02:38:43.335" v="14"/>
+          <ac:spMkLst>
+            <pc:docMk/>
+            <pc:sldMk cId="1100209163" sldId="264"/>
+            <ac:spMk id="3" creationId="{D57EA383-1B92-4D80-86FE-47674201BB00}"/>
+          </ac:spMkLst>
+        </pc:spChg>
+        <pc:picChg chg="add mod">
+          <ac:chgData name="Eduardo Marques" userId="b9dd18581288d1e4" providerId="Windows Live" clId="Web-{DA2C4D56-67D7-4012-8AE1-FB4EAFC86F41}" dt="2020-10-22T02:50:25.898" v="46" actId="14100"/>
+          <ac:picMkLst>
+            <pc:docMk/>
+            <pc:sldMk cId="1100209163" sldId="264"/>
+            <ac:picMk id="4" creationId="{8551A667-AFBD-4C72-9091-A1688C112F59}"/>
+          </ac:picMkLst>
+        </pc:picChg>
+      </pc:sldChg>
+    </pc:docChg>
+  </pc:docChgLst>
+  <pc:docChgLst>
+    <pc:chgData name="Eduardo Marques" userId="b9dd18581288d1e4" providerId="Windows Live" clId="Web-{CA5FE1B1-CDD2-413E-9ED0-FCBA57181400}"/>
+    <pc:docChg chg="modSld">
+      <pc:chgData name="Eduardo Marques" userId="b9dd18581288d1e4" providerId="Windows Live" clId="Web-{CA5FE1B1-CDD2-413E-9ED0-FCBA57181400}" dt="2020-10-17T04:12:38.953" v="5" actId="14100"/>
+      <pc:docMkLst>
+        <pc:docMk/>
+      </pc:docMkLst>
+      <pc:sldChg chg="addSp delSp modSp">
+        <pc:chgData name="Eduardo Marques" userId="b9dd18581288d1e4" providerId="Windows Live" clId="Web-{CA5FE1B1-CDD2-413E-9ED0-FCBA57181400}" dt="2020-10-17T04:12:38.953" v="5" actId="14100"/>
+        <pc:sldMkLst>
+          <pc:docMk/>
+          <pc:sldMk cId="4164410817" sldId="258"/>
+        </pc:sldMkLst>
+        <pc:picChg chg="del">
+          <ac:chgData name="Eduardo Marques" userId="b9dd18581288d1e4" providerId="Windows Live" clId="Web-{CA5FE1B1-CDD2-413E-9ED0-FCBA57181400}" dt="2020-10-17T04:12:21.665" v="0"/>
+          <ac:picMkLst>
+            <pc:docMk/>
+            <pc:sldMk cId="4164410817" sldId="258"/>
+            <ac:picMk id="2" creationId="{832534A1-DE6F-4D02-AEC5-7DE63FBB0EE8}"/>
+          </ac:picMkLst>
+        </pc:picChg>
+        <pc:picChg chg="add mod">
+          <ac:chgData name="Eduardo Marques" userId="b9dd18581288d1e4" providerId="Windows Live" clId="Web-{CA5FE1B1-CDD2-413E-9ED0-FCBA57181400}" dt="2020-10-17T04:12:38.953" v="5" actId="14100"/>
+          <ac:picMkLst>
+            <pc:docMk/>
+            <pc:sldMk cId="4164410817" sldId="258"/>
+            <ac:picMk id="4" creationId="{A4CD9DEF-7964-482C-B37B-EB0E30FB9487}"/>
+          </ac:picMkLst>
+        </pc:picChg>
+      </pc:sldChg>
+    </pc:docChg>
+  </pc:docChgLst>
+  <pc:docChgLst>
+    <pc:chgData name="Eduardo Marques" userId="b9dd18581288d1e4" providerId="Windows Live" clId="Web-{737E9A05-8907-446D-A8C3-13D1D7DFBBAE}"/>
+    <pc:docChg chg="modSld">
+      <pc:chgData name="Eduardo Marques" userId="b9dd18581288d1e4" providerId="Windows Live" clId="Web-{737E9A05-8907-446D-A8C3-13D1D7DFBBAE}" dt="2020-10-17T00:22:45.973" v="92" actId="14100"/>
+      <pc:docMkLst>
+        <pc:docMk/>
+      </pc:docMkLst>
+      <pc:sldChg chg="addSp delSp modSp">
+        <pc:chgData name="Eduardo Marques" userId="b9dd18581288d1e4" providerId="Windows Live" clId="Web-{737E9A05-8907-446D-A8C3-13D1D7DFBBAE}" dt="2020-10-17T00:22:45.973" v="92" actId="14100"/>
+        <pc:sldMkLst>
+          <pc:docMk/>
+          <pc:sldMk cId="4164410817" sldId="258"/>
+        </pc:sldMkLst>
+        <pc:spChg chg="add mod">
+          <ac:chgData name="Eduardo Marques" userId="b9dd18581288d1e4" providerId="Windows Live" clId="Web-{737E9A05-8907-446D-A8C3-13D1D7DFBBAE}" dt="2020-10-17T00:21:33.752" v="82" actId="14100"/>
+          <ac:spMkLst>
+            <pc:docMk/>
+            <pc:sldMk cId="4164410817" sldId="258"/>
+            <ac:spMk id="3" creationId="{308852E3-16DA-426F-A1B0-5AEAE5D45351}"/>
+          </ac:spMkLst>
+        </pc:spChg>
+        <pc:spChg chg="add del mod">
+          <ac:chgData name="Eduardo Marques" userId="b9dd18581288d1e4" providerId="Windows Live" clId="Web-{737E9A05-8907-446D-A8C3-13D1D7DFBBAE}" dt="2020-10-17T00:22:31.566" v="88"/>
+          <ac:spMkLst>
+            <pc:docMk/>
+            <pc:sldMk cId="4164410817" sldId="258"/>
+            <ac:spMk id="5" creationId="{8288138C-E0A4-4C32-A27C-ACAA5C5065D2}"/>
+          </ac:spMkLst>
+        </pc:spChg>
+        <pc:spChg chg="del">
+          <ac:chgData name="Eduardo Marques" userId="b9dd18581288d1e4" providerId="Windows Live" clId="Web-{737E9A05-8907-446D-A8C3-13D1D7DFBBAE}" dt="2020-10-17T00:20:41.407" v="39"/>
+          <ac:spMkLst>
+            <pc:docMk/>
+            <pc:sldMk cId="4164410817" sldId="258"/>
+            <ac:spMk id="29" creationId="{AD6E2882-5F63-4FA2-AAEB-FED9AF0D0010}"/>
+          </ac:spMkLst>
+        </pc:spChg>
+        <pc:spChg chg="del">
+          <ac:chgData name="Eduardo Marques" userId="b9dd18581288d1e4" providerId="Windows Live" clId="Web-{737E9A05-8907-446D-A8C3-13D1D7DFBBAE}" dt="2020-10-17T00:20:41.407" v="38"/>
+          <ac:spMkLst>
+            <pc:docMk/>
+            <pc:sldMk cId="4164410817" sldId="258"/>
+            <ac:spMk id="31" creationId="{E68F68BA-5CDE-4218-8145-29DD96CE59C1}"/>
+          </ac:spMkLst>
+        </pc:spChg>
+        <pc:spChg chg="del">
+          <ac:chgData name="Eduardo Marques" userId="b9dd18581288d1e4" providerId="Windows Live" clId="Web-{737E9A05-8907-446D-A8C3-13D1D7DFBBAE}" dt="2020-10-17T00:20:41.407" v="36"/>
+          <ac:spMkLst>
+            <pc:docMk/>
+            <pc:sldMk cId="4164410817" sldId="258"/>
+            <ac:spMk id="35" creationId="{2538CAC5-0B3A-4333-8698-1779340F6656}"/>
+          </ac:spMkLst>
+        </pc:spChg>
+        <pc:spChg chg="del">
+          <ac:chgData name="Eduardo Marques" userId="b9dd18581288d1e4" providerId="Windows Live" clId="Web-{737E9A05-8907-446D-A8C3-13D1D7DFBBAE}" dt="2020-10-17T00:20:41.407" v="34"/>
+          <ac:spMkLst>
+            <pc:docMk/>
+            <pc:sldMk cId="4164410817" sldId="258"/>
+            <ac:spMk id="43" creationId="{F0909070-772F-4C9B-A118-A4D1094D8869}"/>
+          </ac:spMkLst>
+        </pc:spChg>
+        <pc:spChg chg="del">
+          <ac:chgData name="Eduardo Marques" userId="b9dd18581288d1e4" providerId="Windows Live" clId="Web-{737E9A05-8907-446D-A8C3-13D1D7DFBBAE}" dt="2020-10-17T00:20:41.407" v="32"/>
+          <ac:spMkLst>
+            <pc:docMk/>
+            <pc:sldMk cId="4164410817" sldId="258"/>
+            <ac:spMk id="47" creationId="{15B8EE82-7609-47B1-AEAF-5630E965E3A1}"/>
+          </ac:spMkLst>
+        </pc:spChg>
+        <pc:spChg chg="del">
+          <ac:chgData name="Eduardo Marques" userId="b9dd18581288d1e4" providerId="Windows Live" clId="Web-{737E9A05-8907-446D-A8C3-13D1D7DFBBAE}" dt="2020-10-17T00:20:41.407" v="30"/>
+          <ac:spMkLst>
+            <pc:docMk/>
+            <pc:sldMk cId="4164410817" sldId="258"/>
+            <ac:spMk id="51" creationId="{0C542B54-9798-4915-B684-4B37412ACD86}"/>
+          </ac:spMkLst>
+        </pc:spChg>
+        <pc:spChg chg="del">
+          <ac:chgData name="Eduardo Marques" userId="b9dd18581288d1e4" providerId="Windows Live" clId="Web-{737E9A05-8907-446D-A8C3-13D1D7DFBBAE}" dt="2020-10-17T00:20:41.407" v="28"/>
+          <ac:spMkLst>
+            <pc:docMk/>
+            <pc:sldMk cId="4164410817" sldId="258"/>
+            <ac:spMk id="74" creationId="{846FC8A2-8D81-4232-989F-B4AFDC69113F}"/>
+          </ac:spMkLst>
+        </pc:spChg>
+        <pc:spChg chg="del mod">
+          <ac:chgData name="Eduardo Marques" userId="b9dd18581288d1e4" providerId="Windows Live" clId="Web-{737E9A05-8907-446D-A8C3-13D1D7DFBBAE}" dt="2020-10-17T00:20:53.001" v="59"/>
+          <ac:spMkLst>
+            <pc:docMk/>
+            <pc:sldMk cId="4164410817" sldId="258"/>
+            <ac:spMk id="75" creationId="{EF268438-E457-4CA6-B1E7-51526B9EFD58}"/>
+          </ac:spMkLst>
+        </pc:spChg>
+        <pc:spChg chg="del">
+          <ac:chgData name="Eduardo Marques" userId="b9dd18581288d1e4" providerId="Windows Live" clId="Web-{737E9A05-8907-446D-A8C3-13D1D7DFBBAE}" dt="2020-10-17T00:20:41.407" v="27"/>
+          <ac:spMkLst>
+            <pc:docMk/>
+            <pc:sldMk cId="4164410817" sldId="258"/>
+            <ac:spMk id="76" creationId="{B67112AA-7335-448D-B321-68BB8F8C2E3F}"/>
+          </ac:spMkLst>
+        </pc:spChg>
+        <pc:picChg chg="add del mod">
+          <ac:chgData name="Eduardo Marques" userId="b9dd18581288d1e4" providerId="Windows Live" clId="Web-{737E9A05-8907-446D-A8C3-13D1D7DFBBAE}" dt="2020-10-17T00:22:12.378" v="83"/>
+          <ac:picMkLst>
+            <pc:docMk/>
+            <pc:sldMk cId="4164410817" sldId="258"/>
+            <ac:picMk id="2" creationId="{8263C195-3B6E-44DD-A00D-B8F5498524E3}"/>
+          </ac:picMkLst>
+        </pc:picChg>
+        <pc:picChg chg="add mod">
+          <ac:chgData name="Eduardo Marques" userId="b9dd18581288d1e4" providerId="Windows Live" clId="Web-{737E9A05-8907-446D-A8C3-13D1D7DFBBAE}" dt="2020-10-17T00:22:45.973" v="92" actId="14100"/>
+          <ac:picMkLst>
+            <pc:docMk/>
+            <pc:sldMk cId="4164410817" sldId="258"/>
+            <ac:picMk id="4" creationId="{546F0094-6A56-4B1B-A44C-63E0639D5CB7}"/>
+          </ac:picMkLst>
+        </pc:picChg>
+        <pc:cxnChg chg="del">
+          <ac:chgData name="Eduardo Marques" userId="b9dd18581288d1e4" providerId="Windows Live" clId="Web-{737E9A05-8907-446D-A8C3-13D1D7DFBBAE}" dt="2020-10-17T00:20:41.407" v="47"/>
+          <ac:cxnSpMkLst>
+            <pc:docMk/>
+            <pc:sldMk cId="4164410817" sldId="258"/>
+            <ac:cxnSpMk id="11" creationId="{0BA6BFCC-1D20-40E0-854F-CFF7A288BB0B}"/>
+          </ac:cxnSpMkLst>
+        </pc:cxnChg>
+        <pc:cxnChg chg="del">
+          <ac:chgData name="Eduardo Marques" userId="b9dd18581288d1e4" providerId="Windows Live" clId="Web-{737E9A05-8907-446D-A8C3-13D1D7DFBBAE}" dt="2020-10-17T00:20:41.407" v="46"/>
+          <ac:cxnSpMkLst>
+            <pc:docMk/>
+            <pc:sldMk cId="4164410817" sldId="258"/>
+            <ac:cxnSpMk id="13" creationId="{1F8672DE-951F-43E3-AE1F-BA27E9DE534B}"/>
+          </ac:cxnSpMkLst>
+        </pc:cxnChg>
+        <pc:cxnChg chg="del">
+          <ac:chgData name="Eduardo Marques" userId="b9dd18581288d1e4" providerId="Windows Live" clId="Web-{737E9A05-8907-446D-A8C3-13D1D7DFBBAE}" dt="2020-10-17T00:20:41.407" v="45"/>
+          <ac:cxnSpMkLst>
+            <pc:docMk/>
+            <pc:sldMk cId="4164410817" sldId="258"/>
+            <ac:cxnSpMk id="15" creationId="{EA2732CD-25F2-4C82-B5E2-E5D6C47585E0}"/>
+          </ac:cxnSpMkLst>
+        </pc:cxnChg>
+        <pc:cxnChg chg="del">
+          <ac:chgData name="Eduardo Marques" userId="b9dd18581288d1e4" providerId="Windows Live" clId="Web-{737E9A05-8907-446D-A8C3-13D1D7DFBBAE}" dt="2020-10-17T00:20:41.407" v="44"/>
+          <ac:cxnSpMkLst>
+            <pc:docMk/>
+            <pc:sldMk cId="4164410817" sldId="258"/>
+            <ac:cxnSpMk id="17" creationId="{7034688D-7504-4927-ABEC-0696D65905F8}"/>
+          </ac:cxnSpMkLst>
+        </pc:cxnChg>
+        <pc:cxnChg chg="del">
+          <ac:chgData name="Eduardo Marques" userId="b9dd18581288d1e4" providerId="Windows Live" clId="Web-{737E9A05-8907-446D-A8C3-13D1D7DFBBAE}" dt="2020-10-17T00:20:41.407" v="43"/>
+          <ac:cxnSpMkLst>
+            <pc:docMk/>
+            <pc:sldMk cId="4164410817" sldId="258"/>
+            <ac:cxnSpMk id="19" creationId="{20C2EF9D-F077-440D-9A98-7D3BBDCD1507}"/>
+          </ac:cxnSpMkLst>
+        </pc:cxnChg>
+        <pc:cxnChg chg="del">
+          <ac:chgData name="Eduardo Marques" userId="b9dd18581288d1e4" providerId="Windows Live" clId="Web-{737E9A05-8907-446D-A8C3-13D1D7DFBBAE}" dt="2020-10-17T00:20:41.407" v="42"/>
+          <ac:cxnSpMkLst>
+            <pc:docMk/>
+            <pc:sldMk cId="4164410817" sldId="258"/>
+            <ac:cxnSpMk id="21" creationId="{B73BDEC3-A71A-433D-8AFE-CB4C1FD316FD}"/>
+          </ac:cxnSpMkLst>
+        </pc:cxnChg>
+        <pc:cxnChg chg="del">
+          <ac:chgData name="Eduardo Marques" userId="b9dd18581288d1e4" providerId="Windows Live" clId="Web-{737E9A05-8907-446D-A8C3-13D1D7DFBBAE}" dt="2020-10-17T00:20:41.407" v="41"/>
+          <ac:cxnSpMkLst>
+            <pc:docMk/>
+            <pc:sldMk cId="4164410817" sldId="258"/>
+            <ac:cxnSpMk id="23" creationId="{D9B914A6-C54C-457D-A9B7-F9E8FF9CF857}"/>
+          </ac:cxnSpMkLst>
+        </pc:cxnChg>
+        <pc:cxnChg chg="del">
+          <ac:chgData name="Eduardo Marques" userId="b9dd18581288d1e4" providerId="Windows Live" clId="Web-{737E9A05-8907-446D-A8C3-13D1D7DFBBAE}" dt="2020-10-17T00:20:41.407" v="40"/>
+          <ac:cxnSpMkLst>
+            <pc:docMk/>
+            <pc:sldMk cId="4164410817" sldId="258"/>
+            <ac:cxnSpMk id="25" creationId="{52772AFB-F906-466F-97C6-624ADDE8950A}"/>
+          </ac:cxnSpMkLst>
+        </pc:cxnChg>
+        <pc:cxnChg chg="del">
+          <ac:chgData name="Eduardo Marques" userId="b9dd18581288d1e4" providerId="Windows Live" clId="Web-{737E9A05-8907-446D-A8C3-13D1D7DFBBAE}" dt="2020-10-17T00:20:41.407" v="37"/>
+          <ac:cxnSpMkLst>
+            <pc:docMk/>
+            <pc:sldMk cId="4164410817" sldId="258"/>
+            <ac:cxnSpMk id="33" creationId="{89E41414-AF67-4650-842E-D8FC262C1D5A}"/>
+          </ac:cxnSpMkLst>
+        </pc:cxnChg>
+        <pc:cxnChg chg="del">
+          <ac:chgData name="Eduardo Marques" userId="b9dd18581288d1e4" providerId="Windows Live" clId="Web-{737E9A05-8907-446D-A8C3-13D1D7DFBBAE}" dt="2020-10-17T00:20:41.407" v="35"/>
+          <ac:cxnSpMkLst>
+            <pc:docMk/>
+            <pc:sldMk cId="4164410817" sldId="258"/>
+            <ac:cxnSpMk id="37" creationId="{0B028723-2C85-45D3-BE6D-7C68B789AC9C}"/>
+          </ac:cxnSpMkLst>
+        </pc:cxnChg>
+        <pc:cxnChg chg="del">
+          <ac:chgData name="Eduardo Marques" userId="b9dd18581288d1e4" providerId="Windows Live" clId="Web-{737E9A05-8907-446D-A8C3-13D1D7DFBBAE}" dt="2020-10-17T00:20:41.407" v="33"/>
+          <ac:cxnSpMkLst>
+            <pc:docMk/>
+            <pc:sldMk cId="4164410817" sldId="258"/>
+            <ac:cxnSpMk id="45" creationId="{886D6BE3-6FA4-4E1E-8CFE-C75FAF4BD6CE}"/>
+          </ac:cxnSpMkLst>
+        </pc:cxnChg>
+        <pc:cxnChg chg="del">
+          <ac:chgData name="Eduardo Marques" userId="b9dd18581288d1e4" providerId="Windows Live" clId="Web-{737E9A05-8907-446D-A8C3-13D1D7DFBBAE}" dt="2020-10-17T00:20:41.407" v="31"/>
+          <ac:cxnSpMkLst>
+            <pc:docMk/>
+            <pc:sldMk cId="4164410817" sldId="258"/>
+            <ac:cxnSpMk id="49" creationId="{A18D0698-E307-4000-A5D5-585A061762D6}"/>
+          </ac:cxnSpMkLst>
+        </pc:cxnChg>
+        <pc:cxnChg chg="del">
+          <ac:chgData name="Eduardo Marques" userId="b9dd18581288d1e4" providerId="Windows Live" clId="Web-{737E9A05-8907-446D-A8C3-13D1D7DFBBAE}" dt="2020-10-17T00:20:41.407" v="29"/>
+          <ac:cxnSpMkLst>
+            <pc:docMk/>
+            <pc:sldMk cId="4164410817" sldId="258"/>
+            <ac:cxnSpMk id="59" creationId="{F154A172-F16C-44D0-985E-25ABB5466534}"/>
+          </ac:cxnSpMkLst>
+        </pc:cxnChg>
+      </pc:sldChg>
+      <pc:sldChg chg="addSp delSp modSp">
+        <pc:chgData name="Eduardo Marques" userId="b9dd18581288d1e4" providerId="Windows Live" clId="Web-{737E9A05-8907-446D-A8C3-13D1D7DFBBAE}" dt="2020-10-16T23:53:46.090" v="26" actId="14100"/>
+        <pc:sldMkLst>
+          <pc:docMk/>
+          <pc:sldMk cId="380695029" sldId="259"/>
+        </pc:sldMkLst>
+        <pc:spChg chg="add del mod">
+          <ac:chgData name="Eduardo Marques" userId="b9dd18581288d1e4" providerId="Windows Live" clId="Web-{737E9A05-8907-446D-A8C3-13D1D7DFBBAE}" dt="2020-10-16T23:05:20.147" v="7"/>
+          <ac:spMkLst>
+            <pc:docMk/>
+            <pc:sldMk cId="380695029" sldId="259"/>
+            <ac:spMk id="2" creationId="{DD29DB8A-7FA6-4B43-831E-D6DF70ED914E}"/>
+          </ac:spMkLst>
+        </pc:spChg>
+        <pc:spChg chg="del">
+          <ac:chgData name="Eduardo Marques" userId="b9dd18581288d1e4" providerId="Windows Live" clId="Web-{737E9A05-8907-446D-A8C3-13D1D7DFBBAE}" dt="2020-10-16T23:05:15.741" v="3"/>
+          <ac:spMkLst>
+            <pc:docMk/>
+            <pc:sldMk cId="380695029" sldId="259"/>
+            <ac:spMk id="3" creationId="{347FC2B7-BA24-4B90-B1F8-48AD93BDA9D8}"/>
+          </ac:spMkLst>
+        </pc:spChg>
+        <pc:spChg chg="del">
+          <ac:chgData name="Eduardo Marques" userId="b9dd18581288d1e4" providerId="Windows Live" clId="Web-{737E9A05-8907-446D-A8C3-13D1D7DFBBAE}" dt="2020-10-16T23:05:11.365" v="1"/>
+          <ac:spMkLst>
+            <pc:docMk/>
+            <pc:sldMk cId="380695029" sldId="259"/>
+            <ac:spMk id="5" creationId="{297D8B8E-3E90-4D4B-840D-CA53BD6BF5D4}"/>
+          </ac:spMkLst>
+        </pc:spChg>
+        <pc:spChg chg="add mod">
+          <ac:chgData name="Eduardo Marques" userId="b9dd18581288d1e4" providerId="Windows Live" clId="Web-{737E9A05-8907-446D-A8C3-13D1D7DFBBAE}" dt="2020-10-16T23:06:18.977" v="22" actId="1076"/>
+          <ac:spMkLst>
+            <pc:docMk/>
+            <pc:sldMk cId="380695029" sldId="259"/>
+            <ac:spMk id="6" creationId="{57A0E951-A751-4185-8FFF-D1DC2F1AD42B}"/>
+          </ac:spMkLst>
+        </pc:spChg>
+        <pc:spChg chg="del">
+          <ac:chgData name="Eduardo Marques" userId="b9dd18581288d1e4" providerId="Windows Live" clId="Web-{737E9A05-8907-446D-A8C3-13D1D7DFBBAE}" dt="2020-10-16T23:05:11.365" v="0"/>
+          <ac:spMkLst>
+            <pc:docMk/>
+            <pc:sldMk cId="380695029" sldId="259"/>
+            <ac:spMk id="9" creationId="{CC41C051-0614-4AFD-9D91-77C1974F0D15}"/>
+          </ac:spMkLst>
+        </pc:spChg>
+        <pc:picChg chg="add mod">
+          <ac:chgData name="Eduardo Marques" userId="b9dd18581288d1e4" providerId="Windows Live" clId="Web-{737E9A05-8907-446D-A8C3-13D1D7DFBBAE}" dt="2020-10-16T23:53:46.090" v="26" actId="14100"/>
+          <ac:picMkLst>
+            <pc:docMk/>
+            <pc:sldMk cId="380695029" sldId="259"/>
+            <ac:picMk id="4" creationId="{F1BAAF7B-CC18-4970-A0BF-B0810EBDAEFC}"/>
+          </ac:picMkLst>
+        </pc:picChg>
+        <pc:picChg chg="del">
+          <ac:chgData name="Eduardo Marques" userId="b9dd18581288d1e4" providerId="Windows Live" clId="Web-{737E9A05-8907-446D-A8C3-13D1D7DFBBAE}" dt="2020-10-16T23:05:14.678" v="2"/>
+          <ac:picMkLst>
+            <pc:docMk/>
+            <pc:sldMk cId="380695029" sldId="259"/>
+            <ac:picMk id="7" creationId="{C14B6780-2D11-4D73-9790-BF69A665559C}"/>
+          </ac:picMkLst>
+        </pc:picChg>
+      </pc:sldChg>
+    </pc:docChg>
+  </pc:docChgLst>
+  <pc:docChgLst>
+    <pc:chgData name="Eduardo Marques" userId="b9dd18581288d1e4" providerId="Windows Live" clId="Web-{0F2C64EE-C0FE-4513-8E58-5A5F9A11C41F}"/>
+    <pc:docChg chg="modSld">
+      <pc:chgData name="Eduardo Marques" userId="b9dd18581288d1e4" providerId="Windows Live" clId="Web-{0F2C64EE-C0FE-4513-8E58-5A5F9A11C41F}" dt="2020-10-17T01:49:34.011" v="54" actId="1076"/>
+      <pc:docMkLst>
+        <pc:docMk/>
+      </pc:docMkLst>
+      <pc:sldChg chg="addSp delSp modSp">
+        <pc:chgData name="Eduardo Marques" userId="b9dd18581288d1e4" providerId="Windows Live" clId="Web-{0F2C64EE-C0FE-4513-8E58-5A5F9A11C41F}" dt="2020-10-17T01:49:34.011" v="54" actId="1076"/>
+        <pc:sldMkLst>
+          <pc:docMk/>
+          <pc:sldMk cId="3918470033" sldId="257"/>
+        </pc:sldMkLst>
+        <pc:spChg chg="del">
+          <ac:chgData name="Eduardo Marques" userId="b9dd18581288d1e4" providerId="Windows Live" clId="Web-{0F2C64EE-C0FE-4513-8E58-5A5F9A11C41F}" dt="2020-10-17T01:43:18.960" v="13"/>
+          <ac:spMkLst>
+            <pc:docMk/>
+            <pc:sldMk cId="3918470033" sldId="257"/>
+            <ac:spMk id="2" creationId="{5DD6C70C-B6EF-40FB-AB7C-C4AFD46DB42B}"/>
+          </ac:spMkLst>
+        </pc:spChg>
+        <pc:spChg chg="del">
+          <ac:chgData name="Eduardo Marques" userId="b9dd18581288d1e4" providerId="Windows Live" clId="Web-{0F2C64EE-C0FE-4513-8E58-5A5F9A11C41F}" dt="2020-10-17T01:43:14.522" v="2"/>
+          <ac:spMkLst>
+            <pc:docMk/>
+            <pc:sldMk cId="3918470033" sldId="257"/>
+            <ac:spMk id="6" creationId="{97757566-6FF0-4BE4-AD54-C3B07D0F32C5}"/>
+          </ac:spMkLst>
+        </pc:spChg>
+        <pc:spChg chg="del">
+          <ac:chgData name="Eduardo Marques" userId="b9dd18581288d1e4" providerId="Windows Live" clId="Web-{0F2C64EE-C0FE-4513-8E58-5A5F9A11C41F}" dt="2020-10-17T01:43:28.679" v="21"/>
+          <ac:spMkLst>
+            <pc:docMk/>
+            <pc:sldMk cId="3918470033" sldId="257"/>
+            <ac:spMk id="156" creationId="{2F14F296-042C-4288-8D72-F87FDE1D8F69}"/>
+          </ac:spMkLst>
+        </pc:spChg>
+        <pc:spChg chg="del">
+          <ac:chgData name="Eduardo Marques" userId="b9dd18581288d1e4" providerId="Windows Live" clId="Web-{0F2C64EE-C0FE-4513-8E58-5A5F9A11C41F}" dt="2020-10-17T01:43:14.538" v="12"/>
+          <ac:spMkLst>
+            <pc:docMk/>
+            <pc:sldMk cId="3918470033" sldId="257"/>
+            <ac:spMk id="174" creationId="{85114B75-AA90-4810-951B-8CF7037E9F6C}"/>
+          </ac:spMkLst>
+        </pc:spChg>
+        <pc:spChg chg="del mod">
+          <ac:chgData name="Eduardo Marques" userId="b9dd18581288d1e4" providerId="Windows Live" clId="Web-{0F2C64EE-C0FE-4513-8E58-5A5F9A11C41F}" dt="2020-10-17T01:43:24.179" v="17"/>
+          <ac:spMkLst>
+            <pc:docMk/>
+            <pc:sldMk cId="3918470033" sldId="257"/>
+            <ac:spMk id="178" creationId="{67FE5E71-AFAB-4972-B305-ECA2FCB7F97D}"/>
+          </ac:spMkLst>
+        </pc:spChg>
+        <pc:spChg chg="del">
+          <ac:chgData name="Eduardo Marques" userId="b9dd18581288d1e4" providerId="Windows Live" clId="Web-{0F2C64EE-C0FE-4513-8E58-5A5F9A11C41F}" dt="2020-10-17T01:43:14.522" v="10"/>
+          <ac:spMkLst>
+            <pc:docMk/>
+            <pc:sldMk cId="3918470033" sldId="257"/>
+            <ac:spMk id="182" creationId="{C00D3D9C-6D9A-4E63-885F-CF5CDE09E4DB}"/>
+          </ac:spMkLst>
+        </pc:spChg>
+        <pc:spChg chg="del">
+          <ac:chgData name="Eduardo Marques" userId="b9dd18581288d1e4" providerId="Windows Live" clId="Web-{0F2C64EE-C0FE-4513-8E58-5A5F9A11C41F}" dt="2020-10-17T01:43:14.522" v="7"/>
+          <ac:spMkLst>
+            <pc:docMk/>
+            <pc:sldMk cId="3918470033" sldId="257"/>
+            <ac:spMk id="190" creationId="{56D1219C-2816-46B9-9757-264CF041891A}"/>
+          </ac:spMkLst>
+        </pc:spChg>
+        <pc:spChg chg="del">
+          <ac:chgData name="Eduardo Marques" userId="b9dd18581288d1e4" providerId="Windows Live" clId="Web-{0F2C64EE-C0FE-4513-8E58-5A5F9A11C41F}" dt="2020-10-17T01:43:14.522" v="5"/>
+          <ac:spMkLst>
+            <pc:docMk/>
+            <pc:sldMk cId="3918470033" sldId="257"/>
+            <ac:spMk id="194" creationId="{A47BED64-C6A2-47C0-AD8A-E4AFBD73FA19}"/>
+          </ac:spMkLst>
+        </pc:spChg>
+        <pc:spChg chg="del">
+          <ac:chgData name="Eduardo Marques" userId="b9dd18581288d1e4" providerId="Windows Live" clId="Web-{0F2C64EE-C0FE-4513-8E58-5A5F9A11C41F}" dt="2020-10-17T01:43:14.522" v="4"/>
+          <ac:spMkLst>
+            <pc:docMk/>
+            <pc:sldMk cId="3918470033" sldId="257"/>
+            <ac:spMk id="196" creationId="{119D4FE6-C8E9-41CD-8902-D23875F6882F}"/>
+          </ac:spMkLst>
+        </pc:spChg>
+        <pc:picChg chg="add del mod">
+          <ac:chgData name="Eduardo Marques" userId="b9dd18581288d1e4" providerId="Windows Live" clId="Web-{0F2C64EE-C0FE-4513-8E58-5A5F9A11C41F}" dt="2020-10-17T01:44:27.055" v="30"/>
+          <ac:picMkLst>
+            <pc:docMk/>
+            <pc:sldMk cId="3918470033" sldId="257"/>
+            <ac:picMk id="3" creationId="{9ED12355-7FD5-4D1D-A2E4-24E2087FC111}"/>
+          </ac:picMkLst>
+        </pc:picChg>
+        <pc:picChg chg="add del mod">
+          <ac:chgData name="Eduardo Marques" userId="b9dd18581288d1e4" providerId="Windows Live" clId="Web-{0F2C64EE-C0FE-4513-8E58-5A5F9A11C41F}" dt="2020-10-17T01:48:34.042" v="49"/>
+          <ac:picMkLst>
+            <pc:docMk/>
+            <pc:sldMk cId="3918470033" sldId="257"/>
+            <ac:picMk id="4" creationId="{BB8A9780-E713-4F89-B8AD-6668B090AAE2}"/>
+          </ac:picMkLst>
+        </pc:picChg>
+        <pc:picChg chg="add mod">
+          <ac:chgData name="Eduardo Marques" userId="b9dd18581288d1e4" providerId="Windows Live" clId="Web-{0F2C64EE-C0FE-4513-8E58-5A5F9A11C41F}" dt="2020-10-17T01:49:34.011" v="54" actId="1076"/>
+          <ac:picMkLst>
+            <pc:docMk/>
+            <pc:sldMk cId="3918470033" sldId="257"/>
+            <ac:picMk id="5" creationId="{DD49DC74-2B26-404F-BD29-9C3161EA3D51}"/>
+          </ac:picMkLst>
+        </pc:picChg>
+        <pc:cxnChg chg="del">
+          <ac:chgData name="Eduardo Marques" userId="b9dd18581288d1e4" providerId="Windows Live" clId="Web-{0F2C64EE-C0FE-4513-8E58-5A5F9A11C41F}" dt="2020-10-17T01:43:14.522" v="1"/>
+          <ac:cxnSpMkLst>
+            <pc:docMk/>
+            <pc:sldMk cId="3918470033" sldId="257"/>
+            <ac:cxnSpMk id="22" creationId="{DD487634-BF7B-4A17-A66F-00D892AE0CC2}"/>
+          </ac:cxnSpMkLst>
+        </pc:cxnChg>
+        <pc:cxnChg chg="del">
+          <ac:chgData name="Eduardo Marques" userId="b9dd18581288d1e4" providerId="Windows Live" clId="Web-{0F2C64EE-C0FE-4513-8E58-5A5F9A11C41F}" dt="2020-10-17T01:43:27.773" v="20"/>
+          <ac:cxnSpMkLst>
+            <pc:docMk/>
+            <pc:sldMk cId="3918470033" sldId="257"/>
+            <ac:cxnSpMk id="23" creationId="{2ED9FF81-ADC5-4B9E-8EB7-1160CFA93DCE}"/>
+          </ac:cxnSpMkLst>
+        </pc:cxnChg>
+        <pc:cxnChg chg="del">
+          <ac:chgData name="Eduardo Marques" userId="b9dd18581288d1e4" providerId="Windows Live" clId="Web-{0F2C64EE-C0FE-4513-8E58-5A5F9A11C41F}" dt="2020-10-17T01:43:14.522" v="0"/>
+          <ac:cxnSpMkLst>
+            <pc:docMk/>
+            <pc:sldMk cId="3918470033" sldId="257"/>
+            <ac:cxnSpMk id="24" creationId="{BA64A7F0-AFF7-4A8F-A376-EBE43E1B97BA}"/>
+          </ac:cxnSpMkLst>
+        </pc:cxnChg>
+        <pc:cxnChg chg="del">
+          <ac:chgData name="Eduardo Marques" userId="b9dd18581288d1e4" providerId="Windows Live" clId="Web-{0F2C64EE-C0FE-4513-8E58-5A5F9A11C41F}" dt="2020-10-17T01:43:25.523" v="19"/>
+          <ac:cxnSpMkLst>
+            <pc:docMk/>
+            <pc:sldMk cId="3918470033" sldId="257"/>
+            <ac:cxnSpMk id="25" creationId="{80E4EC68-9D15-46D5-AEBD-D77A8248098B}"/>
+          </ac:cxnSpMkLst>
+        </pc:cxnChg>
+        <pc:cxnChg chg="del">
+          <ac:chgData name="Eduardo Marques" userId="b9dd18581288d1e4" providerId="Windows Live" clId="Web-{0F2C64EE-C0FE-4513-8E58-5A5F9A11C41F}" dt="2020-10-17T01:43:29.273" v="22"/>
+          <ac:cxnSpMkLst>
+            <pc:docMk/>
+            <pc:sldMk cId="3918470033" sldId="257"/>
+            <ac:cxnSpMk id="138" creationId="{3B1ED90A-CF42-4450-9773-AB5CD8EC40F2}"/>
+          </ac:cxnSpMkLst>
+        </pc:cxnChg>
+        <pc:cxnChg chg="del">
+          <ac:chgData name="Eduardo Marques" userId="b9dd18581288d1e4" providerId="Windows Live" clId="Web-{0F2C64EE-C0FE-4513-8E58-5A5F9A11C41F}" dt="2020-10-17T01:43:25.320" v="18"/>
+          <ac:cxnSpMkLst>
+            <pc:docMk/>
+            <pc:sldMk cId="3918470033" sldId="257"/>
+            <ac:cxnSpMk id="152" creationId="{0A021F33-0CA1-4C99-967B-FB29FC904E2D}"/>
+          </ac:cxnSpMkLst>
+        </pc:cxnChg>
+        <pc:cxnChg chg="del">
+          <ac:chgData name="Eduardo Marques" userId="b9dd18581288d1e4" providerId="Windows Live" clId="Web-{0F2C64EE-C0FE-4513-8E58-5A5F9A11C41F}" dt="2020-10-17T01:43:14.538" v="11"/>
+          <ac:cxnSpMkLst>
+            <pc:docMk/>
+            <pc:sldMk cId="3918470033" sldId="257"/>
+            <ac:cxnSpMk id="180" creationId="{1364CD29-E5EE-46A2-B0A3-E9706945F018}"/>
+          </ac:cxnSpMkLst>
+        </pc:cxnChg>
+        <pc:cxnChg chg="del">
+          <ac:chgData name="Eduardo Marques" userId="b9dd18581288d1e4" providerId="Windows Live" clId="Web-{0F2C64EE-C0FE-4513-8E58-5A5F9A11C41F}" dt="2020-10-17T01:43:14.522" v="9"/>
+          <ac:cxnSpMkLst>
+            <pc:docMk/>
+            <pc:sldMk cId="3918470033" sldId="257"/>
+            <ac:cxnSpMk id="184" creationId="{960EE6A9-7D9B-42B4-AAAF-19F1A8E857DB}"/>
+          </ac:cxnSpMkLst>
+        </pc:cxnChg>
+        <pc:cxnChg chg="del">
+          <ac:chgData name="Eduardo Marques" userId="b9dd18581288d1e4" providerId="Windows Live" clId="Web-{0F2C64EE-C0FE-4513-8E58-5A5F9A11C41F}" dt="2020-10-17T01:43:14.522" v="8"/>
+          <ac:cxnSpMkLst>
+            <pc:docMk/>
+            <pc:sldMk cId="3918470033" sldId="257"/>
+            <ac:cxnSpMk id="188" creationId="{6EB0F3B4-4DDA-470C-BCA4-684978A7EE86}"/>
+          </ac:cxnSpMkLst>
+        </pc:cxnChg>
+        <pc:cxnChg chg="del">
+          <ac:chgData name="Eduardo Marques" userId="b9dd18581288d1e4" providerId="Windows Live" clId="Web-{0F2C64EE-C0FE-4513-8E58-5A5F9A11C41F}" dt="2020-10-17T01:43:14.522" v="6"/>
+          <ac:cxnSpMkLst>
+            <pc:docMk/>
+            <pc:sldMk cId="3918470033" sldId="257"/>
+            <ac:cxnSpMk id="192" creationId="{9195520B-3E57-4433-A3C3-3B2E060821CF}"/>
+          </ac:cxnSpMkLst>
+        </pc:cxnChg>
+        <pc:cxnChg chg="del">
+          <ac:chgData name="Eduardo Marques" userId="b9dd18581288d1e4" providerId="Windows Live" clId="Web-{0F2C64EE-C0FE-4513-8E58-5A5F9A11C41F}" dt="2020-10-17T01:43:14.522" v="3"/>
+          <ac:cxnSpMkLst>
+            <pc:docMk/>
+            <pc:sldMk cId="3918470033" sldId="257"/>
+            <ac:cxnSpMk id="198" creationId="{F49C351A-4A3A-49EB-8E60-915E0A624C7E}"/>
+          </ac:cxnSpMkLst>
+        </pc:cxnChg>
+      </pc:sldChg>
+      <pc:sldChg chg="addSp delSp modSp">
+        <pc:chgData name="Eduardo Marques" userId="b9dd18581288d1e4" providerId="Windows Live" clId="Web-{0F2C64EE-C0FE-4513-8E58-5A5F9A11C41F}" dt="2020-10-17T01:48:02.416" v="48" actId="14100"/>
+        <pc:sldMkLst>
+          <pc:docMk/>
+          <pc:sldMk cId="4164410817" sldId="258"/>
+        </pc:sldMkLst>
+        <pc:picChg chg="add mod">
+          <ac:chgData name="Eduardo Marques" userId="b9dd18581288d1e4" providerId="Windows Live" clId="Web-{0F2C64EE-C0FE-4513-8E58-5A5F9A11C41F}" dt="2020-10-17T01:48:02.416" v="48" actId="14100"/>
+          <ac:picMkLst>
+            <pc:docMk/>
+            <pc:sldMk cId="4164410817" sldId="258"/>
+            <ac:picMk id="2" creationId="{832534A1-DE6F-4D02-AEC5-7DE63FBB0EE8}"/>
+          </ac:picMkLst>
+        </pc:picChg>
+        <pc:picChg chg="del mod">
+          <ac:chgData name="Eduardo Marques" userId="b9dd18581288d1e4" providerId="Windows Live" clId="Web-{0F2C64EE-C0FE-4513-8E58-5A5F9A11C41F}" dt="2020-10-17T01:47:31.135" v="45"/>
+          <ac:picMkLst>
+            <pc:docMk/>
+            <pc:sldMk cId="4164410817" sldId="258"/>
+            <ac:picMk id="4" creationId="{546F0094-6A56-4B1B-A44C-63E0639D5CB7}"/>
+          </ac:picMkLst>
+        </pc:picChg>
+      </pc:sldChg>
+    </pc:docChg>
+  </pc:docChgLst>
+  <pc:docChgLst>
+    <pc:chgData name="Gabriel Casagrande" userId="e7a325a1baaa42ba" providerId="Windows Live" clId="Web-{2A9C4E33-E286-45DB-A6D4-2F7A019BDED6}"/>
+    <pc:docChg chg="modSld">
+      <pc:chgData name="Gabriel Casagrande" userId="e7a325a1baaa42ba" providerId="Windows Live" clId="Web-{2A9C4E33-E286-45DB-A6D4-2F7A019BDED6}" dt="2020-09-23T22:05:55.877" v="1"/>
+      <pc:docMkLst>
+        <pc:docMk/>
+      </pc:docMkLst>
+      <pc:sldChg chg="delSp">
+        <pc:chgData name="Gabriel Casagrande" userId="e7a325a1baaa42ba" providerId="Windows Live" clId="Web-{2A9C4E33-E286-45DB-A6D4-2F7A019BDED6}" dt="2020-09-23T22:05:55.877" v="1"/>
+        <pc:sldMkLst>
+          <pc:docMk/>
+          <pc:sldMk cId="2210866551" sldId="256"/>
+        </pc:sldMkLst>
+        <pc:spChg chg="del">
+          <ac:chgData name="Gabriel Casagrande" userId="e7a325a1baaa42ba" providerId="Windows Live" clId="Web-{2A9C4E33-E286-45DB-A6D4-2F7A019BDED6}" dt="2020-09-23T22:05:54.908" v="0"/>
+          <ac:spMkLst>
+            <pc:docMk/>
+            <pc:sldMk cId="2210866551" sldId="256"/>
+            <ac:spMk id="2" creationId="{00000000-0000-0000-0000-000000000000}"/>
+          </ac:spMkLst>
+        </pc:spChg>
+        <pc:spChg chg="del">
+          <ac:chgData name="Gabriel Casagrande" userId="e7a325a1baaa42ba" providerId="Windows Live" clId="Web-{2A9C4E33-E286-45DB-A6D4-2F7A019BDED6}" dt="2020-09-23T22:05:55.877" v="1"/>
+          <ac:spMkLst>
+            <pc:docMk/>
+            <pc:sldMk cId="2210866551" sldId="256"/>
+            <ac:spMk id="3" creationId="{00000000-0000-0000-0000-000000000000}"/>
+          </ac:spMkLst>
+        </pc:spChg>
+      </pc:sldChg>
+    </pc:docChg>
+  </pc:docChgLst>
+  <pc:docChgLst>
+    <pc:chgData name="Eduardo Marques" userId="b9dd18581288d1e4" providerId="Windows Live" clId="Web-{B9C36B1A-F083-4BAE-8590-88BABE035E76}"/>
+    <pc:docChg chg="modSld">
+      <pc:chgData name="Eduardo Marques" userId="b9dd18581288d1e4" providerId="Windows Live" clId="Web-{B9C36B1A-F083-4BAE-8590-88BABE035E76}" dt="2020-10-17T01:10:39.154" v="0" actId="1076"/>
+      <pc:docMkLst>
+        <pc:docMk/>
+      </pc:docMkLst>
+      <pc:sldChg chg="modSp">
+        <pc:chgData name="Eduardo Marques" userId="b9dd18581288d1e4" providerId="Windows Live" clId="Web-{B9C36B1A-F083-4BAE-8590-88BABE035E76}" dt="2020-10-17T01:10:39.154" v="0" actId="1076"/>
+        <pc:sldMkLst>
+          <pc:docMk/>
+          <pc:sldMk cId="4164410817" sldId="258"/>
+        </pc:sldMkLst>
+        <pc:picChg chg="mod">
+          <ac:chgData name="Eduardo Marques" userId="b9dd18581288d1e4" providerId="Windows Live" clId="Web-{B9C36B1A-F083-4BAE-8590-88BABE035E76}" dt="2020-10-17T01:10:39.154" v="0" actId="1076"/>
+          <ac:picMkLst>
+            <pc:docMk/>
+            <pc:sldMk cId="4164410817" sldId="258"/>
+            <ac:picMk id="4" creationId="{546F0094-6A56-4B1B-A44C-63E0639D5CB7}"/>
+          </ac:picMkLst>
+        </pc:picChg>
+      </pc:sldChg>
+    </pc:docChg>
+  </pc:docChgLst>
+  <pc:docChgLst>
+    <pc:chgData name="Eduardo Marques" userId="b9dd18581288d1e4" providerId="Windows Live" clId="Web-{D654B7EC-94F0-459E-AE3A-B472BD512854}"/>
+    <pc:docChg chg="modSld">
+      <pc:chgData name="Eduardo Marques" userId="b9dd18581288d1e4" providerId="Windows Live" clId="Web-{D654B7EC-94F0-459E-AE3A-B472BD512854}" dt="2020-09-26T14:11:11.182" v="252" actId="20577"/>
+      <pc:docMkLst>
+        <pc:docMk/>
+      </pc:docMkLst>
+      <pc:sldChg chg="modSp">
+        <pc:chgData name="Eduardo Marques" userId="b9dd18581288d1e4" providerId="Windows Live" clId="Web-{D654B7EC-94F0-459E-AE3A-B472BD512854}" dt="2020-09-26T14:11:11.182" v="251" actId="20577"/>
+        <pc:sldMkLst>
+          <pc:docMk/>
+          <pc:sldMk cId="3918470033" sldId="257"/>
+        </pc:sldMkLst>
+        <pc:spChg chg="mod">
+          <ac:chgData name="Eduardo Marques" userId="b9dd18581288d1e4" providerId="Windows Live" clId="Web-{D654B7EC-94F0-459E-AE3A-B472BD512854}" dt="2020-09-26T14:11:11.182" v="251" actId="20577"/>
+          <ac:spMkLst>
+            <pc:docMk/>
+            <pc:sldMk cId="3918470033" sldId="257"/>
+            <ac:spMk id="2" creationId="{5DD6C70C-B6EF-40FB-AB7C-C4AFD46DB42B}"/>
+          </ac:spMkLst>
+        </pc:spChg>
+      </pc:sldChg>
+      <pc:sldChg chg="modSp">
+        <pc:chgData name="Eduardo Marques" userId="b9dd18581288d1e4" providerId="Windows Live" clId="Web-{D654B7EC-94F0-459E-AE3A-B472BD512854}" dt="2020-09-26T14:08:35.244" v="109" actId="20577"/>
+        <pc:sldMkLst>
+          <pc:docMk/>
+          <pc:sldMk cId="4164410817" sldId="258"/>
+        </pc:sldMkLst>
+        <pc:spChg chg="mod">
+          <ac:chgData name="Eduardo Marques" userId="b9dd18581288d1e4" providerId="Windows Live" clId="Web-{D654B7EC-94F0-459E-AE3A-B472BD512854}" dt="2020-09-26T14:08:35.244" v="109" actId="20577"/>
+          <ac:spMkLst>
+            <pc:docMk/>
+            <pc:sldMk cId="4164410817" sldId="258"/>
+            <ac:spMk id="75" creationId="{EF268438-E457-4CA6-B1E7-51526B9EFD58}"/>
+          </ac:spMkLst>
+        </pc:spChg>
+      </pc:sldChg>
+      <pc:sldChg chg="modSp">
+        <pc:chgData name="Eduardo Marques" userId="b9dd18581288d1e4" providerId="Windows Live" clId="Web-{D654B7EC-94F0-459E-AE3A-B472BD512854}" dt="2020-09-26T14:00:10.474" v="12" actId="20577"/>
+        <pc:sldMkLst>
+          <pc:docMk/>
+          <pc:sldMk cId="380695029" sldId="259"/>
+        </pc:sldMkLst>
+        <pc:spChg chg="mod">
+          <ac:chgData name="Eduardo Marques" userId="b9dd18581288d1e4" providerId="Windows Live" clId="Web-{D654B7EC-94F0-459E-AE3A-B472BD512854}" dt="2020-09-26T14:00:10.474" v="12" actId="20577"/>
           <ac:spMkLst>
             <pc:docMk/>
             <pc:sldMk cId="380695029" sldId="259"/>
@@ -207,60 +1309,6 @@
         </pc:sldMkLst>
         <pc:spChg chg="mod">
           <ac:chgData name="Caio Ferreira" userId="aa37e96bb8b72277" providerId="LiveId" clId="{331D9DAE-A6D2-4280-8D11-1A19F29A6492}" dt="2020-09-26T14:12:49.841" v="21" actId="20577"/>
-          <ac:spMkLst>
-            <pc:docMk/>
-            <pc:sldMk cId="380695029" sldId="259"/>
-            <ac:spMk id="3" creationId="{347FC2B7-BA24-4B90-B1F8-48AD93BDA9D8}"/>
-          </ac:spMkLst>
-        </pc:spChg>
-      </pc:sldChg>
-    </pc:docChg>
-  </pc:docChgLst>
-  <pc:docChgLst>
-    <pc:chgData name="Eduardo Marques" userId="b9dd18581288d1e4" providerId="Windows Live" clId="Web-{D654B7EC-94F0-459E-AE3A-B472BD512854}"/>
-    <pc:docChg chg="modSld">
-      <pc:chgData name="Eduardo Marques" userId="b9dd18581288d1e4" providerId="Windows Live" clId="Web-{D654B7EC-94F0-459E-AE3A-B472BD512854}" dt="2020-09-26T14:11:11.182" v="252" actId="20577"/>
-      <pc:docMkLst>
-        <pc:docMk/>
-      </pc:docMkLst>
-      <pc:sldChg chg="modSp">
-        <pc:chgData name="Eduardo Marques" userId="b9dd18581288d1e4" providerId="Windows Live" clId="Web-{D654B7EC-94F0-459E-AE3A-B472BD512854}" dt="2020-09-26T14:11:11.182" v="251" actId="20577"/>
-        <pc:sldMkLst>
-          <pc:docMk/>
-          <pc:sldMk cId="3918470033" sldId="257"/>
-        </pc:sldMkLst>
-        <pc:spChg chg="mod">
-          <ac:chgData name="Eduardo Marques" userId="b9dd18581288d1e4" providerId="Windows Live" clId="Web-{D654B7EC-94F0-459E-AE3A-B472BD512854}" dt="2020-09-26T14:11:11.182" v="251" actId="20577"/>
-          <ac:spMkLst>
-            <pc:docMk/>
-            <pc:sldMk cId="3918470033" sldId="257"/>
-            <ac:spMk id="2" creationId="{5DD6C70C-B6EF-40FB-AB7C-C4AFD46DB42B}"/>
-          </ac:spMkLst>
-        </pc:spChg>
-      </pc:sldChg>
-      <pc:sldChg chg="modSp">
-        <pc:chgData name="Eduardo Marques" userId="b9dd18581288d1e4" providerId="Windows Live" clId="Web-{D654B7EC-94F0-459E-AE3A-B472BD512854}" dt="2020-09-26T14:08:35.244" v="109" actId="20577"/>
-        <pc:sldMkLst>
-          <pc:docMk/>
-          <pc:sldMk cId="4164410817" sldId="258"/>
-        </pc:sldMkLst>
-        <pc:spChg chg="mod">
-          <ac:chgData name="Eduardo Marques" userId="b9dd18581288d1e4" providerId="Windows Live" clId="Web-{D654B7EC-94F0-459E-AE3A-B472BD512854}" dt="2020-09-26T14:08:35.244" v="109" actId="20577"/>
-          <ac:spMkLst>
-            <pc:docMk/>
-            <pc:sldMk cId="4164410817" sldId="258"/>
-            <ac:spMk id="75" creationId="{EF268438-E457-4CA6-B1E7-51526B9EFD58}"/>
-          </ac:spMkLst>
-        </pc:spChg>
-      </pc:sldChg>
-      <pc:sldChg chg="modSp">
-        <pc:chgData name="Eduardo Marques" userId="b9dd18581288d1e4" providerId="Windows Live" clId="Web-{D654B7EC-94F0-459E-AE3A-B472BD512854}" dt="2020-09-26T14:00:10.474" v="12" actId="20577"/>
-        <pc:sldMkLst>
-          <pc:docMk/>
-          <pc:sldMk cId="380695029" sldId="259"/>
-        </pc:sldMkLst>
-        <pc:spChg chg="mod">
-          <ac:chgData name="Eduardo Marques" userId="b9dd18581288d1e4" providerId="Windows Live" clId="Web-{D654B7EC-94F0-459E-AE3A-B472BD512854}" dt="2020-09-26T14:00:10.474" v="12" actId="20577"/>
           <ac:spMkLst>
             <pc:docMk/>
             <pc:sldMk cId="380695029" sldId="259"/>
@@ -308,34 +1356,26 @@
     </pc:docChg>
   </pc:docChgLst>
   <pc:docChgLst>
-    <pc:chgData name="Gabriel Casagrande" userId="e7a325a1baaa42ba" providerId="Windows Live" clId="Web-{2A9C4E33-E286-45DB-A6D4-2F7A019BDED6}"/>
+    <pc:chgData name="Caio Ferreira" userId="aa37e96bb8b72277" providerId="LiveId" clId="{FCCBAC36-6B76-4FBB-910C-0CD5DD751DDA}"/>
     <pc:docChg chg="modSld">
-      <pc:chgData name="Gabriel Casagrande" userId="e7a325a1baaa42ba" providerId="Windows Live" clId="Web-{2A9C4E33-E286-45DB-A6D4-2F7A019BDED6}" dt="2020-09-23T22:05:55.877" v="1"/>
+      <pc:chgData name="Caio Ferreira" userId="aa37e96bb8b72277" providerId="LiveId" clId="{FCCBAC36-6B76-4FBB-910C-0CD5DD751DDA}" dt="2020-10-16T22:36:22.171" v="2" actId="1076"/>
       <pc:docMkLst>
         <pc:docMk/>
       </pc:docMkLst>
-      <pc:sldChg chg="delSp">
-        <pc:chgData name="Gabriel Casagrande" userId="e7a325a1baaa42ba" providerId="Windows Live" clId="Web-{2A9C4E33-E286-45DB-A6D4-2F7A019BDED6}" dt="2020-09-23T22:05:55.877" v="1"/>
+      <pc:sldChg chg="modSp mod">
+        <pc:chgData name="Caio Ferreira" userId="aa37e96bb8b72277" providerId="LiveId" clId="{FCCBAC36-6B76-4FBB-910C-0CD5DD751DDA}" dt="2020-10-16T22:36:22.171" v="2" actId="1076"/>
         <pc:sldMkLst>
           <pc:docMk/>
-          <pc:sldMk cId="2210866551" sldId="256"/>
+          <pc:sldMk cId="380695029" sldId="259"/>
         </pc:sldMkLst>
-        <pc:spChg chg="del">
-          <ac:chgData name="Gabriel Casagrande" userId="e7a325a1baaa42ba" providerId="Windows Live" clId="Web-{2A9C4E33-E286-45DB-A6D4-2F7A019BDED6}" dt="2020-09-23T22:05:54.908" v="0"/>
-          <ac:spMkLst>
-            <pc:docMk/>
-            <pc:sldMk cId="2210866551" sldId="256"/>
-            <ac:spMk id="2" creationId="{00000000-0000-0000-0000-000000000000}"/>
-          </ac:spMkLst>
-        </pc:spChg>
-        <pc:spChg chg="del">
-          <ac:chgData name="Gabriel Casagrande" userId="e7a325a1baaa42ba" providerId="Windows Live" clId="Web-{2A9C4E33-E286-45DB-A6D4-2F7A019BDED6}" dt="2020-09-23T22:05:55.877" v="1"/>
-          <ac:spMkLst>
-            <pc:docMk/>
-            <pc:sldMk cId="2210866551" sldId="256"/>
-            <ac:spMk id="3" creationId="{00000000-0000-0000-0000-000000000000}"/>
-          </ac:spMkLst>
-        </pc:spChg>
+        <pc:picChg chg="mod">
+          <ac:chgData name="Caio Ferreira" userId="aa37e96bb8b72277" providerId="LiveId" clId="{FCCBAC36-6B76-4FBB-910C-0CD5DD751DDA}" dt="2020-10-16T22:36:22.171" v="2" actId="1076"/>
+          <ac:picMkLst>
+            <pc:docMk/>
+            <pc:sldMk cId="380695029" sldId="259"/>
+            <ac:picMk id="7" creationId="{C14B6780-2D11-4D73-9790-BF69A665559C}"/>
+          </ac:picMkLst>
+        </pc:picChg>
       </pc:sldChg>
     </pc:docChg>
   </pc:docChgLst>
@@ -424,7 +1464,7 @@
           <a:p>
             <a:fld id="{6863D66E-6F38-475F-9EE3-5034134499E8}" type="datetimeFigureOut">
               <a:rPr lang="pt-BR"/>
-              <a:t>26/09/2020</a:t>
+              <a:t>21/10/2020</a:t>
             </a:fld>
             <a:endParaRPr lang="pt-BR"/>
           </a:p>
@@ -906,7 +1946,7 @@
           <a:p>
             <a:fld id="{F0E51C7C-CEA3-4CAA-BE4B-344879E7C377}" type="datetimeFigureOut">
               <a:rPr lang="de-DE" smtClean="0"/>
-              <a:t>26.09.2020</a:t>
+              <a:t>21.10.2020</a:t>
             </a:fld>
             <a:endParaRPr lang="de-DE"/>
           </a:p>
@@ -1076,7 +2116,7 @@
           <a:p>
             <a:fld id="{F0E51C7C-CEA3-4CAA-BE4B-344879E7C377}" type="datetimeFigureOut">
               <a:rPr lang="de-DE" smtClean="0"/>
-              <a:t>26.09.2020</a:t>
+              <a:t>21.10.2020</a:t>
             </a:fld>
             <a:endParaRPr lang="de-DE"/>
           </a:p>
@@ -1256,7 +2296,7 @@
           <a:p>
             <a:fld id="{F0E51C7C-CEA3-4CAA-BE4B-344879E7C377}" type="datetimeFigureOut">
               <a:rPr lang="de-DE" smtClean="0"/>
-              <a:t>26.09.2020</a:t>
+              <a:t>21.10.2020</a:t>
             </a:fld>
             <a:endParaRPr lang="de-DE"/>
           </a:p>
@@ -1426,7 +2466,7 @@
           <a:p>
             <a:fld id="{F0E51C7C-CEA3-4CAA-BE4B-344879E7C377}" type="datetimeFigureOut">
               <a:rPr lang="de-DE" smtClean="0"/>
-              <a:t>26.09.2020</a:t>
+              <a:t>21.10.2020</a:t>
             </a:fld>
             <a:endParaRPr lang="de-DE"/>
           </a:p>
@@ -1672,7 +2712,7 @@
           <a:p>
             <a:fld id="{F0E51C7C-CEA3-4CAA-BE4B-344879E7C377}" type="datetimeFigureOut">
               <a:rPr lang="de-DE" smtClean="0"/>
-              <a:t>26.09.2020</a:t>
+              <a:t>21.10.2020</a:t>
             </a:fld>
             <a:endParaRPr lang="de-DE"/>
           </a:p>
@@ -1904,7 +2944,7 @@
           <a:p>
             <a:fld id="{F0E51C7C-CEA3-4CAA-BE4B-344879E7C377}" type="datetimeFigureOut">
               <a:rPr lang="de-DE" smtClean="0"/>
-              <a:t>26.09.2020</a:t>
+              <a:t>21.10.2020</a:t>
             </a:fld>
             <a:endParaRPr lang="de-DE"/>
           </a:p>
@@ -2271,7 +3311,7 @@
           <a:p>
             <a:fld id="{F0E51C7C-CEA3-4CAA-BE4B-344879E7C377}" type="datetimeFigureOut">
               <a:rPr lang="de-DE" smtClean="0"/>
-              <a:t>26.09.2020</a:t>
+              <a:t>21.10.2020</a:t>
             </a:fld>
             <a:endParaRPr lang="de-DE"/>
           </a:p>
@@ -2389,7 +3429,7 @@
           <a:p>
             <a:fld id="{F0E51C7C-CEA3-4CAA-BE4B-344879E7C377}" type="datetimeFigureOut">
               <a:rPr lang="de-DE" smtClean="0"/>
-              <a:t>26.09.2020</a:t>
+              <a:t>21.10.2020</a:t>
             </a:fld>
             <a:endParaRPr lang="de-DE"/>
           </a:p>
@@ -2484,7 +3524,7 @@
           <a:p>
             <a:fld id="{F0E51C7C-CEA3-4CAA-BE4B-344879E7C377}" type="datetimeFigureOut">
               <a:rPr lang="de-DE" smtClean="0"/>
-              <a:t>26.09.2020</a:t>
+              <a:t>21.10.2020</a:t>
             </a:fld>
             <a:endParaRPr lang="de-DE"/>
           </a:p>
@@ -2761,7 +3801,7 @@
           <a:p>
             <a:fld id="{F0E51C7C-CEA3-4CAA-BE4B-344879E7C377}" type="datetimeFigureOut">
               <a:rPr lang="de-DE" smtClean="0"/>
-              <a:t>26.09.2020</a:t>
+              <a:t>21.10.2020</a:t>
             </a:fld>
             <a:endParaRPr lang="de-DE"/>
           </a:p>
@@ -3014,7 +4054,7 @@
           <a:p>
             <a:fld id="{F0E51C7C-CEA3-4CAA-BE4B-344879E7C377}" type="datetimeFigureOut">
               <a:rPr lang="de-DE" smtClean="0"/>
-              <a:t>26.09.2020</a:t>
+              <a:t>21.10.2020</a:t>
             </a:fld>
             <a:endParaRPr lang="de-DE"/>
           </a:p>
@@ -3227,7 +4267,7 @@
           <a:p>
             <a:fld id="{F0E51C7C-CEA3-4CAA-BE4B-344879E7C377}" type="datetimeFigureOut">
               <a:rPr lang="de-DE" smtClean="0"/>
-              <a:t>26.09.2020</a:t>
+              <a:t>21.10.2020</a:t>
             </a:fld>
             <a:endParaRPr lang="de-DE"/>
           </a:p>
@@ -3632,292 +4672,42 @@
           <a:chExt cx="0" cy="0"/>
         </a:xfrm>
       </p:grpSpPr>
-      <p:sp>
-        <p:nvSpPr>
-          <p:cNvPr id="19" name="Elipse 18">
+      <p:pic>
+        <p:nvPicPr>
+          <p:cNvPr id="4" name="Imagem 5" descr="Diagrama&#10;&#10;Descrição gerada automaticamente">
             <a:extLst>
               <a:ext uri="{FF2B5EF4-FFF2-40B4-BE49-F238E27FC236}">
-                <a16:creationId xmlns:a16="http://schemas.microsoft.com/office/drawing/2014/main" id="{E21F120E-560F-4BD5-A10F-313AE6760E6C}"/>
+                <a16:creationId xmlns:a16="http://schemas.microsoft.com/office/drawing/2014/main" id="{F1BAAF7B-CC18-4970-A0BF-B0810EBDAEFC}"/>
               </a:ext>
             </a:extLst>
           </p:cNvPr>
-          <p:cNvSpPr/>
+          <p:cNvPicPr>
+            <a:picLocks noChangeAspect="1"/>
+          </p:cNvPicPr>
           <p:nvPr/>
-        </p:nvSpPr>
+        </p:nvPicPr>
+        <p:blipFill>
+          <a:blip r:embed="rId2"/>
+          <a:stretch>
+            <a:fillRect/>
+          </a:stretch>
+        </p:blipFill>
         <p:spPr>
           <a:xfrm>
-            <a:off x="1309512" y="2441921"/>
-            <a:ext cx="2333132" cy="2105755"/>
-          </a:xfrm>
-          <a:prstGeom prst="ellipse">
-            <a:avLst/>
-          </a:prstGeom>
-          <a:solidFill>
-            <a:schemeClr val="accent4">
-              <a:lumMod val="60000"/>
-              <a:lumOff val="40000"/>
-            </a:schemeClr>
-          </a:solidFill>
-          <a:ln>
-            <a:solidFill>
-              <a:schemeClr val="tx1"/>
-            </a:solidFill>
-          </a:ln>
-        </p:spPr>
-        <p:style>
-          <a:lnRef idx="2">
-            <a:schemeClr val="accent1">
-              <a:shade val="50000"/>
-            </a:schemeClr>
-          </a:lnRef>
-          <a:fillRef idx="1">
-            <a:schemeClr val="accent1"/>
-          </a:fillRef>
-          <a:effectRef idx="0">
-            <a:schemeClr val="accent1"/>
-          </a:effectRef>
-          <a:fontRef idx="minor">
-            <a:schemeClr val="lt1"/>
-          </a:fontRef>
-        </p:style>
-        <p:txBody>
-          <a:bodyPr rtlCol="0" anchor="ctr"/>
-          <a:lstStyle/>
-          <a:p>
-            <a:pPr algn="ctr"/>
-            <a:r>
-              <a:rPr lang="pt-BR">
-                <a:solidFill>
-                  <a:schemeClr val="tx1"/>
-                </a:solidFill>
-                <a:latin typeface="Arial" panose="020B0604020202020204" pitchFamily="34" charset="0"/>
-                <a:cs typeface="Arial" panose="020B0604020202020204" pitchFamily="34" charset="0"/>
-              </a:rPr>
-              <a:t>Receber</a:t>
-            </a:r>
-          </a:p>
-          <a:p>
-            <a:pPr algn="ctr"/>
-            <a:r>
-              <a:rPr lang="pt-BR">
-                <a:solidFill>
-                  <a:schemeClr val="tx1"/>
-                </a:solidFill>
-                <a:latin typeface="Arial" panose="020B0604020202020204" pitchFamily="34" charset="0"/>
-                <a:cs typeface="Arial" panose="020B0604020202020204" pitchFamily="34" charset="0"/>
-              </a:rPr>
-              <a:t>Solicitação de</a:t>
-            </a:r>
-          </a:p>
-          <a:p>
-            <a:pPr algn="ctr"/>
-            <a:r>
-              <a:rPr lang="pt-BR">
-                <a:solidFill>
-                  <a:schemeClr val="tx1"/>
-                </a:solidFill>
-                <a:latin typeface="Arial" panose="020B0604020202020204" pitchFamily="34" charset="0"/>
-                <a:cs typeface="Arial" panose="020B0604020202020204" pitchFamily="34" charset="0"/>
-              </a:rPr>
-              <a:t>Orçamento</a:t>
-            </a:r>
-          </a:p>
-        </p:txBody>
-      </p:sp>
-      <p:sp>
-        <p:nvSpPr>
-          <p:cNvPr id="21" name="Retângulo 20">
-            <a:extLst>
-              <a:ext uri="{FF2B5EF4-FFF2-40B4-BE49-F238E27FC236}">
-                <a16:creationId xmlns:a16="http://schemas.microsoft.com/office/drawing/2014/main" id="{D87F9B19-3C5C-41CB-94E2-D5BE86A332FC}"/>
-              </a:ext>
-            </a:extLst>
-          </p:cNvPr>
-          <p:cNvSpPr/>
-          <p:nvPr/>
-        </p:nvSpPr>
-        <p:spPr>
-          <a:xfrm>
-            <a:off x="1687087" y="657815"/>
-            <a:ext cx="1840521" cy="973015"/>
+            <a:off x="650997" y="4850"/>
+            <a:ext cx="10847608" cy="6851428"/>
           </a:xfrm>
           <a:prstGeom prst="rect">
             <a:avLst/>
           </a:prstGeom>
-          <a:solidFill>
-            <a:schemeClr val="bg1"/>
-          </a:solidFill>
-          <a:ln>
-            <a:solidFill>
-              <a:schemeClr val="tx1"/>
-            </a:solidFill>
-          </a:ln>
         </p:spPr>
-        <p:style>
-          <a:lnRef idx="2">
-            <a:schemeClr val="accent1">
-              <a:shade val="50000"/>
-            </a:schemeClr>
-          </a:lnRef>
-          <a:fillRef idx="1">
-            <a:schemeClr val="accent1"/>
-          </a:fillRef>
-          <a:effectRef idx="0">
-            <a:schemeClr val="accent1"/>
-          </a:effectRef>
-          <a:fontRef idx="minor">
-            <a:schemeClr val="lt1"/>
-          </a:fontRef>
-        </p:style>
-        <p:txBody>
-          <a:bodyPr rtlCol="0" anchor="ctr"/>
-          <a:lstStyle/>
-          <a:p>
-            <a:pPr algn="ctr"/>
-            <a:r>
-              <a:rPr lang="pt-BR">
-                <a:solidFill>
-                  <a:schemeClr val="tx1"/>
-                </a:solidFill>
-                <a:latin typeface="Arial" panose="020B0604020202020204" pitchFamily="34" charset="0"/>
-                <a:cs typeface="Arial" panose="020B0604020202020204" pitchFamily="34" charset="0"/>
-              </a:rPr>
-              <a:t>Cliente</a:t>
-            </a:r>
-          </a:p>
-        </p:txBody>
-      </p:sp>
-      <p:cxnSp>
-        <p:nvCxnSpPr>
-          <p:cNvPr id="23" name="Conector de Seta Reta 22">
+      </p:pic>
+      <p:sp>
+        <p:nvSpPr>
+          <p:cNvPr id="6" name="CaixaDeTexto 5">
             <a:extLst>
               <a:ext uri="{FF2B5EF4-FFF2-40B4-BE49-F238E27FC236}">
-                <a16:creationId xmlns:a16="http://schemas.microsoft.com/office/drawing/2014/main" id="{2C9C0581-CA11-443B-832E-67384E3C344C}"/>
-              </a:ext>
-            </a:extLst>
-          </p:cNvPr>
-          <p:cNvCxnSpPr/>
-          <p:nvPr/>
-        </p:nvCxnSpPr>
-        <p:spPr>
-          <a:xfrm flipH="1">
-            <a:off x="2580240" y="1633028"/>
-            <a:ext cx="11722" cy="808893"/>
-          </a:xfrm>
-          <a:prstGeom prst="straightConnector1">
-            <a:avLst/>
-          </a:prstGeom>
-          <a:ln>
-            <a:solidFill>
-              <a:schemeClr val="tx1"/>
-            </a:solidFill>
-            <a:tailEnd type="triangle"/>
-          </a:ln>
-        </p:spPr>
-        <p:style>
-          <a:lnRef idx="1">
-            <a:schemeClr val="accent1"/>
-          </a:lnRef>
-          <a:fillRef idx="0">
-            <a:schemeClr val="accent1"/>
-          </a:fillRef>
-          <a:effectRef idx="0">
-            <a:schemeClr val="accent1"/>
-          </a:effectRef>
-          <a:fontRef idx="minor">
-            <a:schemeClr val="tx1"/>
-          </a:fontRef>
-        </p:style>
-      </p:cxnSp>
-      <p:cxnSp>
-        <p:nvCxnSpPr>
-          <p:cNvPr id="25" name="Conector de Seta Reta 24">
-            <a:extLst>
-              <a:ext uri="{FF2B5EF4-FFF2-40B4-BE49-F238E27FC236}">
-                <a16:creationId xmlns:a16="http://schemas.microsoft.com/office/drawing/2014/main" id="{CDFEC531-2A2F-499E-9FE0-CDD23A5FE9BD}"/>
-              </a:ext>
-            </a:extLst>
-          </p:cNvPr>
-          <p:cNvCxnSpPr/>
-          <p:nvPr/>
-        </p:nvCxnSpPr>
-        <p:spPr>
-          <a:xfrm>
-            <a:off x="1630173" y="5591697"/>
-            <a:ext cx="1846181" cy="2964"/>
-          </a:xfrm>
-          <a:prstGeom prst="straightConnector1">
-            <a:avLst/>
-          </a:prstGeom>
-          <a:ln>
-            <a:solidFill>
-              <a:schemeClr val="tx1"/>
-            </a:solidFill>
-          </a:ln>
-        </p:spPr>
-        <p:style>
-          <a:lnRef idx="1">
-            <a:schemeClr val="accent1"/>
-          </a:lnRef>
-          <a:fillRef idx="0">
-            <a:schemeClr val="accent1"/>
-          </a:fillRef>
-          <a:effectRef idx="0">
-            <a:schemeClr val="accent1"/>
-          </a:effectRef>
-          <a:fontRef idx="minor">
-            <a:schemeClr val="tx1"/>
-          </a:fontRef>
-        </p:style>
-      </p:cxnSp>
-      <p:cxnSp>
-        <p:nvCxnSpPr>
-          <p:cNvPr id="29" name="Conector de Seta Reta 28">
-            <a:extLst>
-              <a:ext uri="{FF2B5EF4-FFF2-40B4-BE49-F238E27FC236}">
-                <a16:creationId xmlns:a16="http://schemas.microsoft.com/office/drawing/2014/main" id="{9382698B-A6E5-45CE-8EFA-D912CF06712C}"/>
-              </a:ext>
-            </a:extLst>
-          </p:cNvPr>
-          <p:cNvCxnSpPr/>
-          <p:nvPr/>
-        </p:nvCxnSpPr>
-        <p:spPr>
-          <a:xfrm flipH="1">
-            <a:off x="2526020" y="4533024"/>
-            <a:ext cx="0" cy="1019908"/>
-          </a:xfrm>
-          <a:prstGeom prst="straightConnector1">
-            <a:avLst/>
-          </a:prstGeom>
-          <a:ln>
-            <a:solidFill>
-              <a:schemeClr val="tx1"/>
-            </a:solidFill>
-            <a:tailEnd type="triangle"/>
-          </a:ln>
-        </p:spPr>
-        <p:style>
-          <a:lnRef idx="1">
-            <a:schemeClr val="accent1"/>
-          </a:lnRef>
-          <a:fillRef idx="0">
-            <a:schemeClr val="accent1"/>
-          </a:fillRef>
-          <a:effectRef idx="0">
-            <a:schemeClr val="accent1"/>
-          </a:effectRef>
-          <a:fontRef idx="minor">
-            <a:schemeClr val="tx1"/>
-          </a:fontRef>
-        </p:style>
-      </p:cxnSp>
-      <p:sp>
-        <p:nvSpPr>
-          <p:cNvPr id="31" name="CaixaDeTexto 30">
-            <a:extLst>
-              <a:ext uri="{FF2B5EF4-FFF2-40B4-BE49-F238E27FC236}">
-                <a16:creationId xmlns:a16="http://schemas.microsoft.com/office/drawing/2014/main" id="{7D57ECA1-C665-46F7-9EB6-15A7B1C2DD76}"/>
+                <a16:creationId xmlns:a16="http://schemas.microsoft.com/office/drawing/2014/main" id="{57A0E951-A751-4185-8FFF-D1DC2F1AD42B}"/>
               </a:ext>
             </a:extLst>
           </p:cNvPr>
@@ -3926,8 +4716,8 @@
         </p:nvSpPr>
         <p:spPr>
           <a:xfrm>
-            <a:off x="1713802" y="5601955"/>
-            <a:ext cx="1688123" cy="584775"/>
+            <a:off x="5033530" y="3272270"/>
+            <a:ext cx="2067791" cy="274083"/>
           </a:xfrm>
           <a:prstGeom prst="rect">
             <a:avLst/>
@@ -3943,626 +4733,10 @@
           </a:bodyPr>
           <a:lstStyle/>
           <a:p>
-            <a:pPr algn="ctr"/>
-            <a:r>
-              <a:rPr lang="pt-BR" sz="1600">
-                <a:latin typeface="Arial" panose="020B0604020202020204" pitchFamily="34" charset="0"/>
-                <a:cs typeface="Arial" panose="020B0604020202020204" pitchFamily="34" charset="0"/>
-              </a:rPr>
-              <a:t>Solicitação de</a:t>
-            </a:r>
-            <a:br>
-              <a:rPr lang="pt-BR" sz="1600">
-                <a:latin typeface="Arial" panose="020B0604020202020204" pitchFamily="34" charset="0"/>
-                <a:cs typeface="Arial" panose="020B0604020202020204" pitchFamily="34" charset="0"/>
-              </a:rPr>
-            </a:br>
-            <a:r>
-              <a:rPr lang="pt-BR" sz="1600">
-                <a:latin typeface="Arial" panose="020B0604020202020204" pitchFamily="34" charset="0"/>
-                <a:cs typeface="Arial" panose="020B0604020202020204" pitchFamily="34" charset="0"/>
-              </a:rPr>
-              <a:t>Orçamento</a:t>
-            </a:r>
-          </a:p>
-        </p:txBody>
-      </p:sp>
-      <p:sp>
-        <p:nvSpPr>
-          <p:cNvPr id="33" name="CaixaDeTexto 32">
-            <a:extLst>
-              <a:ext uri="{FF2B5EF4-FFF2-40B4-BE49-F238E27FC236}">
-                <a16:creationId xmlns:a16="http://schemas.microsoft.com/office/drawing/2014/main" id="{FCA08B81-4560-4810-BE34-976E8E516FE1}"/>
-              </a:ext>
-            </a:extLst>
-          </p:cNvPr>
-          <p:cNvSpPr txBox="1"/>
-          <p:nvPr/>
-        </p:nvSpPr>
-        <p:spPr>
-          <a:xfrm>
-            <a:off x="1060541" y="1777265"/>
-            <a:ext cx="1688123" cy="523220"/>
-          </a:xfrm>
-          <a:prstGeom prst="rect">
-            <a:avLst/>
-          </a:prstGeom>
-          <a:noFill/>
-        </p:spPr>
-        <p:txBody>
-          <a:bodyPr rot="0" spcFirstLastPara="0" vertOverflow="overflow" horzOverflow="overflow" vert="horz" wrap="square" lIns="91440" tIns="45720" rIns="91440" bIns="45720" numCol="1" spcCol="0" rtlCol="0" fromWordArt="0" anchor="t" anchorCtr="0" forceAA="0" compatLnSpc="1">
-            <a:prstTxWarp prst="textNoShape">
-              <a:avLst/>
-            </a:prstTxWarp>
-            <a:spAutoFit/>
-          </a:bodyPr>
-          <a:lstStyle/>
-          <a:p>
-            <a:pPr algn="ctr"/>
-            <a:r>
-              <a:rPr lang="pt-BR" sz="1400">
-                <a:latin typeface="Arial" panose="020B0604020202020204" pitchFamily="34" charset="0"/>
-                <a:cs typeface="Arial" panose="020B0604020202020204" pitchFamily="34" charset="0"/>
-              </a:rPr>
-              <a:t>Solicitação de</a:t>
-            </a:r>
-            <a:br>
-              <a:rPr lang="pt-BR" sz="1400">
-                <a:latin typeface="Arial" panose="020B0604020202020204" pitchFamily="34" charset="0"/>
-                <a:cs typeface="Arial" panose="020B0604020202020204" pitchFamily="34" charset="0"/>
-              </a:rPr>
-            </a:br>
-            <a:r>
-              <a:rPr lang="pt-BR" sz="1400">
-                <a:latin typeface="Arial" panose="020B0604020202020204" pitchFamily="34" charset="0"/>
-                <a:cs typeface="Arial" panose="020B0604020202020204" pitchFamily="34" charset="0"/>
-              </a:rPr>
-              <a:t>Orçamento</a:t>
-            </a:r>
-          </a:p>
-        </p:txBody>
-      </p:sp>
-      <p:cxnSp>
-        <p:nvCxnSpPr>
-          <p:cNvPr id="4" name="Conector de Seta Reta 3">
-            <a:extLst>
-              <a:ext uri="{FF2B5EF4-FFF2-40B4-BE49-F238E27FC236}">
-                <a16:creationId xmlns:a16="http://schemas.microsoft.com/office/drawing/2014/main" id="{C3BFF9C8-B9F6-438C-8B4B-CCF347221A82}"/>
-              </a:ext>
-            </a:extLst>
-          </p:cNvPr>
-          <p:cNvCxnSpPr>
-            <a:cxnSpLocks/>
-          </p:cNvCxnSpPr>
-          <p:nvPr/>
-        </p:nvCxnSpPr>
-        <p:spPr>
-          <a:xfrm>
-            <a:off x="4903607" y="5597625"/>
-            <a:ext cx="1195753" cy="0"/>
-          </a:xfrm>
-          <a:prstGeom prst="straightConnector1">
-            <a:avLst/>
-          </a:prstGeom>
-          <a:ln>
-            <a:solidFill>
-              <a:schemeClr val="tx1"/>
-            </a:solidFill>
-          </a:ln>
-        </p:spPr>
-        <p:style>
-          <a:lnRef idx="1">
-            <a:schemeClr val="accent1"/>
-          </a:lnRef>
-          <a:fillRef idx="0">
-            <a:schemeClr val="accent1"/>
-          </a:fillRef>
-          <a:effectRef idx="0">
-            <a:schemeClr val="accent1"/>
-          </a:effectRef>
-          <a:fontRef idx="minor">
-            <a:schemeClr val="tx1"/>
-          </a:fontRef>
-        </p:style>
-      </p:cxnSp>
-      <p:cxnSp>
-        <p:nvCxnSpPr>
-          <p:cNvPr id="6" name="Conector de Seta Reta 5">
-            <a:extLst>
-              <a:ext uri="{FF2B5EF4-FFF2-40B4-BE49-F238E27FC236}">
-                <a16:creationId xmlns:a16="http://schemas.microsoft.com/office/drawing/2014/main" id="{DEDBB86F-4A66-4BA5-9A3F-81231A6631F4}"/>
-              </a:ext>
-            </a:extLst>
-          </p:cNvPr>
-          <p:cNvCxnSpPr>
-            <a:cxnSpLocks/>
-          </p:cNvCxnSpPr>
-          <p:nvPr/>
-        </p:nvCxnSpPr>
-        <p:spPr>
-          <a:xfrm>
-            <a:off x="4903606" y="6183779"/>
-            <a:ext cx="1195753" cy="0"/>
-          </a:xfrm>
-          <a:prstGeom prst="straightConnector1">
-            <a:avLst/>
-          </a:prstGeom>
-          <a:ln>
-            <a:solidFill>
-              <a:schemeClr val="tx1"/>
-            </a:solidFill>
-          </a:ln>
-        </p:spPr>
-        <p:style>
-          <a:lnRef idx="1">
-            <a:schemeClr val="accent1"/>
-          </a:lnRef>
-          <a:fillRef idx="0">
-            <a:schemeClr val="accent1"/>
-          </a:fillRef>
-          <a:effectRef idx="0">
-            <a:schemeClr val="accent1"/>
-          </a:effectRef>
-          <a:fontRef idx="minor">
-            <a:schemeClr val="tx1"/>
-          </a:fontRef>
-        </p:style>
-      </p:cxnSp>
-      <p:sp>
-        <p:nvSpPr>
-          <p:cNvPr id="8" name="CaixaDeTexto 7">
-            <a:extLst>
-              <a:ext uri="{FF2B5EF4-FFF2-40B4-BE49-F238E27FC236}">
-                <a16:creationId xmlns:a16="http://schemas.microsoft.com/office/drawing/2014/main" id="{6B1B69F4-DF7B-41E6-A9FA-E487E13A26A5}"/>
-              </a:ext>
-            </a:extLst>
-          </p:cNvPr>
-          <p:cNvSpPr txBox="1"/>
-          <p:nvPr/>
-        </p:nvSpPr>
-        <p:spPr>
-          <a:xfrm>
-            <a:off x="4661818" y="5736836"/>
-            <a:ext cx="1688123" cy="338554"/>
-          </a:xfrm>
-          <a:prstGeom prst="rect">
-            <a:avLst/>
-          </a:prstGeom>
-          <a:noFill/>
-        </p:spPr>
-        <p:txBody>
-          <a:bodyPr rot="0" spcFirstLastPara="0" vertOverflow="overflow" horzOverflow="overflow" vert="horz" wrap="square" lIns="91440" tIns="45720" rIns="91440" bIns="45720" numCol="1" spcCol="0" rtlCol="0" fromWordArt="0" anchor="t" anchorCtr="0" forceAA="0" compatLnSpc="1">
-            <a:prstTxWarp prst="textNoShape">
-              <a:avLst/>
-            </a:prstTxWarp>
-            <a:spAutoFit/>
-          </a:bodyPr>
-          <a:lstStyle/>
-          <a:p>
-            <a:pPr algn="ctr"/>
-            <a:r>
-              <a:rPr lang="pt-BR" sz="1600">
-                <a:latin typeface="Arial" panose="020B0604020202020204" pitchFamily="34" charset="0"/>
-                <a:cs typeface="Arial" panose="020B0604020202020204" pitchFamily="34" charset="0"/>
-              </a:rPr>
-              <a:t>Cliente</a:t>
-            </a:r>
-          </a:p>
-        </p:txBody>
-      </p:sp>
-      <p:cxnSp>
-        <p:nvCxnSpPr>
-          <p:cNvPr id="2" name="Conector de Seta Reta 1">
-            <a:extLst>
-              <a:ext uri="{FF2B5EF4-FFF2-40B4-BE49-F238E27FC236}">
-                <a16:creationId xmlns:a16="http://schemas.microsoft.com/office/drawing/2014/main" id="{B2B02D3E-E516-4545-A377-9FF648A3FC7C}"/>
-              </a:ext>
-            </a:extLst>
-          </p:cNvPr>
-          <p:cNvCxnSpPr/>
-          <p:nvPr/>
-        </p:nvCxnSpPr>
-        <p:spPr>
-          <a:xfrm>
-            <a:off x="3505200" y="4085492"/>
-            <a:ext cx="1723292" cy="1453661"/>
-          </a:xfrm>
-          <a:prstGeom prst="straightConnector1">
-            <a:avLst/>
-          </a:prstGeom>
-          <a:ln>
-            <a:solidFill>
-              <a:schemeClr val="tx1"/>
-            </a:solidFill>
-            <a:headEnd type="triangle"/>
-            <a:tailEnd type="triangle"/>
-          </a:ln>
-        </p:spPr>
-        <p:style>
-          <a:lnRef idx="1">
-            <a:schemeClr val="accent1"/>
-          </a:lnRef>
-          <a:fillRef idx="0">
-            <a:schemeClr val="accent1"/>
-          </a:fillRef>
-          <a:effectRef idx="0">
-            <a:schemeClr val="accent1"/>
-          </a:effectRef>
-          <a:fontRef idx="minor">
-            <a:schemeClr val="tx1"/>
-          </a:fontRef>
-        </p:style>
-      </p:cxnSp>
-      <p:sp>
-        <p:nvSpPr>
-          <p:cNvPr id="3" name="CaixaDeTexto 2">
-            <a:extLst>
-              <a:ext uri="{FF2B5EF4-FFF2-40B4-BE49-F238E27FC236}">
-                <a16:creationId xmlns:a16="http://schemas.microsoft.com/office/drawing/2014/main" id="{347FC2B7-BA24-4B90-B1F8-48AD93BDA9D8}"/>
-              </a:ext>
-            </a:extLst>
-          </p:cNvPr>
-          <p:cNvSpPr txBox="1"/>
-          <p:nvPr/>
-        </p:nvSpPr>
-        <p:spPr>
-          <a:xfrm>
-            <a:off x="6517264" y="1628877"/>
-            <a:ext cx="4473500" cy="3363523"/>
-          </a:xfrm>
-          <a:prstGeom prst="rect">
-            <a:avLst/>
-          </a:prstGeom>
-          <a:noFill/>
-        </p:spPr>
-        <p:txBody>
-          <a:bodyPr rot="0" spcFirstLastPara="0" vertOverflow="overflow" horzOverflow="overflow" vert="horz" wrap="square" lIns="91440" tIns="45720" rIns="91440" bIns="45720" numCol="1" spcCol="0" rtlCol="0" fromWordArt="0" anchor="t" anchorCtr="0" forceAA="0" compatLnSpc="1">
-            <a:prstTxWarp prst="textNoShape">
-              <a:avLst/>
-            </a:prstTxWarp>
-            <a:spAutoFit/>
-          </a:bodyPr>
-          <a:lstStyle/>
-          <a:p>
-            <a:pPr algn="just"/>
-            <a:r>
-              <a:rPr lang="pt-BR" sz="1400" b="1">
-                <a:latin typeface="Arial"/>
-                <a:ea typeface="+mn-lt"/>
-                <a:cs typeface="Arial"/>
-              </a:rPr>
-              <a:t>Receber pedido de orçamento</a:t>
-            </a:r>
-            <a:r>
-              <a:rPr lang="pt-BR" sz="1400">
-                <a:latin typeface="Arial"/>
-                <a:ea typeface="+mn-lt"/>
-                <a:cs typeface="Arial"/>
-              </a:rPr>
-              <a:t> </a:t>
-            </a:r>
-          </a:p>
-          <a:p>
-            <a:pPr algn="just"/>
-            <a:r>
-              <a:rPr lang="pt-BR" sz="1400" b="1">
-                <a:latin typeface="Arial"/>
-                <a:ea typeface="+mn-lt"/>
-                <a:cs typeface="Arial"/>
-              </a:rPr>
-              <a:t>Evento:</a:t>
-            </a:r>
-            <a:r>
-              <a:rPr lang="pt-BR" sz="1400">
-                <a:latin typeface="Arial"/>
-                <a:ea typeface="+mn-lt"/>
-                <a:cs typeface="Arial"/>
-              </a:rPr>
-              <a:t> Cliente solicitar orçamento.</a:t>
-            </a:r>
-          </a:p>
-          <a:p>
-            <a:pPr algn="just"/>
-            <a:r>
-              <a:rPr lang="pt-BR" sz="1400" b="1">
-                <a:latin typeface="Arial"/>
-                <a:ea typeface="+mn-lt"/>
-                <a:cs typeface="Arial"/>
-              </a:rPr>
-              <a:t>Objetivo:</a:t>
-            </a:r>
-            <a:r>
-              <a:rPr lang="pt-BR" sz="1400">
-                <a:latin typeface="Arial"/>
-                <a:ea typeface="+mn-lt"/>
-                <a:cs typeface="Arial"/>
-              </a:rPr>
-              <a:t> Receber o pedido de orçamento </a:t>
-            </a:r>
-          </a:p>
-          <a:p>
-            <a:pPr algn="just"/>
-            <a:r>
-              <a:rPr lang="pt-BR" sz="1400" b="1">
-                <a:latin typeface="Arial"/>
-                <a:ea typeface="+mn-lt"/>
-                <a:cs typeface="Arial"/>
-              </a:rPr>
-              <a:t>Trabalhadores envolvidos:</a:t>
-            </a:r>
-            <a:r>
-              <a:rPr lang="pt-BR" sz="1400">
-                <a:latin typeface="Arial"/>
-                <a:ea typeface="+mn-lt"/>
-                <a:cs typeface="Arial"/>
-              </a:rPr>
-              <a:t> Proprietária</a:t>
-            </a:r>
-            <a:endParaRPr lang="pt-BR" sz="1400">
-              <a:latin typeface="Arial"/>
-              <a:cs typeface="Arial"/>
-            </a:endParaRPr>
-          </a:p>
-          <a:p>
-            <a:pPr marL="285750" indent="-285750" algn="just">
-              <a:buFont typeface="Arial"/>
-              <a:buChar char="•"/>
-            </a:pPr>
-            <a:r>
-              <a:rPr lang="pt-BR" sz="1400">
-                <a:latin typeface="Arial"/>
-                <a:ea typeface="+mn-lt"/>
-                <a:cs typeface="Arial"/>
-              </a:rPr>
-              <a:t>Verifica-se já possui os dados do cliente.</a:t>
-            </a:r>
-            <a:endParaRPr lang="pt-BR" sz="1400">
-              <a:latin typeface="Arial"/>
-              <a:cs typeface="Arial"/>
-            </a:endParaRPr>
-          </a:p>
-          <a:p>
-            <a:pPr marL="742950" lvl="1" indent="-285750" algn="just">
-              <a:buFont typeface="Arial"/>
-              <a:buChar char="•"/>
-            </a:pPr>
-            <a:r>
-              <a:rPr lang="pt-BR" sz="1400">
-                <a:latin typeface="Arial"/>
-                <a:ea typeface="+mn-lt"/>
-                <a:cs typeface="Arial"/>
-              </a:rPr>
-              <a:t>Caso não possua os dados do cliente, anota-se os dados do cliente como:</a:t>
-            </a:r>
-            <a:endParaRPr lang="pt-BR" sz="1400">
-              <a:latin typeface="Arial"/>
-              <a:cs typeface="Arial"/>
-            </a:endParaRPr>
-          </a:p>
-          <a:p>
-            <a:pPr marL="1200150" lvl="2" indent="-285750" algn="just">
-              <a:buFont typeface="Arial"/>
-              <a:buChar char="•"/>
-            </a:pPr>
-            <a:r>
-              <a:rPr lang="pt-BR" sz="1400">
-                <a:latin typeface="Arial"/>
-                <a:ea typeface="+mn-lt"/>
-                <a:cs typeface="Arial"/>
-              </a:rPr>
-              <a:t>Nome da empresa;</a:t>
-            </a:r>
-            <a:endParaRPr lang="pt-BR" sz="1400">
-              <a:latin typeface="Arial"/>
-              <a:cs typeface="Arial"/>
-            </a:endParaRPr>
-          </a:p>
-          <a:p>
-            <a:pPr marL="1200150" lvl="2" indent="-285750" algn="just">
-              <a:buFont typeface="Arial"/>
-              <a:buChar char="•"/>
-            </a:pPr>
-            <a:r>
-              <a:rPr lang="pt-BR" sz="1400">
-                <a:latin typeface="Arial"/>
-                <a:ea typeface="+mn-lt"/>
-                <a:cs typeface="Arial"/>
-              </a:rPr>
-              <a:t>CNPJ;</a:t>
-            </a:r>
-            <a:endParaRPr lang="pt-BR" sz="1400">
-              <a:latin typeface="Arial"/>
-              <a:cs typeface="Arial"/>
-            </a:endParaRPr>
-          </a:p>
-          <a:p>
-            <a:pPr marL="1200150" lvl="2" indent="-285750" algn="just">
-              <a:buFont typeface="Arial"/>
-              <a:buChar char="•"/>
-            </a:pPr>
-            <a:r>
-              <a:rPr lang="pt-BR" sz="1400">
-                <a:latin typeface="Arial"/>
-                <a:ea typeface="+mn-lt"/>
-                <a:cs typeface="Arial"/>
-              </a:rPr>
-              <a:t>Contato;</a:t>
-            </a:r>
-            <a:endParaRPr lang="pt-BR" sz="1400">
-              <a:latin typeface="Arial"/>
-              <a:cs typeface="Arial"/>
-            </a:endParaRPr>
-          </a:p>
-          <a:p>
-            <a:pPr marL="1200150" lvl="2" indent="-285750" algn="just">
-              <a:buFont typeface="Arial"/>
-              <a:buChar char="•"/>
-            </a:pPr>
-            <a:r>
-              <a:rPr lang="pt-BR" sz="1400">
-                <a:latin typeface="Arial"/>
-                <a:ea typeface="+mn-lt"/>
-                <a:cs typeface="Arial"/>
-              </a:rPr>
-              <a:t>Data de pagamento;</a:t>
-            </a:r>
-            <a:endParaRPr lang="pt-BR" sz="1400">
-              <a:latin typeface="Arial"/>
-              <a:cs typeface="Arial"/>
-            </a:endParaRPr>
-          </a:p>
-          <a:p>
-            <a:pPr marL="1200150" lvl="2" indent="-285750" algn="just">
-              <a:buFont typeface="Arial"/>
-              <a:buChar char="•"/>
-            </a:pPr>
-            <a:r>
-              <a:rPr lang="pt-BR" sz="1400">
-                <a:latin typeface="Arial"/>
-                <a:ea typeface="+mn-lt"/>
-                <a:cs typeface="Arial"/>
-              </a:rPr>
-              <a:t>Data limite para entrega;</a:t>
-            </a:r>
-            <a:endParaRPr lang="pt-BR" sz="1400">
-              <a:latin typeface="Arial"/>
-              <a:cs typeface="Arial"/>
-            </a:endParaRPr>
-          </a:p>
-          <a:p>
-            <a:pPr marL="1200150" lvl="2" indent="-285750" algn="just">
-              <a:buFont typeface="Arial"/>
-              <a:buChar char="•"/>
-            </a:pPr>
-            <a:r>
-              <a:rPr lang="pt-BR" sz="1400">
-                <a:latin typeface="Arial"/>
-                <a:ea typeface="+mn-lt"/>
-                <a:cs typeface="Arial"/>
-              </a:rPr>
-              <a:t>Detalhes da solicitação.</a:t>
-            </a:r>
-            <a:endParaRPr lang="pt-BR" sz="1400">
-              <a:latin typeface="Arial"/>
-              <a:cs typeface="Arial"/>
-            </a:endParaRPr>
-          </a:p>
-          <a:p>
-            <a:pPr marL="285750" indent="-285750" algn="just">
-              <a:buFont typeface="Arial"/>
-              <a:buChar char="•"/>
-            </a:pPr>
-            <a:r>
-              <a:rPr lang="pt-BR" sz="1400">
-                <a:latin typeface="Arial"/>
-                <a:ea typeface="+mn-lt"/>
-                <a:cs typeface="Arial"/>
-              </a:rPr>
-              <a:t>Guarda-se a solicitação de orçamento do cliente.</a:t>
-            </a:r>
-            <a:endParaRPr lang="pt-BR" sz="1600">
-              <a:latin typeface="Arial" panose="020B0604020202020204" pitchFamily="34" charset="0"/>
-              <a:cs typeface="Arial" panose="020B0604020202020204" pitchFamily="34" charset="0"/>
-            </a:endParaRPr>
-          </a:p>
-          <a:p>
-            <a:pPr algn="just"/>
-            <a:endParaRPr lang="pt-BR" sz="1600">
-              <a:latin typeface="Arial" panose="020B0604020202020204" pitchFamily="34" charset="0"/>
-              <a:cs typeface="Arial" panose="020B0604020202020204" pitchFamily="34" charset="0"/>
-            </a:endParaRPr>
-          </a:p>
-        </p:txBody>
-      </p:sp>
-      <p:sp>
-        <p:nvSpPr>
-          <p:cNvPr id="5" name="Seta: para a Direita 4">
-            <a:extLst>
-              <a:ext uri="{FF2B5EF4-FFF2-40B4-BE49-F238E27FC236}">
-                <a16:creationId xmlns:a16="http://schemas.microsoft.com/office/drawing/2014/main" id="{297D8B8E-3E90-4D4B-840D-CA53BD6BF5D4}"/>
-              </a:ext>
-            </a:extLst>
-          </p:cNvPr>
-          <p:cNvSpPr/>
-          <p:nvPr/>
-        </p:nvSpPr>
-        <p:spPr>
-          <a:xfrm>
-            <a:off x="3781902" y="3257849"/>
-            <a:ext cx="2731476" cy="480646"/>
-          </a:xfrm>
-          <a:prstGeom prst="rightArrow">
-            <a:avLst/>
-          </a:prstGeom>
-        </p:spPr>
-        <p:style>
-          <a:lnRef idx="2">
-            <a:schemeClr val="accent1">
-              <a:shade val="50000"/>
-            </a:schemeClr>
-          </a:lnRef>
-          <a:fillRef idx="1">
-            <a:schemeClr val="accent1"/>
-          </a:fillRef>
-          <a:effectRef idx="0">
-            <a:schemeClr val="accent1"/>
-          </a:effectRef>
-          <a:fontRef idx="minor">
-            <a:schemeClr val="lt1"/>
-          </a:fontRef>
-        </p:style>
-        <p:txBody>
-          <a:bodyPr rtlCol="0" anchor="ctr"/>
-          <a:lstStyle/>
-          <a:p>
-            <a:pPr algn="ctr"/>
             <a:endParaRPr lang="pt-BR"/>
           </a:p>
         </p:txBody>
       </p:sp>
-      <p:cxnSp>
-        <p:nvCxnSpPr>
-          <p:cNvPr id="16" name="Conector de Seta Reta 15">
-            <a:extLst>
-              <a:ext uri="{FF2B5EF4-FFF2-40B4-BE49-F238E27FC236}">
-                <a16:creationId xmlns:a16="http://schemas.microsoft.com/office/drawing/2014/main" id="{E0D4ECE4-DDEA-46AC-98FC-FAFB281FDFA9}"/>
-              </a:ext>
-            </a:extLst>
-          </p:cNvPr>
-          <p:cNvCxnSpPr>
-            <a:cxnSpLocks/>
-          </p:cNvCxnSpPr>
-          <p:nvPr/>
-        </p:nvCxnSpPr>
-        <p:spPr>
-          <a:xfrm>
-            <a:off x="1630172" y="6196041"/>
-            <a:ext cx="1846181" cy="2964"/>
-          </a:xfrm>
-          <a:prstGeom prst="straightConnector1">
-            <a:avLst/>
-          </a:prstGeom>
-          <a:ln>
-            <a:solidFill>
-              <a:schemeClr val="tx1"/>
-            </a:solidFill>
-          </a:ln>
-        </p:spPr>
-        <p:style>
-          <a:lnRef idx="1">
-            <a:schemeClr val="accent1"/>
-          </a:lnRef>
-          <a:fillRef idx="0">
-            <a:schemeClr val="accent1"/>
-          </a:fillRef>
-          <a:effectRef idx="0">
-            <a:schemeClr val="accent1"/>
-          </a:effectRef>
-          <a:fontRef idx="minor">
-            <a:schemeClr val="tx1"/>
-          </a:fontRef>
-        </p:style>
-      </p:cxnSp>
     </p:spTree>
     <p:extLst>
       <p:ext uri="{BB962C8B-B14F-4D97-AF65-F5344CB8AC3E}">
@@ -4593,354 +4767,12 @@
           <a:chExt cx="0" cy="0"/>
         </a:xfrm>
       </p:grpSpPr>
-      <p:cxnSp>
-        <p:nvCxnSpPr>
-          <p:cNvPr id="11" name="Conector de Seta Reta 10">
+      <p:sp>
+        <p:nvSpPr>
+          <p:cNvPr id="3" name="CaixaDeTexto 2">
             <a:extLst>
               <a:ext uri="{FF2B5EF4-FFF2-40B4-BE49-F238E27FC236}">
-                <a16:creationId xmlns:a16="http://schemas.microsoft.com/office/drawing/2014/main" id="{0BA6BFCC-1D20-40E0-854F-CFF7A288BB0B}"/>
-              </a:ext>
-            </a:extLst>
-          </p:cNvPr>
-          <p:cNvCxnSpPr/>
-          <p:nvPr/>
-        </p:nvCxnSpPr>
-        <p:spPr>
-          <a:xfrm>
-            <a:off x="393457" y="5932610"/>
-            <a:ext cx="1793629" cy="11723"/>
-          </a:xfrm>
-          <a:prstGeom prst="straightConnector1">
-            <a:avLst/>
-          </a:prstGeom>
-          <a:ln>
-            <a:solidFill>
-              <a:schemeClr val="tx1"/>
-            </a:solidFill>
-          </a:ln>
-        </p:spPr>
-        <p:style>
-          <a:lnRef idx="1">
-            <a:schemeClr val="accent1"/>
-          </a:lnRef>
-          <a:fillRef idx="0">
-            <a:schemeClr val="accent1"/>
-          </a:fillRef>
-          <a:effectRef idx="0">
-            <a:schemeClr val="accent1"/>
-          </a:effectRef>
-          <a:fontRef idx="minor">
-            <a:schemeClr val="tx1"/>
-          </a:fontRef>
-        </p:style>
-      </p:cxnSp>
-      <p:cxnSp>
-        <p:nvCxnSpPr>
-          <p:cNvPr id="13" name="Conector de Seta Reta 12">
-            <a:extLst>
-              <a:ext uri="{FF2B5EF4-FFF2-40B4-BE49-F238E27FC236}">
-                <a16:creationId xmlns:a16="http://schemas.microsoft.com/office/drawing/2014/main" id="{1F8672DE-951F-43E3-AE1F-BA27E9DE534B}"/>
-              </a:ext>
-            </a:extLst>
-          </p:cNvPr>
-          <p:cNvCxnSpPr>
-            <a:cxnSpLocks/>
-          </p:cNvCxnSpPr>
-          <p:nvPr/>
-        </p:nvCxnSpPr>
-        <p:spPr>
-          <a:xfrm flipV="1">
-            <a:off x="334840" y="6577379"/>
-            <a:ext cx="1793629" cy="11723"/>
-          </a:xfrm>
-          <a:prstGeom prst="straightConnector1">
-            <a:avLst/>
-          </a:prstGeom>
-          <a:ln>
-            <a:solidFill>
-              <a:schemeClr val="tx1"/>
-            </a:solidFill>
-          </a:ln>
-        </p:spPr>
-        <p:style>
-          <a:lnRef idx="1">
-            <a:schemeClr val="accent1"/>
-          </a:lnRef>
-          <a:fillRef idx="0">
-            <a:schemeClr val="accent1"/>
-          </a:fillRef>
-          <a:effectRef idx="0">
-            <a:schemeClr val="accent1"/>
-          </a:effectRef>
-          <a:fontRef idx="minor">
-            <a:schemeClr val="tx1"/>
-          </a:fontRef>
-        </p:style>
-      </p:cxnSp>
-      <p:cxnSp>
-        <p:nvCxnSpPr>
-          <p:cNvPr id="15" name="Conector de Seta Reta 14">
-            <a:extLst>
-              <a:ext uri="{FF2B5EF4-FFF2-40B4-BE49-F238E27FC236}">
-                <a16:creationId xmlns:a16="http://schemas.microsoft.com/office/drawing/2014/main" id="{EA2732CD-25F2-4C82-B5E2-E5D6C47585E0}"/>
-              </a:ext>
-            </a:extLst>
-          </p:cNvPr>
-          <p:cNvCxnSpPr>
-            <a:cxnSpLocks/>
-          </p:cNvCxnSpPr>
-          <p:nvPr/>
-        </p:nvCxnSpPr>
-        <p:spPr>
-          <a:xfrm>
-            <a:off x="3605579" y="5956055"/>
-            <a:ext cx="1195753" cy="0"/>
-          </a:xfrm>
-          <a:prstGeom prst="straightConnector1">
-            <a:avLst/>
-          </a:prstGeom>
-          <a:ln>
-            <a:solidFill>
-              <a:schemeClr val="tx1"/>
-            </a:solidFill>
-          </a:ln>
-        </p:spPr>
-        <p:style>
-          <a:lnRef idx="1">
-            <a:schemeClr val="accent1"/>
-          </a:lnRef>
-          <a:fillRef idx="0">
-            <a:schemeClr val="accent1"/>
-          </a:fillRef>
-          <a:effectRef idx="0">
-            <a:schemeClr val="accent1"/>
-          </a:effectRef>
-          <a:fontRef idx="minor">
-            <a:schemeClr val="tx1"/>
-          </a:fontRef>
-        </p:style>
-      </p:cxnSp>
-      <p:cxnSp>
-        <p:nvCxnSpPr>
-          <p:cNvPr id="17" name="Conector de Seta Reta 16">
-            <a:extLst>
-              <a:ext uri="{FF2B5EF4-FFF2-40B4-BE49-F238E27FC236}">
-                <a16:creationId xmlns:a16="http://schemas.microsoft.com/office/drawing/2014/main" id="{7034688D-7504-4927-ABEC-0696D65905F8}"/>
-              </a:ext>
-            </a:extLst>
-          </p:cNvPr>
-          <p:cNvCxnSpPr>
-            <a:cxnSpLocks/>
-          </p:cNvCxnSpPr>
-          <p:nvPr/>
-        </p:nvCxnSpPr>
-        <p:spPr>
-          <a:xfrm>
-            <a:off x="3605578" y="6542209"/>
-            <a:ext cx="1195753" cy="0"/>
-          </a:xfrm>
-          <a:prstGeom prst="straightConnector1">
-            <a:avLst/>
-          </a:prstGeom>
-          <a:ln>
-            <a:solidFill>
-              <a:schemeClr val="tx1"/>
-            </a:solidFill>
-          </a:ln>
-        </p:spPr>
-        <p:style>
-          <a:lnRef idx="1">
-            <a:schemeClr val="accent1"/>
-          </a:lnRef>
-          <a:fillRef idx="0">
-            <a:schemeClr val="accent1"/>
-          </a:fillRef>
-          <a:effectRef idx="0">
-            <a:schemeClr val="accent1"/>
-          </a:effectRef>
-          <a:fontRef idx="minor">
-            <a:schemeClr val="tx1"/>
-          </a:fontRef>
-        </p:style>
-      </p:cxnSp>
-      <p:cxnSp>
-        <p:nvCxnSpPr>
-          <p:cNvPr id="19" name="Conector de Seta Reta 18">
-            <a:extLst>
-              <a:ext uri="{FF2B5EF4-FFF2-40B4-BE49-F238E27FC236}">
-                <a16:creationId xmlns:a16="http://schemas.microsoft.com/office/drawing/2014/main" id="{20C2EF9D-F077-440D-9A98-7D3BBDCD1507}"/>
-              </a:ext>
-            </a:extLst>
-          </p:cNvPr>
-          <p:cNvCxnSpPr>
-            <a:cxnSpLocks/>
-          </p:cNvCxnSpPr>
-          <p:nvPr/>
-        </p:nvCxnSpPr>
-        <p:spPr>
-          <a:xfrm>
-            <a:off x="5903301" y="5979501"/>
-            <a:ext cx="1195753" cy="0"/>
-          </a:xfrm>
-          <a:prstGeom prst="straightConnector1">
-            <a:avLst/>
-          </a:prstGeom>
-          <a:ln>
-            <a:solidFill>
-              <a:schemeClr val="tx1"/>
-            </a:solidFill>
-          </a:ln>
-        </p:spPr>
-        <p:style>
-          <a:lnRef idx="1">
-            <a:schemeClr val="accent1"/>
-          </a:lnRef>
-          <a:fillRef idx="0">
-            <a:schemeClr val="accent1"/>
-          </a:fillRef>
-          <a:effectRef idx="0">
-            <a:schemeClr val="accent1"/>
-          </a:effectRef>
-          <a:fontRef idx="minor">
-            <a:schemeClr val="tx1"/>
-          </a:fontRef>
-        </p:style>
-      </p:cxnSp>
-      <p:cxnSp>
-        <p:nvCxnSpPr>
-          <p:cNvPr id="21" name="Conector de Seta Reta 20">
-            <a:extLst>
-              <a:ext uri="{FF2B5EF4-FFF2-40B4-BE49-F238E27FC236}">
-                <a16:creationId xmlns:a16="http://schemas.microsoft.com/office/drawing/2014/main" id="{B73BDEC3-A71A-433D-8AFE-CB4C1FD316FD}"/>
-              </a:ext>
-            </a:extLst>
-          </p:cNvPr>
-          <p:cNvCxnSpPr>
-            <a:cxnSpLocks/>
-          </p:cNvCxnSpPr>
-          <p:nvPr/>
-        </p:nvCxnSpPr>
-        <p:spPr>
-          <a:xfrm>
-            <a:off x="5879854" y="6518762"/>
-            <a:ext cx="1195753" cy="0"/>
-          </a:xfrm>
-          <a:prstGeom prst="straightConnector1">
-            <a:avLst/>
-          </a:prstGeom>
-          <a:ln>
-            <a:solidFill>
-              <a:schemeClr val="tx1"/>
-            </a:solidFill>
-          </a:ln>
-        </p:spPr>
-        <p:style>
-          <a:lnRef idx="1">
-            <a:schemeClr val="accent1"/>
-          </a:lnRef>
-          <a:fillRef idx="0">
-            <a:schemeClr val="accent1"/>
-          </a:fillRef>
-          <a:effectRef idx="0">
-            <a:schemeClr val="accent1"/>
-          </a:effectRef>
-          <a:fontRef idx="minor">
-            <a:schemeClr val="tx1"/>
-          </a:fontRef>
-        </p:style>
-      </p:cxnSp>
-      <p:cxnSp>
-        <p:nvCxnSpPr>
-          <p:cNvPr id="23" name="Conector de Seta Reta 22">
-            <a:extLst>
-              <a:ext uri="{FF2B5EF4-FFF2-40B4-BE49-F238E27FC236}">
-                <a16:creationId xmlns:a16="http://schemas.microsoft.com/office/drawing/2014/main" id="{D9B914A6-C54C-457D-A9B7-F9E8FF9CF857}"/>
-              </a:ext>
-            </a:extLst>
-          </p:cNvPr>
-          <p:cNvCxnSpPr>
-            <a:cxnSpLocks/>
-          </p:cNvCxnSpPr>
-          <p:nvPr/>
-        </p:nvCxnSpPr>
-        <p:spPr>
-          <a:xfrm flipV="1">
-            <a:off x="8224469" y="5956054"/>
-            <a:ext cx="2004645" cy="0"/>
-          </a:xfrm>
-          <a:prstGeom prst="straightConnector1">
-            <a:avLst/>
-          </a:prstGeom>
-          <a:ln>
-            <a:solidFill>
-              <a:schemeClr val="tx1"/>
-            </a:solidFill>
-          </a:ln>
-        </p:spPr>
-        <p:style>
-          <a:lnRef idx="1">
-            <a:schemeClr val="accent1"/>
-          </a:lnRef>
-          <a:fillRef idx="0">
-            <a:schemeClr val="accent1"/>
-          </a:fillRef>
-          <a:effectRef idx="0">
-            <a:schemeClr val="accent1"/>
-          </a:effectRef>
-          <a:fontRef idx="minor">
-            <a:schemeClr val="tx1"/>
-          </a:fontRef>
-        </p:style>
-      </p:cxnSp>
-      <p:cxnSp>
-        <p:nvCxnSpPr>
-          <p:cNvPr id="25" name="Conector de Seta Reta 24">
-            <a:extLst>
-              <a:ext uri="{FF2B5EF4-FFF2-40B4-BE49-F238E27FC236}">
-                <a16:creationId xmlns:a16="http://schemas.microsoft.com/office/drawing/2014/main" id="{52772AFB-F906-466F-97C6-624ADDE8950A}"/>
-              </a:ext>
-            </a:extLst>
-          </p:cNvPr>
-          <p:cNvCxnSpPr>
-            <a:cxnSpLocks/>
-          </p:cNvCxnSpPr>
-          <p:nvPr/>
-        </p:nvCxnSpPr>
-        <p:spPr>
-          <a:xfrm flipV="1">
-            <a:off x="8294806" y="6471868"/>
-            <a:ext cx="1957752" cy="11723"/>
-          </a:xfrm>
-          <a:prstGeom prst="straightConnector1">
-            <a:avLst/>
-          </a:prstGeom>
-          <a:ln>
-            <a:solidFill>
-              <a:schemeClr val="tx1"/>
-            </a:solidFill>
-          </a:ln>
-        </p:spPr>
-        <p:style>
-          <a:lnRef idx="1">
-            <a:schemeClr val="accent1"/>
-          </a:lnRef>
-          <a:fillRef idx="0">
-            <a:schemeClr val="accent1"/>
-          </a:fillRef>
-          <a:effectRef idx="0">
-            <a:schemeClr val="accent1"/>
-          </a:effectRef>
-          <a:fontRef idx="minor">
-            <a:schemeClr val="tx1"/>
-          </a:fontRef>
-        </p:style>
-      </p:cxnSp>
-      <p:sp>
-        <p:nvSpPr>
-          <p:cNvPr id="29" name="CaixaDeTexto 28">
-            <a:extLst>
-              <a:ext uri="{FF2B5EF4-FFF2-40B4-BE49-F238E27FC236}">
-                <a16:creationId xmlns:a16="http://schemas.microsoft.com/office/drawing/2014/main" id="{AD6E2882-5F63-4FA2-AAEB-FED9AF0D0010}"/>
+                <a16:creationId xmlns:a16="http://schemas.microsoft.com/office/drawing/2014/main" id="{308852E3-16DA-426F-A1B0-5AEAE5D45351}"/>
               </a:ext>
             </a:extLst>
           </p:cNvPr>
@@ -4949,8 +4781,8 @@
         </p:nvSpPr>
         <p:spPr>
           <a:xfrm>
-            <a:off x="336946" y="5977902"/>
-            <a:ext cx="1688123" cy="584775"/>
+            <a:off x="2279087" y="1225788"/>
+            <a:ext cx="2070848" cy="270720"/>
           </a:xfrm>
           <a:prstGeom prst="rect">
             <a:avLst/>
@@ -4966,835 +4798,40 @@
           </a:bodyPr>
           <a:lstStyle/>
           <a:p>
-            <a:pPr algn="ctr"/>
-            <a:r>
-              <a:rPr lang="pt-BR" sz="1600">
-                <a:latin typeface="Arial" panose="020B0604020202020204" pitchFamily="34" charset="0"/>
-                <a:cs typeface="Arial" panose="020B0604020202020204" pitchFamily="34" charset="0"/>
-              </a:rPr>
-              <a:t>Solicitação de</a:t>
-            </a:r>
-            <a:br>
-              <a:rPr lang="pt-BR" sz="1600">
-                <a:latin typeface="Arial" panose="020B0604020202020204" pitchFamily="34" charset="0"/>
-                <a:cs typeface="Arial" panose="020B0604020202020204" pitchFamily="34" charset="0"/>
-              </a:rPr>
-            </a:br>
-            <a:r>
-              <a:rPr lang="pt-BR" sz="1600">
-                <a:latin typeface="Arial" panose="020B0604020202020204" pitchFamily="34" charset="0"/>
-                <a:cs typeface="Arial" panose="020B0604020202020204" pitchFamily="34" charset="0"/>
-              </a:rPr>
-              <a:t>Orçamento</a:t>
-            </a:r>
-          </a:p>
-        </p:txBody>
-      </p:sp>
-      <p:sp>
-        <p:nvSpPr>
-          <p:cNvPr id="31" name="Elipse 30">
+            <a:endParaRPr lang="pt-BR"/>
+          </a:p>
+        </p:txBody>
+      </p:sp>
+      <p:pic>
+        <p:nvPicPr>
+          <p:cNvPr id="4" name="Imagem 4" descr="Diagrama&#10;&#10;Descrição gerada automaticamente">
             <a:extLst>
               <a:ext uri="{FF2B5EF4-FFF2-40B4-BE49-F238E27FC236}">
-                <a16:creationId xmlns:a16="http://schemas.microsoft.com/office/drawing/2014/main" id="{E68F68BA-5CDE-4218-8145-29DD96CE59C1}"/>
+                <a16:creationId xmlns:a16="http://schemas.microsoft.com/office/drawing/2014/main" id="{A4CD9DEF-7964-482C-B37B-EB0E30FB9487}"/>
               </a:ext>
             </a:extLst>
           </p:cNvPr>
-          <p:cNvSpPr/>
+          <p:cNvPicPr>
+            <a:picLocks noChangeAspect="1"/>
+          </p:cNvPicPr>
           <p:nvPr/>
-        </p:nvSpPr>
+        </p:nvPicPr>
+        <p:blipFill>
+          <a:blip r:embed="rId3"/>
+          <a:stretch>
+            <a:fillRect/>
+          </a:stretch>
+        </p:blipFill>
         <p:spPr>
           <a:xfrm>
-            <a:off x="2872154" y="2584938"/>
-            <a:ext cx="2250829" cy="2110151"/>
-          </a:xfrm>
-          <a:prstGeom prst="ellipse">
-            <a:avLst/>
-          </a:prstGeom>
-          <a:solidFill>
-            <a:schemeClr val="accent4">
-              <a:lumMod val="60000"/>
-              <a:lumOff val="40000"/>
-            </a:schemeClr>
-          </a:solidFill>
-          <a:ln>
-            <a:solidFill>
-              <a:schemeClr val="tx1"/>
-            </a:solidFill>
-          </a:ln>
-        </p:spPr>
-        <p:style>
-          <a:lnRef idx="2">
-            <a:schemeClr val="accent1">
-              <a:shade val="50000"/>
-            </a:schemeClr>
-          </a:lnRef>
-          <a:fillRef idx="1">
-            <a:schemeClr val="accent1"/>
-          </a:fillRef>
-          <a:effectRef idx="0">
-            <a:schemeClr val="accent1"/>
-          </a:effectRef>
-          <a:fontRef idx="minor">
-            <a:schemeClr val="lt1"/>
-          </a:fontRef>
-        </p:style>
-        <p:txBody>
-          <a:bodyPr lIns="91440" tIns="45720" rIns="91440" bIns="45720" rtlCol="0" anchor="ctr"/>
-          <a:lstStyle/>
-          <a:p>
-            <a:pPr algn="ctr"/>
-            <a:r>
-              <a:rPr lang="pt-BR">
-                <a:solidFill>
-                  <a:schemeClr val="tx1"/>
-                </a:solidFill>
-                <a:latin typeface="Arial" panose="020B0604020202020204" pitchFamily="34" charset="0"/>
-                <a:cs typeface="Arial" panose="020B0604020202020204" pitchFamily="34" charset="0"/>
-              </a:rPr>
-              <a:t>Gerar</a:t>
-            </a:r>
-            <a:br>
-              <a:rPr lang="pt-BR">
-                <a:solidFill>
-                  <a:schemeClr val="tx1"/>
-                </a:solidFill>
-                <a:latin typeface="Arial" panose="020B0604020202020204" pitchFamily="34" charset="0"/>
-                <a:cs typeface="Arial" panose="020B0604020202020204" pitchFamily="34" charset="0"/>
-              </a:rPr>
-            </a:br>
-            <a:r>
-              <a:rPr lang="pt-BR">
-                <a:solidFill>
-                  <a:schemeClr val="tx1"/>
-                </a:solidFill>
-                <a:latin typeface="Arial" panose="020B0604020202020204" pitchFamily="34" charset="0"/>
-                <a:cs typeface="Arial" panose="020B0604020202020204" pitchFamily="34" charset="0"/>
-              </a:rPr>
-              <a:t>Orçamento</a:t>
-            </a:r>
-          </a:p>
-        </p:txBody>
-      </p:sp>
-      <p:cxnSp>
-        <p:nvCxnSpPr>
-          <p:cNvPr id="33" name="Conector de Seta Reta 32">
-            <a:extLst>
-              <a:ext uri="{FF2B5EF4-FFF2-40B4-BE49-F238E27FC236}">
-                <a16:creationId xmlns:a16="http://schemas.microsoft.com/office/drawing/2014/main" id="{89E41414-AF67-4650-842E-D8FC262C1D5A}"/>
-              </a:ext>
-            </a:extLst>
-          </p:cNvPr>
-          <p:cNvCxnSpPr/>
-          <p:nvPr/>
-        </p:nvCxnSpPr>
-        <p:spPr>
-          <a:xfrm flipH="1" flipV="1">
-            <a:off x="2219326" y="1545250"/>
-            <a:ext cx="1266092" cy="1137138"/>
-          </a:xfrm>
-          <a:prstGeom prst="straightConnector1">
-            <a:avLst/>
-          </a:prstGeom>
-          <a:ln>
-            <a:solidFill>
-              <a:schemeClr val="tx1"/>
-            </a:solidFill>
-            <a:tailEnd type="triangle"/>
-          </a:ln>
-        </p:spPr>
-        <p:style>
-          <a:lnRef idx="1">
-            <a:schemeClr val="accent1"/>
-          </a:lnRef>
-          <a:fillRef idx="0">
-            <a:schemeClr val="accent1"/>
-          </a:fillRef>
-          <a:effectRef idx="0">
-            <a:schemeClr val="accent1"/>
-          </a:effectRef>
-          <a:fontRef idx="minor">
-            <a:schemeClr val="tx1"/>
-          </a:fontRef>
-        </p:style>
-      </p:cxnSp>
-      <p:sp>
-        <p:nvSpPr>
-          <p:cNvPr id="35" name="CaixaDeTexto 34">
-            <a:extLst>
-              <a:ext uri="{FF2B5EF4-FFF2-40B4-BE49-F238E27FC236}">
-                <a16:creationId xmlns:a16="http://schemas.microsoft.com/office/drawing/2014/main" id="{2538CAC5-0B3A-4333-8698-1779340F6656}"/>
-              </a:ext>
-            </a:extLst>
-          </p:cNvPr>
-          <p:cNvSpPr txBox="1"/>
-          <p:nvPr/>
-        </p:nvSpPr>
-        <p:spPr>
-          <a:xfrm>
-            <a:off x="3363790" y="6095266"/>
-            <a:ext cx="1688123" cy="338554"/>
+            <a:off x="991457" y="127856"/>
+            <a:ext cx="10209086" cy="6602288"/>
           </a:xfrm>
           <a:prstGeom prst="rect">
             <a:avLst/>
           </a:prstGeom>
-          <a:noFill/>
         </p:spPr>
-        <p:txBody>
-          <a:bodyPr rot="0" spcFirstLastPara="0" vertOverflow="overflow" horzOverflow="overflow" vert="horz" wrap="square" lIns="91440" tIns="45720" rIns="91440" bIns="45720" numCol="1" spcCol="0" rtlCol="0" fromWordArt="0" anchor="t" anchorCtr="0" forceAA="0" compatLnSpc="1">
-            <a:prstTxWarp prst="textNoShape">
-              <a:avLst/>
-            </a:prstTxWarp>
-            <a:spAutoFit/>
-          </a:bodyPr>
-          <a:lstStyle/>
-          <a:p>
-            <a:pPr algn="ctr"/>
-            <a:r>
-              <a:rPr lang="pt-BR" sz="1600">
-                <a:latin typeface="Arial" panose="020B0604020202020204" pitchFamily="34" charset="0"/>
-                <a:cs typeface="Arial" panose="020B0604020202020204" pitchFamily="34" charset="0"/>
-              </a:rPr>
-              <a:t>Cliente</a:t>
-            </a:r>
-          </a:p>
-        </p:txBody>
-      </p:sp>
-      <p:cxnSp>
-        <p:nvCxnSpPr>
-          <p:cNvPr id="37" name="Conector de Seta Reta 36">
-            <a:extLst>
-              <a:ext uri="{FF2B5EF4-FFF2-40B4-BE49-F238E27FC236}">
-                <a16:creationId xmlns:a16="http://schemas.microsoft.com/office/drawing/2014/main" id="{0B028723-2C85-45D3-BE6D-7C68B789AC9C}"/>
-              </a:ext>
-            </a:extLst>
-          </p:cNvPr>
-          <p:cNvCxnSpPr/>
-          <p:nvPr/>
-        </p:nvCxnSpPr>
-        <p:spPr>
-          <a:xfrm flipH="1">
-            <a:off x="1834661" y="4478215"/>
-            <a:ext cx="1477106" cy="1430215"/>
-          </a:xfrm>
-          <a:prstGeom prst="straightConnector1">
-            <a:avLst/>
-          </a:prstGeom>
-          <a:ln>
-            <a:solidFill>
-              <a:schemeClr val="tx1"/>
-            </a:solidFill>
-            <a:headEnd type="triangle"/>
-            <a:tailEnd type="triangle"/>
-          </a:ln>
-        </p:spPr>
-        <p:style>
-          <a:lnRef idx="1">
-            <a:schemeClr val="accent1"/>
-          </a:lnRef>
-          <a:fillRef idx="0">
-            <a:schemeClr val="accent1"/>
-          </a:fillRef>
-          <a:effectRef idx="0">
-            <a:schemeClr val="accent1"/>
-          </a:effectRef>
-          <a:fontRef idx="minor">
-            <a:schemeClr val="tx1"/>
-          </a:fontRef>
-        </p:style>
-      </p:cxnSp>
-      <p:sp>
-        <p:nvSpPr>
-          <p:cNvPr id="43" name="CaixaDeTexto 42">
-            <a:extLst>
-              <a:ext uri="{FF2B5EF4-FFF2-40B4-BE49-F238E27FC236}">
-                <a16:creationId xmlns:a16="http://schemas.microsoft.com/office/drawing/2014/main" id="{F0909070-772F-4C9B-A118-A4D1094D8869}"/>
-              </a:ext>
-            </a:extLst>
-          </p:cNvPr>
-          <p:cNvSpPr txBox="1"/>
-          <p:nvPr/>
-        </p:nvSpPr>
-        <p:spPr>
-          <a:xfrm>
-            <a:off x="2862257" y="2007145"/>
-            <a:ext cx="1688123" cy="307777"/>
-          </a:xfrm>
-          <a:prstGeom prst="rect">
-            <a:avLst/>
-          </a:prstGeom>
-          <a:noFill/>
-        </p:spPr>
-        <p:txBody>
-          <a:bodyPr rot="0" spcFirstLastPara="0" vertOverflow="overflow" horzOverflow="overflow" vert="horz" wrap="square" lIns="91440" tIns="45720" rIns="91440" bIns="45720" numCol="1" spcCol="0" rtlCol="0" fromWordArt="0" anchor="t" anchorCtr="0" forceAA="0" compatLnSpc="1">
-            <a:prstTxWarp prst="textNoShape">
-              <a:avLst/>
-            </a:prstTxWarp>
-            <a:spAutoFit/>
-          </a:bodyPr>
-          <a:lstStyle/>
-          <a:p>
-            <a:pPr algn="ctr"/>
-            <a:r>
-              <a:rPr lang="pt-BR" sz="1400">
-                <a:latin typeface="Arial" panose="020B0604020202020204" pitchFamily="34" charset="0"/>
-                <a:cs typeface="Arial" panose="020B0604020202020204" pitchFamily="34" charset="0"/>
-              </a:rPr>
-              <a:t>Orçamento</a:t>
-            </a:r>
-          </a:p>
-        </p:txBody>
-      </p:sp>
-      <p:cxnSp>
-        <p:nvCxnSpPr>
-          <p:cNvPr id="45" name="Conector de Seta Reta 44">
-            <a:extLst>
-              <a:ext uri="{FF2B5EF4-FFF2-40B4-BE49-F238E27FC236}">
-                <a16:creationId xmlns:a16="http://schemas.microsoft.com/office/drawing/2014/main" id="{886D6BE3-6FA4-4E1E-8CFE-C75FAF4BD6CE}"/>
-              </a:ext>
-            </a:extLst>
-          </p:cNvPr>
-          <p:cNvCxnSpPr>
-            <a:cxnSpLocks/>
-          </p:cNvCxnSpPr>
-          <p:nvPr/>
-        </p:nvCxnSpPr>
-        <p:spPr>
-          <a:xfrm flipV="1">
-            <a:off x="4106739" y="4733926"/>
-            <a:ext cx="1" cy="1172307"/>
-          </a:xfrm>
-          <a:prstGeom prst="straightConnector1">
-            <a:avLst/>
-          </a:prstGeom>
-          <a:ln>
-            <a:solidFill>
-              <a:schemeClr val="tx1"/>
-            </a:solidFill>
-            <a:tailEnd type="triangle"/>
-          </a:ln>
-        </p:spPr>
-        <p:style>
-          <a:lnRef idx="1">
-            <a:schemeClr val="accent1"/>
-          </a:lnRef>
-          <a:fillRef idx="0">
-            <a:schemeClr val="accent1"/>
-          </a:fillRef>
-          <a:effectRef idx="0">
-            <a:schemeClr val="accent1"/>
-          </a:effectRef>
-          <a:fontRef idx="minor">
-            <a:schemeClr val="tx1"/>
-          </a:fontRef>
-        </p:style>
-      </p:cxnSp>
-      <p:sp>
-        <p:nvSpPr>
-          <p:cNvPr id="47" name="CaixaDeTexto 46">
-            <a:extLst>
-              <a:ext uri="{FF2B5EF4-FFF2-40B4-BE49-F238E27FC236}">
-                <a16:creationId xmlns:a16="http://schemas.microsoft.com/office/drawing/2014/main" id="{15B8EE82-7609-47B1-AEAF-5630E965E3A1}"/>
-              </a:ext>
-            </a:extLst>
-          </p:cNvPr>
-          <p:cNvSpPr txBox="1"/>
-          <p:nvPr/>
-        </p:nvSpPr>
-        <p:spPr>
-          <a:xfrm>
-            <a:off x="5661513" y="6106989"/>
-            <a:ext cx="1688123" cy="338554"/>
-          </a:xfrm>
-          <a:prstGeom prst="rect">
-            <a:avLst/>
-          </a:prstGeom>
-          <a:noFill/>
-        </p:spPr>
-        <p:txBody>
-          <a:bodyPr rot="0" spcFirstLastPara="0" vertOverflow="overflow" horzOverflow="overflow" vert="horz" wrap="square" lIns="91440" tIns="45720" rIns="91440" bIns="45720" numCol="1" spcCol="0" rtlCol="0" fromWordArt="0" anchor="t" anchorCtr="0" forceAA="0" compatLnSpc="1">
-            <a:prstTxWarp prst="textNoShape">
-              <a:avLst/>
-            </a:prstTxWarp>
-            <a:spAutoFit/>
-          </a:bodyPr>
-          <a:lstStyle/>
-          <a:p>
-            <a:pPr algn="ctr"/>
-            <a:r>
-              <a:rPr lang="pt-BR" sz="1600">
-                <a:latin typeface="Arial" panose="020B0604020202020204" pitchFamily="34" charset="0"/>
-                <a:cs typeface="Arial" panose="020B0604020202020204" pitchFamily="34" charset="0"/>
-              </a:rPr>
-              <a:t>Orçamento</a:t>
-            </a:r>
-          </a:p>
-        </p:txBody>
-      </p:sp>
-      <p:cxnSp>
-        <p:nvCxnSpPr>
-          <p:cNvPr id="49" name="Conector de Seta Reta 48">
-            <a:extLst>
-              <a:ext uri="{FF2B5EF4-FFF2-40B4-BE49-F238E27FC236}">
-                <a16:creationId xmlns:a16="http://schemas.microsoft.com/office/drawing/2014/main" id="{A18D0698-E307-4000-A5D5-585A061762D6}"/>
-              </a:ext>
-            </a:extLst>
-          </p:cNvPr>
-          <p:cNvCxnSpPr/>
-          <p:nvPr/>
-        </p:nvCxnSpPr>
-        <p:spPr>
-          <a:xfrm>
-            <a:off x="4732460" y="4480415"/>
-            <a:ext cx="1535722" cy="1488830"/>
-          </a:xfrm>
-          <a:prstGeom prst="straightConnector1">
-            <a:avLst/>
-          </a:prstGeom>
-          <a:ln>
-            <a:solidFill>
-              <a:schemeClr val="tx1"/>
-            </a:solidFill>
-            <a:tailEnd type="triangle"/>
-          </a:ln>
-        </p:spPr>
-        <p:style>
-          <a:lnRef idx="1">
-            <a:schemeClr val="accent1"/>
-          </a:lnRef>
-          <a:fillRef idx="0">
-            <a:schemeClr val="accent1"/>
-          </a:fillRef>
-          <a:effectRef idx="0">
-            <a:schemeClr val="accent1"/>
-          </a:effectRef>
-          <a:fontRef idx="minor">
-            <a:schemeClr val="tx1"/>
-          </a:fontRef>
-        </p:style>
-      </p:cxnSp>
-      <p:sp>
-        <p:nvSpPr>
-          <p:cNvPr id="51" name="CaixaDeTexto 50">
-            <a:extLst>
-              <a:ext uri="{FF2B5EF4-FFF2-40B4-BE49-F238E27FC236}">
-                <a16:creationId xmlns:a16="http://schemas.microsoft.com/office/drawing/2014/main" id="{0C542B54-9798-4915-B684-4B37412ACD86}"/>
-              </a:ext>
-            </a:extLst>
-          </p:cNvPr>
-          <p:cNvSpPr txBox="1"/>
-          <p:nvPr/>
-        </p:nvSpPr>
-        <p:spPr>
-          <a:xfrm>
-            <a:off x="8465618" y="5954588"/>
-            <a:ext cx="1688123" cy="584775"/>
-          </a:xfrm>
-          <a:prstGeom prst="rect">
-            <a:avLst/>
-          </a:prstGeom>
-          <a:noFill/>
-        </p:spPr>
-        <p:txBody>
-          <a:bodyPr rot="0" spcFirstLastPara="0" vertOverflow="overflow" horzOverflow="overflow" vert="horz" wrap="square" lIns="91440" tIns="45720" rIns="91440" bIns="45720" numCol="1" spcCol="0" rtlCol="0" fromWordArt="0" anchor="t" anchorCtr="0" forceAA="0" compatLnSpc="1">
-            <a:prstTxWarp prst="textNoShape">
-              <a:avLst/>
-            </a:prstTxWarp>
-            <a:spAutoFit/>
-          </a:bodyPr>
-          <a:lstStyle/>
-          <a:p>
-            <a:pPr algn="ctr"/>
-            <a:r>
-              <a:rPr lang="pt-BR" sz="1600">
-                <a:latin typeface="Arial" panose="020B0604020202020204" pitchFamily="34" charset="0"/>
-                <a:cs typeface="Arial" panose="020B0604020202020204" pitchFamily="34" charset="0"/>
-              </a:rPr>
-              <a:t>Agendamento de Serviços</a:t>
-            </a:r>
-          </a:p>
-        </p:txBody>
-      </p:sp>
-      <p:cxnSp>
-        <p:nvCxnSpPr>
-          <p:cNvPr id="59" name="Conector de Seta Reta 58">
-            <a:extLst>
-              <a:ext uri="{FF2B5EF4-FFF2-40B4-BE49-F238E27FC236}">
-                <a16:creationId xmlns:a16="http://schemas.microsoft.com/office/drawing/2014/main" id="{F154A172-F16C-44D0-985E-25ABB5466534}"/>
-              </a:ext>
-            </a:extLst>
-          </p:cNvPr>
-          <p:cNvCxnSpPr>
-            <a:cxnSpLocks/>
-          </p:cNvCxnSpPr>
-          <p:nvPr/>
-        </p:nvCxnSpPr>
-        <p:spPr>
-          <a:xfrm flipH="1" flipV="1">
-            <a:off x="4952999" y="4185137"/>
-            <a:ext cx="3598983" cy="1758461"/>
-          </a:xfrm>
-          <a:prstGeom prst="straightConnector1">
-            <a:avLst/>
-          </a:prstGeom>
-          <a:ln>
-            <a:solidFill>
-              <a:schemeClr val="tx1"/>
-            </a:solidFill>
-            <a:headEnd type="triangle"/>
-            <a:tailEnd type="triangle"/>
-          </a:ln>
-        </p:spPr>
-        <p:style>
-          <a:lnRef idx="1">
-            <a:schemeClr val="accent1"/>
-          </a:lnRef>
-          <a:fillRef idx="0">
-            <a:schemeClr val="accent1"/>
-          </a:fillRef>
-          <a:effectRef idx="0">
-            <a:schemeClr val="accent1"/>
-          </a:effectRef>
-          <a:fontRef idx="minor">
-            <a:schemeClr val="tx1"/>
-          </a:fontRef>
-        </p:style>
-      </p:cxnSp>
-      <p:sp>
-        <p:nvSpPr>
-          <p:cNvPr id="74" name="Retângulo 73">
-            <a:extLst>
-              <a:ext uri="{FF2B5EF4-FFF2-40B4-BE49-F238E27FC236}">
-                <a16:creationId xmlns:a16="http://schemas.microsoft.com/office/drawing/2014/main" id="{846FC8A2-8D81-4232-989F-B4AFDC69113F}"/>
-              </a:ext>
-            </a:extLst>
-          </p:cNvPr>
-          <p:cNvSpPr/>
-          <p:nvPr/>
-        </p:nvSpPr>
-        <p:spPr>
-          <a:xfrm>
-            <a:off x="866472" y="528861"/>
-            <a:ext cx="1840521" cy="973015"/>
-          </a:xfrm>
-          <a:prstGeom prst="rect">
-            <a:avLst/>
-          </a:prstGeom>
-          <a:solidFill>
-            <a:schemeClr val="bg1"/>
-          </a:solidFill>
-          <a:ln>
-            <a:solidFill>
-              <a:schemeClr val="tx1"/>
-            </a:solidFill>
-          </a:ln>
-        </p:spPr>
-        <p:style>
-          <a:lnRef idx="2">
-            <a:schemeClr val="accent1">
-              <a:shade val="50000"/>
-            </a:schemeClr>
-          </a:lnRef>
-          <a:fillRef idx="1">
-            <a:schemeClr val="accent1"/>
-          </a:fillRef>
-          <a:effectRef idx="0">
-            <a:schemeClr val="accent1"/>
-          </a:effectRef>
-          <a:fontRef idx="minor">
-            <a:schemeClr val="lt1"/>
-          </a:fontRef>
-        </p:style>
-        <p:txBody>
-          <a:bodyPr rtlCol="0" anchor="ctr"/>
-          <a:lstStyle/>
-          <a:p>
-            <a:pPr algn="ctr"/>
-            <a:r>
-              <a:rPr lang="pt-BR">
-                <a:solidFill>
-                  <a:schemeClr val="tx1"/>
-                </a:solidFill>
-                <a:latin typeface="Arial" panose="020B0604020202020204" pitchFamily="34" charset="0"/>
-                <a:cs typeface="Arial" panose="020B0604020202020204" pitchFamily="34" charset="0"/>
-              </a:rPr>
-              <a:t>Cliente</a:t>
-            </a:r>
-          </a:p>
-        </p:txBody>
-      </p:sp>
-      <p:sp>
-        <p:nvSpPr>
-          <p:cNvPr id="75" name="CaixaDeTexto 74">
-            <a:extLst>
-              <a:ext uri="{FF2B5EF4-FFF2-40B4-BE49-F238E27FC236}">
-                <a16:creationId xmlns:a16="http://schemas.microsoft.com/office/drawing/2014/main" id="{EF268438-E457-4CA6-B1E7-51526B9EFD58}"/>
-              </a:ext>
-            </a:extLst>
-          </p:cNvPr>
-          <p:cNvSpPr txBox="1"/>
-          <p:nvPr/>
-        </p:nvSpPr>
-        <p:spPr>
-          <a:xfrm>
-            <a:off x="7099845" y="982128"/>
-            <a:ext cx="4922824" cy="4401205"/>
-          </a:xfrm>
-          <a:prstGeom prst="rect">
-            <a:avLst/>
-          </a:prstGeom>
-          <a:noFill/>
-        </p:spPr>
-        <p:txBody>
-          <a:bodyPr rot="0" spcFirstLastPara="0" vertOverflow="overflow" horzOverflow="overflow" vert="horz" wrap="square" lIns="91440" tIns="45720" rIns="91440" bIns="45720" numCol="1" spcCol="0" rtlCol="0" fromWordArt="0" anchor="t" anchorCtr="0" forceAA="0" compatLnSpc="1">
-            <a:prstTxWarp prst="textNoShape">
-              <a:avLst/>
-            </a:prstTxWarp>
-            <a:spAutoFit/>
-          </a:bodyPr>
-          <a:lstStyle/>
-          <a:p>
-            <a:pPr algn="just"/>
-            <a:r>
-              <a:rPr lang="pt-BR" sz="1400" b="1">
-                <a:latin typeface="Arial"/>
-                <a:ea typeface="+mn-lt"/>
-                <a:cs typeface="Arial"/>
-              </a:rPr>
-              <a:t>Cota orçamento</a:t>
-            </a:r>
-            <a:r>
-              <a:rPr lang="pt-BR" sz="1400">
-                <a:latin typeface="Arial"/>
-                <a:ea typeface="+mn-lt"/>
-                <a:cs typeface="Arial"/>
-              </a:rPr>
-              <a:t> </a:t>
-            </a:r>
-          </a:p>
-          <a:p>
-            <a:pPr algn="just"/>
-            <a:r>
-              <a:rPr lang="pt-BR" sz="1400" b="1">
-                <a:latin typeface="Arial"/>
-                <a:ea typeface="+mn-lt"/>
-                <a:cs typeface="Arial"/>
-              </a:rPr>
-              <a:t>Evento:</a:t>
-            </a:r>
-            <a:r>
-              <a:rPr lang="pt-BR" sz="1400">
-                <a:latin typeface="Arial"/>
-                <a:ea typeface="+mn-lt"/>
-                <a:cs typeface="Arial"/>
-              </a:rPr>
-              <a:t> Confecção cota orçamento </a:t>
-            </a:r>
-          </a:p>
-          <a:p>
-            <a:pPr algn="just"/>
-            <a:r>
-              <a:rPr lang="pt-BR" sz="1400" b="1">
-                <a:latin typeface="Arial"/>
-                <a:ea typeface="+mn-lt"/>
-                <a:cs typeface="Arial"/>
-              </a:rPr>
-              <a:t>Objetivo:</a:t>
-            </a:r>
-            <a:r>
-              <a:rPr lang="pt-BR" sz="1400">
-                <a:latin typeface="Arial"/>
-                <a:ea typeface="+mn-lt"/>
-                <a:cs typeface="Arial"/>
-              </a:rPr>
-              <a:t> Cotar orçamento </a:t>
-            </a:r>
-          </a:p>
-          <a:p>
-            <a:pPr algn="just"/>
-            <a:r>
-              <a:rPr lang="pt-BR" sz="1400" b="1">
-                <a:latin typeface="Arial"/>
-                <a:ea typeface="+mn-lt"/>
-                <a:cs typeface="Arial"/>
-              </a:rPr>
-              <a:t>Trabalhadores envolvidos:</a:t>
-            </a:r>
-            <a:r>
-              <a:rPr lang="pt-BR" sz="1400">
-                <a:latin typeface="Arial"/>
-                <a:ea typeface="+mn-lt"/>
-                <a:cs typeface="Arial"/>
-              </a:rPr>
-              <a:t> Proprietária</a:t>
-            </a:r>
-            <a:endParaRPr lang="pt-BR" sz="1400">
-              <a:latin typeface="Arial"/>
-              <a:cs typeface="Arial"/>
-            </a:endParaRPr>
-          </a:p>
-          <a:p>
-            <a:pPr marL="285750" indent="-285750" algn="just">
-              <a:buFont typeface="Arial"/>
-              <a:buChar char="•"/>
-            </a:pPr>
-            <a:r>
-              <a:rPr lang="pt-BR" sz="1400">
-                <a:latin typeface="Arial" panose="020B0604020202020204" pitchFamily="34" charset="0"/>
-                <a:ea typeface="+mn-lt"/>
-                <a:cs typeface="Arial" panose="020B0604020202020204" pitchFamily="34" charset="0"/>
-              </a:rPr>
-              <a:t>Verifica na agenda de serviços, se tem possibilidade de produção na data solicitada pelo cliente. </a:t>
-            </a:r>
-            <a:endParaRPr lang="pt-BR" sz="1400">
-              <a:latin typeface="Arial" panose="020B0604020202020204" pitchFamily="34" charset="0"/>
-              <a:cs typeface="Arial" panose="020B0604020202020204" pitchFamily="34" charset="0"/>
-            </a:endParaRPr>
-          </a:p>
-          <a:p>
-            <a:pPr marL="742950" lvl="1" indent="-285750" algn="just">
-              <a:buFont typeface="Arial"/>
-              <a:buChar char="•"/>
-            </a:pPr>
-            <a:r>
-              <a:rPr lang="pt-BR" sz="1400">
-                <a:latin typeface="Arial"/>
-                <a:ea typeface="+mn-lt"/>
-                <a:cs typeface="Arial"/>
-              </a:rPr>
-              <a:t>Se houver possibilidade de produção na data solicitada pelo cliente, prossegue-se com o processo de cotação do orçamento.</a:t>
-            </a:r>
-            <a:endParaRPr lang="pt-BR" sz="1400">
-              <a:latin typeface="Arial"/>
-              <a:cs typeface="Arial"/>
-            </a:endParaRPr>
-          </a:p>
-          <a:p>
-            <a:pPr marL="742950" lvl="1" indent="-285750" algn="just">
-              <a:buFont typeface="Arial"/>
-              <a:buChar char="•"/>
-            </a:pPr>
-            <a:r>
-              <a:rPr lang="pt-BR" sz="1400">
-                <a:latin typeface="Arial"/>
-                <a:ea typeface="+mn-lt"/>
-                <a:cs typeface="Arial"/>
-              </a:rPr>
-              <a:t>Caso não tenha possibilidade de produção na data solicitada pelo cliente, verifica na agenda de serviços a data mais próxima daquela solicitada pelo cliente, avisa o cliente da indisponibilidade da data solicitada e sugere a data mais próxima da data solicitada pelo cliente.</a:t>
-            </a:r>
-            <a:endParaRPr lang="pt-BR" sz="1400">
-              <a:latin typeface="Arial"/>
-              <a:cs typeface="Arial"/>
-            </a:endParaRPr>
-          </a:p>
-          <a:p>
-            <a:pPr marL="285750" indent="-285750" algn="just">
-              <a:buFont typeface="Arial"/>
-              <a:buChar char="•"/>
-            </a:pPr>
-            <a:r>
-              <a:rPr lang="pt-BR" sz="1400">
-                <a:latin typeface="Arial" panose="020B0604020202020204" pitchFamily="34" charset="0"/>
-                <a:ea typeface="+mn-lt"/>
-                <a:cs typeface="Arial" panose="020B0604020202020204" pitchFamily="34" charset="0"/>
-              </a:rPr>
-              <a:t>Cota o orçamento baseado no tempo que irá levar a produção.</a:t>
-            </a:r>
-            <a:endParaRPr lang="pt-BR" sz="1400">
-              <a:latin typeface="Arial" panose="020B0604020202020204" pitchFamily="34" charset="0"/>
-              <a:cs typeface="Arial" panose="020B0604020202020204" pitchFamily="34" charset="0"/>
-            </a:endParaRPr>
-          </a:p>
-          <a:p>
-            <a:pPr marL="285750" indent="-285750" algn="just">
-              <a:buFont typeface="Arial"/>
-              <a:buChar char="•"/>
-            </a:pPr>
-            <a:r>
-              <a:rPr lang="pt-BR" sz="1400">
-                <a:latin typeface="Arial" panose="020B0604020202020204" pitchFamily="34" charset="0"/>
-                <a:ea typeface="+mn-lt"/>
-                <a:cs typeface="Arial" panose="020B0604020202020204" pitchFamily="34" charset="0"/>
-              </a:rPr>
-              <a:t>Guarda o orçamento.</a:t>
-            </a:r>
-            <a:endParaRPr lang="pt-BR" sz="1400">
-              <a:latin typeface="Arial" panose="020B0604020202020204" pitchFamily="34" charset="0"/>
-              <a:cs typeface="Arial" panose="020B0604020202020204" pitchFamily="34" charset="0"/>
-            </a:endParaRPr>
-          </a:p>
-          <a:p>
-            <a:pPr marL="285750" indent="-285750" algn="just">
-              <a:buFont typeface="Arial"/>
-              <a:buChar char="•"/>
-            </a:pPr>
-            <a:r>
-              <a:rPr lang="pt-BR" sz="1400">
-                <a:latin typeface="Arial" panose="020B0604020202020204" pitchFamily="34" charset="0"/>
-                <a:ea typeface="+mn-lt"/>
-                <a:cs typeface="Arial" panose="020B0604020202020204" pitchFamily="34" charset="0"/>
-              </a:rPr>
-              <a:t>Envia ao cliente a cotação do orçamento.</a:t>
-            </a:r>
-            <a:endParaRPr lang="pt-BR" sz="1400">
-              <a:latin typeface="Arial" panose="020B0604020202020204" pitchFamily="34" charset="0"/>
-              <a:cs typeface="Arial" panose="020B0604020202020204" pitchFamily="34" charset="0"/>
-            </a:endParaRPr>
-          </a:p>
-          <a:p>
-            <a:pPr algn="just"/>
-            <a:endParaRPr lang="pt-BR" sz="1400">
-              <a:latin typeface="Arial" panose="020B0604020202020204" pitchFamily="34" charset="0"/>
-              <a:cs typeface="Arial" panose="020B0604020202020204" pitchFamily="34" charset="0"/>
-            </a:endParaRPr>
-          </a:p>
-        </p:txBody>
-      </p:sp>
-      <p:sp>
-        <p:nvSpPr>
-          <p:cNvPr id="76" name="Seta: para a Direita 75">
-            <a:extLst>
-              <a:ext uri="{FF2B5EF4-FFF2-40B4-BE49-F238E27FC236}">
-                <a16:creationId xmlns:a16="http://schemas.microsoft.com/office/drawing/2014/main" id="{B67112AA-7335-448D-B321-68BB8F8C2E3F}"/>
-              </a:ext>
-            </a:extLst>
-          </p:cNvPr>
-          <p:cNvSpPr/>
-          <p:nvPr/>
-        </p:nvSpPr>
-        <p:spPr>
-          <a:xfrm>
-            <a:off x="5222131" y="3153713"/>
-            <a:ext cx="1852245" cy="480646"/>
-          </a:xfrm>
-          <a:prstGeom prst="rightArrow">
-            <a:avLst/>
-          </a:prstGeom>
-        </p:spPr>
-        <p:style>
-          <a:lnRef idx="2">
-            <a:schemeClr val="accent1">
-              <a:shade val="50000"/>
-            </a:schemeClr>
-          </a:lnRef>
-          <a:fillRef idx="1">
-            <a:schemeClr val="accent1"/>
-          </a:fillRef>
-          <a:effectRef idx="0">
-            <a:schemeClr val="accent1"/>
-          </a:effectRef>
-          <a:fontRef idx="minor">
-            <a:schemeClr val="lt1"/>
-          </a:fontRef>
-        </p:style>
-        <p:txBody>
-          <a:bodyPr rtlCol="0" anchor="ctr"/>
-          <a:lstStyle/>
-          <a:p>
-            <a:pPr algn="ctr"/>
-            <a:endParaRPr lang="pt-BR"/>
-          </a:p>
-        </p:txBody>
-      </p:sp>
+      </p:pic>
     </p:spTree>
     <p:extLst>
       <p:ext uri="{BB962C8B-B14F-4D97-AF65-F5344CB8AC3E}">
@@ -5825,1115 +4862,340 @@
           <a:chExt cx="0" cy="0"/>
         </a:xfrm>
       </p:grpSpPr>
-      <p:cxnSp>
-        <p:nvCxnSpPr>
-          <p:cNvPr id="138" name="Conector de Seta Reta 137">
+      <p:pic>
+        <p:nvPicPr>
+          <p:cNvPr id="5" name="Imagem 6" descr="Diagrama&#10;&#10;Descrição gerada automaticamente">
             <a:extLst>
               <a:ext uri="{FF2B5EF4-FFF2-40B4-BE49-F238E27FC236}">
-                <a16:creationId xmlns:a16="http://schemas.microsoft.com/office/drawing/2014/main" id="{3B1ED90A-CF42-4450-9773-AB5CD8EC40F2}"/>
+                <a16:creationId xmlns:a16="http://schemas.microsoft.com/office/drawing/2014/main" id="{DD49DC74-2B26-404F-BD29-9C3161EA3D51}"/>
               </a:ext>
             </a:extLst>
           </p:cNvPr>
-          <p:cNvCxnSpPr/>
+          <p:cNvPicPr>
+            <a:picLocks noChangeAspect="1"/>
+          </p:cNvPicPr>
           <p:nvPr/>
-        </p:nvCxnSpPr>
+        </p:nvPicPr>
+        <p:blipFill>
+          <a:blip r:embed="rId2"/>
+          <a:stretch>
+            <a:fillRect/>
+          </a:stretch>
+        </p:blipFill>
         <p:spPr>
           <a:xfrm>
-            <a:off x="459360" y="6127265"/>
-            <a:ext cx="1726390" cy="2965"/>
-          </a:xfrm>
-          <a:prstGeom prst="straightConnector1">
-            <a:avLst/>
-          </a:prstGeom>
-          <a:ln>
-            <a:solidFill>
-              <a:schemeClr val="tx1"/>
-            </a:solidFill>
-          </a:ln>
-        </p:spPr>
-        <p:style>
-          <a:lnRef idx="1">
-            <a:schemeClr val="accent1"/>
-          </a:lnRef>
-          <a:fillRef idx="0">
-            <a:schemeClr val="accent1"/>
-          </a:fillRef>
-          <a:effectRef idx="0">
-            <a:schemeClr val="accent1"/>
-          </a:effectRef>
-          <a:fontRef idx="minor">
-            <a:schemeClr val="tx1"/>
-          </a:fontRef>
-        </p:style>
-      </p:cxnSp>
-      <p:cxnSp>
-        <p:nvCxnSpPr>
-          <p:cNvPr id="152" name="Conector de Seta Reta 151">
-            <a:extLst>
-              <a:ext uri="{FF2B5EF4-FFF2-40B4-BE49-F238E27FC236}">
-                <a16:creationId xmlns:a16="http://schemas.microsoft.com/office/drawing/2014/main" id="{0A021F33-0CA1-4C99-967B-FB29FC904E2D}"/>
-              </a:ext>
-            </a:extLst>
-          </p:cNvPr>
-          <p:cNvCxnSpPr>
-            <a:cxnSpLocks/>
-          </p:cNvCxnSpPr>
-          <p:nvPr/>
-        </p:nvCxnSpPr>
-        <p:spPr>
-          <a:xfrm flipV="1">
-            <a:off x="4156830" y="6700266"/>
-            <a:ext cx="1890513" cy="2964"/>
-          </a:xfrm>
-          <a:prstGeom prst="straightConnector1">
-            <a:avLst/>
-          </a:prstGeom>
-          <a:ln>
-            <a:solidFill>
-              <a:schemeClr val="tx1"/>
-            </a:solidFill>
-          </a:ln>
-        </p:spPr>
-        <p:style>
-          <a:lnRef idx="1">
-            <a:schemeClr val="accent1"/>
-          </a:lnRef>
-          <a:fillRef idx="0">
-            <a:schemeClr val="accent1"/>
-          </a:fillRef>
-          <a:effectRef idx="0">
-            <a:schemeClr val="accent1"/>
-          </a:effectRef>
-          <a:fontRef idx="minor">
-            <a:schemeClr val="tx1"/>
-          </a:fontRef>
-        </p:style>
-      </p:cxnSp>
-      <p:sp>
-        <p:nvSpPr>
-          <p:cNvPr id="156" name="CaixaDeTexto 155">
-            <a:extLst>
-              <a:ext uri="{FF2B5EF4-FFF2-40B4-BE49-F238E27FC236}">
-                <a16:creationId xmlns:a16="http://schemas.microsoft.com/office/drawing/2014/main" id="{2F14F296-042C-4288-8D72-F87FDE1D8F69}"/>
-              </a:ext>
-            </a:extLst>
-          </p:cNvPr>
-          <p:cNvSpPr txBox="1"/>
-          <p:nvPr/>
-        </p:nvSpPr>
-        <p:spPr>
-          <a:xfrm>
-            <a:off x="455401" y="6120005"/>
-            <a:ext cx="1676400" cy="584775"/>
+            <a:off x="983674" y="45438"/>
+            <a:ext cx="10190017" cy="6767125"/>
           </a:xfrm>
           <a:prstGeom prst="rect">
             <a:avLst/>
           </a:prstGeom>
-          <a:noFill/>
         </p:spPr>
-        <p:txBody>
-          <a:bodyPr rot="0" spcFirstLastPara="0" vertOverflow="overflow" horzOverflow="overflow" vert="horz" wrap="square" lIns="91440" tIns="45720" rIns="91440" bIns="45720" numCol="1" spcCol="0" rtlCol="0" fromWordArt="0" anchor="t" anchorCtr="0" forceAA="0" compatLnSpc="1">
-            <a:prstTxWarp prst="textNoShape">
-              <a:avLst/>
-            </a:prstTxWarp>
-            <a:spAutoFit/>
-          </a:bodyPr>
-          <a:lstStyle/>
-          <a:p>
-            <a:pPr algn="ctr"/>
-            <a:r>
-              <a:rPr lang="pt-BR" sz="1600">
-                <a:latin typeface="Arial" panose="020B0604020202020204" pitchFamily="34" charset="0"/>
-                <a:cs typeface="Arial" panose="020B0604020202020204" pitchFamily="34" charset="0"/>
-              </a:rPr>
-              <a:t>Solicitação de</a:t>
-            </a:r>
-            <a:br>
-              <a:rPr lang="pt-BR" sz="1600">
-                <a:latin typeface="Arial" panose="020B0604020202020204" pitchFamily="34" charset="0"/>
-                <a:cs typeface="Arial" panose="020B0604020202020204" pitchFamily="34" charset="0"/>
-              </a:rPr>
-            </a:br>
-            <a:r>
-              <a:rPr lang="pt-BR" sz="1600">
-                <a:latin typeface="Arial" panose="020B0604020202020204" pitchFamily="34" charset="0"/>
-                <a:cs typeface="Arial" panose="020B0604020202020204" pitchFamily="34" charset="0"/>
-              </a:rPr>
-              <a:t>Orçamento</a:t>
-            </a:r>
-          </a:p>
-        </p:txBody>
-      </p:sp>
-      <p:sp>
-        <p:nvSpPr>
-          <p:cNvPr id="174" name="CaixaDeTexto 173">
+      </p:pic>
+    </p:spTree>
+    <p:extLst>
+      <p:ext uri="{BB962C8B-B14F-4D97-AF65-F5344CB8AC3E}">
+        <p14:creationId xmlns:p14="http://schemas.microsoft.com/office/powerpoint/2010/main" val="3918470033"/>
+      </p:ext>
+    </p:extLst>
+  </p:cSld>
+  <p:clrMapOvr>
+    <a:masterClrMapping/>
+  </p:clrMapOvr>
+</p:sld>
+</file>
+
+<file path=ppt/slides/slide4.xml><?xml version="1.0" encoding="utf-8"?>
+<p:sld xmlns:a="http://schemas.openxmlformats.org/drawingml/2006/main" xmlns:r="http://schemas.openxmlformats.org/officeDocument/2006/relationships" xmlns:p="http://schemas.openxmlformats.org/presentationml/2006/main">
+  <p:cSld>
+    <p:spTree>
+      <p:nvGrpSpPr>
+        <p:cNvPr id="1" name=""/>
+        <p:cNvGrpSpPr/>
+        <p:nvPr/>
+      </p:nvGrpSpPr>
+      <p:grpSpPr>
+        <a:xfrm>
+          <a:off x="0" y="0"/>
+          <a:ext cx="0" cy="0"/>
+          <a:chOff x="0" y="0"/>
+          <a:chExt cx="0" cy="0"/>
+        </a:xfrm>
+      </p:grpSpPr>
+      <p:pic>
+        <p:nvPicPr>
+          <p:cNvPr id="4" name="Imagem 4" descr="Diagrama, Texto&#10;&#10;Descrição gerada automaticamente">
             <a:extLst>
               <a:ext uri="{FF2B5EF4-FFF2-40B4-BE49-F238E27FC236}">
-                <a16:creationId xmlns:a16="http://schemas.microsoft.com/office/drawing/2014/main" id="{85114B75-AA90-4810-951B-8CF7037E9F6C}"/>
+                <a16:creationId xmlns:a16="http://schemas.microsoft.com/office/drawing/2014/main" id="{4C820C70-B8C8-4B92-BA3A-195B6A5B149E}"/>
               </a:ext>
             </a:extLst>
           </p:cNvPr>
-          <p:cNvSpPr txBox="1"/>
+          <p:cNvPicPr>
+            <a:picLocks noChangeAspect="1"/>
+          </p:cNvPicPr>
           <p:nvPr/>
-        </p:nvSpPr>
+        </p:nvPicPr>
+        <p:blipFill>
+          <a:blip r:embed="rId2"/>
+          <a:stretch>
+            <a:fillRect/>
+          </a:stretch>
+        </p:blipFill>
         <p:spPr>
           <a:xfrm>
-            <a:off x="2308713" y="6259389"/>
-            <a:ext cx="1676400" cy="338554"/>
+            <a:off x="1146020" y="168593"/>
+            <a:ext cx="9899960" cy="6520813"/>
           </a:xfrm>
           <a:prstGeom prst="rect">
             <a:avLst/>
           </a:prstGeom>
-          <a:noFill/>
         </p:spPr>
-        <p:txBody>
-          <a:bodyPr rot="0" spcFirstLastPara="0" vertOverflow="overflow" horzOverflow="overflow" vert="horz" wrap="square" lIns="91440" tIns="45720" rIns="91440" bIns="45720" numCol="1" spcCol="0" rtlCol="0" fromWordArt="0" anchor="t" anchorCtr="0" forceAA="0" compatLnSpc="1">
-            <a:prstTxWarp prst="textNoShape">
-              <a:avLst/>
-            </a:prstTxWarp>
-            <a:spAutoFit/>
-          </a:bodyPr>
-          <a:lstStyle/>
-          <a:p>
-            <a:pPr algn="ctr"/>
-            <a:r>
-              <a:rPr lang="pt-BR" sz="1600">
-                <a:latin typeface="Arial" panose="020B0604020202020204" pitchFamily="34" charset="0"/>
-                <a:cs typeface="Arial" panose="020B0604020202020204" pitchFamily="34" charset="0"/>
-              </a:rPr>
-              <a:t>Orçamento</a:t>
-            </a:r>
-          </a:p>
-        </p:txBody>
-      </p:sp>
-      <p:sp>
-        <p:nvSpPr>
-          <p:cNvPr id="178" name="CaixaDeTexto 177">
+      </p:pic>
+    </p:spTree>
+    <p:extLst>
+      <p:ext uri="{BB962C8B-B14F-4D97-AF65-F5344CB8AC3E}">
+        <p14:creationId xmlns:p14="http://schemas.microsoft.com/office/powerpoint/2010/main" val="794741976"/>
+      </p:ext>
+    </p:extLst>
+  </p:cSld>
+  <p:clrMapOvr>
+    <a:masterClrMapping/>
+  </p:clrMapOvr>
+</p:sld>
+</file>
+
+<file path=ppt/slides/slide5.xml><?xml version="1.0" encoding="utf-8"?>
+<p:sld xmlns:a="http://schemas.openxmlformats.org/drawingml/2006/main" xmlns:r="http://schemas.openxmlformats.org/officeDocument/2006/relationships" xmlns:p="http://schemas.openxmlformats.org/presentationml/2006/main">
+  <p:cSld>
+    <p:spTree>
+      <p:nvGrpSpPr>
+        <p:cNvPr id="1" name=""/>
+        <p:cNvGrpSpPr/>
+        <p:nvPr/>
+      </p:nvGrpSpPr>
+      <p:grpSpPr>
+        <a:xfrm>
+          <a:off x="0" y="0"/>
+          <a:ext cx="0" cy="0"/>
+          <a:chOff x="0" y="0"/>
+          <a:chExt cx="0" cy="0"/>
+        </a:xfrm>
+      </p:grpSpPr>
+      <p:pic>
+        <p:nvPicPr>
+          <p:cNvPr id="4" name="Imagem 4" descr="Diagrama&#10;&#10;Descrição gerada automaticamente">
             <a:extLst>
               <a:ext uri="{FF2B5EF4-FFF2-40B4-BE49-F238E27FC236}">
-                <a16:creationId xmlns:a16="http://schemas.microsoft.com/office/drawing/2014/main" id="{67FE5E71-AFAB-4972-B305-ECA2FCB7F97D}"/>
+                <a16:creationId xmlns:a16="http://schemas.microsoft.com/office/drawing/2014/main" id="{9197F1FD-D9D1-4E48-BD6E-21E66CBA70A9}"/>
               </a:ext>
             </a:extLst>
           </p:cNvPr>
-          <p:cNvSpPr txBox="1"/>
+          <p:cNvPicPr>
+            <a:picLocks noChangeAspect="1"/>
+          </p:cNvPicPr>
           <p:nvPr/>
-        </p:nvSpPr>
+        </p:nvPicPr>
+        <p:blipFill>
+          <a:blip r:embed="rId2"/>
+          <a:stretch>
+            <a:fillRect/>
+          </a:stretch>
+        </p:blipFill>
         <p:spPr>
           <a:xfrm>
-            <a:off x="4344618" y="6136094"/>
-            <a:ext cx="1509987" cy="584775"/>
+            <a:off x="673769" y="154569"/>
+            <a:ext cx="10834435" cy="6548861"/>
           </a:xfrm>
           <a:prstGeom prst="rect">
             <a:avLst/>
           </a:prstGeom>
-          <a:noFill/>
         </p:spPr>
-        <p:txBody>
-          <a:bodyPr rot="0" spcFirstLastPara="0" vertOverflow="overflow" horzOverflow="overflow" vert="horz" wrap="square" lIns="91440" tIns="45720" rIns="91440" bIns="45720" numCol="1" spcCol="0" rtlCol="0" fromWordArt="0" anchor="t" anchorCtr="0" forceAA="0" compatLnSpc="1">
-            <a:prstTxWarp prst="textNoShape">
-              <a:avLst/>
-            </a:prstTxWarp>
-            <a:spAutoFit/>
-          </a:bodyPr>
-          <a:lstStyle/>
-          <a:p>
-            <a:pPr algn="ctr"/>
-            <a:r>
-              <a:rPr lang="pt-BR" sz="1600">
-                <a:latin typeface="Arial" panose="020B0604020202020204" pitchFamily="34" charset="0"/>
-                <a:cs typeface="Arial" panose="020B0604020202020204" pitchFamily="34" charset="0"/>
-              </a:rPr>
-              <a:t>Agendamento de Serviços</a:t>
-            </a:r>
-          </a:p>
-        </p:txBody>
-      </p:sp>
-      <p:cxnSp>
-        <p:nvCxnSpPr>
-          <p:cNvPr id="180" name="Conector de Seta Reta 179">
+      </p:pic>
+    </p:spTree>
+    <p:extLst>
+      <p:ext uri="{BB962C8B-B14F-4D97-AF65-F5344CB8AC3E}">
+        <p14:creationId xmlns:p14="http://schemas.microsoft.com/office/powerpoint/2010/main" val="2802243338"/>
+      </p:ext>
+    </p:extLst>
+  </p:cSld>
+  <p:clrMapOvr>
+    <a:masterClrMapping/>
+  </p:clrMapOvr>
+</p:sld>
+</file>
+
+<file path=ppt/slides/slide6.xml><?xml version="1.0" encoding="utf-8"?>
+<p:sld xmlns:a="http://schemas.openxmlformats.org/drawingml/2006/main" xmlns:r="http://schemas.openxmlformats.org/officeDocument/2006/relationships" xmlns:p="http://schemas.openxmlformats.org/presentationml/2006/main">
+  <p:cSld>
+    <p:spTree>
+      <p:nvGrpSpPr>
+        <p:cNvPr id="1" name=""/>
+        <p:cNvGrpSpPr/>
+        <p:nvPr/>
+      </p:nvGrpSpPr>
+      <p:grpSpPr>
+        <a:xfrm>
+          <a:off x="0" y="0"/>
+          <a:ext cx="0" cy="0"/>
+          <a:chOff x="0" y="0"/>
+          <a:chExt cx="0" cy="0"/>
+        </a:xfrm>
+      </p:grpSpPr>
+      <p:pic>
+        <p:nvPicPr>
+          <p:cNvPr id="4" name="Imagem 4" descr="Diagrama&#10;&#10;Descrição gerada automaticamente">
             <a:extLst>
               <a:ext uri="{FF2B5EF4-FFF2-40B4-BE49-F238E27FC236}">
-                <a16:creationId xmlns:a16="http://schemas.microsoft.com/office/drawing/2014/main" id="{1364CD29-E5EE-46A2-B0A3-E9706945F018}"/>
+                <a16:creationId xmlns:a16="http://schemas.microsoft.com/office/drawing/2014/main" id="{E9D2DA22-E818-4D32-A70A-91D947D84079}"/>
               </a:ext>
             </a:extLst>
           </p:cNvPr>
-          <p:cNvCxnSpPr>
-            <a:cxnSpLocks/>
-          </p:cNvCxnSpPr>
+          <p:cNvPicPr>
+            <a:picLocks noChangeAspect="1"/>
+          </p:cNvPicPr>
           <p:nvPr/>
-        </p:nvCxnSpPr>
-        <p:spPr>
-          <a:xfrm flipH="1">
-            <a:off x="1494691" y="4255478"/>
-            <a:ext cx="2559749" cy="1714736"/>
-          </a:xfrm>
-          <a:prstGeom prst="straightConnector1">
-            <a:avLst/>
-          </a:prstGeom>
-          <a:ln>
-            <a:solidFill>
-              <a:schemeClr val="tx1"/>
-            </a:solidFill>
-            <a:headEnd type="triangle"/>
-            <a:tailEnd type="triangle"/>
-          </a:ln>
-        </p:spPr>
-        <p:style>
-          <a:lnRef idx="1">
-            <a:schemeClr val="accent1"/>
-          </a:lnRef>
-          <a:fillRef idx="0">
-            <a:schemeClr val="accent1"/>
-          </a:fillRef>
-          <a:effectRef idx="0">
-            <a:schemeClr val="accent1"/>
-          </a:effectRef>
-          <a:fontRef idx="minor">
-            <a:schemeClr val="tx1"/>
-          </a:fontRef>
-        </p:style>
-      </p:cxnSp>
-      <p:sp>
-        <p:nvSpPr>
-          <p:cNvPr id="182" name="Elipse 181">
-            <a:extLst>
-              <a:ext uri="{FF2B5EF4-FFF2-40B4-BE49-F238E27FC236}">
-                <a16:creationId xmlns:a16="http://schemas.microsoft.com/office/drawing/2014/main" id="{C00D3D9C-6D9A-4E63-885F-CF5CDE09E4DB}"/>
-              </a:ext>
-            </a:extLst>
-          </p:cNvPr>
-          <p:cNvSpPr/>
-          <p:nvPr/>
-        </p:nvSpPr>
+        </p:nvPicPr>
+        <p:blipFill>
+          <a:blip r:embed="rId2"/>
+          <a:stretch>
+            <a:fillRect/>
+          </a:stretch>
+        </p:blipFill>
         <p:spPr>
           <a:xfrm>
-            <a:off x="3868615" y="2643553"/>
-            <a:ext cx="2227383" cy="2110151"/>
-          </a:xfrm>
-          <a:prstGeom prst="ellipse">
-            <a:avLst/>
-          </a:prstGeom>
-          <a:solidFill>
-            <a:schemeClr val="accent4">
-              <a:lumMod val="60000"/>
-              <a:lumOff val="40000"/>
-            </a:schemeClr>
-          </a:solidFill>
-          <a:ln>
-            <a:solidFill>
-              <a:schemeClr val="tx1"/>
-            </a:solidFill>
-          </a:ln>
-        </p:spPr>
-        <p:style>
-          <a:lnRef idx="2">
-            <a:schemeClr val="accent1">
-              <a:shade val="50000"/>
-            </a:schemeClr>
-          </a:lnRef>
-          <a:fillRef idx="1">
-            <a:schemeClr val="accent1"/>
-          </a:fillRef>
-          <a:effectRef idx="0">
-            <a:schemeClr val="accent1"/>
-          </a:effectRef>
-          <a:fontRef idx="minor">
-            <a:schemeClr val="lt1"/>
-          </a:fontRef>
-        </p:style>
-        <p:txBody>
-          <a:bodyPr lIns="91440" tIns="45720" rIns="91440" bIns="45720" rtlCol="0" anchor="ctr"/>
-          <a:lstStyle/>
-          <a:p>
-            <a:pPr algn="ctr"/>
-            <a:r>
-              <a:rPr lang="pt-BR">
-                <a:solidFill>
-                  <a:schemeClr val="tx1"/>
-                </a:solidFill>
-                <a:latin typeface="Arial" panose="020B0604020202020204" pitchFamily="34" charset="0"/>
-                <a:cs typeface="Arial" panose="020B0604020202020204" pitchFamily="34" charset="0"/>
-              </a:rPr>
-              <a:t>Tratar Resposta ao Orçamento</a:t>
-            </a:r>
-          </a:p>
-        </p:txBody>
-      </p:sp>
-      <p:cxnSp>
-        <p:nvCxnSpPr>
-          <p:cNvPr id="184" name="Conector de Seta Reta 183">
-            <a:extLst>
-              <a:ext uri="{FF2B5EF4-FFF2-40B4-BE49-F238E27FC236}">
-                <a16:creationId xmlns:a16="http://schemas.microsoft.com/office/drawing/2014/main" id="{960EE6A9-7D9B-42B4-AAAF-19F1A8E857DB}"/>
-              </a:ext>
-            </a:extLst>
-          </p:cNvPr>
-          <p:cNvCxnSpPr>
-            <a:cxnSpLocks/>
-          </p:cNvCxnSpPr>
-          <p:nvPr/>
-        </p:nvCxnSpPr>
-        <p:spPr>
-          <a:xfrm flipH="1">
-            <a:off x="2655276" y="4553147"/>
-            <a:ext cx="1673229" cy="1519406"/>
-          </a:xfrm>
-          <a:prstGeom prst="straightConnector1">
-            <a:avLst/>
-          </a:prstGeom>
-          <a:ln>
-            <a:solidFill>
-              <a:schemeClr val="tx1"/>
-            </a:solidFill>
-            <a:headEnd type="triangle"/>
-            <a:tailEnd type="triangle"/>
-          </a:ln>
-        </p:spPr>
-        <p:style>
-          <a:lnRef idx="1">
-            <a:schemeClr val="accent1"/>
-          </a:lnRef>
-          <a:fillRef idx="0">
-            <a:schemeClr val="accent1"/>
-          </a:fillRef>
-          <a:effectRef idx="0">
-            <a:schemeClr val="accent1"/>
-          </a:effectRef>
-          <a:fontRef idx="minor">
-            <a:schemeClr val="tx1"/>
-          </a:fontRef>
-        </p:style>
-      </p:cxnSp>
-      <p:cxnSp>
-        <p:nvCxnSpPr>
-          <p:cNvPr id="188" name="Conector de Seta Reta 187">
-            <a:extLst>
-              <a:ext uri="{FF2B5EF4-FFF2-40B4-BE49-F238E27FC236}">
-                <a16:creationId xmlns:a16="http://schemas.microsoft.com/office/drawing/2014/main" id="{6EB0F3B4-4DDA-470C-BCA4-684978A7EE86}"/>
-              </a:ext>
-            </a:extLst>
-          </p:cNvPr>
-          <p:cNvCxnSpPr>
-            <a:cxnSpLocks/>
-          </p:cNvCxnSpPr>
-          <p:nvPr/>
-        </p:nvCxnSpPr>
-        <p:spPr>
-          <a:xfrm>
-            <a:off x="5093675" y="4759567"/>
-            <a:ext cx="1" cy="1359877"/>
-          </a:xfrm>
-          <a:prstGeom prst="straightConnector1">
-            <a:avLst/>
-          </a:prstGeom>
-          <a:ln>
-            <a:solidFill>
-              <a:schemeClr val="tx1"/>
-            </a:solidFill>
-            <a:headEnd type="triangle"/>
-            <a:tailEnd type="triangle"/>
-          </a:ln>
-        </p:spPr>
-        <p:style>
-          <a:lnRef idx="1">
-            <a:schemeClr val="accent1"/>
-          </a:lnRef>
-          <a:fillRef idx="0">
-            <a:schemeClr val="accent1"/>
-          </a:fillRef>
-          <a:effectRef idx="0">
-            <a:schemeClr val="accent1"/>
-          </a:effectRef>
-          <a:fontRef idx="minor">
-            <a:schemeClr val="tx1"/>
-          </a:fontRef>
-        </p:style>
-      </p:cxnSp>
-      <p:sp>
-        <p:nvSpPr>
-          <p:cNvPr id="190" name="Retângulo 189">
-            <a:extLst>
-              <a:ext uri="{FF2B5EF4-FFF2-40B4-BE49-F238E27FC236}">
-                <a16:creationId xmlns:a16="http://schemas.microsoft.com/office/drawing/2014/main" id="{56D1219C-2816-46B9-9757-264CF041891A}"/>
-              </a:ext>
-            </a:extLst>
-          </p:cNvPr>
-          <p:cNvSpPr/>
-          <p:nvPr/>
-        </p:nvSpPr>
-        <p:spPr>
-          <a:xfrm>
-            <a:off x="4222505" y="899012"/>
-            <a:ext cx="1817075" cy="973015"/>
+            <a:off x="473244" y="325709"/>
+            <a:ext cx="11245514" cy="6066213"/>
           </a:xfrm>
           <a:prstGeom prst="rect">
             <a:avLst/>
           </a:prstGeom>
-          <a:solidFill>
-            <a:schemeClr val="bg1"/>
-          </a:solidFill>
-          <a:ln>
-            <a:solidFill>
-              <a:schemeClr val="tx1"/>
-            </a:solidFill>
-          </a:ln>
         </p:spPr>
-        <p:style>
-          <a:lnRef idx="2">
-            <a:schemeClr val="accent1">
-              <a:shade val="50000"/>
-            </a:schemeClr>
-          </a:lnRef>
-          <a:fillRef idx="1">
-            <a:schemeClr val="accent1"/>
-          </a:fillRef>
-          <a:effectRef idx="0">
-            <a:schemeClr val="accent1"/>
-          </a:effectRef>
-          <a:fontRef idx="minor">
-            <a:schemeClr val="lt1"/>
-          </a:fontRef>
-        </p:style>
-        <p:txBody>
-          <a:bodyPr rtlCol="0" anchor="ctr"/>
-          <a:lstStyle/>
-          <a:p>
-            <a:pPr algn="ctr"/>
-            <a:r>
-              <a:rPr lang="pt-BR">
-                <a:solidFill>
-                  <a:schemeClr val="tx1"/>
-                </a:solidFill>
-                <a:latin typeface="Arial" panose="020B0604020202020204" pitchFamily="34" charset="0"/>
-                <a:cs typeface="Arial" panose="020B0604020202020204" pitchFamily="34" charset="0"/>
-              </a:rPr>
-              <a:t>Cliente</a:t>
-            </a:r>
-          </a:p>
-        </p:txBody>
-      </p:sp>
-      <p:cxnSp>
-        <p:nvCxnSpPr>
-          <p:cNvPr id="192" name="Conector de Seta Reta 191">
+      </p:pic>
+    </p:spTree>
+    <p:extLst>
+      <p:ext uri="{BB962C8B-B14F-4D97-AF65-F5344CB8AC3E}">
+        <p14:creationId xmlns:p14="http://schemas.microsoft.com/office/powerpoint/2010/main" val="2407294601"/>
+      </p:ext>
+    </p:extLst>
+  </p:cSld>
+  <p:clrMapOvr>
+    <a:masterClrMapping/>
+  </p:clrMapOvr>
+</p:sld>
+</file>
+
+<file path=ppt/slides/slide7.xml><?xml version="1.0" encoding="utf-8"?>
+<p:sld xmlns:a="http://schemas.openxmlformats.org/drawingml/2006/main" xmlns:r="http://schemas.openxmlformats.org/officeDocument/2006/relationships" xmlns:p="http://schemas.openxmlformats.org/presentationml/2006/main">
+  <p:cSld>
+    <p:spTree>
+      <p:nvGrpSpPr>
+        <p:cNvPr id="1" name=""/>
+        <p:cNvGrpSpPr/>
+        <p:nvPr/>
+      </p:nvGrpSpPr>
+      <p:grpSpPr>
+        <a:xfrm>
+          <a:off x="0" y="0"/>
+          <a:ext cx="0" cy="0"/>
+          <a:chOff x="0" y="0"/>
+          <a:chExt cx="0" cy="0"/>
+        </a:xfrm>
+      </p:grpSpPr>
+      <p:pic>
+        <p:nvPicPr>
+          <p:cNvPr id="4" name="Imagem 4" descr="Diagrama&#10;&#10;Descrição gerada automaticamente">
             <a:extLst>
               <a:ext uri="{FF2B5EF4-FFF2-40B4-BE49-F238E27FC236}">
-                <a16:creationId xmlns:a16="http://schemas.microsoft.com/office/drawing/2014/main" id="{9195520B-3E57-4433-A3C3-3B2E060821CF}"/>
+                <a16:creationId xmlns:a16="http://schemas.microsoft.com/office/drawing/2014/main" id="{699CFC04-B36B-43FC-8AF6-8BCCC7EC0E83}"/>
               </a:ext>
             </a:extLst>
           </p:cNvPr>
-          <p:cNvCxnSpPr>
-            <a:cxnSpLocks/>
-          </p:cNvCxnSpPr>
+          <p:cNvPicPr>
+            <a:picLocks noChangeAspect="1"/>
+          </p:cNvPicPr>
           <p:nvPr/>
-        </p:nvCxnSpPr>
-        <p:spPr>
-          <a:xfrm flipH="1">
-            <a:off x="5021872" y="1874226"/>
-            <a:ext cx="11722" cy="773724"/>
-          </a:xfrm>
-          <a:prstGeom prst="straightConnector1">
-            <a:avLst/>
-          </a:prstGeom>
-          <a:ln>
-            <a:solidFill>
-              <a:schemeClr val="tx1"/>
-            </a:solidFill>
-            <a:tailEnd type="triangle"/>
-          </a:ln>
-        </p:spPr>
-        <p:style>
-          <a:lnRef idx="1">
-            <a:schemeClr val="accent1"/>
-          </a:lnRef>
-          <a:fillRef idx="0">
-            <a:schemeClr val="accent1"/>
-          </a:fillRef>
-          <a:effectRef idx="0">
-            <a:schemeClr val="accent1"/>
-          </a:effectRef>
-          <a:fontRef idx="minor">
-            <a:schemeClr val="tx1"/>
-          </a:fontRef>
-        </p:style>
-      </p:cxnSp>
-      <p:sp>
-        <p:nvSpPr>
-          <p:cNvPr id="194" name="CaixaDeTexto 193">
-            <a:extLst>
-              <a:ext uri="{FF2B5EF4-FFF2-40B4-BE49-F238E27FC236}">
-                <a16:creationId xmlns:a16="http://schemas.microsoft.com/office/drawing/2014/main" id="{A47BED64-C6A2-47C0-AD8A-E4AFBD73FA19}"/>
-              </a:ext>
-            </a:extLst>
-          </p:cNvPr>
-          <p:cNvSpPr txBox="1"/>
-          <p:nvPr/>
-        </p:nvSpPr>
+        </p:nvPicPr>
+        <p:blipFill>
+          <a:blip r:embed="rId2"/>
+          <a:stretch>
+            <a:fillRect/>
+          </a:stretch>
+        </p:blipFill>
         <p:spPr>
           <a:xfrm>
-            <a:off x="1540243" y="1954188"/>
-            <a:ext cx="1676400" cy="307777"/>
+            <a:off x="1084849" y="362554"/>
+            <a:ext cx="10232856" cy="6132891"/>
           </a:xfrm>
           <a:prstGeom prst="rect">
             <a:avLst/>
           </a:prstGeom>
-          <a:noFill/>
         </p:spPr>
-        <p:txBody>
-          <a:bodyPr rot="0" spcFirstLastPara="0" vertOverflow="overflow" horzOverflow="overflow" vert="horz" wrap="square" lIns="91440" tIns="45720" rIns="91440" bIns="45720" numCol="1" spcCol="0" rtlCol="0" fromWordArt="0" anchor="t" anchorCtr="0" forceAA="0" compatLnSpc="1">
-            <a:prstTxWarp prst="textNoShape">
-              <a:avLst/>
-            </a:prstTxWarp>
-            <a:spAutoFit/>
-          </a:bodyPr>
-          <a:lstStyle/>
-          <a:p>
-            <a:pPr algn="ctr"/>
-            <a:r>
-              <a:rPr lang="pt-BR" sz="1400">
-                <a:latin typeface="Arial" panose="020B0604020202020204" pitchFamily="34" charset="0"/>
-                <a:cs typeface="Arial" panose="020B0604020202020204" pitchFamily="34" charset="0"/>
-              </a:rPr>
-              <a:t>Orçamento</a:t>
-            </a:r>
-          </a:p>
-        </p:txBody>
-      </p:sp>
-      <p:sp>
-        <p:nvSpPr>
-          <p:cNvPr id="196" name="CaixaDeTexto 195">
+      </p:pic>
+    </p:spTree>
+    <p:extLst>
+      <p:ext uri="{BB962C8B-B14F-4D97-AF65-F5344CB8AC3E}">
+        <p14:creationId xmlns:p14="http://schemas.microsoft.com/office/powerpoint/2010/main" val="903245640"/>
+      </p:ext>
+    </p:extLst>
+  </p:cSld>
+  <p:clrMapOvr>
+    <a:masterClrMapping/>
+  </p:clrMapOvr>
+</p:sld>
+</file>
+
+<file path=ppt/slides/slide8.xml><?xml version="1.0" encoding="utf-8"?>
+<p:sld xmlns:a="http://schemas.openxmlformats.org/drawingml/2006/main" xmlns:r="http://schemas.openxmlformats.org/officeDocument/2006/relationships" xmlns:p="http://schemas.openxmlformats.org/presentationml/2006/main">
+  <p:cSld>
+    <p:spTree>
+      <p:nvGrpSpPr>
+        <p:cNvPr id="1" name=""/>
+        <p:cNvGrpSpPr/>
+        <p:nvPr/>
+      </p:nvGrpSpPr>
+      <p:grpSpPr>
+        <a:xfrm>
+          <a:off x="0" y="0"/>
+          <a:ext cx="0" cy="0"/>
+          <a:chOff x="0" y="0"/>
+          <a:chExt cx="0" cy="0"/>
+        </a:xfrm>
+      </p:grpSpPr>
+      <p:pic>
+        <p:nvPicPr>
+          <p:cNvPr id="4" name="Imagem 4" descr="Diagrama&#10;&#10;Descrição gerada automaticamente">
             <a:extLst>
               <a:ext uri="{FF2B5EF4-FFF2-40B4-BE49-F238E27FC236}">
-                <a16:creationId xmlns:a16="http://schemas.microsoft.com/office/drawing/2014/main" id="{119D4FE6-C8E9-41CD-8902-D23875F6882F}"/>
+                <a16:creationId xmlns:a16="http://schemas.microsoft.com/office/drawing/2014/main" id="{8551A667-AFBD-4C72-9091-A1688C112F59}"/>
               </a:ext>
             </a:extLst>
           </p:cNvPr>
-          <p:cNvSpPr txBox="1"/>
+          <p:cNvPicPr>
+            <a:picLocks noChangeAspect="1"/>
+          </p:cNvPicPr>
           <p:nvPr/>
-        </p:nvSpPr>
+        </p:nvPicPr>
+        <p:blipFill>
+          <a:blip r:embed="rId2"/>
+          <a:stretch>
+            <a:fillRect/>
+          </a:stretch>
+        </p:blipFill>
         <p:spPr>
           <a:xfrm>
-            <a:off x="4922957" y="2000946"/>
-            <a:ext cx="1676400" cy="523220"/>
+            <a:off x="372980" y="248821"/>
+            <a:ext cx="11446040" cy="6360357"/>
           </a:xfrm>
           <a:prstGeom prst="rect">
             <a:avLst/>
           </a:prstGeom>
-          <a:noFill/>
         </p:spPr>
-        <p:txBody>
-          <a:bodyPr rot="0" spcFirstLastPara="0" vertOverflow="overflow" horzOverflow="overflow" vert="horz" wrap="square" lIns="91440" tIns="45720" rIns="91440" bIns="45720" numCol="1" spcCol="0" rtlCol="0" fromWordArt="0" anchor="t" anchorCtr="0" forceAA="0" compatLnSpc="1">
-            <a:prstTxWarp prst="textNoShape">
-              <a:avLst/>
-            </a:prstTxWarp>
-            <a:spAutoFit/>
-          </a:bodyPr>
-          <a:lstStyle/>
-          <a:p>
-            <a:pPr algn="ctr"/>
-            <a:r>
-              <a:rPr lang="pt-BR" sz="1400">
-                <a:latin typeface="Arial" panose="020B0604020202020204" pitchFamily="34" charset="0"/>
-                <a:cs typeface="Arial" panose="020B0604020202020204" pitchFamily="34" charset="0"/>
-              </a:rPr>
-              <a:t>Resposta ao Orçamento</a:t>
-            </a:r>
-          </a:p>
-        </p:txBody>
-      </p:sp>
-      <p:cxnSp>
-        <p:nvCxnSpPr>
-          <p:cNvPr id="198" name="Conector: Curvo 197">
-            <a:extLst>
-              <a:ext uri="{FF2B5EF4-FFF2-40B4-BE49-F238E27FC236}">
-                <a16:creationId xmlns:a16="http://schemas.microsoft.com/office/drawing/2014/main" id="{F49C351A-4A3A-49EB-8E60-915E0A624C7E}"/>
-              </a:ext>
-            </a:extLst>
-          </p:cNvPr>
-          <p:cNvCxnSpPr>
-            <a:cxnSpLocks/>
-          </p:cNvCxnSpPr>
-          <p:nvPr/>
-        </p:nvCxnSpPr>
-        <p:spPr>
-          <a:xfrm flipV="1">
-            <a:off x="3871712" y="1458824"/>
-            <a:ext cx="353486" cy="2371724"/>
-          </a:xfrm>
-          <a:prstGeom prst="curvedConnector3">
-            <a:avLst>
-              <a:gd name="adj1" fmla="val -253205"/>
-            </a:avLst>
-          </a:prstGeom>
-          <a:ln>
-            <a:tailEnd type="triangle"/>
-          </a:ln>
-        </p:spPr>
-        <p:style>
-          <a:lnRef idx="1">
-            <a:schemeClr val="dk1"/>
-          </a:lnRef>
-          <a:fillRef idx="0">
-            <a:schemeClr val="dk1"/>
-          </a:fillRef>
-          <a:effectRef idx="0">
-            <a:schemeClr val="dk1"/>
-          </a:effectRef>
-          <a:fontRef idx="minor">
-            <a:schemeClr val="tx1"/>
-          </a:fontRef>
-        </p:style>
-      </p:cxnSp>
-      <p:sp>
-        <p:nvSpPr>
-          <p:cNvPr id="2" name="CaixaDeTexto 1">
-            <a:extLst>
-              <a:ext uri="{FF2B5EF4-FFF2-40B4-BE49-F238E27FC236}">
-                <a16:creationId xmlns:a16="http://schemas.microsoft.com/office/drawing/2014/main" id="{5DD6C70C-B6EF-40FB-AB7C-C4AFD46DB42B}"/>
-              </a:ext>
-            </a:extLst>
-          </p:cNvPr>
-          <p:cNvSpPr txBox="1"/>
-          <p:nvPr/>
-        </p:nvSpPr>
-        <p:spPr>
-          <a:xfrm>
-            <a:off x="7141779" y="1019908"/>
-            <a:ext cx="4841630" cy="4216539"/>
-          </a:xfrm>
-          <a:prstGeom prst="rect">
-            <a:avLst/>
-          </a:prstGeom>
-          <a:noFill/>
-        </p:spPr>
-        <p:txBody>
-          <a:bodyPr rot="0" spcFirstLastPara="0" vertOverflow="overflow" horzOverflow="overflow" vert="horz" wrap="square" lIns="91440" tIns="45720" rIns="91440" bIns="45720" numCol="1" spcCol="0" rtlCol="0" fromWordArt="0" anchor="t" anchorCtr="0" forceAA="0" compatLnSpc="1">
-            <a:prstTxWarp prst="textNoShape">
-              <a:avLst/>
-            </a:prstTxWarp>
-            <a:spAutoFit/>
-          </a:bodyPr>
-          <a:lstStyle/>
-          <a:p>
-            <a:pPr algn="just"/>
-            <a:r>
-              <a:rPr lang="pt-BR" sz="1400" b="1">
-                <a:latin typeface="Arial"/>
-                <a:ea typeface="+mn-lt"/>
-                <a:cs typeface="Arial"/>
-              </a:rPr>
-              <a:t>Lidar com resposta do cliente sobre o orçamento</a:t>
-            </a:r>
-            <a:r>
-              <a:rPr lang="pt-BR" sz="1400">
-                <a:latin typeface="Arial"/>
-                <a:ea typeface="+mn-lt"/>
-                <a:cs typeface="Arial"/>
-              </a:rPr>
-              <a:t> </a:t>
-            </a:r>
-            <a:endParaRPr lang="pt-BR" sz="1400">
-              <a:cs typeface="Calibri"/>
-            </a:endParaRPr>
-          </a:p>
-          <a:p>
-            <a:pPr algn="just"/>
-            <a:r>
-              <a:rPr lang="pt-BR" sz="1400" b="1">
-                <a:latin typeface="Arial"/>
-                <a:ea typeface="+mn-lt"/>
-                <a:cs typeface="Arial"/>
-              </a:rPr>
-              <a:t>Evento:</a:t>
-            </a:r>
-            <a:r>
-              <a:rPr lang="pt-BR" sz="1400">
-                <a:latin typeface="Arial"/>
-                <a:ea typeface="+mn-lt"/>
-                <a:cs typeface="Arial"/>
-              </a:rPr>
-              <a:t> Confecção recebe resposta do cliente sobre o orçamento </a:t>
-            </a:r>
-            <a:endParaRPr lang="pt-BR" sz="1400">
-              <a:cs typeface="Calibri"/>
-            </a:endParaRPr>
-          </a:p>
-          <a:p>
-            <a:pPr algn="just"/>
-            <a:r>
-              <a:rPr lang="pt-BR" sz="1400" b="1">
-                <a:latin typeface="Arial"/>
-                <a:ea typeface="+mn-lt"/>
-                <a:cs typeface="Arial"/>
-              </a:rPr>
-              <a:t>Objetivo:</a:t>
-            </a:r>
-            <a:r>
-              <a:rPr lang="pt-BR" sz="1400">
-                <a:latin typeface="Arial"/>
-                <a:ea typeface="+mn-lt"/>
-                <a:cs typeface="Arial"/>
-              </a:rPr>
-              <a:t> Lidar com a resposta do cliente sobre o orçamento </a:t>
-            </a:r>
-          </a:p>
-          <a:p>
-            <a:pPr algn="just"/>
-            <a:r>
-              <a:rPr lang="pt-BR" sz="1400" b="1">
-                <a:latin typeface="Arial"/>
-                <a:ea typeface="+mn-lt"/>
-                <a:cs typeface="Arial"/>
-              </a:rPr>
-              <a:t>Trabalhadores envolvidos:</a:t>
-            </a:r>
-            <a:r>
-              <a:rPr lang="pt-BR" sz="1400">
-                <a:latin typeface="Arial"/>
-                <a:ea typeface="+mn-lt"/>
-                <a:cs typeface="Arial"/>
-              </a:rPr>
-              <a:t> Proprietária</a:t>
-            </a:r>
-          </a:p>
-          <a:p>
-            <a:pPr marL="285750" indent="-285750" algn="just">
-              <a:buFont typeface="Arial"/>
-              <a:buChar char="•"/>
-            </a:pPr>
-            <a:r>
-              <a:rPr lang="pt-BR" sz="1400">
-                <a:latin typeface="Arial"/>
-                <a:ea typeface="+mn-lt"/>
-                <a:cs typeface="Arial"/>
-              </a:rPr>
-              <a:t>Cliente envia a resposta sobre o orçamento. </a:t>
-            </a:r>
-            <a:endParaRPr lang="pt-BR" sz="1400">
-              <a:latin typeface="Arial" panose="020B0604020202020204" pitchFamily="34" charset="0"/>
-              <a:cs typeface="Arial" panose="020B0604020202020204" pitchFamily="34" charset="0"/>
-            </a:endParaRPr>
-          </a:p>
-          <a:p>
-            <a:pPr marL="742950" lvl="1" indent="-285750" algn="just">
-              <a:buFont typeface="Arial"/>
-              <a:buChar char="•"/>
-            </a:pPr>
-            <a:r>
-              <a:rPr lang="pt-BR" sz="1400">
-                <a:latin typeface="Arial"/>
-                <a:ea typeface="+mn-lt"/>
-                <a:cs typeface="Arial"/>
-              </a:rPr>
-              <a:t>Com uma resposta positiva do cliente sobre a cotação do orçamento enviado pela confecção, mantém-se o agendamento de serviço na agenda de serviços.</a:t>
-            </a:r>
-            <a:endParaRPr lang="pt-BR" sz="1400">
-              <a:latin typeface="Arial"/>
-              <a:cs typeface="Arial"/>
-            </a:endParaRPr>
-          </a:p>
-          <a:p>
-            <a:pPr marL="742950" lvl="1" indent="-285750" algn="just">
-              <a:buFont typeface="Arial"/>
-              <a:buChar char="•"/>
-            </a:pPr>
-            <a:r>
-              <a:rPr lang="pt-BR" sz="1400">
-                <a:latin typeface="Arial"/>
-                <a:ea typeface="+mn-lt"/>
-                <a:cs typeface="Arial"/>
-              </a:rPr>
-              <a:t>Caso a resposta seja negativa, faz-se um novo orçamento e envia ao cliente.</a:t>
-            </a:r>
-            <a:endParaRPr lang="pt-BR" sz="1400">
-              <a:latin typeface="Arial"/>
-              <a:cs typeface="Arial"/>
-            </a:endParaRPr>
-          </a:p>
-          <a:p>
-            <a:pPr marL="742950" lvl="1" indent="-285750" algn="just">
-              <a:buFont typeface="Arial"/>
-              <a:buChar char="•"/>
-            </a:pPr>
-            <a:r>
-              <a:rPr lang="pt-BR" sz="1400">
-                <a:latin typeface="Arial"/>
-                <a:ea typeface="+mn-lt"/>
-                <a:cs typeface="Arial"/>
-              </a:rPr>
-              <a:t>Caso o cliente desista do serviço, retira-se o agendamento de serviço feito anteriormente.</a:t>
-            </a:r>
-            <a:endParaRPr lang="pt-BR" sz="1400">
-              <a:latin typeface="Arial"/>
-              <a:cs typeface="Arial"/>
-            </a:endParaRPr>
-          </a:p>
-          <a:p>
-            <a:pPr marL="285750" indent="-285750" algn="just">
-              <a:buFont typeface="Arial"/>
-              <a:buChar char="•"/>
-            </a:pPr>
-            <a:r>
-              <a:rPr lang="pt-BR" sz="1400">
-                <a:latin typeface="Arial"/>
-                <a:ea typeface="+mn-lt"/>
-                <a:cs typeface="Arial"/>
-              </a:rPr>
-              <a:t>A resposta sobre o orçamento, seja ela positiva ou negativa, é armazenada.</a:t>
-            </a:r>
-            <a:endParaRPr lang="pt-BR" sz="1400">
-              <a:latin typeface="Arial"/>
-              <a:cs typeface="Arial"/>
-            </a:endParaRPr>
-          </a:p>
-          <a:p>
-            <a:pPr marL="285750" indent="-285750" algn="just">
-              <a:buFont typeface="Arial"/>
-              <a:buChar char="•"/>
-            </a:pPr>
-            <a:r>
-              <a:rPr lang="pt-BR" sz="1400">
-                <a:latin typeface="Arial"/>
-                <a:ea typeface="+mn-lt"/>
-                <a:cs typeface="Arial"/>
-              </a:rPr>
-              <a:t>Finaliza a solicitação de orçamento do cliente.</a:t>
-            </a:r>
-            <a:endParaRPr lang="pt-BR" sz="1400">
-              <a:latin typeface="Arial"/>
-              <a:cs typeface="Arial"/>
-            </a:endParaRPr>
-          </a:p>
-          <a:p>
-            <a:pPr algn="just"/>
-            <a:endParaRPr lang="pt-BR" sz="1600">
-              <a:latin typeface="Arial" panose="020B0604020202020204" pitchFamily="34" charset="0"/>
-              <a:cs typeface="Arial" panose="020B0604020202020204" pitchFamily="34" charset="0"/>
-            </a:endParaRPr>
-          </a:p>
-        </p:txBody>
-      </p:sp>
-      <p:sp>
-        <p:nvSpPr>
-          <p:cNvPr id="6" name="Seta: para a Direita 5">
-            <a:extLst>
-              <a:ext uri="{FF2B5EF4-FFF2-40B4-BE49-F238E27FC236}">
-                <a16:creationId xmlns:a16="http://schemas.microsoft.com/office/drawing/2014/main" id="{97757566-6FF0-4BE4-AD54-C3B07D0F32C5}"/>
-              </a:ext>
-            </a:extLst>
-          </p:cNvPr>
-          <p:cNvSpPr/>
-          <p:nvPr/>
-        </p:nvSpPr>
-        <p:spPr>
-          <a:xfrm>
-            <a:off x="6166572" y="3453384"/>
-            <a:ext cx="973015" cy="480646"/>
-          </a:xfrm>
-          <a:prstGeom prst="rightArrow">
-            <a:avLst/>
-          </a:prstGeom>
-        </p:spPr>
-        <p:style>
-          <a:lnRef idx="2">
-            <a:schemeClr val="accent1">
-              <a:shade val="50000"/>
-            </a:schemeClr>
-          </a:lnRef>
-          <a:fillRef idx="1">
-            <a:schemeClr val="accent1"/>
-          </a:fillRef>
-          <a:effectRef idx="0">
-            <a:schemeClr val="accent1"/>
-          </a:effectRef>
-          <a:fontRef idx="minor">
-            <a:schemeClr val="lt1"/>
-          </a:fontRef>
-        </p:style>
-        <p:txBody>
-          <a:bodyPr rtlCol="0" anchor="ctr"/>
-          <a:lstStyle/>
-          <a:p>
-            <a:pPr algn="ctr"/>
-            <a:endParaRPr lang="pt-BR"/>
-          </a:p>
-        </p:txBody>
-      </p:sp>
-      <p:cxnSp>
-        <p:nvCxnSpPr>
-          <p:cNvPr id="22" name="Conector de Seta Reta 21">
-            <a:extLst>
-              <a:ext uri="{FF2B5EF4-FFF2-40B4-BE49-F238E27FC236}">
-                <a16:creationId xmlns:a16="http://schemas.microsoft.com/office/drawing/2014/main" id="{DD487634-BF7B-4A17-A66F-00D892AE0CC2}"/>
-              </a:ext>
-            </a:extLst>
-          </p:cNvPr>
-          <p:cNvCxnSpPr>
-            <a:cxnSpLocks/>
-          </p:cNvCxnSpPr>
-          <p:nvPr/>
-        </p:nvCxnSpPr>
-        <p:spPr>
-          <a:xfrm flipV="1">
-            <a:off x="4156829" y="6122196"/>
-            <a:ext cx="1890513" cy="2964"/>
-          </a:xfrm>
-          <a:prstGeom prst="straightConnector1">
-            <a:avLst/>
-          </a:prstGeom>
-          <a:ln>
-            <a:solidFill>
-              <a:schemeClr val="tx1"/>
-            </a:solidFill>
-          </a:ln>
-        </p:spPr>
-        <p:style>
-          <a:lnRef idx="1">
-            <a:schemeClr val="accent1"/>
-          </a:lnRef>
-          <a:fillRef idx="0">
-            <a:schemeClr val="accent1"/>
-          </a:fillRef>
-          <a:effectRef idx="0">
-            <a:schemeClr val="accent1"/>
-          </a:effectRef>
-          <a:fontRef idx="minor">
-            <a:schemeClr val="tx1"/>
-          </a:fontRef>
-        </p:style>
-      </p:cxnSp>
-      <p:cxnSp>
-        <p:nvCxnSpPr>
-          <p:cNvPr id="23" name="Conector de Seta Reta 22">
-            <a:extLst>
-              <a:ext uri="{FF2B5EF4-FFF2-40B4-BE49-F238E27FC236}">
-                <a16:creationId xmlns:a16="http://schemas.microsoft.com/office/drawing/2014/main" id="{2ED9FF81-ADC5-4B9E-8EB7-1160CFA93DCE}"/>
-              </a:ext>
-            </a:extLst>
-          </p:cNvPr>
-          <p:cNvCxnSpPr>
-            <a:cxnSpLocks/>
-          </p:cNvCxnSpPr>
-          <p:nvPr/>
-        </p:nvCxnSpPr>
-        <p:spPr>
-          <a:xfrm>
-            <a:off x="459359" y="6705333"/>
-            <a:ext cx="1726390" cy="2965"/>
-          </a:xfrm>
-          <a:prstGeom prst="straightConnector1">
-            <a:avLst/>
-          </a:prstGeom>
-          <a:ln>
-            <a:solidFill>
-              <a:schemeClr val="tx1"/>
-            </a:solidFill>
-          </a:ln>
-        </p:spPr>
-        <p:style>
-          <a:lnRef idx="1">
-            <a:schemeClr val="accent1"/>
-          </a:lnRef>
-          <a:fillRef idx="0">
-            <a:schemeClr val="accent1"/>
-          </a:fillRef>
-          <a:effectRef idx="0">
-            <a:schemeClr val="accent1"/>
-          </a:effectRef>
-          <a:fontRef idx="minor">
-            <a:schemeClr val="tx1"/>
-          </a:fontRef>
-        </p:style>
-      </p:cxnSp>
-      <p:cxnSp>
-        <p:nvCxnSpPr>
-          <p:cNvPr id="24" name="Conector de Seta Reta 23">
-            <a:extLst>
-              <a:ext uri="{FF2B5EF4-FFF2-40B4-BE49-F238E27FC236}">
-                <a16:creationId xmlns:a16="http://schemas.microsoft.com/office/drawing/2014/main" id="{BA64A7F0-AFF7-4A8F-A376-EBE43E1B97BA}"/>
-              </a:ext>
-            </a:extLst>
-          </p:cNvPr>
-          <p:cNvCxnSpPr>
-            <a:cxnSpLocks/>
-          </p:cNvCxnSpPr>
-          <p:nvPr/>
-        </p:nvCxnSpPr>
-        <p:spPr>
-          <a:xfrm>
-            <a:off x="2307428" y="6127264"/>
-            <a:ext cx="1726390" cy="2965"/>
-          </a:xfrm>
-          <a:prstGeom prst="straightConnector1">
-            <a:avLst/>
-          </a:prstGeom>
-          <a:ln>
-            <a:solidFill>
-              <a:schemeClr val="tx1"/>
-            </a:solidFill>
-          </a:ln>
-        </p:spPr>
-        <p:style>
-          <a:lnRef idx="1">
-            <a:schemeClr val="accent1"/>
-          </a:lnRef>
-          <a:fillRef idx="0">
-            <a:schemeClr val="accent1"/>
-          </a:fillRef>
-          <a:effectRef idx="0">
-            <a:schemeClr val="accent1"/>
-          </a:effectRef>
-          <a:fontRef idx="minor">
-            <a:schemeClr val="tx1"/>
-          </a:fontRef>
-        </p:style>
-      </p:cxnSp>
-      <p:cxnSp>
-        <p:nvCxnSpPr>
-          <p:cNvPr id="25" name="Conector de Seta Reta 24">
-            <a:extLst>
-              <a:ext uri="{FF2B5EF4-FFF2-40B4-BE49-F238E27FC236}">
-                <a16:creationId xmlns:a16="http://schemas.microsoft.com/office/drawing/2014/main" id="{80E4EC68-9D15-46D5-AEBD-D77A8248098B}"/>
-              </a:ext>
-            </a:extLst>
-          </p:cNvPr>
-          <p:cNvCxnSpPr>
-            <a:cxnSpLocks/>
-          </p:cNvCxnSpPr>
-          <p:nvPr/>
-        </p:nvCxnSpPr>
-        <p:spPr>
-          <a:xfrm>
-            <a:off x="2307428" y="6705333"/>
-            <a:ext cx="1726390" cy="2965"/>
-          </a:xfrm>
-          <a:prstGeom prst="straightConnector1">
-            <a:avLst/>
-          </a:prstGeom>
-          <a:ln>
-            <a:solidFill>
-              <a:schemeClr val="tx1"/>
-            </a:solidFill>
-          </a:ln>
-        </p:spPr>
-        <p:style>
-          <a:lnRef idx="1">
-            <a:schemeClr val="accent1"/>
-          </a:lnRef>
-          <a:fillRef idx="0">
-            <a:schemeClr val="accent1"/>
-          </a:fillRef>
-          <a:effectRef idx="0">
-            <a:schemeClr val="accent1"/>
-          </a:effectRef>
-          <a:fontRef idx="minor">
-            <a:schemeClr val="tx1"/>
-          </a:fontRef>
-        </p:style>
-      </p:cxnSp>
+      </p:pic>
     </p:spTree>
     <p:extLst>
       <p:ext uri="{BB962C8B-B14F-4D97-AF65-F5344CB8AC3E}">
-        <p14:creationId xmlns:p14="http://schemas.microsoft.com/office/powerpoint/2010/main" val="3918470033"/>
+        <p14:creationId xmlns:p14="http://schemas.microsoft.com/office/powerpoint/2010/main" val="1100209163"/>
       </p:ext>
     </p:extLst>
   </p:cSld>

--- a/18. Descrição dos Processos de Negócio.pptx
+++ b/18. Descrição dos Processos de Negócio.pptx
@@ -5,17 +5,23 @@
     <p:sldMasterId id="2147483648" r:id="rId1"/>
   </p:sldMasterIdLst>
   <p:notesMasterIdLst>
-    <p:notesMasterId r:id="rId10"/>
+    <p:notesMasterId r:id="rId16"/>
   </p:notesMasterIdLst>
   <p:sldIdLst>
     <p:sldId id="259" r:id="rId2"/>
     <p:sldId id="258" r:id="rId3"/>
     <p:sldId id="257" r:id="rId4"/>
-    <p:sldId id="260" r:id="rId5"/>
-    <p:sldId id="261" r:id="rId6"/>
-    <p:sldId id="262" r:id="rId7"/>
-    <p:sldId id="263" r:id="rId8"/>
-    <p:sldId id="264" r:id="rId9"/>
+    <p:sldId id="265" r:id="rId5"/>
+    <p:sldId id="266" r:id="rId6"/>
+    <p:sldId id="267" r:id="rId7"/>
+    <p:sldId id="268" r:id="rId8"/>
+    <p:sldId id="260" r:id="rId9"/>
+    <p:sldId id="261" r:id="rId10"/>
+    <p:sldId id="262" r:id="rId11"/>
+    <p:sldId id="263" r:id="rId12"/>
+    <p:sldId id="264" r:id="rId13"/>
+    <p:sldId id="269" r:id="rId14"/>
+    <p:sldId id="270" r:id="rId15"/>
   </p:sldIdLst>
   <p:sldSz cx="12192000" cy="6858000"/>
   <p:notesSz cx="6858000" cy="9144000"/>
@@ -126,6 +132,7 @@
 <p1510:revInfo xmlns:a="http://schemas.openxmlformats.org/drawingml/2006/main" xmlns:r="http://schemas.openxmlformats.org/officeDocument/2006/relationships" xmlns:p1510="http://schemas.microsoft.com/office/powerpoint/2015/10/main">
   <p1510:revLst>
     <p1510:client id="{0F2C64EE-C0FE-4513-8E58-5A5F9A11C41F}" v="60" dt="2020-10-17T01:49:34.011"/>
+    <p1510:client id="{3C9C1336-C53C-421C-BBB3-BE114801D5D6}" v="49" dt="2020-11-07T06:25:00.370"/>
     <p1510:client id="{737E9A05-8907-446D-A8C3-13D1D7DFBBAE}" v="95" dt="2020-10-17T00:22:45.973"/>
     <p1510:client id="{9C965AD5-0C24-4130-8A54-FC63A3CD0D4B}" v="45" dt="2020-10-16T22:38:15.594"/>
     <p1510:client id="{B9C36B1A-F083-4BAE-8590-88BABE035E76}" v="1" dt="2020-10-17T01:10:39.154"/>
@@ -604,32 +611,202 @@
     </pc:docChg>
   </pc:docChgLst>
   <pc:docChgLst>
-    <pc:chgData name="Eduardo Marques" userId="b9dd18581288d1e4" providerId="Windows Live" clId="Web-{CA5FE1B1-CDD2-413E-9ED0-FCBA57181400}"/>
-    <pc:docChg chg="modSld">
-      <pc:chgData name="Eduardo Marques" userId="b9dd18581288d1e4" providerId="Windows Live" clId="Web-{CA5FE1B1-CDD2-413E-9ED0-FCBA57181400}" dt="2020-10-17T04:12:38.953" v="5" actId="14100"/>
+    <pc:chgData name="Eduardo Marques" userId="b9dd18581288d1e4" providerId="Windows Live" clId="Web-{3C9C1336-C53C-421C-BBB3-BE114801D5D6}"/>
+    <pc:docChg chg="addSld modSld sldOrd">
+      <pc:chgData name="Eduardo Marques" userId="b9dd18581288d1e4" providerId="Windows Live" clId="Web-{3C9C1336-C53C-421C-BBB3-BE114801D5D6}" dt="2020-11-07T06:25:00.370" v="42" actId="14100"/>
       <pc:docMkLst>
         <pc:docMk/>
       </pc:docMkLst>
-      <pc:sldChg chg="addSp delSp modSp">
-        <pc:chgData name="Eduardo Marques" userId="b9dd18581288d1e4" providerId="Windows Live" clId="Web-{CA5FE1B1-CDD2-413E-9ED0-FCBA57181400}" dt="2020-10-17T04:12:38.953" v="5" actId="14100"/>
+      <pc:sldChg chg="ord">
+        <pc:chgData name="Eduardo Marques" userId="b9dd18581288d1e4" providerId="Windows Live" clId="Web-{3C9C1336-C53C-421C-BBB3-BE114801D5D6}" dt="2020-11-07T06:06:57.946" v="14"/>
         <pc:sldMkLst>
           <pc:docMk/>
-          <pc:sldMk cId="4164410817" sldId="258"/>
+          <pc:sldMk cId="3918470033" sldId="257"/>
         </pc:sldMkLst>
-        <pc:picChg chg="del">
-          <ac:chgData name="Eduardo Marques" userId="b9dd18581288d1e4" providerId="Windows Live" clId="Web-{CA5FE1B1-CDD2-413E-9ED0-FCBA57181400}" dt="2020-10-17T04:12:21.665" v="0"/>
+      </pc:sldChg>
+      <pc:sldChg chg="addSp delSp modSp new">
+        <pc:chgData name="Eduardo Marques" userId="b9dd18581288d1e4" providerId="Windows Live" clId="Web-{3C9C1336-C53C-421C-BBB3-BE114801D5D6}" dt="2020-11-07T06:18:27.250" v="32" actId="14100"/>
+        <pc:sldMkLst>
+          <pc:docMk/>
+          <pc:sldMk cId="2983864315" sldId="265"/>
+        </pc:sldMkLst>
+        <pc:spChg chg="del">
+          <ac:chgData name="Eduardo Marques" userId="b9dd18581288d1e4" providerId="Windows Live" clId="Web-{3C9C1336-C53C-421C-BBB3-BE114801D5D6}" dt="2020-11-07T06:06:24.571" v="8"/>
+          <ac:spMkLst>
+            <pc:docMk/>
+            <pc:sldMk cId="2983864315" sldId="265"/>
+            <ac:spMk id="2" creationId="{EC2A4AE9-4B5F-4FF2-875E-55A5D22472C6}"/>
+          </ac:spMkLst>
+        </pc:spChg>
+        <pc:spChg chg="del">
+          <ac:chgData name="Eduardo Marques" userId="b9dd18581288d1e4" providerId="Windows Live" clId="Web-{3C9C1336-C53C-421C-BBB3-BE114801D5D6}" dt="2020-11-07T06:06:26.134" v="9"/>
+          <ac:spMkLst>
+            <pc:docMk/>
+            <pc:sldMk cId="2983864315" sldId="265"/>
+            <ac:spMk id="3" creationId="{A1FA984A-A16E-485A-8C29-6A501F4135AA}"/>
+          </ac:spMkLst>
+        </pc:spChg>
+        <pc:picChg chg="add mod">
+          <ac:chgData name="Eduardo Marques" userId="b9dd18581288d1e4" providerId="Windows Live" clId="Web-{3C9C1336-C53C-421C-BBB3-BE114801D5D6}" dt="2020-11-07T06:18:27.250" v="32" actId="14100"/>
           <ac:picMkLst>
             <pc:docMk/>
-            <pc:sldMk cId="4164410817" sldId="258"/>
-            <ac:picMk id="2" creationId="{832534A1-DE6F-4D02-AEC5-7DE63FBB0EE8}"/>
+            <pc:sldMk cId="2983864315" sldId="265"/>
+            <ac:picMk id="4" creationId="{B8AE95D8-7B1E-470F-8A72-7719D99A2AC6}"/>
           </ac:picMkLst>
         </pc:picChg>
+      </pc:sldChg>
+      <pc:sldChg chg="addSp delSp modSp new">
+        <pc:chgData name="Eduardo Marques" userId="b9dd18581288d1e4" providerId="Windows Live" clId="Web-{3C9C1336-C53C-421C-BBB3-BE114801D5D6}" dt="2020-11-07T06:20:28.545" v="36" actId="1076"/>
+        <pc:sldMkLst>
+          <pc:docMk/>
+          <pc:sldMk cId="2884550578" sldId="266"/>
+        </pc:sldMkLst>
+        <pc:spChg chg="del">
+          <ac:chgData name="Eduardo Marques" userId="b9dd18581288d1e4" providerId="Windows Live" clId="Web-{3C9C1336-C53C-421C-BBB3-BE114801D5D6}" dt="2020-11-07T06:06:28.399" v="10"/>
+          <ac:spMkLst>
+            <pc:docMk/>
+            <pc:sldMk cId="2884550578" sldId="266"/>
+            <ac:spMk id="2" creationId="{90F60F31-EBAE-4D61-BE9F-97762B64D560}"/>
+          </ac:spMkLst>
+        </pc:spChg>
+        <pc:spChg chg="del">
+          <ac:chgData name="Eduardo Marques" userId="b9dd18581288d1e4" providerId="Windows Live" clId="Web-{3C9C1336-C53C-421C-BBB3-BE114801D5D6}" dt="2020-11-07T06:06:30.009" v="11"/>
+          <ac:spMkLst>
+            <pc:docMk/>
+            <pc:sldMk cId="2884550578" sldId="266"/>
+            <ac:spMk id="3" creationId="{BFF9865B-C3D1-40FC-976E-83CE0D74E817}"/>
+          </ac:spMkLst>
+        </pc:spChg>
         <pc:picChg chg="add mod">
-          <ac:chgData name="Eduardo Marques" userId="b9dd18581288d1e4" providerId="Windows Live" clId="Web-{CA5FE1B1-CDD2-413E-9ED0-FCBA57181400}" dt="2020-10-17T04:12:38.953" v="5" actId="14100"/>
+          <ac:chgData name="Eduardo Marques" userId="b9dd18581288d1e4" providerId="Windows Live" clId="Web-{3C9C1336-C53C-421C-BBB3-BE114801D5D6}" dt="2020-11-07T06:20:28.545" v="36" actId="1076"/>
           <ac:picMkLst>
             <pc:docMk/>
-            <pc:sldMk cId="4164410817" sldId="258"/>
-            <ac:picMk id="4" creationId="{A4CD9DEF-7964-482C-B37B-EB0E30FB9487}"/>
+            <pc:sldMk cId="2884550578" sldId="266"/>
+            <ac:picMk id="4" creationId="{D21FAAC9-82D5-401C-A22B-21C87881E4FF}"/>
+          </ac:picMkLst>
+        </pc:picChg>
+      </pc:sldChg>
+      <pc:sldChg chg="addSp delSp modSp new">
+        <pc:chgData name="Eduardo Marques" userId="b9dd18581288d1e4" providerId="Windows Live" clId="Web-{3C9C1336-C53C-421C-BBB3-BE114801D5D6}" dt="2020-11-07T06:23:16.793" v="39" actId="14100"/>
+        <pc:sldMkLst>
+          <pc:docMk/>
+          <pc:sldMk cId="740013397" sldId="267"/>
+        </pc:sldMkLst>
+        <pc:spChg chg="del">
+          <ac:chgData name="Eduardo Marques" userId="b9dd18581288d1e4" providerId="Windows Live" clId="Web-{3C9C1336-C53C-421C-BBB3-BE114801D5D6}" dt="2020-11-07T06:06:20.571" v="6"/>
+          <ac:spMkLst>
+            <pc:docMk/>
+            <pc:sldMk cId="740013397" sldId="267"/>
+            <ac:spMk id="2" creationId="{D2FCF617-18B2-4BFA-847D-F20D08C39A52}"/>
+          </ac:spMkLst>
+        </pc:spChg>
+        <pc:spChg chg="del">
+          <ac:chgData name="Eduardo Marques" userId="b9dd18581288d1e4" providerId="Windows Live" clId="Web-{3C9C1336-C53C-421C-BBB3-BE114801D5D6}" dt="2020-11-07T06:06:21.415" v="7"/>
+          <ac:spMkLst>
+            <pc:docMk/>
+            <pc:sldMk cId="740013397" sldId="267"/>
+            <ac:spMk id="3" creationId="{91230674-25D7-42C1-967E-A4F682EF370B}"/>
+          </ac:spMkLst>
+        </pc:spChg>
+        <pc:picChg chg="add mod">
+          <ac:chgData name="Eduardo Marques" userId="b9dd18581288d1e4" providerId="Windows Live" clId="Web-{3C9C1336-C53C-421C-BBB3-BE114801D5D6}" dt="2020-11-07T06:23:16.793" v="39" actId="14100"/>
+          <ac:picMkLst>
+            <pc:docMk/>
+            <pc:sldMk cId="740013397" sldId="267"/>
+            <ac:picMk id="4" creationId="{1C9AE71F-050C-4724-B3F0-1B29669865D3}"/>
+          </ac:picMkLst>
+        </pc:picChg>
+      </pc:sldChg>
+      <pc:sldChg chg="addSp delSp modSp new">
+        <pc:chgData name="Eduardo Marques" userId="b9dd18581288d1e4" providerId="Windows Live" clId="Web-{3C9C1336-C53C-421C-BBB3-BE114801D5D6}" dt="2020-11-07T06:25:00.370" v="42" actId="14100"/>
+        <pc:sldMkLst>
+          <pc:docMk/>
+          <pc:sldMk cId="3082908589" sldId="268"/>
+        </pc:sldMkLst>
+        <pc:spChg chg="del">
+          <ac:chgData name="Eduardo Marques" userId="b9dd18581288d1e4" providerId="Windows Live" clId="Web-{3C9C1336-C53C-421C-BBB3-BE114801D5D6}" dt="2020-11-07T06:06:15.571" v="4"/>
+          <ac:spMkLst>
+            <pc:docMk/>
+            <pc:sldMk cId="3082908589" sldId="268"/>
+            <ac:spMk id="2" creationId="{3AB41F8E-AA7A-44B2-90A5-C0E86C7EAAAA}"/>
+          </ac:spMkLst>
+        </pc:spChg>
+        <pc:spChg chg="del">
+          <ac:chgData name="Eduardo Marques" userId="b9dd18581288d1e4" providerId="Windows Live" clId="Web-{3C9C1336-C53C-421C-BBB3-BE114801D5D6}" dt="2020-11-07T06:06:17.431" v="5"/>
+          <ac:spMkLst>
+            <pc:docMk/>
+            <pc:sldMk cId="3082908589" sldId="268"/>
+            <ac:spMk id="3" creationId="{1E19B5B8-C57D-41A8-8F56-1D25C226CAF7}"/>
+          </ac:spMkLst>
+        </pc:spChg>
+        <pc:picChg chg="add mod">
+          <ac:chgData name="Eduardo Marques" userId="b9dd18581288d1e4" providerId="Windows Live" clId="Web-{3C9C1336-C53C-421C-BBB3-BE114801D5D6}" dt="2020-11-07T06:25:00.370" v="42" actId="14100"/>
+          <ac:picMkLst>
+            <pc:docMk/>
+            <pc:sldMk cId="3082908589" sldId="268"/>
+            <ac:picMk id="4" creationId="{2746FEAE-78B1-421B-ABD6-581FD1687AE7}"/>
+          </ac:picMkLst>
+        </pc:picChg>
+      </pc:sldChg>
+      <pc:sldChg chg="addSp delSp modSp new">
+        <pc:chgData name="Eduardo Marques" userId="b9dd18581288d1e4" providerId="Windows Live" clId="Web-{3C9C1336-C53C-421C-BBB3-BE114801D5D6}" dt="2020-11-07T06:13:32.832" v="22" actId="1076"/>
+        <pc:sldMkLst>
+          <pc:docMk/>
+          <pc:sldMk cId="1989248752" sldId="269"/>
+        </pc:sldMkLst>
+        <pc:spChg chg="del">
+          <ac:chgData name="Eduardo Marques" userId="b9dd18581288d1e4" providerId="Windows Live" clId="Web-{3C9C1336-C53C-421C-BBB3-BE114801D5D6}" dt="2020-11-07T06:09:21.272" v="15"/>
+          <ac:spMkLst>
+            <pc:docMk/>
+            <pc:sldMk cId="1989248752" sldId="269"/>
+            <ac:spMk id="2" creationId="{F3A45DB6-738E-4804-A531-629D3AB9BFA4}"/>
+          </ac:spMkLst>
+        </pc:spChg>
+        <pc:spChg chg="del">
+          <ac:chgData name="Eduardo Marques" userId="b9dd18581288d1e4" providerId="Windows Live" clId="Web-{3C9C1336-C53C-421C-BBB3-BE114801D5D6}" dt="2020-11-07T06:09:22.210" v="16"/>
+          <ac:spMkLst>
+            <pc:docMk/>
+            <pc:sldMk cId="1989248752" sldId="269"/>
+            <ac:spMk id="3" creationId="{253B34AA-CF7B-49AC-9872-0D71FC9BB7AE}"/>
+          </ac:spMkLst>
+        </pc:spChg>
+        <pc:picChg chg="add mod">
+          <ac:chgData name="Eduardo Marques" userId="b9dd18581288d1e4" providerId="Windows Live" clId="Web-{3C9C1336-C53C-421C-BBB3-BE114801D5D6}" dt="2020-11-07T06:13:32.832" v="22" actId="1076"/>
+          <ac:picMkLst>
+            <pc:docMk/>
+            <pc:sldMk cId="1989248752" sldId="269"/>
+            <ac:picMk id="4" creationId="{44C3F586-BCAB-45C3-B39C-B9ACAA21C532}"/>
+          </ac:picMkLst>
+        </pc:picChg>
+      </pc:sldChg>
+      <pc:sldChg chg="addSp delSp modSp new">
+        <pc:chgData name="Eduardo Marques" userId="b9dd18581288d1e4" providerId="Windows Live" clId="Web-{3C9C1336-C53C-421C-BBB3-BE114801D5D6}" dt="2020-11-07T06:15:19.159" v="29" actId="1076"/>
+        <pc:sldMkLst>
+          <pc:docMk/>
+          <pc:sldMk cId="4236082240" sldId="270"/>
+        </pc:sldMkLst>
+        <pc:spChg chg="del">
+          <ac:chgData name="Eduardo Marques" userId="b9dd18581288d1e4" providerId="Windows Live" clId="Web-{3C9C1336-C53C-421C-BBB3-BE114801D5D6}" dt="2020-11-07T06:13:46.613" v="23"/>
+          <ac:spMkLst>
+            <pc:docMk/>
+            <pc:sldMk cId="4236082240" sldId="270"/>
+            <ac:spMk id="2" creationId="{115A2037-FD71-4FF8-A724-C40B99D8BD71}"/>
+          </ac:spMkLst>
+        </pc:spChg>
+        <pc:spChg chg="del">
+          <ac:chgData name="Eduardo Marques" userId="b9dd18581288d1e4" providerId="Windows Live" clId="Web-{3C9C1336-C53C-421C-BBB3-BE114801D5D6}" dt="2020-11-07T06:13:51.753" v="24"/>
+          <ac:spMkLst>
+            <pc:docMk/>
+            <pc:sldMk cId="4236082240" sldId="270"/>
+            <ac:spMk id="3" creationId="{4F4F836C-ACB4-4FC9-967D-07267DFC79DF}"/>
+          </ac:spMkLst>
+        </pc:spChg>
+        <pc:picChg chg="add mod">
+          <ac:chgData name="Eduardo Marques" userId="b9dd18581288d1e4" providerId="Windows Live" clId="Web-{3C9C1336-C53C-421C-BBB3-BE114801D5D6}" dt="2020-11-07T06:15:19.159" v="29" actId="1076"/>
+          <ac:picMkLst>
+            <pc:docMk/>
+            <pc:sldMk cId="4236082240" sldId="270"/>
+            <ac:picMk id="4" creationId="{529461FB-FB31-43A9-B476-A46F716A9468}"/>
           </ac:picMkLst>
         </pc:picChg>
       </pc:sldChg>
@@ -917,6 +1094,38 @@
             <pc:docMk/>
             <pc:sldMk cId="380695029" sldId="259"/>
             <ac:picMk id="7" creationId="{C14B6780-2D11-4D73-9790-BF69A665559C}"/>
+          </ac:picMkLst>
+        </pc:picChg>
+      </pc:sldChg>
+    </pc:docChg>
+  </pc:docChgLst>
+  <pc:docChgLst>
+    <pc:chgData name="Eduardo Marques" userId="b9dd18581288d1e4" providerId="Windows Live" clId="Web-{CA5FE1B1-CDD2-413E-9ED0-FCBA57181400}"/>
+    <pc:docChg chg="modSld">
+      <pc:chgData name="Eduardo Marques" userId="b9dd18581288d1e4" providerId="Windows Live" clId="Web-{CA5FE1B1-CDD2-413E-9ED0-FCBA57181400}" dt="2020-10-17T04:12:38.953" v="5" actId="14100"/>
+      <pc:docMkLst>
+        <pc:docMk/>
+      </pc:docMkLst>
+      <pc:sldChg chg="addSp delSp modSp">
+        <pc:chgData name="Eduardo Marques" userId="b9dd18581288d1e4" providerId="Windows Live" clId="Web-{CA5FE1B1-CDD2-413E-9ED0-FCBA57181400}" dt="2020-10-17T04:12:38.953" v="5" actId="14100"/>
+        <pc:sldMkLst>
+          <pc:docMk/>
+          <pc:sldMk cId="4164410817" sldId="258"/>
+        </pc:sldMkLst>
+        <pc:picChg chg="del">
+          <ac:chgData name="Eduardo Marques" userId="b9dd18581288d1e4" providerId="Windows Live" clId="Web-{CA5FE1B1-CDD2-413E-9ED0-FCBA57181400}" dt="2020-10-17T04:12:21.665" v="0"/>
+          <ac:picMkLst>
+            <pc:docMk/>
+            <pc:sldMk cId="4164410817" sldId="258"/>
+            <ac:picMk id="2" creationId="{832534A1-DE6F-4D02-AEC5-7DE63FBB0EE8}"/>
+          </ac:picMkLst>
+        </pc:picChg>
+        <pc:picChg chg="add mod">
+          <ac:chgData name="Eduardo Marques" userId="b9dd18581288d1e4" providerId="Windows Live" clId="Web-{CA5FE1B1-CDD2-413E-9ED0-FCBA57181400}" dt="2020-10-17T04:12:38.953" v="5" actId="14100"/>
+          <ac:picMkLst>
+            <pc:docMk/>
+            <pc:sldMk cId="4164410817" sldId="258"/>
+            <ac:picMk id="4" creationId="{A4CD9DEF-7964-482C-B37B-EB0E30FB9487}"/>
           </ac:picMkLst>
         </pc:picChg>
       </pc:sldChg>
@@ -1202,6 +1411,30 @@
     </pc:docChg>
   </pc:docChgLst>
   <pc:docChgLst>
+    <pc:chgData clId="Web-{81F0A7FE-0D53-4F8F-AAA3-505379F38082}"/>
+    <pc:docChg chg="modSld">
+      <pc:chgData name="" userId="" providerId="" clId="Web-{81F0A7FE-0D53-4F8F-AAA3-505379F38082}" dt="2020-09-26T14:12:33.877" v="2" actId="20577"/>
+      <pc:docMkLst>
+        <pc:docMk/>
+      </pc:docMkLst>
+      <pc:sldChg chg="modSp">
+        <pc:chgData name="" userId="" providerId="" clId="Web-{81F0A7FE-0D53-4F8F-AAA3-505379F38082}" dt="2020-09-26T14:12:33.752" v="0" actId="20577"/>
+        <pc:sldMkLst>
+          <pc:docMk/>
+          <pc:sldMk cId="380695029" sldId="259"/>
+        </pc:sldMkLst>
+        <pc:spChg chg="mod">
+          <ac:chgData name="" userId="" providerId="" clId="Web-{81F0A7FE-0D53-4F8F-AAA3-505379F38082}" dt="2020-09-26T14:12:33.752" v="0" actId="20577"/>
+          <ac:spMkLst>
+            <pc:docMk/>
+            <pc:sldMk cId="380695029" sldId="259"/>
+            <ac:spMk id="3" creationId="{347FC2B7-BA24-4B90-B1F8-48AD93BDA9D8}"/>
+          </ac:spMkLst>
+        </pc:spChg>
+      </pc:sldChg>
+    </pc:docChg>
+  </pc:docChgLst>
+  <pc:docChgLst>
     <pc:chgData name="Eduardo Marques" userId="b9dd18581288d1e4" providerId="Windows Live" clId="Web-{D654B7EC-94F0-459E-AE3A-B472BD512854}"/>
     <pc:docChg chg="modSld">
       <pc:chgData name="Eduardo Marques" userId="b9dd18581288d1e4" providerId="Windows Live" clId="Web-{D654B7EC-94F0-459E-AE3A-B472BD512854}" dt="2020-09-26T14:11:11.182" v="252" actId="20577"/>
@@ -1246,30 +1479,6 @@
         </pc:sldMkLst>
         <pc:spChg chg="mod">
           <ac:chgData name="Eduardo Marques" userId="b9dd18581288d1e4" providerId="Windows Live" clId="Web-{D654B7EC-94F0-459E-AE3A-B472BD512854}" dt="2020-09-26T14:00:10.474" v="12" actId="20577"/>
-          <ac:spMkLst>
-            <pc:docMk/>
-            <pc:sldMk cId="380695029" sldId="259"/>
-            <ac:spMk id="3" creationId="{347FC2B7-BA24-4B90-B1F8-48AD93BDA9D8}"/>
-          </ac:spMkLst>
-        </pc:spChg>
-      </pc:sldChg>
-    </pc:docChg>
-  </pc:docChgLst>
-  <pc:docChgLst>
-    <pc:chgData clId="Web-{81F0A7FE-0D53-4F8F-AAA3-505379F38082}"/>
-    <pc:docChg chg="modSld">
-      <pc:chgData name="" userId="" providerId="" clId="Web-{81F0A7FE-0D53-4F8F-AAA3-505379F38082}" dt="2020-09-26T14:12:33.877" v="2" actId="20577"/>
-      <pc:docMkLst>
-        <pc:docMk/>
-      </pc:docMkLst>
-      <pc:sldChg chg="modSp">
-        <pc:chgData name="" userId="" providerId="" clId="Web-{81F0A7FE-0D53-4F8F-AAA3-505379F38082}" dt="2020-09-26T14:12:33.752" v="0" actId="20577"/>
-        <pc:sldMkLst>
-          <pc:docMk/>
-          <pc:sldMk cId="380695029" sldId="259"/>
-        </pc:sldMkLst>
-        <pc:spChg chg="mod">
-          <ac:chgData name="" userId="" providerId="" clId="Web-{81F0A7FE-0D53-4F8F-AAA3-505379F38082}" dt="2020-09-26T14:12:33.752" v="0" actId="20577"/>
           <ac:spMkLst>
             <pc:docMk/>
             <pc:sldMk cId="380695029" sldId="259"/>
@@ -1464,7 +1673,7 @@
           <a:p>
             <a:fld id="{6863D66E-6F38-475F-9EE3-5034134499E8}" type="datetimeFigureOut">
               <a:rPr lang="pt-BR"/>
-              <a:t>21/10/2020</a:t>
+              <a:t>06/11/2020</a:t>
             </a:fld>
             <a:endParaRPr lang="pt-BR"/>
           </a:p>
@@ -1946,7 +2155,7 @@
           <a:p>
             <a:fld id="{F0E51C7C-CEA3-4CAA-BE4B-344879E7C377}" type="datetimeFigureOut">
               <a:rPr lang="de-DE" smtClean="0"/>
-              <a:t>21.10.2020</a:t>
+              <a:t>06.11.2020</a:t>
             </a:fld>
             <a:endParaRPr lang="de-DE"/>
           </a:p>
@@ -2116,7 +2325,7 @@
           <a:p>
             <a:fld id="{F0E51C7C-CEA3-4CAA-BE4B-344879E7C377}" type="datetimeFigureOut">
               <a:rPr lang="de-DE" smtClean="0"/>
-              <a:t>21.10.2020</a:t>
+              <a:t>06.11.2020</a:t>
             </a:fld>
             <a:endParaRPr lang="de-DE"/>
           </a:p>
@@ -2296,7 +2505,7 @@
           <a:p>
             <a:fld id="{F0E51C7C-CEA3-4CAA-BE4B-344879E7C377}" type="datetimeFigureOut">
               <a:rPr lang="de-DE" smtClean="0"/>
-              <a:t>21.10.2020</a:t>
+              <a:t>06.11.2020</a:t>
             </a:fld>
             <a:endParaRPr lang="de-DE"/>
           </a:p>
@@ -2466,7 +2675,7 @@
           <a:p>
             <a:fld id="{F0E51C7C-CEA3-4CAA-BE4B-344879E7C377}" type="datetimeFigureOut">
               <a:rPr lang="de-DE" smtClean="0"/>
-              <a:t>21.10.2020</a:t>
+              <a:t>06.11.2020</a:t>
             </a:fld>
             <a:endParaRPr lang="de-DE"/>
           </a:p>
@@ -2712,7 +2921,7 @@
           <a:p>
             <a:fld id="{F0E51C7C-CEA3-4CAA-BE4B-344879E7C377}" type="datetimeFigureOut">
               <a:rPr lang="de-DE" smtClean="0"/>
-              <a:t>21.10.2020</a:t>
+              <a:t>06.11.2020</a:t>
             </a:fld>
             <a:endParaRPr lang="de-DE"/>
           </a:p>
@@ -2944,7 +3153,7 @@
           <a:p>
             <a:fld id="{F0E51C7C-CEA3-4CAA-BE4B-344879E7C377}" type="datetimeFigureOut">
               <a:rPr lang="de-DE" smtClean="0"/>
-              <a:t>21.10.2020</a:t>
+              <a:t>06.11.2020</a:t>
             </a:fld>
             <a:endParaRPr lang="de-DE"/>
           </a:p>
@@ -3311,7 +3520,7 @@
           <a:p>
             <a:fld id="{F0E51C7C-CEA3-4CAA-BE4B-344879E7C377}" type="datetimeFigureOut">
               <a:rPr lang="de-DE" smtClean="0"/>
-              <a:t>21.10.2020</a:t>
+              <a:t>06.11.2020</a:t>
             </a:fld>
             <a:endParaRPr lang="de-DE"/>
           </a:p>
@@ -3429,7 +3638,7 @@
           <a:p>
             <a:fld id="{F0E51C7C-CEA3-4CAA-BE4B-344879E7C377}" type="datetimeFigureOut">
               <a:rPr lang="de-DE" smtClean="0"/>
-              <a:t>21.10.2020</a:t>
+              <a:t>06.11.2020</a:t>
             </a:fld>
             <a:endParaRPr lang="de-DE"/>
           </a:p>
@@ -3524,7 +3733,7 @@
           <a:p>
             <a:fld id="{F0E51C7C-CEA3-4CAA-BE4B-344879E7C377}" type="datetimeFigureOut">
               <a:rPr lang="de-DE" smtClean="0"/>
-              <a:t>21.10.2020</a:t>
+              <a:t>06.11.2020</a:t>
             </a:fld>
             <a:endParaRPr lang="de-DE"/>
           </a:p>
@@ -3801,7 +4010,7 @@
           <a:p>
             <a:fld id="{F0E51C7C-CEA3-4CAA-BE4B-344879E7C377}" type="datetimeFigureOut">
               <a:rPr lang="de-DE" smtClean="0"/>
-              <a:t>21.10.2020</a:t>
+              <a:t>06.11.2020</a:t>
             </a:fld>
             <a:endParaRPr lang="de-DE"/>
           </a:p>
@@ -4054,7 +4263,7 @@
           <a:p>
             <a:fld id="{F0E51C7C-CEA3-4CAA-BE4B-344879E7C377}" type="datetimeFigureOut">
               <a:rPr lang="de-DE" smtClean="0"/>
-              <a:t>21.10.2020</a:t>
+              <a:t>06.11.2020</a:t>
             </a:fld>
             <a:endParaRPr lang="de-DE"/>
           </a:p>
@@ -4267,7 +4476,7 @@
           <a:p>
             <a:fld id="{F0E51C7C-CEA3-4CAA-BE4B-344879E7C377}" type="datetimeFigureOut">
               <a:rPr lang="de-DE" smtClean="0"/>
-              <a:t>21.10.2020</a:t>
+              <a:t>06.11.2020</a:t>
             </a:fld>
             <a:endParaRPr lang="de-DE"/>
           </a:p>
@@ -4750,6 +4959,306 @@
 </p:sld>
 </file>
 
+<file path=ppt/slides/slide10.xml><?xml version="1.0" encoding="utf-8"?>
+<p:sld xmlns:a="http://schemas.openxmlformats.org/drawingml/2006/main" xmlns:r="http://schemas.openxmlformats.org/officeDocument/2006/relationships" xmlns:p="http://schemas.openxmlformats.org/presentationml/2006/main">
+  <p:cSld>
+    <p:spTree>
+      <p:nvGrpSpPr>
+        <p:cNvPr id="1" name=""/>
+        <p:cNvGrpSpPr/>
+        <p:nvPr/>
+      </p:nvGrpSpPr>
+      <p:grpSpPr>
+        <a:xfrm>
+          <a:off x="0" y="0"/>
+          <a:ext cx="0" cy="0"/>
+          <a:chOff x="0" y="0"/>
+          <a:chExt cx="0" cy="0"/>
+        </a:xfrm>
+      </p:grpSpPr>
+      <p:pic>
+        <p:nvPicPr>
+          <p:cNvPr id="4" name="Imagem 4" descr="Diagrama&#10;&#10;Descrição gerada automaticamente">
+            <a:extLst>
+              <a:ext uri="{FF2B5EF4-FFF2-40B4-BE49-F238E27FC236}">
+                <a16:creationId xmlns:a16="http://schemas.microsoft.com/office/drawing/2014/main" id="{E9D2DA22-E818-4D32-A70A-91D947D84079}"/>
+              </a:ext>
+            </a:extLst>
+          </p:cNvPr>
+          <p:cNvPicPr>
+            <a:picLocks noChangeAspect="1"/>
+          </p:cNvPicPr>
+          <p:nvPr/>
+        </p:nvPicPr>
+        <p:blipFill>
+          <a:blip r:embed="rId2"/>
+          <a:stretch>
+            <a:fillRect/>
+          </a:stretch>
+        </p:blipFill>
+        <p:spPr>
+          <a:xfrm>
+            <a:off x="473244" y="325709"/>
+            <a:ext cx="11245514" cy="6066213"/>
+          </a:xfrm>
+          <a:prstGeom prst="rect">
+            <a:avLst/>
+          </a:prstGeom>
+        </p:spPr>
+      </p:pic>
+    </p:spTree>
+    <p:extLst>
+      <p:ext uri="{BB962C8B-B14F-4D97-AF65-F5344CB8AC3E}">
+        <p14:creationId xmlns:p14="http://schemas.microsoft.com/office/powerpoint/2010/main" val="2407294601"/>
+      </p:ext>
+    </p:extLst>
+  </p:cSld>
+  <p:clrMapOvr>
+    <a:masterClrMapping/>
+  </p:clrMapOvr>
+</p:sld>
+</file>
+
+<file path=ppt/slides/slide11.xml><?xml version="1.0" encoding="utf-8"?>
+<p:sld xmlns:a="http://schemas.openxmlformats.org/drawingml/2006/main" xmlns:r="http://schemas.openxmlformats.org/officeDocument/2006/relationships" xmlns:p="http://schemas.openxmlformats.org/presentationml/2006/main">
+  <p:cSld>
+    <p:spTree>
+      <p:nvGrpSpPr>
+        <p:cNvPr id="1" name=""/>
+        <p:cNvGrpSpPr/>
+        <p:nvPr/>
+      </p:nvGrpSpPr>
+      <p:grpSpPr>
+        <a:xfrm>
+          <a:off x="0" y="0"/>
+          <a:ext cx="0" cy="0"/>
+          <a:chOff x="0" y="0"/>
+          <a:chExt cx="0" cy="0"/>
+        </a:xfrm>
+      </p:grpSpPr>
+      <p:pic>
+        <p:nvPicPr>
+          <p:cNvPr id="4" name="Imagem 4" descr="Diagrama&#10;&#10;Descrição gerada automaticamente">
+            <a:extLst>
+              <a:ext uri="{FF2B5EF4-FFF2-40B4-BE49-F238E27FC236}">
+                <a16:creationId xmlns:a16="http://schemas.microsoft.com/office/drawing/2014/main" id="{699CFC04-B36B-43FC-8AF6-8BCCC7EC0E83}"/>
+              </a:ext>
+            </a:extLst>
+          </p:cNvPr>
+          <p:cNvPicPr>
+            <a:picLocks noChangeAspect="1"/>
+          </p:cNvPicPr>
+          <p:nvPr/>
+        </p:nvPicPr>
+        <p:blipFill>
+          <a:blip r:embed="rId2"/>
+          <a:stretch>
+            <a:fillRect/>
+          </a:stretch>
+        </p:blipFill>
+        <p:spPr>
+          <a:xfrm>
+            <a:off x="1084849" y="362554"/>
+            <a:ext cx="10232856" cy="6132891"/>
+          </a:xfrm>
+          <a:prstGeom prst="rect">
+            <a:avLst/>
+          </a:prstGeom>
+        </p:spPr>
+      </p:pic>
+    </p:spTree>
+    <p:extLst>
+      <p:ext uri="{BB962C8B-B14F-4D97-AF65-F5344CB8AC3E}">
+        <p14:creationId xmlns:p14="http://schemas.microsoft.com/office/powerpoint/2010/main" val="903245640"/>
+      </p:ext>
+    </p:extLst>
+  </p:cSld>
+  <p:clrMapOvr>
+    <a:masterClrMapping/>
+  </p:clrMapOvr>
+</p:sld>
+</file>
+
+<file path=ppt/slides/slide12.xml><?xml version="1.0" encoding="utf-8"?>
+<p:sld xmlns:a="http://schemas.openxmlformats.org/drawingml/2006/main" xmlns:r="http://schemas.openxmlformats.org/officeDocument/2006/relationships" xmlns:p="http://schemas.openxmlformats.org/presentationml/2006/main">
+  <p:cSld>
+    <p:spTree>
+      <p:nvGrpSpPr>
+        <p:cNvPr id="1" name=""/>
+        <p:cNvGrpSpPr/>
+        <p:nvPr/>
+      </p:nvGrpSpPr>
+      <p:grpSpPr>
+        <a:xfrm>
+          <a:off x="0" y="0"/>
+          <a:ext cx="0" cy="0"/>
+          <a:chOff x="0" y="0"/>
+          <a:chExt cx="0" cy="0"/>
+        </a:xfrm>
+      </p:grpSpPr>
+      <p:pic>
+        <p:nvPicPr>
+          <p:cNvPr id="4" name="Imagem 4" descr="Diagrama&#10;&#10;Descrição gerada automaticamente">
+            <a:extLst>
+              <a:ext uri="{FF2B5EF4-FFF2-40B4-BE49-F238E27FC236}">
+                <a16:creationId xmlns:a16="http://schemas.microsoft.com/office/drawing/2014/main" id="{8551A667-AFBD-4C72-9091-A1688C112F59}"/>
+              </a:ext>
+            </a:extLst>
+          </p:cNvPr>
+          <p:cNvPicPr>
+            <a:picLocks noChangeAspect="1"/>
+          </p:cNvPicPr>
+          <p:nvPr/>
+        </p:nvPicPr>
+        <p:blipFill>
+          <a:blip r:embed="rId2"/>
+          <a:stretch>
+            <a:fillRect/>
+          </a:stretch>
+        </p:blipFill>
+        <p:spPr>
+          <a:xfrm>
+            <a:off x="372980" y="248821"/>
+            <a:ext cx="11446040" cy="6360357"/>
+          </a:xfrm>
+          <a:prstGeom prst="rect">
+            <a:avLst/>
+          </a:prstGeom>
+        </p:spPr>
+      </p:pic>
+    </p:spTree>
+    <p:extLst>
+      <p:ext uri="{BB962C8B-B14F-4D97-AF65-F5344CB8AC3E}">
+        <p14:creationId xmlns:p14="http://schemas.microsoft.com/office/powerpoint/2010/main" val="1100209163"/>
+      </p:ext>
+    </p:extLst>
+  </p:cSld>
+  <p:clrMapOvr>
+    <a:masterClrMapping/>
+  </p:clrMapOvr>
+</p:sld>
+</file>
+
+<file path=ppt/slides/slide13.xml><?xml version="1.0" encoding="utf-8"?>
+<p:sld xmlns:a="http://schemas.openxmlformats.org/drawingml/2006/main" xmlns:r="http://schemas.openxmlformats.org/officeDocument/2006/relationships" xmlns:p="http://schemas.openxmlformats.org/presentationml/2006/main">
+  <p:cSld>
+    <p:spTree>
+      <p:nvGrpSpPr>
+        <p:cNvPr id="1" name=""/>
+        <p:cNvGrpSpPr/>
+        <p:nvPr/>
+      </p:nvGrpSpPr>
+      <p:grpSpPr>
+        <a:xfrm>
+          <a:off x="0" y="0"/>
+          <a:ext cx="0" cy="0"/>
+          <a:chOff x="0" y="0"/>
+          <a:chExt cx="0" cy="0"/>
+        </a:xfrm>
+      </p:grpSpPr>
+      <p:pic>
+        <p:nvPicPr>
+          <p:cNvPr id="4" name="Imagem 4" descr="Texto, Carta&#10;&#10;Descrição gerada automaticamente">
+            <a:extLst>
+              <a:ext uri="{FF2B5EF4-FFF2-40B4-BE49-F238E27FC236}">
+                <a16:creationId xmlns:a16="http://schemas.microsoft.com/office/drawing/2014/main" id="{44C3F586-BCAB-45C3-B39C-B9ACAA21C532}"/>
+              </a:ext>
+            </a:extLst>
+          </p:cNvPr>
+          <p:cNvPicPr>
+            <a:picLocks noChangeAspect="1"/>
+          </p:cNvPicPr>
+          <p:nvPr/>
+        </p:nvPicPr>
+        <p:blipFill>
+          <a:blip r:embed="rId2"/>
+          <a:stretch>
+            <a:fillRect/>
+          </a:stretch>
+        </p:blipFill>
+        <p:spPr>
+          <a:xfrm>
+            <a:off x="1513727" y="87894"/>
+            <a:ext cx="9173109" cy="6673651"/>
+          </a:xfrm>
+          <a:prstGeom prst="rect">
+            <a:avLst/>
+          </a:prstGeom>
+        </p:spPr>
+      </p:pic>
+    </p:spTree>
+    <p:extLst>
+      <p:ext uri="{BB962C8B-B14F-4D97-AF65-F5344CB8AC3E}">
+        <p14:creationId xmlns:p14="http://schemas.microsoft.com/office/powerpoint/2010/main" val="1989248752"/>
+      </p:ext>
+    </p:extLst>
+  </p:cSld>
+  <p:clrMapOvr>
+    <a:masterClrMapping/>
+  </p:clrMapOvr>
+</p:sld>
+</file>
+
+<file path=ppt/slides/slide14.xml><?xml version="1.0" encoding="utf-8"?>
+<p:sld xmlns:a="http://schemas.openxmlformats.org/drawingml/2006/main" xmlns:r="http://schemas.openxmlformats.org/officeDocument/2006/relationships" xmlns:p="http://schemas.openxmlformats.org/presentationml/2006/main">
+  <p:cSld>
+    <p:spTree>
+      <p:nvGrpSpPr>
+        <p:cNvPr id="1" name=""/>
+        <p:cNvGrpSpPr/>
+        <p:nvPr/>
+      </p:nvGrpSpPr>
+      <p:grpSpPr>
+        <a:xfrm>
+          <a:off x="0" y="0"/>
+          <a:ext cx="0" cy="0"/>
+          <a:chOff x="0" y="0"/>
+          <a:chExt cx="0" cy="0"/>
+        </a:xfrm>
+      </p:grpSpPr>
+      <p:pic>
+        <p:nvPicPr>
+          <p:cNvPr id="4" name="Imagem 4" descr="Diagrama&#10;&#10;Descrição gerada automaticamente">
+            <a:extLst>
+              <a:ext uri="{FF2B5EF4-FFF2-40B4-BE49-F238E27FC236}">
+                <a16:creationId xmlns:a16="http://schemas.microsoft.com/office/drawing/2014/main" id="{529461FB-FB31-43A9-B476-A46F716A9468}"/>
+              </a:ext>
+            </a:extLst>
+          </p:cNvPr>
+          <p:cNvPicPr>
+            <a:picLocks noChangeAspect="1"/>
+          </p:cNvPicPr>
+          <p:nvPr/>
+        </p:nvPicPr>
+        <p:blipFill>
+          <a:blip r:embed="rId2"/>
+          <a:stretch>
+            <a:fillRect/>
+          </a:stretch>
+        </p:blipFill>
+        <p:spPr>
+          <a:xfrm>
+            <a:off x="12032" y="143763"/>
+            <a:ext cx="12157909" cy="6570475"/>
+          </a:xfrm>
+          <a:prstGeom prst="rect">
+            <a:avLst/>
+          </a:prstGeom>
+        </p:spPr>
+      </p:pic>
+    </p:spTree>
+    <p:extLst>
+      <p:ext uri="{BB962C8B-B14F-4D97-AF65-F5344CB8AC3E}">
+        <p14:creationId xmlns:p14="http://schemas.microsoft.com/office/powerpoint/2010/main" val="4236082240"/>
+      </p:ext>
+    </p:extLst>
+  </p:cSld>
+  <p:clrMapOvr>
+    <a:masterClrMapping/>
+  </p:clrMapOvr>
+</p:sld>
+</file>
+
 <file path=ppt/slides/slide2.xml><?xml version="1.0" encoding="utf-8"?>
 <p:sld xmlns:a="http://schemas.openxmlformats.org/drawingml/2006/main" xmlns:r="http://schemas.openxmlformats.org/officeDocument/2006/relationships" xmlns:p="http://schemas.openxmlformats.org/presentationml/2006/main">
   <p:cSld>
@@ -4924,6 +5433,246 @@
       </p:grpSpPr>
       <p:pic>
         <p:nvPicPr>
+          <p:cNvPr id="4" name="Imagem 4" descr="Diagrama&#10;&#10;Descrição gerada automaticamente">
+            <a:extLst>
+              <a:ext uri="{FF2B5EF4-FFF2-40B4-BE49-F238E27FC236}">
+                <a16:creationId xmlns:a16="http://schemas.microsoft.com/office/drawing/2014/main" id="{B8AE95D8-7B1E-470F-8A72-7719D99A2AC6}"/>
+              </a:ext>
+            </a:extLst>
+          </p:cNvPr>
+          <p:cNvPicPr>
+            <a:picLocks noChangeAspect="1"/>
+          </p:cNvPicPr>
+          <p:nvPr/>
+        </p:nvPicPr>
+        <p:blipFill>
+          <a:blip r:embed="rId2"/>
+          <a:stretch>
+            <a:fillRect/>
+          </a:stretch>
+        </p:blipFill>
+        <p:spPr>
+          <a:xfrm>
+            <a:off x="1315453" y="-3645"/>
+            <a:ext cx="9561094" cy="6865289"/>
+          </a:xfrm>
+          <a:prstGeom prst="rect">
+            <a:avLst/>
+          </a:prstGeom>
+        </p:spPr>
+      </p:pic>
+    </p:spTree>
+    <p:extLst>
+      <p:ext uri="{BB962C8B-B14F-4D97-AF65-F5344CB8AC3E}">
+        <p14:creationId xmlns:p14="http://schemas.microsoft.com/office/powerpoint/2010/main" val="2983864315"/>
+      </p:ext>
+    </p:extLst>
+  </p:cSld>
+  <p:clrMapOvr>
+    <a:masterClrMapping/>
+  </p:clrMapOvr>
+</p:sld>
+</file>
+
+<file path=ppt/slides/slide5.xml><?xml version="1.0" encoding="utf-8"?>
+<p:sld xmlns:a="http://schemas.openxmlformats.org/drawingml/2006/main" xmlns:r="http://schemas.openxmlformats.org/officeDocument/2006/relationships" xmlns:p="http://schemas.openxmlformats.org/presentationml/2006/main">
+  <p:cSld>
+    <p:spTree>
+      <p:nvGrpSpPr>
+        <p:cNvPr id="1" name=""/>
+        <p:cNvGrpSpPr/>
+        <p:nvPr/>
+      </p:nvGrpSpPr>
+      <p:grpSpPr>
+        <a:xfrm>
+          <a:off x="0" y="0"/>
+          <a:ext cx="0" cy="0"/>
+          <a:chOff x="0" y="0"/>
+          <a:chExt cx="0" cy="0"/>
+        </a:xfrm>
+      </p:grpSpPr>
+      <p:pic>
+        <p:nvPicPr>
+          <p:cNvPr id="4" name="Imagem 4" descr="Texto, Carta&#10;&#10;Descrição gerada automaticamente">
+            <a:extLst>
+              <a:ext uri="{FF2B5EF4-FFF2-40B4-BE49-F238E27FC236}">
+                <a16:creationId xmlns:a16="http://schemas.microsoft.com/office/drawing/2014/main" id="{D21FAAC9-82D5-401C-A22B-21C87881E4FF}"/>
+              </a:ext>
+            </a:extLst>
+          </p:cNvPr>
+          <p:cNvPicPr>
+            <a:picLocks noChangeAspect="1"/>
+          </p:cNvPicPr>
+          <p:nvPr/>
+        </p:nvPicPr>
+        <p:blipFill>
+          <a:blip r:embed="rId2"/>
+          <a:stretch>
+            <a:fillRect/>
+          </a:stretch>
+        </p:blipFill>
+        <p:spPr>
+          <a:xfrm>
+            <a:off x="1255295" y="-1437"/>
+            <a:ext cx="9671383" cy="6860874"/>
+          </a:xfrm>
+          <a:prstGeom prst="rect">
+            <a:avLst/>
+          </a:prstGeom>
+        </p:spPr>
+      </p:pic>
+    </p:spTree>
+    <p:extLst>
+      <p:ext uri="{BB962C8B-B14F-4D97-AF65-F5344CB8AC3E}">
+        <p14:creationId xmlns:p14="http://schemas.microsoft.com/office/powerpoint/2010/main" val="2884550578"/>
+      </p:ext>
+    </p:extLst>
+  </p:cSld>
+  <p:clrMapOvr>
+    <a:masterClrMapping/>
+  </p:clrMapOvr>
+</p:sld>
+</file>
+
+<file path=ppt/slides/slide6.xml><?xml version="1.0" encoding="utf-8"?>
+<p:sld xmlns:a="http://schemas.openxmlformats.org/drawingml/2006/main" xmlns:r="http://schemas.openxmlformats.org/officeDocument/2006/relationships" xmlns:p="http://schemas.openxmlformats.org/presentationml/2006/main">
+  <p:cSld>
+    <p:spTree>
+      <p:nvGrpSpPr>
+        <p:cNvPr id="1" name=""/>
+        <p:cNvGrpSpPr/>
+        <p:nvPr/>
+      </p:nvGrpSpPr>
+      <p:grpSpPr>
+        <a:xfrm>
+          <a:off x="0" y="0"/>
+          <a:ext cx="0" cy="0"/>
+          <a:chOff x="0" y="0"/>
+          <a:chExt cx="0" cy="0"/>
+        </a:xfrm>
+      </p:grpSpPr>
+      <p:pic>
+        <p:nvPicPr>
+          <p:cNvPr id="4" name="Imagem 4" descr="Diagrama&#10;&#10;Descrição gerada automaticamente">
+            <a:extLst>
+              <a:ext uri="{FF2B5EF4-FFF2-40B4-BE49-F238E27FC236}">
+                <a16:creationId xmlns:a16="http://schemas.microsoft.com/office/drawing/2014/main" id="{1C9AE71F-050C-4724-B3F0-1B29669865D3}"/>
+              </a:ext>
+            </a:extLst>
+          </p:cNvPr>
+          <p:cNvPicPr>
+            <a:picLocks noChangeAspect="1"/>
+          </p:cNvPicPr>
+          <p:nvPr/>
+        </p:nvPicPr>
+        <p:blipFill>
+          <a:blip r:embed="rId2"/>
+          <a:stretch>
+            <a:fillRect/>
+          </a:stretch>
+        </p:blipFill>
+        <p:spPr>
+          <a:xfrm>
+            <a:off x="242637" y="349295"/>
+            <a:ext cx="11706726" cy="6159410"/>
+          </a:xfrm>
+          <a:prstGeom prst="rect">
+            <a:avLst/>
+          </a:prstGeom>
+        </p:spPr>
+      </p:pic>
+    </p:spTree>
+    <p:extLst>
+      <p:ext uri="{BB962C8B-B14F-4D97-AF65-F5344CB8AC3E}">
+        <p14:creationId xmlns:p14="http://schemas.microsoft.com/office/powerpoint/2010/main" val="740013397"/>
+      </p:ext>
+    </p:extLst>
+  </p:cSld>
+  <p:clrMapOvr>
+    <a:masterClrMapping/>
+  </p:clrMapOvr>
+</p:sld>
+</file>
+
+<file path=ppt/slides/slide7.xml><?xml version="1.0" encoding="utf-8"?>
+<p:sld xmlns:a="http://schemas.openxmlformats.org/drawingml/2006/main" xmlns:r="http://schemas.openxmlformats.org/officeDocument/2006/relationships" xmlns:p="http://schemas.openxmlformats.org/presentationml/2006/main">
+  <p:cSld>
+    <p:spTree>
+      <p:nvGrpSpPr>
+        <p:cNvPr id="1" name=""/>
+        <p:cNvGrpSpPr/>
+        <p:nvPr/>
+      </p:nvGrpSpPr>
+      <p:grpSpPr>
+        <a:xfrm>
+          <a:off x="0" y="0"/>
+          <a:ext cx="0" cy="0"/>
+          <a:chOff x="0" y="0"/>
+          <a:chExt cx="0" cy="0"/>
+        </a:xfrm>
+      </p:grpSpPr>
+      <p:pic>
+        <p:nvPicPr>
+          <p:cNvPr id="4" name="Imagem 4" descr="Diagrama&#10;&#10;Descrição gerada automaticamente">
+            <a:extLst>
+              <a:ext uri="{FF2B5EF4-FFF2-40B4-BE49-F238E27FC236}">
+                <a16:creationId xmlns:a16="http://schemas.microsoft.com/office/drawing/2014/main" id="{2746FEAE-78B1-421B-ABD6-581FD1687AE7}"/>
+              </a:ext>
+            </a:extLst>
+          </p:cNvPr>
+          <p:cNvPicPr>
+            <a:picLocks noChangeAspect="1"/>
+          </p:cNvPicPr>
+          <p:nvPr/>
+        </p:nvPicPr>
+        <p:blipFill>
+          <a:blip r:embed="rId2"/>
+          <a:stretch>
+            <a:fillRect/>
+          </a:stretch>
+        </p:blipFill>
+        <p:spPr>
+          <a:xfrm>
+            <a:off x="1185111" y="-3147"/>
+            <a:ext cx="9821778" cy="6864295"/>
+          </a:xfrm>
+          <a:prstGeom prst="rect">
+            <a:avLst/>
+          </a:prstGeom>
+        </p:spPr>
+      </p:pic>
+    </p:spTree>
+    <p:extLst>
+      <p:ext uri="{BB962C8B-B14F-4D97-AF65-F5344CB8AC3E}">
+        <p14:creationId xmlns:p14="http://schemas.microsoft.com/office/powerpoint/2010/main" val="3082908589"/>
+      </p:ext>
+    </p:extLst>
+  </p:cSld>
+  <p:clrMapOvr>
+    <a:masterClrMapping/>
+  </p:clrMapOvr>
+</p:sld>
+</file>
+
+<file path=ppt/slides/slide8.xml><?xml version="1.0" encoding="utf-8"?>
+<p:sld xmlns:a="http://schemas.openxmlformats.org/drawingml/2006/main" xmlns:r="http://schemas.openxmlformats.org/officeDocument/2006/relationships" xmlns:p="http://schemas.openxmlformats.org/presentationml/2006/main">
+  <p:cSld>
+    <p:spTree>
+      <p:nvGrpSpPr>
+        <p:cNvPr id="1" name=""/>
+        <p:cNvGrpSpPr/>
+        <p:nvPr/>
+      </p:nvGrpSpPr>
+      <p:grpSpPr>
+        <a:xfrm>
+          <a:off x="0" y="0"/>
+          <a:ext cx="0" cy="0"/>
+          <a:chOff x="0" y="0"/>
+          <a:chExt cx="0" cy="0"/>
+        </a:xfrm>
+      </p:grpSpPr>
+      <p:pic>
+        <p:nvPicPr>
           <p:cNvPr id="4" name="Imagem 4" descr="Diagrama, Texto&#10;&#10;Descrição gerada automaticamente">
             <a:extLst>
               <a:ext uri="{FF2B5EF4-FFF2-40B4-BE49-F238E27FC236}">
@@ -4965,7 +5714,7 @@
 </p:sld>
 </file>
 
-<file path=ppt/slides/slide5.xml><?xml version="1.0" encoding="utf-8"?>
+<file path=ppt/slides/slide9.xml><?xml version="1.0" encoding="utf-8"?>
 <p:sld xmlns:a="http://schemas.openxmlformats.org/drawingml/2006/main" xmlns:r="http://schemas.openxmlformats.org/officeDocument/2006/relationships" xmlns:p="http://schemas.openxmlformats.org/presentationml/2006/main">
   <p:cSld>
     <p:spTree>
@@ -5016,186 +5765,6 @@
     <p:extLst>
       <p:ext uri="{BB962C8B-B14F-4D97-AF65-F5344CB8AC3E}">
         <p14:creationId xmlns:p14="http://schemas.microsoft.com/office/powerpoint/2010/main" val="2802243338"/>
-      </p:ext>
-    </p:extLst>
-  </p:cSld>
-  <p:clrMapOvr>
-    <a:masterClrMapping/>
-  </p:clrMapOvr>
-</p:sld>
-</file>
-
-<file path=ppt/slides/slide6.xml><?xml version="1.0" encoding="utf-8"?>
-<p:sld xmlns:a="http://schemas.openxmlformats.org/drawingml/2006/main" xmlns:r="http://schemas.openxmlformats.org/officeDocument/2006/relationships" xmlns:p="http://schemas.openxmlformats.org/presentationml/2006/main">
-  <p:cSld>
-    <p:spTree>
-      <p:nvGrpSpPr>
-        <p:cNvPr id="1" name=""/>
-        <p:cNvGrpSpPr/>
-        <p:nvPr/>
-      </p:nvGrpSpPr>
-      <p:grpSpPr>
-        <a:xfrm>
-          <a:off x="0" y="0"/>
-          <a:ext cx="0" cy="0"/>
-          <a:chOff x="0" y="0"/>
-          <a:chExt cx="0" cy="0"/>
-        </a:xfrm>
-      </p:grpSpPr>
-      <p:pic>
-        <p:nvPicPr>
-          <p:cNvPr id="4" name="Imagem 4" descr="Diagrama&#10;&#10;Descrição gerada automaticamente">
-            <a:extLst>
-              <a:ext uri="{FF2B5EF4-FFF2-40B4-BE49-F238E27FC236}">
-                <a16:creationId xmlns:a16="http://schemas.microsoft.com/office/drawing/2014/main" id="{E9D2DA22-E818-4D32-A70A-91D947D84079}"/>
-              </a:ext>
-            </a:extLst>
-          </p:cNvPr>
-          <p:cNvPicPr>
-            <a:picLocks noChangeAspect="1"/>
-          </p:cNvPicPr>
-          <p:nvPr/>
-        </p:nvPicPr>
-        <p:blipFill>
-          <a:blip r:embed="rId2"/>
-          <a:stretch>
-            <a:fillRect/>
-          </a:stretch>
-        </p:blipFill>
-        <p:spPr>
-          <a:xfrm>
-            <a:off x="473244" y="325709"/>
-            <a:ext cx="11245514" cy="6066213"/>
-          </a:xfrm>
-          <a:prstGeom prst="rect">
-            <a:avLst/>
-          </a:prstGeom>
-        </p:spPr>
-      </p:pic>
-    </p:spTree>
-    <p:extLst>
-      <p:ext uri="{BB962C8B-B14F-4D97-AF65-F5344CB8AC3E}">
-        <p14:creationId xmlns:p14="http://schemas.microsoft.com/office/powerpoint/2010/main" val="2407294601"/>
-      </p:ext>
-    </p:extLst>
-  </p:cSld>
-  <p:clrMapOvr>
-    <a:masterClrMapping/>
-  </p:clrMapOvr>
-</p:sld>
-</file>
-
-<file path=ppt/slides/slide7.xml><?xml version="1.0" encoding="utf-8"?>
-<p:sld xmlns:a="http://schemas.openxmlformats.org/drawingml/2006/main" xmlns:r="http://schemas.openxmlformats.org/officeDocument/2006/relationships" xmlns:p="http://schemas.openxmlformats.org/presentationml/2006/main">
-  <p:cSld>
-    <p:spTree>
-      <p:nvGrpSpPr>
-        <p:cNvPr id="1" name=""/>
-        <p:cNvGrpSpPr/>
-        <p:nvPr/>
-      </p:nvGrpSpPr>
-      <p:grpSpPr>
-        <a:xfrm>
-          <a:off x="0" y="0"/>
-          <a:ext cx="0" cy="0"/>
-          <a:chOff x="0" y="0"/>
-          <a:chExt cx="0" cy="0"/>
-        </a:xfrm>
-      </p:grpSpPr>
-      <p:pic>
-        <p:nvPicPr>
-          <p:cNvPr id="4" name="Imagem 4" descr="Diagrama&#10;&#10;Descrição gerada automaticamente">
-            <a:extLst>
-              <a:ext uri="{FF2B5EF4-FFF2-40B4-BE49-F238E27FC236}">
-                <a16:creationId xmlns:a16="http://schemas.microsoft.com/office/drawing/2014/main" id="{699CFC04-B36B-43FC-8AF6-8BCCC7EC0E83}"/>
-              </a:ext>
-            </a:extLst>
-          </p:cNvPr>
-          <p:cNvPicPr>
-            <a:picLocks noChangeAspect="1"/>
-          </p:cNvPicPr>
-          <p:nvPr/>
-        </p:nvPicPr>
-        <p:blipFill>
-          <a:blip r:embed="rId2"/>
-          <a:stretch>
-            <a:fillRect/>
-          </a:stretch>
-        </p:blipFill>
-        <p:spPr>
-          <a:xfrm>
-            <a:off x="1084849" y="362554"/>
-            <a:ext cx="10232856" cy="6132891"/>
-          </a:xfrm>
-          <a:prstGeom prst="rect">
-            <a:avLst/>
-          </a:prstGeom>
-        </p:spPr>
-      </p:pic>
-    </p:spTree>
-    <p:extLst>
-      <p:ext uri="{BB962C8B-B14F-4D97-AF65-F5344CB8AC3E}">
-        <p14:creationId xmlns:p14="http://schemas.microsoft.com/office/powerpoint/2010/main" val="903245640"/>
-      </p:ext>
-    </p:extLst>
-  </p:cSld>
-  <p:clrMapOvr>
-    <a:masterClrMapping/>
-  </p:clrMapOvr>
-</p:sld>
-</file>
-
-<file path=ppt/slides/slide8.xml><?xml version="1.0" encoding="utf-8"?>
-<p:sld xmlns:a="http://schemas.openxmlformats.org/drawingml/2006/main" xmlns:r="http://schemas.openxmlformats.org/officeDocument/2006/relationships" xmlns:p="http://schemas.openxmlformats.org/presentationml/2006/main">
-  <p:cSld>
-    <p:spTree>
-      <p:nvGrpSpPr>
-        <p:cNvPr id="1" name=""/>
-        <p:cNvGrpSpPr/>
-        <p:nvPr/>
-      </p:nvGrpSpPr>
-      <p:grpSpPr>
-        <a:xfrm>
-          <a:off x="0" y="0"/>
-          <a:ext cx="0" cy="0"/>
-          <a:chOff x="0" y="0"/>
-          <a:chExt cx="0" cy="0"/>
-        </a:xfrm>
-      </p:grpSpPr>
-      <p:pic>
-        <p:nvPicPr>
-          <p:cNvPr id="4" name="Imagem 4" descr="Diagrama&#10;&#10;Descrição gerada automaticamente">
-            <a:extLst>
-              <a:ext uri="{FF2B5EF4-FFF2-40B4-BE49-F238E27FC236}">
-                <a16:creationId xmlns:a16="http://schemas.microsoft.com/office/drawing/2014/main" id="{8551A667-AFBD-4C72-9091-A1688C112F59}"/>
-              </a:ext>
-            </a:extLst>
-          </p:cNvPr>
-          <p:cNvPicPr>
-            <a:picLocks noChangeAspect="1"/>
-          </p:cNvPicPr>
-          <p:nvPr/>
-        </p:nvPicPr>
-        <p:blipFill>
-          <a:blip r:embed="rId2"/>
-          <a:stretch>
-            <a:fillRect/>
-          </a:stretch>
-        </p:blipFill>
-        <p:spPr>
-          <a:xfrm>
-            <a:off x="372980" y="248821"/>
-            <a:ext cx="11446040" cy="6360357"/>
-          </a:xfrm>
-          <a:prstGeom prst="rect">
-            <a:avLst/>
-          </a:prstGeom>
-        </p:spPr>
-      </p:pic>
-    </p:spTree>
-    <p:extLst>
-      <p:ext uri="{BB962C8B-B14F-4D97-AF65-F5344CB8AC3E}">
-        <p14:creationId xmlns:p14="http://schemas.microsoft.com/office/powerpoint/2010/main" val="1100209163"/>
       </p:ext>
     </p:extLst>
   </p:cSld>

--- a/18. Descrição dos Processos de Negócio.pptx
+++ b/18. Descrição dos Processos de Negócio.pptx
@@ -132,6 +132,7 @@
 <p1510:revInfo xmlns:a="http://schemas.openxmlformats.org/drawingml/2006/main" xmlns:r="http://schemas.openxmlformats.org/officeDocument/2006/relationships" xmlns:p1510="http://schemas.microsoft.com/office/powerpoint/2015/10/main">
   <p1510:revLst>
     <p1510:client id="{0F2C64EE-C0FE-4513-8E58-5A5F9A11C41F}" v="60" dt="2020-10-17T01:49:34.011"/>
+    <p1510:client id="{13D75ED5-B539-44D2-9B26-9FDCBD4C10A0}" v="84" dt="2020-11-20T01:17:21.535"/>
     <p1510:client id="{3C9C1336-C53C-421C-BBB3-BE114801D5D6}" v="49" dt="2020-11-07T06:25:00.370"/>
     <p1510:client id="{737E9A05-8907-446D-A8C3-13D1D7DFBBAE}" v="95" dt="2020-10-17T00:22:45.973"/>
     <p1510:client id="{9C965AD5-0C24-4130-8A54-FC63A3CD0D4B}" v="45" dt="2020-10-16T22:38:15.594"/>
@@ -201,84 +202,6 @@
     </pc:docChg>
   </pc:docChgLst>
   <pc:docChgLst>
-    <pc:chgData name="Bruno Pires" userId="2e75d9009844921f" providerId="Windows Live" clId="Web-{22EC5994-BA2F-4FA4-A10A-CF056D4A0927}"/>
-    <pc:docChg chg="modSld">
-      <pc:chgData name="Bruno Pires" userId="2e75d9009844921f" providerId="Windows Live" clId="Web-{22EC5994-BA2F-4FA4-A10A-CF056D4A0927}" dt="2020-10-09T23:49:20.983" v="955" actId="1076"/>
-      <pc:docMkLst>
-        <pc:docMk/>
-      </pc:docMkLst>
-      <pc:sldChg chg="modSp">
-        <pc:chgData name="Bruno Pires" userId="2e75d9009844921f" providerId="Windows Live" clId="Web-{22EC5994-BA2F-4FA4-A10A-CF056D4A0927}" dt="2020-10-09T23:49:20.983" v="955" actId="1076"/>
-        <pc:sldMkLst>
-          <pc:docMk/>
-          <pc:sldMk cId="3918470033" sldId="257"/>
-        </pc:sldMkLst>
-        <pc:spChg chg="mod">
-          <ac:chgData name="Bruno Pires" userId="2e75d9009844921f" providerId="Windows Live" clId="Web-{22EC5994-BA2F-4FA4-A10A-CF056D4A0927}" dt="2020-10-09T23:49:20.983" v="955" actId="1076"/>
-          <ac:spMkLst>
-            <pc:docMk/>
-            <pc:sldMk cId="3918470033" sldId="257"/>
-            <ac:spMk id="2" creationId="{5DD6C70C-B6EF-40FB-AB7C-C4AFD46DB42B}"/>
-          </ac:spMkLst>
-        </pc:spChg>
-      </pc:sldChg>
-      <pc:sldChg chg="modSp">
-        <pc:chgData name="Bruno Pires" userId="2e75d9009844921f" providerId="Windows Live" clId="Web-{22EC5994-BA2F-4FA4-A10A-CF056D4A0927}" dt="2020-10-09T23:43:19.120" v="907" actId="1076"/>
-        <pc:sldMkLst>
-          <pc:docMk/>
-          <pc:sldMk cId="4164410817" sldId="258"/>
-        </pc:sldMkLst>
-        <pc:spChg chg="mod">
-          <ac:chgData name="Bruno Pires" userId="2e75d9009844921f" providerId="Windows Live" clId="Web-{22EC5994-BA2F-4FA4-A10A-CF056D4A0927}" dt="2020-10-09T23:35:33.361" v="816" actId="1076"/>
-          <ac:spMkLst>
-            <pc:docMk/>
-            <pc:sldMk cId="4164410817" sldId="258"/>
-            <ac:spMk id="31" creationId="{E68F68BA-5CDE-4218-8145-29DD96CE59C1}"/>
-          </ac:spMkLst>
-        </pc:spChg>
-        <pc:spChg chg="mod">
-          <ac:chgData name="Bruno Pires" userId="2e75d9009844921f" providerId="Windows Live" clId="Web-{22EC5994-BA2F-4FA4-A10A-CF056D4A0927}" dt="2020-10-09T23:20:34.760" v="154" actId="1076"/>
-          <ac:spMkLst>
-            <pc:docMk/>
-            <pc:sldMk cId="4164410817" sldId="258"/>
-            <ac:spMk id="43" creationId="{F0909070-772F-4C9B-A118-A4D1094D8869}"/>
-          </ac:spMkLst>
-        </pc:spChg>
-        <pc:spChg chg="mod">
-          <ac:chgData name="Bruno Pires" userId="2e75d9009844921f" providerId="Windows Live" clId="Web-{22EC5994-BA2F-4FA4-A10A-CF056D4A0927}" dt="2020-10-09T23:43:19.120" v="907" actId="1076"/>
-          <ac:spMkLst>
-            <pc:docMk/>
-            <pc:sldMk cId="4164410817" sldId="258"/>
-            <ac:spMk id="75" creationId="{EF268438-E457-4CA6-B1E7-51526B9EFD58}"/>
-          </ac:spMkLst>
-        </pc:spChg>
-        <pc:cxnChg chg="mod">
-          <ac:chgData name="Bruno Pires" userId="2e75d9009844921f" providerId="Windows Live" clId="Web-{22EC5994-BA2F-4FA4-A10A-CF056D4A0927}" dt="2020-10-09T23:35:38.093" v="817" actId="14100"/>
-          <ac:cxnSpMkLst>
-            <pc:docMk/>
-            <pc:sldMk cId="4164410817" sldId="258"/>
-            <ac:cxnSpMk id="59" creationId="{F154A172-F16C-44D0-985E-25ABB5466534}"/>
-          </ac:cxnSpMkLst>
-        </pc:cxnChg>
-      </pc:sldChg>
-      <pc:sldChg chg="modSp">
-        <pc:chgData name="Bruno Pires" userId="2e75d9009844921f" providerId="Windows Live" clId="Web-{22EC5994-BA2F-4FA4-A10A-CF056D4A0927}" dt="2020-10-09T23:47:57.670" v="953" actId="1076"/>
-        <pc:sldMkLst>
-          <pc:docMk/>
-          <pc:sldMk cId="380695029" sldId="259"/>
-        </pc:sldMkLst>
-        <pc:spChg chg="mod">
-          <ac:chgData name="Bruno Pires" userId="2e75d9009844921f" providerId="Windows Live" clId="Web-{22EC5994-BA2F-4FA4-A10A-CF056D4A0927}" dt="2020-10-09T23:47:57.670" v="953" actId="1076"/>
-          <ac:spMkLst>
-            <pc:docMk/>
-            <pc:sldMk cId="380695029" sldId="259"/>
-            <ac:spMk id="3" creationId="{347FC2B7-BA24-4B90-B1F8-48AD93BDA9D8}"/>
-          </ac:spMkLst>
-        </pc:spChg>
-      </pc:sldChg>
-    </pc:docChg>
-  </pc:docChgLst>
-  <pc:docChgLst>
     <pc:chgData name="Eduardo Marques" userId="b9dd18581288d1e4" providerId="Windows Live" clId="Web-{9C965AD5-0C24-4130-8A54-FC63A3CD0D4B}"/>
     <pc:docChg chg="modSld">
       <pc:chgData name="Eduardo Marques" userId="b9dd18581288d1e4" providerId="Windows Live" clId="Web-{9C965AD5-0C24-4130-8A54-FC63A3CD0D4B}" dt="2020-10-16T22:38:15.594" v="41" actId="1076"/>
@@ -447,36 +370,462 @@
     </pc:docChg>
   </pc:docChgLst>
   <pc:docChgLst>
-    <pc:chgData name="Eduardo Marques" userId="b9dd18581288d1e4" providerId="Windows Live" clId="Web-{DA2C4D56-67D7-4012-8AE1-FB4EAFC86F41}"/>
-    <pc:docChg chg="addSld modSld">
-      <pc:chgData name="Eduardo Marques" userId="b9dd18581288d1e4" providerId="Windows Live" clId="Web-{DA2C4D56-67D7-4012-8AE1-FB4EAFC86F41}" dt="2020-10-22T02:50:25.898" v="46" actId="14100"/>
+    <pc:chgData name="Eduardo Marques" userId="b9dd18581288d1e4" providerId="Windows Live" clId="Web-{D654B7EC-94F0-459E-AE3A-B472BD512854}"/>
+    <pc:docChg chg="modSld">
+      <pc:chgData name="Eduardo Marques" userId="b9dd18581288d1e4" providerId="Windows Live" clId="Web-{D654B7EC-94F0-459E-AE3A-B472BD512854}" dt="2020-09-26T14:11:11.182" v="252" actId="20577"/>
       <pc:docMkLst>
         <pc:docMk/>
       </pc:docMkLst>
-      <pc:sldChg chg="addSp delSp modSp new">
-        <pc:chgData name="Eduardo Marques" userId="b9dd18581288d1e4" providerId="Windows Live" clId="Web-{DA2C4D56-67D7-4012-8AE1-FB4EAFC86F41}" dt="2020-10-22T02:46:48.221" v="23" actId="1076"/>
+      <pc:sldChg chg="modSp">
+        <pc:chgData name="Eduardo Marques" userId="b9dd18581288d1e4" providerId="Windows Live" clId="Web-{D654B7EC-94F0-459E-AE3A-B472BD512854}" dt="2020-09-26T14:11:11.182" v="251" actId="20577"/>
+        <pc:sldMkLst>
+          <pc:docMk/>
+          <pc:sldMk cId="3918470033" sldId="257"/>
+        </pc:sldMkLst>
+        <pc:spChg chg="mod">
+          <ac:chgData name="Eduardo Marques" userId="b9dd18581288d1e4" providerId="Windows Live" clId="Web-{D654B7EC-94F0-459E-AE3A-B472BD512854}" dt="2020-09-26T14:11:11.182" v="251" actId="20577"/>
+          <ac:spMkLst>
+            <pc:docMk/>
+            <pc:sldMk cId="3918470033" sldId="257"/>
+            <ac:spMk id="2" creationId="{5DD6C70C-B6EF-40FB-AB7C-C4AFD46DB42B}"/>
+          </ac:spMkLst>
+        </pc:spChg>
+      </pc:sldChg>
+      <pc:sldChg chg="modSp">
+        <pc:chgData name="Eduardo Marques" userId="b9dd18581288d1e4" providerId="Windows Live" clId="Web-{D654B7EC-94F0-459E-AE3A-B472BD512854}" dt="2020-09-26T14:08:35.244" v="109" actId="20577"/>
+        <pc:sldMkLst>
+          <pc:docMk/>
+          <pc:sldMk cId="4164410817" sldId="258"/>
+        </pc:sldMkLst>
+        <pc:spChg chg="mod">
+          <ac:chgData name="Eduardo Marques" userId="b9dd18581288d1e4" providerId="Windows Live" clId="Web-{D654B7EC-94F0-459E-AE3A-B472BD512854}" dt="2020-09-26T14:08:35.244" v="109" actId="20577"/>
+          <ac:spMkLst>
+            <pc:docMk/>
+            <pc:sldMk cId="4164410817" sldId="258"/>
+            <ac:spMk id="75" creationId="{EF268438-E457-4CA6-B1E7-51526B9EFD58}"/>
+          </ac:spMkLst>
+        </pc:spChg>
+      </pc:sldChg>
+      <pc:sldChg chg="modSp">
+        <pc:chgData name="Eduardo Marques" userId="b9dd18581288d1e4" providerId="Windows Live" clId="Web-{D654B7EC-94F0-459E-AE3A-B472BD512854}" dt="2020-09-26T14:00:10.474" v="12" actId="20577"/>
+        <pc:sldMkLst>
+          <pc:docMk/>
+          <pc:sldMk cId="380695029" sldId="259"/>
+        </pc:sldMkLst>
+        <pc:spChg chg="mod">
+          <ac:chgData name="Eduardo Marques" userId="b9dd18581288d1e4" providerId="Windows Live" clId="Web-{D654B7EC-94F0-459E-AE3A-B472BD512854}" dt="2020-09-26T14:00:10.474" v="12" actId="20577"/>
+          <ac:spMkLst>
+            <pc:docMk/>
+            <pc:sldMk cId="380695029" sldId="259"/>
+            <ac:spMk id="3" creationId="{347FC2B7-BA24-4B90-B1F8-48AD93BDA9D8}"/>
+          </ac:spMkLst>
+        </pc:spChg>
+      </pc:sldChg>
+    </pc:docChg>
+  </pc:docChgLst>
+  <pc:docChgLst>
+    <pc:chgData name="Caio Ferreira" userId="aa37e96bb8b72277" providerId="LiveId" clId="{331D9DAE-A6D2-4280-8D11-1A19F29A6492}"/>
+    <pc:docChg chg="modSld">
+      <pc:chgData name="Caio Ferreira" userId="aa37e96bb8b72277" providerId="LiveId" clId="{331D9DAE-A6D2-4280-8D11-1A19F29A6492}" dt="2020-09-26T14:14:46.293" v="22" actId="20577"/>
+      <pc:docMkLst>
+        <pc:docMk/>
+      </pc:docMkLst>
+      <pc:sldChg chg="modSp mod">
+        <pc:chgData name="Caio Ferreira" userId="aa37e96bb8b72277" providerId="LiveId" clId="{331D9DAE-A6D2-4280-8D11-1A19F29A6492}" dt="2020-09-26T14:14:46.293" v="22" actId="20577"/>
+        <pc:sldMkLst>
+          <pc:docMk/>
+          <pc:sldMk cId="3918470033" sldId="257"/>
+        </pc:sldMkLst>
+        <pc:spChg chg="mod">
+          <ac:chgData name="Caio Ferreira" userId="aa37e96bb8b72277" providerId="LiveId" clId="{331D9DAE-A6D2-4280-8D11-1A19F29A6492}" dt="2020-09-26T14:14:46.293" v="22" actId="20577"/>
+          <ac:spMkLst>
+            <pc:docMk/>
+            <pc:sldMk cId="3918470033" sldId="257"/>
+            <ac:spMk id="2" creationId="{5DD6C70C-B6EF-40FB-AB7C-C4AFD46DB42B}"/>
+          </ac:spMkLst>
+        </pc:spChg>
+      </pc:sldChg>
+      <pc:sldChg chg="modSp mod">
+        <pc:chgData name="Caio Ferreira" userId="aa37e96bb8b72277" providerId="LiveId" clId="{331D9DAE-A6D2-4280-8D11-1A19F29A6492}" dt="2020-09-26T14:12:49.841" v="21" actId="20577"/>
+        <pc:sldMkLst>
+          <pc:docMk/>
+          <pc:sldMk cId="380695029" sldId="259"/>
+        </pc:sldMkLst>
+        <pc:spChg chg="mod">
+          <ac:chgData name="Caio Ferreira" userId="aa37e96bb8b72277" providerId="LiveId" clId="{331D9DAE-A6D2-4280-8D11-1A19F29A6492}" dt="2020-09-26T14:12:49.841" v="21" actId="20577"/>
+          <ac:spMkLst>
+            <pc:docMk/>
+            <pc:sldMk cId="380695029" sldId="259"/>
+            <ac:spMk id="3" creationId="{347FC2B7-BA24-4B90-B1F8-48AD93BDA9D8}"/>
+          </ac:spMkLst>
+        </pc:spChg>
+      </pc:sldChg>
+    </pc:docChg>
+  </pc:docChgLst>
+  <pc:docChgLst>
+    <pc:chgData name="Eduardo Marques" userId="b9dd18581288d1e4" providerId="Windows Live" clId="Web-{737E9A05-8907-446D-A8C3-13D1D7DFBBAE}"/>
+    <pc:docChg chg="modSld">
+      <pc:chgData name="Eduardo Marques" userId="b9dd18581288d1e4" providerId="Windows Live" clId="Web-{737E9A05-8907-446D-A8C3-13D1D7DFBBAE}" dt="2020-10-17T00:22:45.973" v="92" actId="14100"/>
+      <pc:docMkLst>
+        <pc:docMk/>
+      </pc:docMkLst>
+      <pc:sldChg chg="addSp delSp modSp">
+        <pc:chgData name="Eduardo Marques" userId="b9dd18581288d1e4" providerId="Windows Live" clId="Web-{737E9A05-8907-446D-A8C3-13D1D7DFBBAE}" dt="2020-10-17T00:22:45.973" v="92" actId="14100"/>
+        <pc:sldMkLst>
+          <pc:docMk/>
+          <pc:sldMk cId="4164410817" sldId="258"/>
+        </pc:sldMkLst>
+        <pc:spChg chg="add mod">
+          <ac:chgData name="Eduardo Marques" userId="b9dd18581288d1e4" providerId="Windows Live" clId="Web-{737E9A05-8907-446D-A8C3-13D1D7DFBBAE}" dt="2020-10-17T00:21:33.752" v="82" actId="14100"/>
+          <ac:spMkLst>
+            <pc:docMk/>
+            <pc:sldMk cId="4164410817" sldId="258"/>
+            <ac:spMk id="3" creationId="{308852E3-16DA-426F-A1B0-5AEAE5D45351}"/>
+          </ac:spMkLst>
+        </pc:spChg>
+        <pc:spChg chg="add del mod">
+          <ac:chgData name="Eduardo Marques" userId="b9dd18581288d1e4" providerId="Windows Live" clId="Web-{737E9A05-8907-446D-A8C3-13D1D7DFBBAE}" dt="2020-10-17T00:22:31.566" v="88"/>
+          <ac:spMkLst>
+            <pc:docMk/>
+            <pc:sldMk cId="4164410817" sldId="258"/>
+            <ac:spMk id="5" creationId="{8288138C-E0A4-4C32-A27C-ACAA5C5065D2}"/>
+          </ac:spMkLst>
+        </pc:spChg>
+        <pc:spChg chg="del">
+          <ac:chgData name="Eduardo Marques" userId="b9dd18581288d1e4" providerId="Windows Live" clId="Web-{737E9A05-8907-446D-A8C3-13D1D7DFBBAE}" dt="2020-10-17T00:20:41.407" v="39"/>
+          <ac:spMkLst>
+            <pc:docMk/>
+            <pc:sldMk cId="4164410817" sldId="258"/>
+            <ac:spMk id="29" creationId="{AD6E2882-5F63-4FA2-AAEB-FED9AF0D0010}"/>
+          </ac:spMkLst>
+        </pc:spChg>
+        <pc:spChg chg="del">
+          <ac:chgData name="Eduardo Marques" userId="b9dd18581288d1e4" providerId="Windows Live" clId="Web-{737E9A05-8907-446D-A8C3-13D1D7DFBBAE}" dt="2020-10-17T00:20:41.407" v="38"/>
+          <ac:spMkLst>
+            <pc:docMk/>
+            <pc:sldMk cId="4164410817" sldId="258"/>
+            <ac:spMk id="31" creationId="{E68F68BA-5CDE-4218-8145-29DD96CE59C1}"/>
+          </ac:spMkLst>
+        </pc:spChg>
+        <pc:spChg chg="del">
+          <ac:chgData name="Eduardo Marques" userId="b9dd18581288d1e4" providerId="Windows Live" clId="Web-{737E9A05-8907-446D-A8C3-13D1D7DFBBAE}" dt="2020-10-17T00:20:41.407" v="36"/>
+          <ac:spMkLst>
+            <pc:docMk/>
+            <pc:sldMk cId="4164410817" sldId="258"/>
+            <ac:spMk id="35" creationId="{2538CAC5-0B3A-4333-8698-1779340F6656}"/>
+          </ac:spMkLst>
+        </pc:spChg>
+        <pc:spChg chg="del">
+          <ac:chgData name="Eduardo Marques" userId="b9dd18581288d1e4" providerId="Windows Live" clId="Web-{737E9A05-8907-446D-A8C3-13D1D7DFBBAE}" dt="2020-10-17T00:20:41.407" v="34"/>
+          <ac:spMkLst>
+            <pc:docMk/>
+            <pc:sldMk cId="4164410817" sldId="258"/>
+            <ac:spMk id="43" creationId="{F0909070-772F-4C9B-A118-A4D1094D8869}"/>
+          </ac:spMkLst>
+        </pc:spChg>
+        <pc:spChg chg="del">
+          <ac:chgData name="Eduardo Marques" userId="b9dd18581288d1e4" providerId="Windows Live" clId="Web-{737E9A05-8907-446D-A8C3-13D1D7DFBBAE}" dt="2020-10-17T00:20:41.407" v="32"/>
+          <ac:spMkLst>
+            <pc:docMk/>
+            <pc:sldMk cId="4164410817" sldId="258"/>
+            <ac:spMk id="47" creationId="{15B8EE82-7609-47B1-AEAF-5630E965E3A1}"/>
+          </ac:spMkLst>
+        </pc:spChg>
+        <pc:spChg chg="del">
+          <ac:chgData name="Eduardo Marques" userId="b9dd18581288d1e4" providerId="Windows Live" clId="Web-{737E9A05-8907-446D-A8C3-13D1D7DFBBAE}" dt="2020-10-17T00:20:41.407" v="30"/>
+          <ac:spMkLst>
+            <pc:docMk/>
+            <pc:sldMk cId="4164410817" sldId="258"/>
+            <ac:spMk id="51" creationId="{0C542B54-9798-4915-B684-4B37412ACD86}"/>
+          </ac:spMkLst>
+        </pc:spChg>
+        <pc:spChg chg="del">
+          <ac:chgData name="Eduardo Marques" userId="b9dd18581288d1e4" providerId="Windows Live" clId="Web-{737E9A05-8907-446D-A8C3-13D1D7DFBBAE}" dt="2020-10-17T00:20:41.407" v="28"/>
+          <ac:spMkLst>
+            <pc:docMk/>
+            <pc:sldMk cId="4164410817" sldId="258"/>
+            <ac:spMk id="74" creationId="{846FC8A2-8D81-4232-989F-B4AFDC69113F}"/>
+          </ac:spMkLst>
+        </pc:spChg>
+        <pc:spChg chg="del mod">
+          <ac:chgData name="Eduardo Marques" userId="b9dd18581288d1e4" providerId="Windows Live" clId="Web-{737E9A05-8907-446D-A8C3-13D1D7DFBBAE}" dt="2020-10-17T00:20:53.001" v="59"/>
+          <ac:spMkLst>
+            <pc:docMk/>
+            <pc:sldMk cId="4164410817" sldId="258"/>
+            <ac:spMk id="75" creationId="{EF268438-E457-4CA6-B1E7-51526B9EFD58}"/>
+          </ac:spMkLst>
+        </pc:spChg>
+        <pc:spChg chg="del">
+          <ac:chgData name="Eduardo Marques" userId="b9dd18581288d1e4" providerId="Windows Live" clId="Web-{737E9A05-8907-446D-A8C3-13D1D7DFBBAE}" dt="2020-10-17T00:20:41.407" v="27"/>
+          <ac:spMkLst>
+            <pc:docMk/>
+            <pc:sldMk cId="4164410817" sldId="258"/>
+            <ac:spMk id="76" creationId="{B67112AA-7335-448D-B321-68BB8F8C2E3F}"/>
+          </ac:spMkLst>
+        </pc:spChg>
+        <pc:picChg chg="add del mod">
+          <ac:chgData name="Eduardo Marques" userId="b9dd18581288d1e4" providerId="Windows Live" clId="Web-{737E9A05-8907-446D-A8C3-13D1D7DFBBAE}" dt="2020-10-17T00:22:12.378" v="83"/>
+          <ac:picMkLst>
+            <pc:docMk/>
+            <pc:sldMk cId="4164410817" sldId="258"/>
+            <ac:picMk id="2" creationId="{8263C195-3B6E-44DD-A00D-B8F5498524E3}"/>
+          </ac:picMkLst>
+        </pc:picChg>
+        <pc:picChg chg="add mod">
+          <ac:chgData name="Eduardo Marques" userId="b9dd18581288d1e4" providerId="Windows Live" clId="Web-{737E9A05-8907-446D-A8C3-13D1D7DFBBAE}" dt="2020-10-17T00:22:45.973" v="92" actId="14100"/>
+          <ac:picMkLst>
+            <pc:docMk/>
+            <pc:sldMk cId="4164410817" sldId="258"/>
+            <ac:picMk id="4" creationId="{546F0094-6A56-4B1B-A44C-63E0639D5CB7}"/>
+          </ac:picMkLst>
+        </pc:picChg>
+        <pc:cxnChg chg="del">
+          <ac:chgData name="Eduardo Marques" userId="b9dd18581288d1e4" providerId="Windows Live" clId="Web-{737E9A05-8907-446D-A8C3-13D1D7DFBBAE}" dt="2020-10-17T00:20:41.407" v="47"/>
+          <ac:cxnSpMkLst>
+            <pc:docMk/>
+            <pc:sldMk cId="4164410817" sldId="258"/>
+            <ac:cxnSpMk id="11" creationId="{0BA6BFCC-1D20-40E0-854F-CFF7A288BB0B}"/>
+          </ac:cxnSpMkLst>
+        </pc:cxnChg>
+        <pc:cxnChg chg="del">
+          <ac:chgData name="Eduardo Marques" userId="b9dd18581288d1e4" providerId="Windows Live" clId="Web-{737E9A05-8907-446D-A8C3-13D1D7DFBBAE}" dt="2020-10-17T00:20:41.407" v="46"/>
+          <ac:cxnSpMkLst>
+            <pc:docMk/>
+            <pc:sldMk cId="4164410817" sldId="258"/>
+            <ac:cxnSpMk id="13" creationId="{1F8672DE-951F-43E3-AE1F-BA27E9DE534B}"/>
+          </ac:cxnSpMkLst>
+        </pc:cxnChg>
+        <pc:cxnChg chg="del">
+          <ac:chgData name="Eduardo Marques" userId="b9dd18581288d1e4" providerId="Windows Live" clId="Web-{737E9A05-8907-446D-A8C3-13D1D7DFBBAE}" dt="2020-10-17T00:20:41.407" v="45"/>
+          <ac:cxnSpMkLst>
+            <pc:docMk/>
+            <pc:sldMk cId="4164410817" sldId="258"/>
+            <ac:cxnSpMk id="15" creationId="{EA2732CD-25F2-4C82-B5E2-E5D6C47585E0}"/>
+          </ac:cxnSpMkLst>
+        </pc:cxnChg>
+        <pc:cxnChg chg="del">
+          <ac:chgData name="Eduardo Marques" userId="b9dd18581288d1e4" providerId="Windows Live" clId="Web-{737E9A05-8907-446D-A8C3-13D1D7DFBBAE}" dt="2020-10-17T00:20:41.407" v="44"/>
+          <ac:cxnSpMkLst>
+            <pc:docMk/>
+            <pc:sldMk cId="4164410817" sldId="258"/>
+            <ac:cxnSpMk id="17" creationId="{7034688D-7504-4927-ABEC-0696D65905F8}"/>
+          </ac:cxnSpMkLst>
+        </pc:cxnChg>
+        <pc:cxnChg chg="del">
+          <ac:chgData name="Eduardo Marques" userId="b9dd18581288d1e4" providerId="Windows Live" clId="Web-{737E9A05-8907-446D-A8C3-13D1D7DFBBAE}" dt="2020-10-17T00:20:41.407" v="43"/>
+          <ac:cxnSpMkLst>
+            <pc:docMk/>
+            <pc:sldMk cId="4164410817" sldId="258"/>
+            <ac:cxnSpMk id="19" creationId="{20C2EF9D-F077-440D-9A98-7D3BBDCD1507}"/>
+          </ac:cxnSpMkLst>
+        </pc:cxnChg>
+        <pc:cxnChg chg="del">
+          <ac:chgData name="Eduardo Marques" userId="b9dd18581288d1e4" providerId="Windows Live" clId="Web-{737E9A05-8907-446D-A8C3-13D1D7DFBBAE}" dt="2020-10-17T00:20:41.407" v="42"/>
+          <ac:cxnSpMkLst>
+            <pc:docMk/>
+            <pc:sldMk cId="4164410817" sldId="258"/>
+            <ac:cxnSpMk id="21" creationId="{B73BDEC3-A71A-433D-8AFE-CB4C1FD316FD}"/>
+          </ac:cxnSpMkLst>
+        </pc:cxnChg>
+        <pc:cxnChg chg="del">
+          <ac:chgData name="Eduardo Marques" userId="b9dd18581288d1e4" providerId="Windows Live" clId="Web-{737E9A05-8907-446D-A8C3-13D1D7DFBBAE}" dt="2020-10-17T00:20:41.407" v="41"/>
+          <ac:cxnSpMkLst>
+            <pc:docMk/>
+            <pc:sldMk cId="4164410817" sldId="258"/>
+            <ac:cxnSpMk id="23" creationId="{D9B914A6-C54C-457D-A9B7-F9E8FF9CF857}"/>
+          </ac:cxnSpMkLst>
+        </pc:cxnChg>
+        <pc:cxnChg chg="del">
+          <ac:chgData name="Eduardo Marques" userId="b9dd18581288d1e4" providerId="Windows Live" clId="Web-{737E9A05-8907-446D-A8C3-13D1D7DFBBAE}" dt="2020-10-17T00:20:41.407" v="40"/>
+          <ac:cxnSpMkLst>
+            <pc:docMk/>
+            <pc:sldMk cId="4164410817" sldId="258"/>
+            <ac:cxnSpMk id="25" creationId="{52772AFB-F906-466F-97C6-624ADDE8950A}"/>
+          </ac:cxnSpMkLst>
+        </pc:cxnChg>
+        <pc:cxnChg chg="del">
+          <ac:chgData name="Eduardo Marques" userId="b9dd18581288d1e4" providerId="Windows Live" clId="Web-{737E9A05-8907-446D-A8C3-13D1D7DFBBAE}" dt="2020-10-17T00:20:41.407" v="37"/>
+          <ac:cxnSpMkLst>
+            <pc:docMk/>
+            <pc:sldMk cId="4164410817" sldId="258"/>
+            <ac:cxnSpMk id="33" creationId="{89E41414-AF67-4650-842E-D8FC262C1D5A}"/>
+          </ac:cxnSpMkLst>
+        </pc:cxnChg>
+        <pc:cxnChg chg="del">
+          <ac:chgData name="Eduardo Marques" userId="b9dd18581288d1e4" providerId="Windows Live" clId="Web-{737E9A05-8907-446D-A8C3-13D1D7DFBBAE}" dt="2020-10-17T00:20:41.407" v="35"/>
+          <ac:cxnSpMkLst>
+            <pc:docMk/>
+            <pc:sldMk cId="4164410817" sldId="258"/>
+            <ac:cxnSpMk id="37" creationId="{0B028723-2C85-45D3-BE6D-7C68B789AC9C}"/>
+          </ac:cxnSpMkLst>
+        </pc:cxnChg>
+        <pc:cxnChg chg="del">
+          <ac:chgData name="Eduardo Marques" userId="b9dd18581288d1e4" providerId="Windows Live" clId="Web-{737E9A05-8907-446D-A8C3-13D1D7DFBBAE}" dt="2020-10-17T00:20:41.407" v="33"/>
+          <ac:cxnSpMkLst>
+            <pc:docMk/>
+            <pc:sldMk cId="4164410817" sldId="258"/>
+            <ac:cxnSpMk id="45" creationId="{886D6BE3-6FA4-4E1E-8CFE-C75FAF4BD6CE}"/>
+          </ac:cxnSpMkLst>
+        </pc:cxnChg>
+        <pc:cxnChg chg="del">
+          <ac:chgData name="Eduardo Marques" userId="b9dd18581288d1e4" providerId="Windows Live" clId="Web-{737E9A05-8907-446D-A8C3-13D1D7DFBBAE}" dt="2020-10-17T00:20:41.407" v="31"/>
+          <ac:cxnSpMkLst>
+            <pc:docMk/>
+            <pc:sldMk cId="4164410817" sldId="258"/>
+            <ac:cxnSpMk id="49" creationId="{A18D0698-E307-4000-A5D5-585A061762D6}"/>
+          </ac:cxnSpMkLst>
+        </pc:cxnChg>
+        <pc:cxnChg chg="del">
+          <ac:chgData name="Eduardo Marques" userId="b9dd18581288d1e4" providerId="Windows Live" clId="Web-{737E9A05-8907-446D-A8C3-13D1D7DFBBAE}" dt="2020-10-17T00:20:41.407" v="29"/>
+          <ac:cxnSpMkLst>
+            <pc:docMk/>
+            <pc:sldMk cId="4164410817" sldId="258"/>
+            <ac:cxnSpMk id="59" creationId="{F154A172-F16C-44D0-985E-25ABB5466534}"/>
+          </ac:cxnSpMkLst>
+        </pc:cxnChg>
+      </pc:sldChg>
+      <pc:sldChg chg="addSp delSp modSp">
+        <pc:chgData name="Eduardo Marques" userId="b9dd18581288d1e4" providerId="Windows Live" clId="Web-{737E9A05-8907-446D-A8C3-13D1D7DFBBAE}" dt="2020-10-16T23:53:46.090" v="26" actId="14100"/>
+        <pc:sldMkLst>
+          <pc:docMk/>
+          <pc:sldMk cId="380695029" sldId="259"/>
+        </pc:sldMkLst>
+        <pc:spChg chg="add del mod">
+          <ac:chgData name="Eduardo Marques" userId="b9dd18581288d1e4" providerId="Windows Live" clId="Web-{737E9A05-8907-446D-A8C3-13D1D7DFBBAE}" dt="2020-10-16T23:05:20.147" v="7"/>
+          <ac:spMkLst>
+            <pc:docMk/>
+            <pc:sldMk cId="380695029" sldId="259"/>
+            <ac:spMk id="2" creationId="{DD29DB8A-7FA6-4B43-831E-D6DF70ED914E}"/>
+          </ac:spMkLst>
+        </pc:spChg>
+        <pc:spChg chg="del">
+          <ac:chgData name="Eduardo Marques" userId="b9dd18581288d1e4" providerId="Windows Live" clId="Web-{737E9A05-8907-446D-A8C3-13D1D7DFBBAE}" dt="2020-10-16T23:05:15.741" v="3"/>
+          <ac:spMkLst>
+            <pc:docMk/>
+            <pc:sldMk cId="380695029" sldId="259"/>
+            <ac:spMk id="3" creationId="{347FC2B7-BA24-4B90-B1F8-48AD93BDA9D8}"/>
+          </ac:spMkLst>
+        </pc:spChg>
+        <pc:spChg chg="del">
+          <ac:chgData name="Eduardo Marques" userId="b9dd18581288d1e4" providerId="Windows Live" clId="Web-{737E9A05-8907-446D-A8C3-13D1D7DFBBAE}" dt="2020-10-16T23:05:11.365" v="1"/>
+          <ac:spMkLst>
+            <pc:docMk/>
+            <pc:sldMk cId="380695029" sldId="259"/>
+            <ac:spMk id="5" creationId="{297D8B8E-3E90-4D4B-840D-CA53BD6BF5D4}"/>
+          </ac:spMkLst>
+        </pc:spChg>
+        <pc:spChg chg="add mod">
+          <ac:chgData name="Eduardo Marques" userId="b9dd18581288d1e4" providerId="Windows Live" clId="Web-{737E9A05-8907-446D-A8C3-13D1D7DFBBAE}" dt="2020-10-16T23:06:18.977" v="22" actId="1076"/>
+          <ac:spMkLst>
+            <pc:docMk/>
+            <pc:sldMk cId="380695029" sldId="259"/>
+            <ac:spMk id="6" creationId="{57A0E951-A751-4185-8FFF-D1DC2F1AD42B}"/>
+          </ac:spMkLst>
+        </pc:spChg>
+        <pc:spChg chg="del">
+          <ac:chgData name="Eduardo Marques" userId="b9dd18581288d1e4" providerId="Windows Live" clId="Web-{737E9A05-8907-446D-A8C3-13D1D7DFBBAE}" dt="2020-10-16T23:05:11.365" v="0"/>
+          <ac:spMkLst>
+            <pc:docMk/>
+            <pc:sldMk cId="380695029" sldId="259"/>
+            <ac:spMk id="9" creationId="{CC41C051-0614-4AFD-9D91-77C1974F0D15}"/>
+          </ac:spMkLst>
+        </pc:spChg>
+        <pc:picChg chg="add mod">
+          <ac:chgData name="Eduardo Marques" userId="b9dd18581288d1e4" providerId="Windows Live" clId="Web-{737E9A05-8907-446D-A8C3-13D1D7DFBBAE}" dt="2020-10-16T23:53:46.090" v="26" actId="14100"/>
+          <ac:picMkLst>
+            <pc:docMk/>
+            <pc:sldMk cId="380695029" sldId="259"/>
+            <ac:picMk id="4" creationId="{F1BAAF7B-CC18-4970-A0BF-B0810EBDAEFC}"/>
+          </ac:picMkLst>
+        </pc:picChg>
+        <pc:picChg chg="del">
+          <ac:chgData name="Eduardo Marques" userId="b9dd18581288d1e4" providerId="Windows Live" clId="Web-{737E9A05-8907-446D-A8C3-13D1D7DFBBAE}" dt="2020-10-16T23:05:14.678" v="2"/>
+          <ac:picMkLst>
+            <pc:docMk/>
+            <pc:sldMk cId="380695029" sldId="259"/>
+            <ac:picMk id="7" creationId="{C14B6780-2D11-4D73-9790-BF69A665559C}"/>
+          </ac:picMkLst>
+        </pc:picChg>
+      </pc:sldChg>
+    </pc:docChg>
+  </pc:docChgLst>
+  <pc:docChgLst>
+    <pc:chgData name="Eduardo Marques" userId="b9dd18581288d1e4" providerId="Windows Live" clId="Web-{13D75ED5-B539-44D2-9B26-9FDCBD4C10A0}"/>
+    <pc:docChg chg="modSld">
+      <pc:chgData name="Eduardo Marques" userId="b9dd18581288d1e4" providerId="Windows Live" clId="Web-{13D75ED5-B539-44D2-9B26-9FDCBD4C10A0}" dt="2020-11-20T01:17:21.535" v="69" actId="14100"/>
+      <pc:docMkLst>
+        <pc:docMk/>
+      </pc:docMkLst>
+      <pc:sldChg chg="addSp delSp modSp">
+        <pc:chgData name="Eduardo Marques" userId="b9dd18581288d1e4" providerId="Windows Live" clId="Web-{13D75ED5-B539-44D2-9B26-9FDCBD4C10A0}" dt="2020-11-20T01:10:17.510" v="32" actId="1076"/>
+        <pc:sldMkLst>
+          <pc:docMk/>
+          <pc:sldMk cId="3918470033" sldId="257"/>
+        </pc:sldMkLst>
+        <pc:picChg chg="add del mod">
+          <ac:chgData name="Eduardo Marques" userId="b9dd18581288d1e4" providerId="Windows Live" clId="Web-{13D75ED5-B539-44D2-9B26-9FDCBD4C10A0}" dt="2020-11-20T01:10:05.135" v="28"/>
+          <ac:picMkLst>
+            <pc:docMk/>
+            <pc:sldMk cId="3918470033" sldId="257"/>
+            <ac:picMk id="2" creationId="{C98A8F4A-7411-4AAA-8AB6-29A868D78AC2}"/>
+          </ac:picMkLst>
+        </pc:picChg>
+        <pc:picChg chg="add mod">
+          <ac:chgData name="Eduardo Marques" userId="b9dd18581288d1e4" providerId="Windows Live" clId="Web-{13D75ED5-B539-44D2-9B26-9FDCBD4C10A0}" dt="2020-11-20T01:10:17.510" v="32" actId="1076"/>
+          <ac:picMkLst>
+            <pc:docMk/>
+            <pc:sldMk cId="3918470033" sldId="257"/>
+            <ac:picMk id="3" creationId="{43E7E1EA-84D0-4C18-84E9-E5F91F528B9B}"/>
+          </ac:picMkLst>
+        </pc:picChg>
+        <pc:picChg chg="del">
+          <ac:chgData name="Eduardo Marques" userId="b9dd18581288d1e4" providerId="Windows Live" clId="Web-{13D75ED5-B539-44D2-9B26-9FDCBD4C10A0}" dt="2020-11-20T00:59:37.153" v="6"/>
+          <ac:picMkLst>
+            <pc:docMk/>
+            <pc:sldMk cId="3918470033" sldId="257"/>
+            <ac:picMk id="5" creationId="{DD49DC74-2B26-404F-BD29-9C3161EA3D51}"/>
+          </ac:picMkLst>
+        </pc:picChg>
+      </pc:sldChg>
+      <pc:sldChg chg="addSp delSp modSp">
+        <pc:chgData name="Eduardo Marques" userId="b9dd18581288d1e4" providerId="Windows Live" clId="Web-{13D75ED5-B539-44D2-9B26-9FDCBD4C10A0}" dt="2020-11-20T00:59:20.996" v="5" actId="14100"/>
+        <pc:sldMkLst>
+          <pc:docMk/>
+          <pc:sldMk cId="4164410817" sldId="258"/>
+        </pc:sldMkLst>
+        <pc:picChg chg="add mod">
+          <ac:chgData name="Eduardo Marques" userId="b9dd18581288d1e4" providerId="Windows Live" clId="Web-{13D75ED5-B539-44D2-9B26-9FDCBD4C10A0}" dt="2020-11-20T00:59:20.996" v="5" actId="14100"/>
+          <ac:picMkLst>
+            <pc:docMk/>
+            <pc:sldMk cId="4164410817" sldId="258"/>
+            <ac:picMk id="2" creationId="{7EDA5E2D-0380-4B52-AC55-11AE01353C60}"/>
+          </ac:picMkLst>
+        </pc:picChg>
+        <pc:picChg chg="del">
+          <ac:chgData name="Eduardo Marques" userId="b9dd18581288d1e4" providerId="Windows Live" clId="Web-{13D75ED5-B539-44D2-9B26-9FDCBD4C10A0}" dt="2020-11-20T00:58:57.433" v="0"/>
+          <ac:picMkLst>
+            <pc:docMk/>
+            <pc:sldMk cId="4164410817" sldId="258"/>
+            <ac:picMk id="4" creationId="{A4CD9DEF-7964-482C-B37B-EB0E30FB9487}"/>
+          </ac:picMkLst>
+        </pc:picChg>
+      </pc:sldChg>
+      <pc:sldChg chg="addSp delSp modSp">
+        <pc:chgData name="Eduardo Marques" userId="b9dd18581288d1e4" providerId="Windows Live" clId="Web-{13D75ED5-B539-44D2-9B26-9FDCBD4C10A0}" dt="2020-11-20T01:13:52.906" v="45" actId="1076"/>
         <pc:sldMkLst>
           <pc:docMk/>
           <pc:sldMk cId="794741976" sldId="260"/>
         </pc:sldMkLst>
-        <pc:spChg chg="del">
-          <ac:chgData name="Eduardo Marques" userId="b9dd18581288d1e4" providerId="Windows Live" clId="Web-{DA2C4D56-67D7-4012-8AE1-FB4EAFC86F41}" dt="2020-10-22T02:38:28.522" v="5"/>
-          <ac:spMkLst>
+        <pc:picChg chg="add mod">
+          <ac:chgData name="Eduardo Marques" userId="b9dd18581288d1e4" providerId="Windows Live" clId="Web-{13D75ED5-B539-44D2-9B26-9FDCBD4C10A0}" dt="2020-11-20T01:13:52.906" v="45" actId="1076"/>
+          <ac:picMkLst>
             <pc:docMk/>
             <pc:sldMk cId="794741976" sldId="260"/>
-            <ac:spMk id="2" creationId="{8AC96FE2-21D4-45EE-82B6-DD659C3D5E26}"/>
-          </ac:spMkLst>
-        </pc:spChg>
-        <pc:spChg chg="del">
-          <ac:chgData name="Eduardo Marques" userId="b9dd18581288d1e4" providerId="Windows Live" clId="Web-{DA2C4D56-67D7-4012-8AE1-FB4EAFC86F41}" dt="2020-10-22T02:38:29.662" v="6"/>
-          <ac:spMkLst>
-            <pc:docMk/>
-            <pc:sldMk cId="794741976" sldId="260"/>
-            <ac:spMk id="3" creationId="{21E93543-0049-4E51-9159-7A2F05730677}"/>
-          </ac:spMkLst>
-        </pc:spChg>
-        <pc:picChg chg="add mod">
-          <ac:chgData name="Eduardo Marques" userId="b9dd18581288d1e4" providerId="Windows Live" clId="Web-{DA2C4D56-67D7-4012-8AE1-FB4EAFC86F41}" dt="2020-10-22T02:46:48.221" v="23" actId="1076"/>
+            <ac:picMk id="2" creationId="{02C8A675-A06E-471E-AE94-D495B47E89F2}"/>
+          </ac:picMkLst>
+        </pc:picChg>
+        <pc:picChg chg="del">
+          <ac:chgData name="Eduardo Marques" userId="b9dd18581288d1e4" providerId="Windows Live" clId="Web-{13D75ED5-B539-44D2-9B26-9FDCBD4C10A0}" dt="2020-11-20T01:13:41.577" v="41"/>
           <ac:picMkLst>
             <pc:docMk/>
             <pc:sldMk cId="794741976" sldId="260"/>
@@ -484,30 +833,22 @@
           </ac:picMkLst>
         </pc:picChg>
       </pc:sldChg>
-      <pc:sldChg chg="addSp delSp modSp new">
-        <pc:chgData name="Eduardo Marques" userId="b9dd18581288d1e4" providerId="Windows Live" clId="Web-{DA2C4D56-67D7-4012-8AE1-FB4EAFC86F41}" dt="2020-10-22T02:47:42.332" v="28" actId="1076"/>
+      <pc:sldChg chg="addSp delSp modSp">
+        <pc:chgData name="Eduardo Marques" userId="b9dd18581288d1e4" providerId="Windows Live" clId="Web-{13D75ED5-B539-44D2-9B26-9FDCBD4C10A0}" dt="2020-11-20T01:14:31.141" v="51" actId="1076"/>
         <pc:sldMkLst>
           <pc:docMk/>
           <pc:sldMk cId="2802243338" sldId="261"/>
         </pc:sldMkLst>
-        <pc:spChg chg="del">
-          <ac:chgData name="Eduardo Marques" userId="b9dd18581288d1e4" providerId="Windows Live" clId="Web-{DA2C4D56-67D7-4012-8AE1-FB4EAFC86F41}" dt="2020-10-22T02:38:32.897" v="7"/>
-          <ac:spMkLst>
+        <pc:picChg chg="add mod">
+          <ac:chgData name="Eduardo Marques" userId="b9dd18581288d1e4" providerId="Windows Live" clId="Web-{13D75ED5-B539-44D2-9B26-9FDCBD4C10A0}" dt="2020-11-20T01:14:31.141" v="51" actId="1076"/>
+          <ac:picMkLst>
             <pc:docMk/>
             <pc:sldMk cId="2802243338" sldId="261"/>
-            <ac:spMk id="2" creationId="{BB2047C4-2735-4475-B068-91FDD5043BA7}"/>
-          </ac:spMkLst>
-        </pc:spChg>
-        <pc:spChg chg="del">
-          <ac:chgData name="Eduardo Marques" userId="b9dd18581288d1e4" providerId="Windows Live" clId="Web-{DA2C4D56-67D7-4012-8AE1-FB4EAFC86F41}" dt="2020-10-22T02:38:33.600" v="8"/>
-          <ac:spMkLst>
-            <pc:docMk/>
-            <pc:sldMk cId="2802243338" sldId="261"/>
-            <ac:spMk id="3" creationId="{570A092A-6F56-430C-9C78-B55169FE2BD7}"/>
-          </ac:spMkLst>
-        </pc:spChg>
-        <pc:picChg chg="add mod">
-          <ac:chgData name="Eduardo Marques" userId="b9dd18581288d1e4" providerId="Windows Live" clId="Web-{DA2C4D56-67D7-4012-8AE1-FB4EAFC86F41}" dt="2020-10-22T02:47:42.332" v="28" actId="1076"/>
+            <ac:picMk id="2" creationId="{AB299CF6-B39D-491E-8497-0D4E08B79510}"/>
+          </ac:picMkLst>
+        </pc:picChg>
+        <pc:picChg chg="del">
+          <ac:chgData name="Eduardo Marques" userId="b9dd18581288d1e4" providerId="Windows Live" clId="Web-{13D75ED5-B539-44D2-9B26-9FDCBD4C10A0}" dt="2020-11-20T01:14:04.562" v="46"/>
           <ac:picMkLst>
             <pc:docMk/>
             <pc:sldMk cId="2802243338" sldId="261"/>
@@ -515,61 +856,22 @@
           </ac:picMkLst>
         </pc:picChg>
       </pc:sldChg>
-      <pc:sldChg chg="addSp delSp modSp new">
-        <pc:chgData name="Eduardo Marques" userId="b9dd18581288d1e4" providerId="Windows Live" clId="Web-{DA2C4D56-67D7-4012-8AE1-FB4EAFC86F41}" dt="2020-10-22T02:48:55.380" v="34" actId="1076"/>
-        <pc:sldMkLst>
-          <pc:docMk/>
-          <pc:sldMk cId="2407294601" sldId="262"/>
-        </pc:sldMkLst>
-        <pc:spChg chg="del">
-          <ac:chgData name="Eduardo Marques" userId="b9dd18581288d1e4" providerId="Windows Live" clId="Web-{DA2C4D56-67D7-4012-8AE1-FB4EAFC86F41}" dt="2020-10-22T02:38:35.256" v="9"/>
-          <ac:spMkLst>
-            <pc:docMk/>
-            <pc:sldMk cId="2407294601" sldId="262"/>
-            <ac:spMk id="2" creationId="{3D7D2EEB-7023-4590-9AD1-4B7A44570D1E}"/>
-          </ac:spMkLst>
-        </pc:spChg>
-        <pc:spChg chg="del">
-          <ac:chgData name="Eduardo Marques" userId="b9dd18581288d1e4" providerId="Windows Live" clId="Web-{DA2C4D56-67D7-4012-8AE1-FB4EAFC86F41}" dt="2020-10-22T02:38:36.209" v="10"/>
-          <ac:spMkLst>
-            <pc:docMk/>
-            <pc:sldMk cId="2407294601" sldId="262"/>
-            <ac:spMk id="3" creationId="{A9F57B85-36FF-49D4-8A3D-1E9F13549B13}"/>
-          </ac:spMkLst>
-        </pc:spChg>
-        <pc:picChg chg="add mod">
-          <ac:chgData name="Eduardo Marques" userId="b9dd18581288d1e4" providerId="Windows Live" clId="Web-{DA2C4D56-67D7-4012-8AE1-FB4EAFC86F41}" dt="2020-10-22T02:48:55.380" v="34" actId="1076"/>
-          <ac:picMkLst>
-            <pc:docMk/>
-            <pc:sldMk cId="2407294601" sldId="262"/>
-            <ac:picMk id="4" creationId="{E9D2DA22-E818-4D32-A70A-91D947D84079}"/>
-          </ac:picMkLst>
-        </pc:picChg>
-      </pc:sldChg>
-      <pc:sldChg chg="addSp delSp modSp new">
-        <pc:chgData name="Eduardo Marques" userId="b9dd18581288d1e4" providerId="Windows Live" clId="Web-{DA2C4D56-67D7-4012-8AE1-FB4EAFC86F41}" dt="2020-10-22T02:49:45.975" v="41" actId="1076"/>
+      <pc:sldChg chg="addSp delSp modSp">
+        <pc:chgData name="Eduardo Marques" userId="b9dd18581288d1e4" providerId="Windows Live" clId="Web-{13D75ED5-B539-44D2-9B26-9FDCBD4C10A0}" dt="2020-11-20T01:15:33.861" v="55" actId="14100"/>
         <pc:sldMkLst>
           <pc:docMk/>
           <pc:sldMk cId="903245640" sldId="263"/>
         </pc:sldMkLst>
-        <pc:spChg chg="del">
-          <ac:chgData name="Eduardo Marques" userId="b9dd18581288d1e4" providerId="Windows Live" clId="Web-{DA2C4D56-67D7-4012-8AE1-FB4EAFC86F41}" dt="2020-10-22T02:38:37.944" v="11"/>
-          <ac:spMkLst>
+        <pc:picChg chg="add mod">
+          <ac:chgData name="Eduardo Marques" userId="b9dd18581288d1e4" providerId="Windows Live" clId="Web-{13D75ED5-B539-44D2-9B26-9FDCBD4C10A0}" dt="2020-11-20T01:15:33.861" v="55" actId="14100"/>
+          <ac:picMkLst>
             <pc:docMk/>
             <pc:sldMk cId="903245640" sldId="263"/>
-            <ac:spMk id="2" creationId="{47FED4A2-5DAC-4E8E-AAC7-23AD0BD16116}"/>
-          </ac:spMkLst>
-        </pc:spChg>
-        <pc:spChg chg="del">
-          <ac:chgData name="Eduardo Marques" userId="b9dd18581288d1e4" providerId="Windows Live" clId="Web-{DA2C4D56-67D7-4012-8AE1-FB4EAFC86F41}" dt="2020-10-22T02:38:38.928" v="12"/>
-          <ac:spMkLst>
-            <pc:docMk/>
-            <pc:sldMk cId="903245640" sldId="263"/>
-            <ac:spMk id="3" creationId="{50703535-3E4D-405C-91D0-0E0EFDFC577E}"/>
-          </ac:spMkLst>
-        </pc:spChg>
-        <pc:picChg chg="add mod">
-          <ac:chgData name="Eduardo Marques" userId="b9dd18581288d1e4" providerId="Windows Live" clId="Web-{DA2C4D56-67D7-4012-8AE1-FB4EAFC86F41}" dt="2020-10-22T02:49:45.975" v="41" actId="1076"/>
+            <ac:picMk id="2" creationId="{F0DAEE11-CEDD-4B52-B53B-38E6FC4380C6}"/>
+          </ac:picMkLst>
+        </pc:picChg>
+        <pc:picChg chg="del">
+          <ac:chgData name="Eduardo Marques" userId="b9dd18581288d1e4" providerId="Windows Live" clId="Web-{13D75ED5-B539-44D2-9B26-9FDCBD4C10A0}" dt="2020-11-20T01:15:16.236" v="52"/>
           <ac:picMkLst>
             <pc:docMk/>
             <pc:sldMk cId="903245640" sldId="263"/>
@@ -577,34 +879,315 @@
           </ac:picMkLst>
         </pc:picChg>
       </pc:sldChg>
-      <pc:sldChg chg="addSp delSp modSp new">
-        <pc:chgData name="Eduardo Marques" userId="b9dd18581288d1e4" providerId="Windows Live" clId="Web-{DA2C4D56-67D7-4012-8AE1-FB4EAFC86F41}" dt="2020-10-22T02:50:25.898" v="46" actId="14100"/>
+      <pc:sldChg chg="addSp delSp modSp">
+        <pc:chgData name="Eduardo Marques" userId="b9dd18581288d1e4" providerId="Windows Live" clId="Web-{13D75ED5-B539-44D2-9B26-9FDCBD4C10A0}" dt="2020-11-20T01:16:12.440" v="59" actId="14100"/>
         <pc:sldMkLst>
           <pc:docMk/>
           <pc:sldMk cId="1100209163" sldId="264"/>
         </pc:sldMkLst>
-        <pc:spChg chg="del">
-          <ac:chgData name="Eduardo Marques" userId="b9dd18581288d1e4" providerId="Windows Live" clId="Web-{DA2C4D56-67D7-4012-8AE1-FB4EAFC86F41}" dt="2020-10-22T02:38:42.428" v="13"/>
-          <ac:spMkLst>
+        <pc:picChg chg="add mod">
+          <ac:chgData name="Eduardo Marques" userId="b9dd18581288d1e4" providerId="Windows Live" clId="Web-{13D75ED5-B539-44D2-9B26-9FDCBD4C10A0}" dt="2020-11-20T01:16:12.440" v="59" actId="14100"/>
+          <ac:picMkLst>
             <pc:docMk/>
             <pc:sldMk cId="1100209163" sldId="264"/>
-            <ac:spMk id="2" creationId="{7300F02F-C00C-42F1-811D-C40276B6E09D}"/>
-          </ac:spMkLst>
-        </pc:spChg>
-        <pc:spChg chg="del">
-          <ac:chgData name="Eduardo Marques" userId="b9dd18581288d1e4" providerId="Windows Live" clId="Web-{DA2C4D56-67D7-4012-8AE1-FB4EAFC86F41}" dt="2020-10-22T02:38:43.335" v="14"/>
-          <ac:spMkLst>
-            <pc:docMk/>
-            <pc:sldMk cId="1100209163" sldId="264"/>
-            <ac:spMk id="3" creationId="{D57EA383-1B92-4D80-86FE-47674201BB00}"/>
-          </ac:spMkLst>
-        </pc:spChg>
-        <pc:picChg chg="add mod">
-          <ac:chgData name="Eduardo Marques" userId="b9dd18581288d1e4" providerId="Windows Live" clId="Web-{DA2C4D56-67D7-4012-8AE1-FB4EAFC86F41}" dt="2020-10-22T02:50:25.898" v="46" actId="14100"/>
+            <ac:picMk id="2" creationId="{47CEF8DF-0546-4346-A709-EDC64BDBFDE8}"/>
+          </ac:picMkLst>
+        </pc:picChg>
+        <pc:picChg chg="del">
+          <ac:chgData name="Eduardo Marques" userId="b9dd18581288d1e4" providerId="Windows Live" clId="Web-{13D75ED5-B539-44D2-9B26-9FDCBD4C10A0}" dt="2020-11-20T01:16:01.268" v="56"/>
           <ac:picMkLst>
             <pc:docMk/>
             <pc:sldMk cId="1100209163" sldId="264"/>
             <ac:picMk id="4" creationId="{8551A667-AFBD-4C72-9091-A1688C112F59}"/>
+          </ac:picMkLst>
+        </pc:picChg>
+      </pc:sldChg>
+      <pc:sldChg chg="addSp delSp modSp">
+        <pc:chgData name="Eduardo Marques" userId="b9dd18581288d1e4" providerId="Windows Live" clId="Web-{13D75ED5-B539-44D2-9B26-9FDCBD4C10A0}" dt="2020-11-20T01:00:33.154" v="18" actId="14100"/>
+        <pc:sldMkLst>
+          <pc:docMk/>
+          <pc:sldMk cId="2983864315" sldId="265"/>
+        </pc:sldMkLst>
+        <pc:picChg chg="add mod">
+          <ac:chgData name="Eduardo Marques" userId="b9dd18581288d1e4" providerId="Windows Live" clId="Web-{13D75ED5-B539-44D2-9B26-9FDCBD4C10A0}" dt="2020-11-20T01:00:33.154" v="18" actId="14100"/>
+          <ac:picMkLst>
+            <pc:docMk/>
+            <pc:sldMk cId="2983864315" sldId="265"/>
+            <ac:picMk id="2" creationId="{5E32D10E-0B2E-4E6A-B553-B9BBAA2EDFAD}"/>
+          </ac:picMkLst>
+        </pc:picChg>
+        <pc:picChg chg="del">
+          <ac:chgData name="Eduardo Marques" userId="b9dd18581288d1e4" providerId="Windows Live" clId="Web-{13D75ED5-B539-44D2-9B26-9FDCBD4C10A0}" dt="2020-11-20T01:00:24.700" v="15"/>
+          <ac:picMkLst>
+            <pc:docMk/>
+            <pc:sldMk cId="2983864315" sldId="265"/>
+            <ac:picMk id="4" creationId="{B8AE95D8-7B1E-470F-8A72-7719D99A2AC6}"/>
+          </ac:picMkLst>
+        </pc:picChg>
+      </pc:sldChg>
+      <pc:sldChg chg="addSp delSp modSp">
+        <pc:chgData name="Eduardo Marques" userId="b9dd18581288d1e4" providerId="Windows Live" clId="Web-{13D75ED5-B539-44D2-9B26-9FDCBD4C10A0}" dt="2020-11-20T01:11:24.746" v="36" actId="14100"/>
+        <pc:sldMkLst>
+          <pc:docMk/>
+          <pc:sldMk cId="2884550578" sldId="266"/>
+        </pc:sldMkLst>
+        <pc:picChg chg="add del mod">
+          <ac:chgData name="Eduardo Marques" userId="b9dd18581288d1e4" providerId="Windows Live" clId="Web-{13D75ED5-B539-44D2-9B26-9FDCBD4C10A0}" dt="2020-11-20T01:02:18.140" v="24"/>
+          <ac:picMkLst>
+            <pc:docMk/>
+            <pc:sldMk cId="2884550578" sldId="266"/>
+            <ac:picMk id="2" creationId="{5E82F661-50F5-41C1-BAFD-C26968B445C0}"/>
+          </ac:picMkLst>
+        </pc:picChg>
+        <pc:picChg chg="add del mod">
+          <ac:chgData name="Eduardo Marques" userId="b9dd18581288d1e4" providerId="Windows Live" clId="Web-{13D75ED5-B539-44D2-9B26-9FDCBD4C10A0}" dt="2020-11-20T01:11:16.777" v="33"/>
+          <ac:picMkLst>
+            <pc:docMk/>
+            <pc:sldMk cId="2884550578" sldId="266"/>
+            <ac:picMk id="3" creationId="{21BCF270-EB33-4A7A-A8CE-B842A9272ED4}"/>
+          </ac:picMkLst>
+        </pc:picChg>
+        <pc:picChg chg="del">
+          <ac:chgData name="Eduardo Marques" userId="b9dd18581288d1e4" providerId="Windows Live" clId="Web-{13D75ED5-B539-44D2-9B26-9FDCBD4C10A0}" dt="2020-11-20T01:00:50.560" v="19"/>
+          <ac:picMkLst>
+            <pc:docMk/>
+            <pc:sldMk cId="2884550578" sldId="266"/>
+            <ac:picMk id="4" creationId="{D21FAAC9-82D5-401C-A22B-21C87881E4FF}"/>
+          </ac:picMkLst>
+        </pc:picChg>
+        <pc:picChg chg="add mod">
+          <ac:chgData name="Eduardo Marques" userId="b9dd18581288d1e4" providerId="Windows Live" clId="Web-{13D75ED5-B539-44D2-9B26-9FDCBD4C10A0}" dt="2020-11-20T01:11:24.746" v="36" actId="14100"/>
+          <ac:picMkLst>
+            <pc:docMk/>
+            <pc:sldMk cId="2884550578" sldId="266"/>
+            <ac:picMk id="5" creationId="{3DBABF3F-B435-43EF-B98F-475C5EAB7CDA}"/>
+          </ac:picMkLst>
+        </pc:picChg>
+      </pc:sldChg>
+      <pc:sldChg chg="addSp delSp modSp">
+        <pc:chgData name="Eduardo Marques" userId="b9dd18581288d1e4" providerId="Windows Live" clId="Web-{13D75ED5-B539-44D2-9B26-9FDCBD4C10A0}" dt="2020-11-20T01:12:38.014" v="40" actId="14100"/>
+        <pc:sldMkLst>
+          <pc:docMk/>
+          <pc:sldMk cId="3082908589" sldId="268"/>
+        </pc:sldMkLst>
+        <pc:picChg chg="add mod">
+          <ac:chgData name="Eduardo Marques" userId="b9dd18581288d1e4" providerId="Windows Live" clId="Web-{13D75ED5-B539-44D2-9B26-9FDCBD4C10A0}" dt="2020-11-20T01:12:38.014" v="40" actId="14100"/>
+          <ac:picMkLst>
+            <pc:docMk/>
+            <pc:sldMk cId="3082908589" sldId="268"/>
+            <ac:picMk id="2" creationId="{0BE4D470-2E60-4989-8E87-C7831E70D0AC}"/>
+          </ac:picMkLst>
+        </pc:picChg>
+        <pc:picChg chg="del">
+          <ac:chgData name="Eduardo Marques" userId="b9dd18581288d1e4" providerId="Windows Live" clId="Web-{13D75ED5-B539-44D2-9B26-9FDCBD4C10A0}" dt="2020-11-20T01:12:28.982" v="37"/>
+          <ac:picMkLst>
+            <pc:docMk/>
+            <pc:sldMk cId="3082908589" sldId="268"/>
+            <ac:picMk id="4" creationId="{2746FEAE-78B1-421B-ABD6-581FD1687AE7}"/>
+          </ac:picMkLst>
+        </pc:picChg>
+      </pc:sldChg>
+      <pc:sldChg chg="addSp delSp modSp">
+        <pc:chgData name="Eduardo Marques" userId="b9dd18581288d1e4" providerId="Windows Live" clId="Web-{13D75ED5-B539-44D2-9B26-9FDCBD4C10A0}" dt="2020-11-20T01:16:48.660" v="65" actId="14100"/>
+        <pc:sldMkLst>
+          <pc:docMk/>
+          <pc:sldMk cId="1989248752" sldId="269"/>
+        </pc:sldMkLst>
+        <pc:picChg chg="add mod">
+          <ac:chgData name="Eduardo Marques" userId="b9dd18581288d1e4" providerId="Windows Live" clId="Web-{13D75ED5-B539-44D2-9B26-9FDCBD4C10A0}" dt="2020-11-20T01:16:48.660" v="65" actId="14100"/>
+          <ac:picMkLst>
+            <pc:docMk/>
+            <pc:sldMk cId="1989248752" sldId="269"/>
+            <ac:picMk id="2" creationId="{49575F0F-6AA1-4AF9-95A5-C7F3335AB2D9}"/>
+          </ac:picMkLst>
+        </pc:picChg>
+        <pc:picChg chg="del">
+          <ac:chgData name="Eduardo Marques" userId="b9dd18581288d1e4" providerId="Windows Live" clId="Web-{13D75ED5-B539-44D2-9B26-9FDCBD4C10A0}" dt="2020-11-20T01:16:37.894" v="60"/>
+          <ac:picMkLst>
+            <pc:docMk/>
+            <pc:sldMk cId="1989248752" sldId="269"/>
+            <ac:picMk id="4" creationId="{44C3F586-BCAB-45C3-B39C-B9ACAA21C532}"/>
+          </ac:picMkLst>
+        </pc:picChg>
+      </pc:sldChg>
+      <pc:sldChg chg="addSp delSp modSp">
+        <pc:chgData name="Eduardo Marques" userId="b9dd18581288d1e4" providerId="Windows Live" clId="Web-{13D75ED5-B539-44D2-9B26-9FDCBD4C10A0}" dt="2020-11-20T01:17:21.535" v="69" actId="14100"/>
+        <pc:sldMkLst>
+          <pc:docMk/>
+          <pc:sldMk cId="4236082240" sldId="270"/>
+        </pc:sldMkLst>
+        <pc:picChg chg="add mod">
+          <ac:chgData name="Eduardo Marques" userId="b9dd18581288d1e4" providerId="Windows Live" clId="Web-{13D75ED5-B539-44D2-9B26-9FDCBD4C10A0}" dt="2020-11-20T01:17:21.535" v="69" actId="14100"/>
+          <ac:picMkLst>
+            <pc:docMk/>
+            <pc:sldMk cId="4236082240" sldId="270"/>
+            <ac:picMk id="2" creationId="{9B765F7B-E292-4DCA-B6E9-B27893DF0B59}"/>
+          </ac:picMkLst>
+        </pc:picChg>
+        <pc:picChg chg="del">
+          <ac:chgData name="Eduardo Marques" userId="b9dd18581288d1e4" providerId="Windows Live" clId="Web-{13D75ED5-B539-44D2-9B26-9FDCBD4C10A0}" dt="2020-11-20T01:17:13.426" v="66"/>
+          <ac:picMkLst>
+            <pc:docMk/>
+            <pc:sldMk cId="4236082240" sldId="270"/>
+            <ac:picMk id="4" creationId="{529461FB-FB31-43A9-B476-A46F716A9468}"/>
+          </ac:picMkLst>
+        </pc:picChg>
+      </pc:sldChg>
+    </pc:docChg>
+  </pc:docChgLst>
+  <pc:docChgLst>
+    <pc:chgData name="Bruno Pires" userId="2e75d9009844921f" providerId="Windows Live" clId="Web-{22EC5994-BA2F-4FA4-A10A-CF056D4A0927}"/>
+    <pc:docChg chg="modSld">
+      <pc:chgData name="Bruno Pires" userId="2e75d9009844921f" providerId="Windows Live" clId="Web-{22EC5994-BA2F-4FA4-A10A-CF056D4A0927}" dt="2020-10-09T23:49:20.983" v="955" actId="1076"/>
+      <pc:docMkLst>
+        <pc:docMk/>
+      </pc:docMkLst>
+      <pc:sldChg chg="modSp">
+        <pc:chgData name="Bruno Pires" userId="2e75d9009844921f" providerId="Windows Live" clId="Web-{22EC5994-BA2F-4FA4-A10A-CF056D4A0927}" dt="2020-10-09T23:49:20.983" v="955" actId="1076"/>
+        <pc:sldMkLst>
+          <pc:docMk/>
+          <pc:sldMk cId="3918470033" sldId="257"/>
+        </pc:sldMkLst>
+        <pc:spChg chg="mod">
+          <ac:chgData name="Bruno Pires" userId="2e75d9009844921f" providerId="Windows Live" clId="Web-{22EC5994-BA2F-4FA4-A10A-CF056D4A0927}" dt="2020-10-09T23:49:20.983" v="955" actId="1076"/>
+          <ac:spMkLst>
+            <pc:docMk/>
+            <pc:sldMk cId="3918470033" sldId="257"/>
+            <ac:spMk id="2" creationId="{5DD6C70C-B6EF-40FB-AB7C-C4AFD46DB42B}"/>
+          </ac:spMkLst>
+        </pc:spChg>
+      </pc:sldChg>
+      <pc:sldChg chg="modSp">
+        <pc:chgData name="Bruno Pires" userId="2e75d9009844921f" providerId="Windows Live" clId="Web-{22EC5994-BA2F-4FA4-A10A-CF056D4A0927}" dt="2020-10-09T23:43:19.120" v="907" actId="1076"/>
+        <pc:sldMkLst>
+          <pc:docMk/>
+          <pc:sldMk cId="4164410817" sldId="258"/>
+        </pc:sldMkLst>
+        <pc:spChg chg="mod">
+          <ac:chgData name="Bruno Pires" userId="2e75d9009844921f" providerId="Windows Live" clId="Web-{22EC5994-BA2F-4FA4-A10A-CF056D4A0927}" dt="2020-10-09T23:35:33.361" v="816" actId="1076"/>
+          <ac:spMkLst>
+            <pc:docMk/>
+            <pc:sldMk cId="4164410817" sldId="258"/>
+            <ac:spMk id="31" creationId="{E68F68BA-5CDE-4218-8145-29DD96CE59C1}"/>
+          </ac:spMkLst>
+        </pc:spChg>
+        <pc:spChg chg="mod">
+          <ac:chgData name="Bruno Pires" userId="2e75d9009844921f" providerId="Windows Live" clId="Web-{22EC5994-BA2F-4FA4-A10A-CF056D4A0927}" dt="2020-10-09T23:20:34.760" v="154" actId="1076"/>
+          <ac:spMkLst>
+            <pc:docMk/>
+            <pc:sldMk cId="4164410817" sldId="258"/>
+            <ac:spMk id="43" creationId="{F0909070-772F-4C9B-A118-A4D1094D8869}"/>
+          </ac:spMkLst>
+        </pc:spChg>
+        <pc:spChg chg="mod">
+          <ac:chgData name="Bruno Pires" userId="2e75d9009844921f" providerId="Windows Live" clId="Web-{22EC5994-BA2F-4FA4-A10A-CF056D4A0927}" dt="2020-10-09T23:43:19.120" v="907" actId="1076"/>
+          <ac:spMkLst>
+            <pc:docMk/>
+            <pc:sldMk cId="4164410817" sldId="258"/>
+            <ac:spMk id="75" creationId="{EF268438-E457-4CA6-B1E7-51526B9EFD58}"/>
+          </ac:spMkLst>
+        </pc:spChg>
+        <pc:cxnChg chg="mod">
+          <ac:chgData name="Bruno Pires" userId="2e75d9009844921f" providerId="Windows Live" clId="Web-{22EC5994-BA2F-4FA4-A10A-CF056D4A0927}" dt="2020-10-09T23:35:38.093" v="817" actId="14100"/>
+          <ac:cxnSpMkLst>
+            <pc:docMk/>
+            <pc:sldMk cId="4164410817" sldId="258"/>
+            <ac:cxnSpMk id="59" creationId="{F154A172-F16C-44D0-985E-25ABB5466534}"/>
+          </ac:cxnSpMkLst>
+        </pc:cxnChg>
+      </pc:sldChg>
+      <pc:sldChg chg="modSp">
+        <pc:chgData name="Bruno Pires" userId="2e75d9009844921f" providerId="Windows Live" clId="Web-{22EC5994-BA2F-4FA4-A10A-CF056D4A0927}" dt="2020-10-09T23:47:57.670" v="953" actId="1076"/>
+        <pc:sldMkLst>
+          <pc:docMk/>
+          <pc:sldMk cId="380695029" sldId="259"/>
+        </pc:sldMkLst>
+        <pc:spChg chg="mod">
+          <ac:chgData name="Bruno Pires" userId="2e75d9009844921f" providerId="Windows Live" clId="Web-{22EC5994-BA2F-4FA4-A10A-CF056D4A0927}" dt="2020-10-09T23:47:57.670" v="953" actId="1076"/>
+          <ac:spMkLst>
+            <pc:docMk/>
+            <pc:sldMk cId="380695029" sldId="259"/>
+            <ac:spMk id="3" creationId="{347FC2B7-BA24-4B90-B1F8-48AD93BDA9D8}"/>
+          </ac:spMkLst>
+        </pc:spChg>
+      </pc:sldChg>
+    </pc:docChg>
+  </pc:docChgLst>
+  <pc:docChgLst>
+    <pc:chgData name="Caio Ferreira" userId="aa37e96bb8b72277" providerId="LiveId" clId="{FCCBAC36-6B76-4FBB-910C-0CD5DD751DDA}"/>
+    <pc:docChg chg="modSld">
+      <pc:chgData name="Caio Ferreira" userId="aa37e96bb8b72277" providerId="LiveId" clId="{FCCBAC36-6B76-4FBB-910C-0CD5DD751DDA}" dt="2020-10-16T22:36:22.171" v="2" actId="1076"/>
+      <pc:docMkLst>
+        <pc:docMk/>
+      </pc:docMkLst>
+      <pc:sldChg chg="modSp mod">
+        <pc:chgData name="Caio Ferreira" userId="aa37e96bb8b72277" providerId="LiveId" clId="{FCCBAC36-6B76-4FBB-910C-0CD5DD751DDA}" dt="2020-10-16T22:36:22.171" v="2" actId="1076"/>
+        <pc:sldMkLst>
+          <pc:docMk/>
+          <pc:sldMk cId="380695029" sldId="259"/>
+        </pc:sldMkLst>
+        <pc:picChg chg="mod">
+          <ac:chgData name="Caio Ferreira" userId="aa37e96bb8b72277" providerId="LiveId" clId="{FCCBAC36-6B76-4FBB-910C-0CD5DD751DDA}" dt="2020-10-16T22:36:22.171" v="2" actId="1076"/>
+          <ac:picMkLst>
+            <pc:docMk/>
+            <pc:sldMk cId="380695029" sldId="259"/>
+            <ac:picMk id="7" creationId="{C14B6780-2D11-4D73-9790-BF69A665559C}"/>
+          </ac:picMkLst>
+        </pc:picChg>
+      </pc:sldChg>
+    </pc:docChg>
+  </pc:docChgLst>
+  <pc:docChgLst>
+    <pc:chgData name="Eduardo Marques" userId="b9dd18581288d1e4" providerId="Windows Live" clId="Web-{CA5FE1B1-CDD2-413E-9ED0-FCBA57181400}"/>
+    <pc:docChg chg="modSld">
+      <pc:chgData name="Eduardo Marques" userId="b9dd18581288d1e4" providerId="Windows Live" clId="Web-{CA5FE1B1-CDD2-413E-9ED0-FCBA57181400}" dt="2020-10-17T04:12:38.953" v="5" actId="14100"/>
+      <pc:docMkLst>
+        <pc:docMk/>
+      </pc:docMkLst>
+      <pc:sldChg chg="addSp delSp modSp">
+        <pc:chgData name="Eduardo Marques" userId="b9dd18581288d1e4" providerId="Windows Live" clId="Web-{CA5FE1B1-CDD2-413E-9ED0-FCBA57181400}" dt="2020-10-17T04:12:38.953" v="5" actId="14100"/>
+        <pc:sldMkLst>
+          <pc:docMk/>
+          <pc:sldMk cId="4164410817" sldId="258"/>
+        </pc:sldMkLst>
+        <pc:picChg chg="del">
+          <ac:chgData name="Eduardo Marques" userId="b9dd18581288d1e4" providerId="Windows Live" clId="Web-{CA5FE1B1-CDD2-413E-9ED0-FCBA57181400}" dt="2020-10-17T04:12:21.665" v="0"/>
+          <ac:picMkLst>
+            <pc:docMk/>
+            <pc:sldMk cId="4164410817" sldId="258"/>
+            <ac:picMk id="2" creationId="{832534A1-DE6F-4D02-AEC5-7DE63FBB0EE8}"/>
+          </ac:picMkLst>
+        </pc:picChg>
+        <pc:picChg chg="add mod">
+          <ac:chgData name="Eduardo Marques" userId="b9dd18581288d1e4" providerId="Windows Live" clId="Web-{CA5FE1B1-CDD2-413E-9ED0-FCBA57181400}" dt="2020-10-17T04:12:38.953" v="5" actId="14100"/>
+          <ac:picMkLst>
+            <pc:docMk/>
+            <pc:sldMk cId="4164410817" sldId="258"/>
+            <ac:picMk id="4" creationId="{A4CD9DEF-7964-482C-B37B-EB0E30FB9487}"/>
+          </ac:picMkLst>
+        </pc:picChg>
+      </pc:sldChg>
+    </pc:docChg>
+  </pc:docChgLst>
+  <pc:docChgLst>
+    <pc:chgData name="Eduardo Marques" userId="b9dd18581288d1e4" providerId="Windows Live" clId="Web-{B9C36B1A-F083-4BAE-8590-88BABE035E76}"/>
+    <pc:docChg chg="modSld">
+      <pc:chgData name="Eduardo Marques" userId="b9dd18581288d1e4" providerId="Windows Live" clId="Web-{B9C36B1A-F083-4BAE-8590-88BABE035E76}" dt="2020-10-17T01:10:39.154" v="0" actId="1076"/>
+      <pc:docMkLst>
+        <pc:docMk/>
+      </pc:docMkLst>
+      <pc:sldChg chg="modSp">
+        <pc:chgData name="Eduardo Marques" userId="b9dd18581288d1e4" providerId="Windows Live" clId="Web-{B9C36B1A-F083-4BAE-8590-88BABE035E76}" dt="2020-10-17T01:10:39.154" v="0" actId="1076"/>
+        <pc:sldMkLst>
+          <pc:docMk/>
+          <pc:sldMk cId="4164410817" sldId="258"/>
+        </pc:sldMkLst>
+        <pc:picChg chg="mod">
+          <ac:chgData name="Eduardo Marques" userId="b9dd18581288d1e4" providerId="Windows Live" clId="Web-{B9C36B1A-F083-4BAE-8590-88BABE035E76}" dt="2020-10-17T01:10:39.154" v="0" actId="1076"/>
+          <ac:picMkLst>
+            <pc:docMk/>
+            <pc:sldMk cId="4164410817" sldId="258"/>
+            <ac:picMk id="4" creationId="{546F0094-6A56-4B1B-A44C-63E0639D5CB7}"/>
           </ac:picMkLst>
         </pc:picChg>
       </pc:sldChg>
@@ -813,548 +1396,6 @@
     </pc:docChg>
   </pc:docChgLst>
   <pc:docChgLst>
-    <pc:chgData name="Eduardo Marques" userId="b9dd18581288d1e4" providerId="Windows Live" clId="Web-{737E9A05-8907-446D-A8C3-13D1D7DFBBAE}"/>
-    <pc:docChg chg="modSld">
-      <pc:chgData name="Eduardo Marques" userId="b9dd18581288d1e4" providerId="Windows Live" clId="Web-{737E9A05-8907-446D-A8C3-13D1D7DFBBAE}" dt="2020-10-17T00:22:45.973" v="92" actId="14100"/>
-      <pc:docMkLst>
-        <pc:docMk/>
-      </pc:docMkLst>
-      <pc:sldChg chg="addSp delSp modSp">
-        <pc:chgData name="Eduardo Marques" userId="b9dd18581288d1e4" providerId="Windows Live" clId="Web-{737E9A05-8907-446D-A8C3-13D1D7DFBBAE}" dt="2020-10-17T00:22:45.973" v="92" actId="14100"/>
-        <pc:sldMkLst>
-          <pc:docMk/>
-          <pc:sldMk cId="4164410817" sldId="258"/>
-        </pc:sldMkLst>
-        <pc:spChg chg="add mod">
-          <ac:chgData name="Eduardo Marques" userId="b9dd18581288d1e4" providerId="Windows Live" clId="Web-{737E9A05-8907-446D-A8C3-13D1D7DFBBAE}" dt="2020-10-17T00:21:33.752" v="82" actId="14100"/>
-          <ac:spMkLst>
-            <pc:docMk/>
-            <pc:sldMk cId="4164410817" sldId="258"/>
-            <ac:spMk id="3" creationId="{308852E3-16DA-426F-A1B0-5AEAE5D45351}"/>
-          </ac:spMkLst>
-        </pc:spChg>
-        <pc:spChg chg="add del mod">
-          <ac:chgData name="Eduardo Marques" userId="b9dd18581288d1e4" providerId="Windows Live" clId="Web-{737E9A05-8907-446D-A8C3-13D1D7DFBBAE}" dt="2020-10-17T00:22:31.566" v="88"/>
-          <ac:spMkLst>
-            <pc:docMk/>
-            <pc:sldMk cId="4164410817" sldId="258"/>
-            <ac:spMk id="5" creationId="{8288138C-E0A4-4C32-A27C-ACAA5C5065D2}"/>
-          </ac:spMkLst>
-        </pc:spChg>
-        <pc:spChg chg="del">
-          <ac:chgData name="Eduardo Marques" userId="b9dd18581288d1e4" providerId="Windows Live" clId="Web-{737E9A05-8907-446D-A8C3-13D1D7DFBBAE}" dt="2020-10-17T00:20:41.407" v="39"/>
-          <ac:spMkLst>
-            <pc:docMk/>
-            <pc:sldMk cId="4164410817" sldId="258"/>
-            <ac:spMk id="29" creationId="{AD6E2882-5F63-4FA2-AAEB-FED9AF0D0010}"/>
-          </ac:spMkLst>
-        </pc:spChg>
-        <pc:spChg chg="del">
-          <ac:chgData name="Eduardo Marques" userId="b9dd18581288d1e4" providerId="Windows Live" clId="Web-{737E9A05-8907-446D-A8C3-13D1D7DFBBAE}" dt="2020-10-17T00:20:41.407" v="38"/>
-          <ac:spMkLst>
-            <pc:docMk/>
-            <pc:sldMk cId="4164410817" sldId="258"/>
-            <ac:spMk id="31" creationId="{E68F68BA-5CDE-4218-8145-29DD96CE59C1}"/>
-          </ac:spMkLst>
-        </pc:spChg>
-        <pc:spChg chg="del">
-          <ac:chgData name="Eduardo Marques" userId="b9dd18581288d1e4" providerId="Windows Live" clId="Web-{737E9A05-8907-446D-A8C3-13D1D7DFBBAE}" dt="2020-10-17T00:20:41.407" v="36"/>
-          <ac:spMkLst>
-            <pc:docMk/>
-            <pc:sldMk cId="4164410817" sldId="258"/>
-            <ac:spMk id="35" creationId="{2538CAC5-0B3A-4333-8698-1779340F6656}"/>
-          </ac:spMkLst>
-        </pc:spChg>
-        <pc:spChg chg="del">
-          <ac:chgData name="Eduardo Marques" userId="b9dd18581288d1e4" providerId="Windows Live" clId="Web-{737E9A05-8907-446D-A8C3-13D1D7DFBBAE}" dt="2020-10-17T00:20:41.407" v="34"/>
-          <ac:spMkLst>
-            <pc:docMk/>
-            <pc:sldMk cId="4164410817" sldId="258"/>
-            <ac:spMk id="43" creationId="{F0909070-772F-4C9B-A118-A4D1094D8869}"/>
-          </ac:spMkLst>
-        </pc:spChg>
-        <pc:spChg chg="del">
-          <ac:chgData name="Eduardo Marques" userId="b9dd18581288d1e4" providerId="Windows Live" clId="Web-{737E9A05-8907-446D-A8C3-13D1D7DFBBAE}" dt="2020-10-17T00:20:41.407" v="32"/>
-          <ac:spMkLst>
-            <pc:docMk/>
-            <pc:sldMk cId="4164410817" sldId="258"/>
-            <ac:spMk id="47" creationId="{15B8EE82-7609-47B1-AEAF-5630E965E3A1}"/>
-          </ac:spMkLst>
-        </pc:spChg>
-        <pc:spChg chg="del">
-          <ac:chgData name="Eduardo Marques" userId="b9dd18581288d1e4" providerId="Windows Live" clId="Web-{737E9A05-8907-446D-A8C3-13D1D7DFBBAE}" dt="2020-10-17T00:20:41.407" v="30"/>
-          <ac:spMkLst>
-            <pc:docMk/>
-            <pc:sldMk cId="4164410817" sldId="258"/>
-            <ac:spMk id="51" creationId="{0C542B54-9798-4915-B684-4B37412ACD86}"/>
-          </ac:spMkLst>
-        </pc:spChg>
-        <pc:spChg chg="del">
-          <ac:chgData name="Eduardo Marques" userId="b9dd18581288d1e4" providerId="Windows Live" clId="Web-{737E9A05-8907-446D-A8C3-13D1D7DFBBAE}" dt="2020-10-17T00:20:41.407" v="28"/>
-          <ac:spMkLst>
-            <pc:docMk/>
-            <pc:sldMk cId="4164410817" sldId="258"/>
-            <ac:spMk id="74" creationId="{846FC8A2-8D81-4232-989F-B4AFDC69113F}"/>
-          </ac:spMkLst>
-        </pc:spChg>
-        <pc:spChg chg="del mod">
-          <ac:chgData name="Eduardo Marques" userId="b9dd18581288d1e4" providerId="Windows Live" clId="Web-{737E9A05-8907-446D-A8C3-13D1D7DFBBAE}" dt="2020-10-17T00:20:53.001" v="59"/>
-          <ac:spMkLst>
-            <pc:docMk/>
-            <pc:sldMk cId="4164410817" sldId="258"/>
-            <ac:spMk id="75" creationId="{EF268438-E457-4CA6-B1E7-51526B9EFD58}"/>
-          </ac:spMkLst>
-        </pc:spChg>
-        <pc:spChg chg="del">
-          <ac:chgData name="Eduardo Marques" userId="b9dd18581288d1e4" providerId="Windows Live" clId="Web-{737E9A05-8907-446D-A8C3-13D1D7DFBBAE}" dt="2020-10-17T00:20:41.407" v="27"/>
-          <ac:spMkLst>
-            <pc:docMk/>
-            <pc:sldMk cId="4164410817" sldId="258"/>
-            <ac:spMk id="76" creationId="{B67112AA-7335-448D-B321-68BB8F8C2E3F}"/>
-          </ac:spMkLst>
-        </pc:spChg>
-        <pc:picChg chg="add del mod">
-          <ac:chgData name="Eduardo Marques" userId="b9dd18581288d1e4" providerId="Windows Live" clId="Web-{737E9A05-8907-446D-A8C3-13D1D7DFBBAE}" dt="2020-10-17T00:22:12.378" v="83"/>
-          <ac:picMkLst>
-            <pc:docMk/>
-            <pc:sldMk cId="4164410817" sldId="258"/>
-            <ac:picMk id="2" creationId="{8263C195-3B6E-44DD-A00D-B8F5498524E3}"/>
-          </ac:picMkLst>
-        </pc:picChg>
-        <pc:picChg chg="add mod">
-          <ac:chgData name="Eduardo Marques" userId="b9dd18581288d1e4" providerId="Windows Live" clId="Web-{737E9A05-8907-446D-A8C3-13D1D7DFBBAE}" dt="2020-10-17T00:22:45.973" v="92" actId="14100"/>
-          <ac:picMkLst>
-            <pc:docMk/>
-            <pc:sldMk cId="4164410817" sldId="258"/>
-            <ac:picMk id="4" creationId="{546F0094-6A56-4B1B-A44C-63E0639D5CB7}"/>
-          </ac:picMkLst>
-        </pc:picChg>
-        <pc:cxnChg chg="del">
-          <ac:chgData name="Eduardo Marques" userId="b9dd18581288d1e4" providerId="Windows Live" clId="Web-{737E9A05-8907-446D-A8C3-13D1D7DFBBAE}" dt="2020-10-17T00:20:41.407" v="47"/>
-          <ac:cxnSpMkLst>
-            <pc:docMk/>
-            <pc:sldMk cId="4164410817" sldId="258"/>
-            <ac:cxnSpMk id="11" creationId="{0BA6BFCC-1D20-40E0-854F-CFF7A288BB0B}"/>
-          </ac:cxnSpMkLst>
-        </pc:cxnChg>
-        <pc:cxnChg chg="del">
-          <ac:chgData name="Eduardo Marques" userId="b9dd18581288d1e4" providerId="Windows Live" clId="Web-{737E9A05-8907-446D-A8C3-13D1D7DFBBAE}" dt="2020-10-17T00:20:41.407" v="46"/>
-          <ac:cxnSpMkLst>
-            <pc:docMk/>
-            <pc:sldMk cId="4164410817" sldId="258"/>
-            <ac:cxnSpMk id="13" creationId="{1F8672DE-951F-43E3-AE1F-BA27E9DE534B}"/>
-          </ac:cxnSpMkLst>
-        </pc:cxnChg>
-        <pc:cxnChg chg="del">
-          <ac:chgData name="Eduardo Marques" userId="b9dd18581288d1e4" providerId="Windows Live" clId="Web-{737E9A05-8907-446D-A8C3-13D1D7DFBBAE}" dt="2020-10-17T00:20:41.407" v="45"/>
-          <ac:cxnSpMkLst>
-            <pc:docMk/>
-            <pc:sldMk cId="4164410817" sldId="258"/>
-            <ac:cxnSpMk id="15" creationId="{EA2732CD-25F2-4C82-B5E2-E5D6C47585E0}"/>
-          </ac:cxnSpMkLst>
-        </pc:cxnChg>
-        <pc:cxnChg chg="del">
-          <ac:chgData name="Eduardo Marques" userId="b9dd18581288d1e4" providerId="Windows Live" clId="Web-{737E9A05-8907-446D-A8C3-13D1D7DFBBAE}" dt="2020-10-17T00:20:41.407" v="44"/>
-          <ac:cxnSpMkLst>
-            <pc:docMk/>
-            <pc:sldMk cId="4164410817" sldId="258"/>
-            <ac:cxnSpMk id="17" creationId="{7034688D-7504-4927-ABEC-0696D65905F8}"/>
-          </ac:cxnSpMkLst>
-        </pc:cxnChg>
-        <pc:cxnChg chg="del">
-          <ac:chgData name="Eduardo Marques" userId="b9dd18581288d1e4" providerId="Windows Live" clId="Web-{737E9A05-8907-446D-A8C3-13D1D7DFBBAE}" dt="2020-10-17T00:20:41.407" v="43"/>
-          <ac:cxnSpMkLst>
-            <pc:docMk/>
-            <pc:sldMk cId="4164410817" sldId="258"/>
-            <ac:cxnSpMk id="19" creationId="{20C2EF9D-F077-440D-9A98-7D3BBDCD1507}"/>
-          </ac:cxnSpMkLst>
-        </pc:cxnChg>
-        <pc:cxnChg chg="del">
-          <ac:chgData name="Eduardo Marques" userId="b9dd18581288d1e4" providerId="Windows Live" clId="Web-{737E9A05-8907-446D-A8C3-13D1D7DFBBAE}" dt="2020-10-17T00:20:41.407" v="42"/>
-          <ac:cxnSpMkLst>
-            <pc:docMk/>
-            <pc:sldMk cId="4164410817" sldId="258"/>
-            <ac:cxnSpMk id="21" creationId="{B73BDEC3-A71A-433D-8AFE-CB4C1FD316FD}"/>
-          </ac:cxnSpMkLst>
-        </pc:cxnChg>
-        <pc:cxnChg chg="del">
-          <ac:chgData name="Eduardo Marques" userId="b9dd18581288d1e4" providerId="Windows Live" clId="Web-{737E9A05-8907-446D-A8C3-13D1D7DFBBAE}" dt="2020-10-17T00:20:41.407" v="41"/>
-          <ac:cxnSpMkLst>
-            <pc:docMk/>
-            <pc:sldMk cId="4164410817" sldId="258"/>
-            <ac:cxnSpMk id="23" creationId="{D9B914A6-C54C-457D-A9B7-F9E8FF9CF857}"/>
-          </ac:cxnSpMkLst>
-        </pc:cxnChg>
-        <pc:cxnChg chg="del">
-          <ac:chgData name="Eduardo Marques" userId="b9dd18581288d1e4" providerId="Windows Live" clId="Web-{737E9A05-8907-446D-A8C3-13D1D7DFBBAE}" dt="2020-10-17T00:20:41.407" v="40"/>
-          <ac:cxnSpMkLst>
-            <pc:docMk/>
-            <pc:sldMk cId="4164410817" sldId="258"/>
-            <ac:cxnSpMk id="25" creationId="{52772AFB-F906-466F-97C6-624ADDE8950A}"/>
-          </ac:cxnSpMkLst>
-        </pc:cxnChg>
-        <pc:cxnChg chg="del">
-          <ac:chgData name="Eduardo Marques" userId="b9dd18581288d1e4" providerId="Windows Live" clId="Web-{737E9A05-8907-446D-A8C3-13D1D7DFBBAE}" dt="2020-10-17T00:20:41.407" v="37"/>
-          <ac:cxnSpMkLst>
-            <pc:docMk/>
-            <pc:sldMk cId="4164410817" sldId="258"/>
-            <ac:cxnSpMk id="33" creationId="{89E41414-AF67-4650-842E-D8FC262C1D5A}"/>
-          </ac:cxnSpMkLst>
-        </pc:cxnChg>
-        <pc:cxnChg chg="del">
-          <ac:chgData name="Eduardo Marques" userId="b9dd18581288d1e4" providerId="Windows Live" clId="Web-{737E9A05-8907-446D-A8C3-13D1D7DFBBAE}" dt="2020-10-17T00:20:41.407" v="35"/>
-          <ac:cxnSpMkLst>
-            <pc:docMk/>
-            <pc:sldMk cId="4164410817" sldId="258"/>
-            <ac:cxnSpMk id="37" creationId="{0B028723-2C85-45D3-BE6D-7C68B789AC9C}"/>
-          </ac:cxnSpMkLst>
-        </pc:cxnChg>
-        <pc:cxnChg chg="del">
-          <ac:chgData name="Eduardo Marques" userId="b9dd18581288d1e4" providerId="Windows Live" clId="Web-{737E9A05-8907-446D-A8C3-13D1D7DFBBAE}" dt="2020-10-17T00:20:41.407" v="33"/>
-          <ac:cxnSpMkLst>
-            <pc:docMk/>
-            <pc:sldMk cId="4164410817" sldId="258"/>
-            <ac:cxnSpMk id="45" creationId="{886D6BE3-6FA4-4E1E-8CFE-C75FAF4BD6CE}"/>
-          </ac:cxnSpMkLst>
-        </pc:cxnChg>
-        <pc:cxnChg chg="del">
-          <ac:chgData name="Eduardo Marques" userId="b9dd18581288d1e4" providerId="Windows Live" clId="Web-{737E9A05-8907-446D-A8C3-13D1D7DFBBAE}" dt="2020-10-17T00:20:41.407" v="31"/>
-          <ac:cxnSpMkLst>
-            <pc:docMk/>
-            <pc:sldMk cId="4164410817" sldId="258"/>
-            <ac:cxnSpMk id="49" creationId="{A18D0698-E307-4000-A5D5-585A061762D6}"/>
-          </ac:cxnSpMkLst>
-        </pc:cxnChg>
-        <pc:cxnChg chg="del">
-          <ac:chgData name="Eduardo Marques" userId="b9dd18581288d1e4" providerId="Windows Live" clId="Web-{737E9A05-8907-446D-A8C3-13D1D7DFBBAE}" dt="2020-10-17T00:20:41.407" v="29"/>
-          <ac:cxnSpMkLst>
-            <pc:docMk/>
-            <pc:sldMk cId="4164410817" sldId="258"/>
-            <ac:cxnSpMk id="59" creationId="{F154A172-F16C-44D0-985E-25ABB5466534}"/>
-          </ac:cxnSpMkLst>
-        </pc:cxnChg>
-      </pc:sldChg>
-      <pc:sldChg chg="addSp delSp modSp">
-        <pc:chgData name="Eduardo Marques" userId="b9dd18581288d1e4" providerId="Windows Live" clId="Web-{737E9A05-8907-446D-A8C3-13D1D7DFBBAE}" dt="2020-10-16T23:53:46.090" v="26" actId="14100"/>
-        <pc:sldMkLst>
-          <pc:docMk/>
-          <pc:sldMk cId="380695029" sldId="259"/>
-        </pc:sldMkLst>
-        <pc:spChg chg="add del mod">
-          <ac:chgData name="Eduardo Marques" userId="b9dd18581288d1e4" providerId="Windows Live" clId="Web-{737E9A05-8907-446D-A8C3-13D1D7DFBBAE}" dt="2020-10-16T23:05:20.147" v="7"/>
-          <ac:spMkLst>
-            <pc:docMk/>
-            <pc:sldMk cId="380695029" sldId="259"/>
-            <ac:spMk id="2" creationId="{DD29DB8A-7FA6-4B43-831E-D6DF70ED914E}"/>
-          </ac:spMkLst>
-        </pc:spChg>
-        <pc:spChg chg="del">
-          <ac:chgData name="Eduardo Marques" userId="b9dd18581288d1e4" providerId="Windows Live" clId="Web-{737E9A05-8907-446D-A8C3-13D1D7DFBBAE}" dt="2020-10-16T23:05:15.741" v="3"/>
-          <ac:spMkLst>
-            <pc:docMk/>
-            <pc:sldMk cId="380695029" sldId="259"/>
-            <ac:spMk id="3" creationId="{347FC2B7-BA24-4B90-B1F8-48AD93BDA9D8}"/>
-          </ac:spMkLst>
-        </pc:spChg>
-        <pc:spChg chg="del">
-          <ac:chgData name="Eduardo Marques" userId="b9dd18581288d1e4" providerId="Windows Live" clId="Web-{737E9A05-8907-446D-A8C3-13D1D7DFBBAE}" dt="2020-10-16T23:05:11.365" v="1"/>
-          <ac:spMkLst>
-            <pc:docMk/>
-            <pc:sldMk cId="380695029" sldId="259"/>
-            <ac:spMk id="5" creationId="{297D8B8E-3E90-4D4B-840D-CA53BD6BF5D4}"/>
-          </ac:spMkLst>
-        </pc:spChg>
-        <pc:spChg chg="add mod">
-          <ac:chgData name="Eduardo Marques" userId="b9dd18581288d1e4" providerId="Windows Live" clId="Web-{737E9A05-8907-446D-A8C3-13D1D7DFBBAE}" dt="2020-10-16T23:06:18.977" v="22" actId="1076"/>
-          <ac:spMkLst>
-            <pc:docMk/>
-            <pc:sldMk cId="380695029" sldId="259"/>
-            <ac:spMk id="6" creationId="{57A0E951-A751-4185-8FFF-D1DC2F1AD42B}"/>
-          </ac:spMkLst>
-        </pc:spChg>
-        <pc:spChg chg="del">
-          <ac:chgData name="Eduardo Marques" userId="b9dd18581288d1e4" providerId="Windows Live" clId="Web-{737E9A05-8907-446D-A8C3-13D1D7DFBBAE}" dt="2020-10-16T23:05:11.365" v="0"/>
-          <ac:spMkLst>
-            <pc:docMk/>
-            <pc:sldMk cId="380695029" sldId="259"/>
-            <ac:spMk id="9" creationId="{CC41C051-0614-4AFD-9D91-77C1974F0D15}"/>
-          </ac:spMkLst>
-        </pc:spChg>
-        <pc:picChg chg="add mod">
-          <ac:chgData name="Eduardo Marques" userId="b9dd18581288d1e4" providerId="Windows Live" clId="Web-{737E9A05-8907-446D-A8C3-13D1D7DFBBAE}" dt="2020-10-16T23:53:46.090" v="26" actId="14100"/>
-          <ac:picMkLst>
-            <pc:docMk/>
-            <pc:sldMk cId="380695029" sldId="259"/>
-            <ac:picMk id="4" creationId="{F1BAAF7B-CC18-4970-A0BF-B0810EBDAEFC}"/>
-          </ac:picMkLst>
-        </pc:picChg>
-        <pc:picChg chg="del">
-          <ac:chgData name="Eduardo Marques" userId="b9dd18581288d1e4" providerId="Windows Live" clId="Web-{737E9A05-8907-446D-A8C3-13D1D7DFBBAE}" dt="2020-10-16T23:05:14.678" v="2"/>
-          <ac:picMkLst>
-            <pc:docMk/>
-            <pc:sldMk cId="380695029" sldId="259"/>
-            <ac:picMk id="7" creationId="{C14B6780-2D11-4D73-9790-BF69A665559C}"/>
-          </ac:picMkLst>
-        </pc:picChg>
-      </pc:sldChg>
-    </pc:docChg>
-  </pc:docChgLst>
-  <pc:docChgLst>
-    <pc:chgData name="Eduardo Marques" userId="b9dd18581288d1e4" providerId="Windows Live" clId="Web-{CA5FE1B1-CDD2-413E-9ED0-FCBA57181400}"/>
-    <pc:docChg chg="modSld">
-      <pc:chgData name="Eduardo Marques" userId="b9dd18581288d1e4" providerId="Windows Live" clId="Web-{CA5FE1B1-CDD2-413E-9ED0-FCBA57181400}" dt="2020-10-17T04:12:38.953" v="5" actId="14100"/>
-      <pc:docMkLst>
-        <pc:docMk/>
-      </pc:docMkLst>
-      <pc:sldChg chg="addSp delSp modSp">
-        <pc:chgData name="Eduardo Marques" userId="b9dd18581288d1e4" providerId="Windows Live" clId="Web-{CA5FE1B1-CDD2-413E-9ED0-FCBA57181400}" dt="2020-10-17T04:12:38.953" v="5" actId="14100"/>
-        <pc:sldMkLst>
-          <pc:docMk/>
-          <pc:sldMk cId="4164410817" sldId="258"/>
-        </pc:sldMkLst>
-        <pc:picChg chg="del">
-          <ac:chgData name="Eduardo Marques" userId="b9dd18581288d1e4" providerId="Windows Live" clId="Web-{CA5FE1B1-CDD2-413E-9ED0-FCBA57181400}" dt="2020-10-17T04:12:21.665" v="0"/>
-          <ac:picMkLst>
-            <pc:docMk/>
-            <pc:sldMk cId="4164410817" sldId="258"/>
-            <ac:picMk id="2" creationId="{832534A1-DE6F-4D02-AEC5-7DE63FBB0EE8}"/>
-          </ac:picMkLst>
-        </pc:picChg>
-        <pc:picChg chg="add mod">
-          <ac:chgData name="Eduardo Marques" userId="b9dd18581288d1e4" providerId="Windows Live" clId="Web-{CA5FE1B1-CDD2-413E-9ED0-FCBA57181400}" dt="2020-10-17T04:12:38.953" v="5" actId="14100"/>
-          <ac:picMkLst>
-            <pc:docMk/>
-            <pc:sldMk cId="4164410817" sldId="258"/>
-            <ac:picMk id="4" creationId="{A4CD9DEF-7964-482C-B37B-EB0E30FB9487}"/>
-          </ac:picMkLst>
-        </pc:picChg>
-      </pc:sldChg>
-    </pc:docChg>
-  </pc:docChgLst>
-  <pc:docChgLst>
-    <pc:chgData name="Eduardo Marques" userId="b9dd18581288d1e4" providerId="Windows Live" clId="Web-{0F2C64EE-C0FE-4513-8E58-5A5F9A11C41F}"/>
-    <pc:docChg chg="modSld">
-      <pc:chgData name="Eduardo Marques" userId="b9dd18581288d1e4" providerId="Windows Live" clId="Web-{0F2C64EE-C0FE-4513-8E58-5A5F9A11C41F}" dt="2020-10-17T01:49:34.011" v="54" actId="1076"/>
-      <pc:docMkLst>
-        <pc:docMk/>
-      </pc:docMkLst>
-      <pc:sldChg chg="addSp delSp modSp">
-        <pc:chgData name="Eduardo Marques" userId="b9dd18581288d1e4" providerId="Windows Live" clId="Web-{0F2C64EE-C0FE-4513-8E58-5A5F9A11C41F}" dt="2020-10-17T01:49:34.011" v="54" actId="1076"/>
-        <pc:sldMkLst>
-          <pc:docMk/>
-          <pc:sldMk cId="3918470033" sldId="257"/>
-        </pc:sldMkLst>
-        <pc:spChg chg="del">
-          <ac:chgData name="Eduardo Marques" userId="b9dd18581288d1e4" providerId="Windows Live" clId="Web-{0F2C64EE-C0FE-4513-8E58-5A5F9A11C41F}" dt="2020-10-17T01:43:18.960" v="13"/>
-          <ac:spMkLst>
-            <pc:docMk/>
-            <pc:sldMk cId="3918470033" sldId="257"/>
-            <ac:spMk id="2" creationId="{5DD6C70C-B6EF-40FB-AB7C-C4AFD46DB42B}"/>
-          </ac:spMkLst>
-        </pc:spChg>
-        <pc:spChg chg="del">
-          <ac:chgData name="Eduardo Marques" userId="b9dd18581288d1e4" providerId="Windows Live" clId="Web-{0F2C64EE-C0FE-4513-8E58-5A5F9A11C41F}" dt="2020-10-17T01:43:14.522" v="2"/>
-          <ac:spMkLst>
-            <pc:docMk/>
-            <pc:sldMk cId="3918470033" sldId="257"/>
-            <ac:spMk id="6" creationId="{97757566-6FF0-4BE4-AD54-C3B07D0F32C5}"/>
-          </ac:spMkLst>
-        </pc:spChg>
-        <pc:spChg chg="del">
-          <ac:chgData name="Eduardo Marques" userId="b9dd18581288d1e4" providerId="Windows Live" clId="Web-{0F2C64EE-C0FE-4513-8E58-5A5F9A11C41F}" dt="2020-10-17T01:43:28.679" v="21"/>
-          <ac:spMkLst>
-            <pc:docMk/>
-            <pc:sldMk cId="3918470033" sldId="257"/>
-            <ac:spMk id="156" creationId="{2F14F296-042C-4288-8D72-F87FDE1D8F69}"/>
-          </ac:spMkLst>
-        </pc:spChg>
-        <pc:spChg chg="del">
-          <ac:chgData name="Eduardo Marques" userId="b9dd18581288d1e4" providerId="Windows Live" clId="Web-{0F2C64EE-C0FE-4513-8E58-5A5F9A11C41F}" dt="2020-10-17T01:43:14.538" v="12"/>
-          <ac:spMkLst>
-            <pc:docMk/>
-            <pc:sldMk cId="3918470033" sldId="257"/>
-            <ac:spMk id="174" creationId="{85114B75-AA90-4810-951B-8CF7037E9F6C}"/>
-          </ac:spMkLst>
-        </pc:spChg>
-        <pc:spChg chg="del mod">
-          <ac:chgData name="Eduardo Marques" userId="b9dd18581288d1e4" providerId="Windows Live" clId="Web-{0F2C64EE-C0FE-4513-8E58-5A5F9A11C41F}" dt="2020-10-17T01:43:24.179" v="17"/>
-          <ac:spMkLst>
-            <pc:docMk/>
-            <pc:sldMk cId="3918470033" sldId="257"/>
-            <ac:spMk id="178" creationId="{67FE5E71-AFAB-4972-B305-ECA2FCB7F97D}"/>
-          </ac:spMkLst>
-        </pc:spChg>
-        <pc:spChg chg="del">
-          <ac:chgData name="Eduardo Marques" userId="b9dd18581288d1e4" providerId="Windows Live" clId="Web-{0F2C64EE-C0FE-4513-8E58-5A5F9A11C41F}" dt="2020-10-17T01:43:14.522" v="10"/>
-          <ac:spMkLst>
-            <pc:docMk/>
-            <pc:sldMk cId="3918470033" sldId="257"/>
-            <ac:spMk id="182" creationId="{C00D3D9C-6D9A-4E63-885F-CF5CDE09E4DB}"/>
-          </ac:spMkLst>
-        </pc:spChg>
-        <pc:spChg chg="del">
-          <ac:chgData name="Eduardo Marques" userId="b9dd18581288d1e4" providerId="Windows Live" clId="Web-{0F2C64EE-C0FE-4513-8E58-5A5F9A11C41F}" dt="2020-10-17T01:43:14.522" v="7"/>
-          <ac:spMkLst>
-            <pc:docMk/>
-            <pc:sldMk cId="3918470033" sldId="257"/>
-            <ac:spMk id="190" creationId="{56D1219C-2816-46B9-9757-264CF041891A}"/>
-          </ac:spMkLst>
-        </pc:spChg>
-        <pc:spChg chg="del">
-          <ac:chgData name="Eduardo Marques" userId="b9dd18581288d1e4" providerId="Windows Live" clId="Web-{0F2C64EE-C0FE-4513-8E58-5A5F9A11C41F}" dt="2020-10-17T01:43:14.522" v="5"/>
-          <ac:spMkLst>
-            <pc:docMk/>
-            <pc:sldMk cId="3918470033" sldId="257"/>
-            <ac:spMk id="194" creationId="{A47BED64-C6A2-47C0-AD8A-E4AFBD73FA19}"/>
-          </ac:spMkLst>
-        </pc:spChg>
-        <pc:spChg chg="del">
-          <ac:chgData name="Eduardo Marques" userId="b9dd18581288d1e4" providerId="Windows Live" clId="Web-{0F2C64EE-C0FE-4513-8E58-5A5F9A11C41F}" dt="2020-10-17T01:43:14.522" v="4"/>
-          <ac:spMkLst>
-            <pc:docMk/>
-            <pc:sldMk cId="3918470033" sldId="257"/>
-            <ac:spMk id="196" creationId="{119D4FE6-C8E9-41CD-8902-D23875F6882F}"/>
-          </ac:spMkLst>
-        </pc:spChg>
-        <pc:picChg chg="add del mod">
-          <ac:chgData name="Eduardo Marques" userId="b9dd18581288d1e4" providerId="Windows Live" clId="Web-{0F2C64EE-C0FE-4513-8E58-5A5F9A11C41F}" dt="2020-10-17T01:44:27.055" v="30"/>
-          <ac:picMkLst>
-            <pc:docMk/>
-            <pc:sldMk cId="3918470033" sldId="257"/>
-            <ac:picMk id="3" creationId="{9ED12355-7FD5-4D1D-A2E4-24E2087FC111}"/>
-          </ac:picMkLst>
-        </pc:picChg>
-        <pc:picChg chg="add del mod">
-          <ac:chgData name="Eduardo Marques" userId="b9dd18581288d1e4" providerId="Windows Live" clId="Web-{0F2C64EE-C0FE-4513-8E58-5A5F9A11C41F}" dt="2020-10-17T01:48:34.042" v="49"/>
-          <ac:picMkLst>
-            <pc:docMk/>
-            <pc:sldMk cId="3918470033" sldId="257"/>
-            <ac:picMk id="4" creationId="{BB8A9780-E713-4F89-B8AD-6668B090AAE2}"/>
-          </ac:picMkLst>
-        </pc:picChg>
-        <pc:picChg chg="add mod">
-          <ac:chgData name="Eduardo Marques" userId="b9dd18581288d1e4" providerId="Windows Live" clId="Web-{0F2C64EE-C0FE-4513-8E58-5A5F9A11C41F}" dt="2020-10-17T01:49:34.011" v="54" actId="1076"/>
-          <ac:picMkLst>
-            <pc:docMk/>
-            <pc:sldMk cId="3918470033" sldId="257"/>
-            <ac:picMk id="5" creationId="{DD49DC74-2B26-404F-BD29-9C3161EA3D51}"/>
-          </ac:picMkLst>
-        </pc:picChg>
-        <pc:cxnChg chg="del">
-          <ac:chgData name="Eduardo Marques" userId="b9dd18581288d1e4" providerId="Windows Live" clId="Web-{0F2C64EE-C0FE-4513-8E58-5A5F9A11C41F}" dt="2020-10-17T01:43:14.522" v="1"/>
-          <ac:cxnSpMkLst>
-            <pc:docMk/>
-            <pc:sldMk cId="3918470033" sldId="257"/>
-            <ac:cxnSpMk id="22" creationId="{DD487634-BF7B-4A17-A66F-00D892AE0CC2}"/>
-          </ac:cxnSpMkLst>
-        </pc:cxnChg>
-        <pc:cxnChg chg="del">
-          <ac:chgData name="Eduardo Marques" userId="b9dd18581288d1e4" providerId="Windows Live" clId="Web-{0F2C64EE-C0FE-4513-8E58-5A5F9A11C41F}" dt="2020-10-17T01:43:27.773" v="20"/>
-          <ac:cxnSpMkLst>
-            <pc:docMk/>
-            <pc:sldMk cId="3918470033" sldId="257"/>
-            <ac:cxnSpMk id="23" creationId="{2ED9FF81-ADC5-4B9E-8EB7-1160CFA93DCE}"/>
-          </ac:cxnSpMkLst>
-        </pc:cxnChg>
-        <pc:cxnChg chg="del">
-          <ac:chgData name="Eduardo Marques" userId="b9dd18581288d1e4" providerId="Windows Live" clId="Web-{0F2C64EE-C0FE-4513-8E58-5A5F9A11C41F}" dt="2020-10-17T01:43:14.522" v="0"/>
-          <ac:cxnSpMkLst>
-            <pc:docMk/>
-            <pc:sldMk cId="3918470033" sldId="257"/>
-            <ac:cxnSpMk id="24" creationId="{BA64A7F0-AFF7-4A8F-A376-EBE43E1B97BA}"/>
-          </ac:cxnSpMkLst>
-        </pc:cxnChg>
-        <pc:cxnChg chg="del">
-          <ac:chgData name="Eduardo Marques" userId="b9dd18581288d1e4" providerId="Windows Live" clId="Web-{0F2C64EE-C0FE-4513-8E58-5A5F9A11C41F}" dt="2020-10-17T01:43:25.523" v="19"/>
-          <ac:cxnSpMkLst>
-            <pc:docMk/>
-            <pc:sldMk cId="3918470033" sldId="257"/>
-            <ac:cxnSpMk id="25" creationId="{80E4EC68-9D15-46D5-AEBD-D77A8248098B}"/>
-          </ac:cxnSpMkLst>
-        </pc:cxnChg>
-        <pc:cxnChg chg="del">
-          <ac:chgData name="Eduardo Marques" userId="b9dd18581288d1e4" providerId="Windows Live" clId="Web-{0F2C64EE-C0FE-4513-8E58-5A5F9A11C41F}" dt="2020-10-17T01:43:29.273" v="22"/>
-          <ac:cxnSpMkLst>
-            <pc:docMk/>
-            <pc:sldMk cId="3918470033" sldId="257"/>
-            <ac:cxnSpMk id="138" creationId="{3B1ED90A-CF42-4450-9773-AB5CD8EC40F2}"/>
-          </ac:cxnSpMkLst>
-        </pc:cxnChg>
-        <pc:cxnChg chg="del">
-          <ac:chgData name="Eduardo Marques" userId="b9dd18581288d1e4" providerId="Windows Live" clId="Web-{0F2C64EE-C0FE-4513-8E58-5A5F9A11C41F}" dt="2020-10-17T01:43:25.320" v="18"/>
-          <ac:cxnSpMkLst>
-            <pc:docMk/>
-            <pc:sldMk cId="3918470033" sldId="257"/>
-            <ac:cxnSpMk id="152" creationId="{0A021F33-0CA1-4C99-967B-FB29FC904E2D}"/>
-          </ac:cxnSpMkLst>
-        </pc:cxnChg>
-        <pc:cxnChg chg="del">
-          <ac:chgData name="Eduardo Marques" userId="b9dd18581288d1e4" providerId="Windows Live" clId="Web-{0F2C64EE-C0FE-4513-8E58-5A5F9A11C41F}" dt="2020-10-17T01:43:14.538" v="11"/>
-          <ac:cxnSpMkLst>
-            <pc:docMk/>
-            <pc:sldMk cId="3918470033" sldId="257"/>
-            <ac:cxnSpMk id="180" creationId="{1364CD29-E5EE-46A2-B0A3-E9706945F018}"/>
-          </ac:cxnSpMkLst>
-        </pc:cxnChg>
-        <pc:cxnChg chg="del">
-          <ac:chgData name="Eduardo Marques" userId="b9dd18581288d1e4" providerId="Windows Live" clId="Web-{0F2C64EE-C0FE-4513-8E58-5A5F9A11C41F}" dt="2020-10-17T01:43:14.522" v="9"/>
-          <ac:cxnSpMkLst>
-            <pc:docMk/>
-            <pc:sldMk cId="3918470033" sldId="257"/>
-            <ac:cxnSpMk id="184" creationId="{960EE6A9-7D9B-42B4-AAAF-19F1A8E857DB}"/>
-          </ac:cxnSpMkLst>
-        </pc:cxnChg>
-        <pc:cxnChg chg="del">
-          <ac:chgData name="Eduardo Marques" userId="b9dd18581288d1e4" providerId="Windows Live" clId="Web-{0F2C64EE-C0FE-4513-8E58-5A5F9A11C41F}" dt="2020-10-17T01:43:14.522" v="8"/>
-          <ac:cxnSpMkLst>
-            <pc:docMk/>
-            <pc:sldMk cId="3918470033" sldId="257"/>
-            <ac:cxnSpMk id="188" creationId="{6EB0F3B4-4DDA-470C-BCA4-684978A7EE86}"/>
-          </ac:cxnSpMkLst>
-        </pc:cxnChg>
-        <pc:cxnChg chg="del">
-          <ac:chgData name="Eduardo Marques" userId="b9dd18581288d1e4" providerId="Windows Live" clId="Web-{0F2C64EE-C0FE-4513-8E58-5A5F9A11C41F}" dt="2020-10-17T01:43:14.522" v="6"/>
-          <ac:cxnSpMkLst>
-            <pc:docMk/>
-            <pc:sldMk cId="3918470033" sldId="257"/>
-            <ac:cxnSpMk id="192" creationId="{9195520B-3E57-4433-A3C3-3B2E060821CF}"/>
-          </ac:cxnSpMkLst>
-        </pc:cxnChg>
-        <pc:cxnChg chg="del">
-          <ac:chgData name="Eduardo Marques" userId="b9dd18581288d1e4" providerId="Windows Live" clId="Web-{0F2C64EE-C0FE-4513-8E58-5A5F9A11C41F}" dt="2020-10-17T01:43:14.522" v="3"/>
-          <ac:cxnSpMkLst>
-            <pc:docMk/>
-            <pc:sldMk cId="3918470033" sldId="257"/>
-            <ac:cxnSpMk id="198" creationId="{F49C351A-4A3A-49EB-8E60-915E0A624C7E}"/>
-          </ac:cxnSpMkLst>
-        </pc:cxnChg>
-      </pc:sldChg>
-      <pc:sldChg chg="addSp delSp modSp">
-        <pc:chgData name="Eduardo Marques" userId="b9dd18581288d1e4" providerId="Windows Live" clId="Web-{0F2C64EE-C0FE-4513-8E58-5A5F9A11C41F}" dt="2020-10-17T01:48:02.416" v="48" actId="14100"/>
-        <pc:sldMkLst>
-          <pc:docMk/>
-          <pc:sldMk cId="4164410817" sldId="258"/>
-        </pc:sldMkLst>
-        <pc:picChg chg="add mod">
-          <ac:chgData name="Eduardo Marques" userId="b9dd18581288d1e4" providerId="Windows Live" clId="Web-{0F2C64EE-C0FE-4513-8E58-5A5F9A11C41F}" dt="2020-10-17T01:48:02.416" v="48" actId="14100"/>
-          <ac:picMkLst>
-            <pc:docMk/>
-            <pc:sldMk cId="4164410817" sldId="258"/>
-            <ac:picMk id="2" creationId="{832534A1-DE6F-4D02-AEC5-7DE63FBB0EE8}"/>
-          </ac:picMkLst>
-        </pc:picChg>
-        <pc:picChg chg="del mod">
-          <ac:chgData name="Eduardo Marques" userId="b9dd18581288d1e4" providerId="Windows Live" clId="Web-{0F2C64EE-C0FE-4513-8E58-5A5F9A11C41F}" dt="2020-10-17T01:47:31.135" v="45"/>
-          <ac:picMkLst>
-            <pc:docMk/>
-            <pc:sldMk cId="4164410817" sldId="258"/>
-            <ac:picMk id="4" creationId="{546F0094-6A56-4B1B-A44C-63E0639D5CB7}"/>
-          </ac:picMkLst>
-        </pc:picChg>
-      </pc:sldChg>
-    </pc:docChg>
-  </pc:docChgLst>
-  <pc:docChgLst>
     <pc:chgData name="Gabriel Casagrande" userId="e7a325a1baaa42ba" providerId="Windows Live" clId="Web-{2A9C4E33-E286-45DB-A6D4-2F7A019BDED6}"/>
     <pc:docChg chg="modSld">
       <pc:chgData name="Gabriel Casagrande" userId="e7a325a1baaa42ba" providerId="Windows Live" clId="Web-{2A9C4E33-E286-45DB-A6D4-2F7A019BDED6}" dt="2020-09-23T22:05:55.877" v="1"/>
@@ -1387,24 +1428,164 @@
     </pc:docChg>
   </pc:docChgLst>
   <pc:docChgLst>
-    <pc:chgData name="Eduardo Marques" userId="b9dd18581288d1e4" providerId="Windows Live" clId="Web-{B9C36B1A-F083-4BAE-8590-88BABE035E76}"/>
-    <pc:docChg chg="modSld">
-      <pc:chgData name="Eduardo Marques" userId="b9dd18581288d1e4" providerId="Windows Live" clId="Web-{B9C36B1A-F083-4BAE-8590-88BABE035E76}" dt="2020-10-17T01:10:39.154" v="0" actId="1076"/>
+    <pc:chgData name="Eduardo Marques" userId="b9dd18581288d1e4" providerId="Windows Live" clId="Web-{DA2C4D56-67D7-4012-8AE1-FB4EAFC86F41}"/>
+    <pc:docChg chg="addSld modSld">
+      <pc:chgData name="Eduardo Marques" userId="b9dd18581288d1e4" providerId="Windows Live" clId="Web-{DA2C4D56-67D7-4012-8AE1-FB4EAFC86F41}" dt="2020-10-22T02:50:25.898" v="46" actId="14100"/>
       <pc:docMkLst>
         <pc:docMk/>
       </pc:docMkLst>
-      <pc:sldChg chg="modSp">
-        <pc:chgData name="Eduardo Marques" userId="b9dd18581288d1e4" providerId="Windows Live" clId="Web-{B9C36B1A-F083-4BAE-8590-88BABE035E76}" dt="2020-10-17T01:10:39.154" v="0" actId="1076"/>
+      <pc:sldChg chg="addSp delSp modSp new">
+        <pc:chgData name="Eduardo Marques" userId="b9dd18581288d1e4" providerId="Windows Live" clId="Web-{DA2C4D56-67D7-4012-8AE1-FB4EAFC86F41}" dt="2020-10-22T02:46:48.221" v="23" actId="1076"/>
         <pc:sldMkLst>
           <pc:docMk/>
-          <pc:sldMk cId="4164410817" sldId="258"/>
+          <pc:sldMk cId="794741976" sldId="260"/>
         </pc:sldMkLst>
-        <pc:picChg chg="mod">
-          <ac:chgData name="Eduardo Marques" userId="b9dd18581288d1e4" providerId="Windows Live" clId="Web-{B9C36B1A-F083-4BAE-8590-88BABE035E76}" dt="2020-10-17T01:10:39.154" v="0" actId="1076"/>
+        <pc:spChg chg="del">
+          <ac:chgData name="Eduardo Marques" userId="b9dd18581288d1e4" providerId="Windows Live" clId="Web-{DA2C4D56-67D7-4012-8AE1-FB4EAFC86F41}" dt="2020-10-22T02:38:28.522" v="5"/>
+          <ac:spMkLst>
+            <pc:docMk/>
+            <pc:sldMk cId="794741976" sldId="260"/>
+            <ac:spMk id="2" creationId="{8AC96FE2-21D4-45EE-82B6-DD659C3D5E26}"/>
+          </ac:spMkLst>
+        </pc:spChg>
+        <pc:spChg chg="del">
+          <ac:chgData name="Eduardo Marques" userId="b9dd18581288d1e4" providerId="Windows Live" clId="Web-{DA2C4D56-67D7-4012-8AE1-FB4EAFC86F41}" dt="2020-10-22T02:38:29.662" v="6"/>
+          <ac:spMkLst>
+            <pc:docMk/>
+            <pc:sldMk cId="794741976" sldId="260"/>
+            <ac:spMk id="3" creationId="{21E93543-0049-4E51-9159-7A2F05730677}"/>
+          </ac:spMkLst>
+        </pc:spChg>
+        <pc:picChg chg="add mod">
+          <ac:chgData name="Eduardo Marques" userId="b9dd18581288d1e4" providerId="Windows Live" clId="Web-{DA2C4D56-67D7-4012-8AE1-FB4EAFC86F41}" dt="2020-10-22T02:46:48.221" v="23" actId="1076"/>
           <ac:picMkLst>
             <pc:docMk/>
-            <pc:sldMk cId="4164410817" sldId="258"/>
-            <ac:picMk id="4" creationId="{546F0094-6A56-4B1B-A44C-63E0639D5CB7}"/>
+            <pc:sldMk cId="794741976" sldId="260"/>
+            <ac:picMk id="4" creationId="{4C820C70-B8C8-4B92-BA3A-195B6A5B149E}"/>
+          </ac:picMkLst>
+        </pc:picChg>
+      </pc:sldChg>
+      <pc:sldChg chg="addSp delSp modSp new">
+        <pc:chgData name="Eduardo Marques" userId="b9dd18581288d1e4" providerId="Windows Live" clId="Web-{DA2C4D56-67D7-4012-8AE1-FB4EAFC86F41}" dt="2020-10-22T02:47:42.332" v="28" actId="1076"/>
+        <pc:sldMkLst>
+          <pc:docMk/>
+          <pc:sldMk cId="2802243338" sldId="261"/>
+        </pc:sldMkLst>
+        <pc:spChg chg="del">
+          <ac:chgData name="Eduardo Marques" userId="b9dd18581288d1e4" providerId="Windows Live" clId="Web-{DA2C4D56-67D7-4012-8AE1-FB4EAFC86F41}" dt="2020-10-22T02:38:32.897" v="7"/>
+          <ac:spMkLst>
+            <pc:docMk/>
+            <pc:sldMk cId="2802243338" sldId="261"/>
+            <ac:spMk id="2" creationId="{BB2047C4-2735-4475-B068-91FDD5043BA7}"/>
+          </ac:spMkLst>
+        </pc:spChg>
+        <pc:spChg chg="del">
+          <ac:chgData name="Eduardo Marques" userId="b9dd18581288d1e4" providerId="Windows Live" clId="Web-{DA2C4D56-67D7-4012-8AE1-FB4EAFC86F41}" dt="2020-10-22T02:38:33.600" v="8"/>
+          <ac:spMkLst>
+            <pc:docMk/>
+            <pc:sldMk cId="2802243338" sldId="261"/>
+            <ac:spMk id="3" creationId="{570A092A-6F56-430C-9C78-B55169FE2BD7}"/>
+          </ac:spMkLst>
+        </pc:spChg>
+        <pc:picChg chg="add mod">
+          <ac:chgData name="Eduardo Marques" userId="b9dd18581288d1e4" providerId="Windows Live" clId="Web-{DA2C4D56-67D7-4012-8AE1-FB4EAFC86F41}" dt="2020-10-22T02:47:42.332" v="28" actId="1076"/>
+          <ac:picMkLst>
+            <pc:docMk/>
+            <pc:sldMk cId="2802243338" sldId="261"/>
+            <ac:picMk id="4" creationId="{9197F1FD-D9D1-4E48-BD6E-21E66CBA70A9}"/>
+          </ac:picMkLst>
+        </pc:picChg>
+      </pc:sldChg>
+      <pc:sldChg chg="addSp delSp modSp new">
+        <pc:chgData name="Eduardo Marques" userId="b9dd18581288d1e4" providerId="Windows Live" clId="Web-{DA2C4D56-67D7-4012-8AE1-FB4EAFC86F41}" dt="2020-10-22T02:48:55.380" v="34" actId="1076"/>
+        <pc:sldMkLst>
+          <pc:docMk/>
+          <pc:sldMk cId="2407294601" sldId="262"/>
+        </pc:sldMkLst>
+        <pc:spChg chg="del">
+          <ac:chgData name="Eduardo Marques" userId="b9dd18581288d1e4" providerId="Windows Live" clId="Web-{DA2C4D56-67D7-4012-8AE1-FB4EAFC86F41}" dt="2020-10-22T02:38:35.256" v="9"/>
+          <ac:spMkLst>
+            <pc:docMk/>
+            <pc:sldMk cId="2407294601" sldId="262"/>
+            <ac:spMk id="2" creationId="{3D7D2EEB-7023-4590-9AD1-4B7A44570D1E}"/>
+          </ac:spMkLst>
+        </pc:spChg>
+        <pc:spChg chg="del">
+          <ac:chgData name="Eduardo Marques" userId="b9dd18581288d1e4" providerId="Windows Live" clId="Web-{DA2C4D56-67D7-4012-8AE1-FB4EAFC86F41}" dt="2020-10-22T02:38:36.209" v="10"/>
+          <ac:spMkLst>
+            <pc:docMk/>
+            <pc:sldMk cId="2407294601" sldId="262"/>
+            <ac:spMk id="3" creationId="{A9F57B85-36FF-49D4-8A3D-1E9F13549B13}"/>
+          </ac:spMkLst>
+        </pc:spChg>
+        <pc:picChg chg="add mod">
+          <ac:chgData name="Eduardo Marques" userId="b9dd18581288d1e4" providerId="Windows Live" clId="Web-{DA2C4D56-67D7-4012-8AE1-FB4EAFC86F41}" dt="2020-10-22T02:48:55.380" v="34" actId="1076"/>
+          <ac:picMkLst>
+            <pc:docMk/>
+            <pc:sldMk cId="2407294601" sldId="262"/>
+            <ac:picMk id="4" creationId="{E9D2DA22-E818-4D32-A70A-91D947D84079}"/>
+          </ac:picMkLst>
+        </pc:picChg>
+      </pc:sldChg>
+      <pc:sldChg chg="addSp delSp modSp new">
+        <pc:chgData name="Eduardo Marques" userId="b9dd18581288d1e4" providerId="Windows Live" clId="Web-{DA2C4D56-67D7-4012-8AE1-FB4EAFC86F41}" dt="2020-10-22T02:49:45.975" v="41" actId="1076"/>
+        <pc:sldMkLst>
+          <pc:docMk/>
+          <pc:sldMk cId="903245640" sldId="263"/>
+        </pc:sldMkLst>
+        <pc:spChg chg="del">
+          <ac:chgData name="Eduardo Marques" userId="b9dd18581288d1e4" providerId="Windows Live" clId="Web-{DA2C4D56-67D7-4012-8AE1-FB4EAFC86F41}" dt="2020-10-22T02:38:37.944" v="11"/>
+          <ac:spMkLst>
+            <pc:docMk/>
+            <pc:sldMk cId="903245640" sldId="263"/>
+            <ac:spMk id="2" creationId="{47FED4A2-5DAC-4E8E-AAC7-23AD0BD16116}"/>
+          </ac:spMkLst>
+        </pc:spChg>
+        <pc:spChg chg="del">
+          <ac:chgData name="Eduardo Marques" userId="b9dd18581288d1e4" providerId="Windows Live" clId="Web-{DA2C4D56-67D7-4012-8AE1-FB4EAFC86F41}" dt="2020-10-22T02:38:38.928" v="12"/>
+          <ac:spMkLst>
+            <pc:docMk/>
+            <pc:sldMk cId="903245640" sldId="263"/>
+            <ac:spMk id="3" creationId="{50703535-3E4D-405C-91D0-0E0EFDFC577E}"/>
+          </ac:spMkLst>
+        </pc:spChg>
+        <pc:picChg chg="add mod">
+          <ac:chgData name="Eduardo Marques" userId="b9dd18581288d1e4" providerId="Windows Live" clId="Web-{DA2C4D56-67D7-4012-8AE1-FB4EAFC86F41}" dt="2020-10-22T02:49:45.975" v="41" actId="1076"/>
+          <ac:picMkLst>
+            <pc:docMk/>
+            <pc:sldMk cId="903245640" sldId="263"/>
+            <ac:picMk id="4" creationId="{699CFC04-B36B-43FC-8AF6-8BCCC7EC0E83}"/>
+          </ac:picMkLst>
+        </pc:picChg>
+      </pc:sldChg>
+      <pc:sldChg chg="addSp delSp modSp new">
+        <pc:chgData name="Eduardo Marques" userId="b9dd18581288d1e4" providerId="Windows Live" clId="Web-{DA2C4D56-67D7-4012-8AE1-FB4EAFC86F41}" dt="2020-10-22T02:50:25.898" v="46" actId="14100"/>
+        <pc:sldMkLst>
+          <pc:docMk/>
+          <pc:sldMk cId="1100209163" sldId="264"/>
+        </pc:sldMkLst>
+        <pc:spChg chg="del">
+          <ac:chgData name="Eduardo Marques" userId="b9dd18581288d1e4" providerId="Windows Live" clId="Web-{DA2C4D56-67D7-4012-8AE1-FB4EAFC86F41}" dt="2020-10-22T02:38:42.428" v="13"/>
+          <ac:spMkLst>
+            <pc:docMk/>
+            <pc:sldMk cId="1100209163" sldId="264"/>
+            <ac:spMk id="2" creationId="{7300F02F-C00C-42F1-811D-C40276B6E09D}"/>
+          </ac:spMkLst>
+        </pc:spChg>
+        <pc:spChg chg="del">
+          <ac:chgData name="Eduardo Marques" userId="b9dd18581288d1e4" providerId="Windows Live" clId="Web-{DA2C4D56-67D7-4012-8AE1-FB4EAFC86F41}" dt="2020-10-22T02:38:43.335" v="14"/>
+          <ac:spMkLst>
+            <pc:docMk/>
+            <pc:sldMk cId="1100209163" sldId="264"/>
+            <ac:spMk id="3" creationId="{D57EA383-1B92-4D80-86FE-47674201BB00}"/>
+          </ac:spMkLst>
+        </pc:spChg>
+        <pc:picChg chg="add mod">
+          <ac:chgData name="Eduardo Marques" userId="b9dd18581288d1e4" providerId="Windows Live" clId="Web-{DA2C4D56-67D7-4012-8AE1-FB4EAFC86F41}" dt="2020-10-22T02:50:25.898" v="46" actId="14100"/>
+          <ac:picMkLst>
+            <pc:docMk/>
+            <pc:sldMk cId="1100209163" sldId="264"/>
+            <ac:picMk id="4" creationId="{8551A667-AFBD-4C72-9091-A1688C112F59}"/>
           </ac:picMkLst>
         </pc:picChg>
       </pc:sldChg>
@@ -1425,99 +1606,6 @@
         </pc:sldMkLst>
         <pc:spChg chg="mod">
           <ac:chgData name="" userId="" providerId="" clId="Web-{81F0A7FE-0D53-4F8F-AAA3-505379F38082}" dt="2020-09-26T14:12:33.752" v="0" actId="20577"/>
-          <ac:spMkLst>
-            <pc:docMk/>
-            <pc:sldMk cId="380695029" sldId="259"/>
-            <ac:spMk id="3" creationId="{347FC2B7-BA24-4B90-B1F8-48AD93BDA9D8}"/>
-          </ac:spMkLst>
-        </pc:spChg>
-      </pc:sldChg>
-    </pc:docChg>
-  </pc:docChgLst>
-  <pc:docChgLst>
-    <pc:chgData name="Eduardo Marques" userId="b9dd18581288d1e4" providerId="Windows Live" clId="Web-{D654B7EC-94F0-459E-AE3A-B472BD512854}"/>
-    <pc:docChg chg="modSld">
-      <pc:chgData name="Eduardo Marques" userId="b9dd18581288d1e4" providerId="Windows Live" clId="Web-{D654B7EC-94F0-459E-AE3A-B472BD512854}" dt="2020-09-26T14:11:11.182" v="252" actId="20577"/>
-      <pc:docMkLst>
-        <pc:docMk/>
-      </pc:docMkLst>
-      <pc:sldChg chg="modSp">
-        <pc:chgData name="Eduardo Marques" userId="b9dd18581288d1e4" providerId="Windows Live" clId="Web-{D654B7EC-94F0-459E-AE3A-B472BD512854}" dt="2020-09-26T14:11:11.182" v="251" actId="20577"/>
-        <pc:sldMkLst>
-          <pc:docMk/>
-          <pc:sldMk cId="3918470033" sldId="257"/>
-        </pc:sldMkLst>
-        <pc:spChg chg="mod">
-          <ac:chgData name="Eduardo Marques" userId="b9dd18581288d1e4" providerId="Windows Live" clId="Web-{D654B7EC-94F0-459E-AE3A-B472BD512854}" dt="2020-09-26T14:11:11.182" v="251" actId="20577"/>
-          <ac:spMkLst>
-            <pc:docMk/>
-            <pc:sldMk cId="3918470033" sldId="257"/>
-            <ac:spMk id="2" creationId="{5DD6C70C-B6EF-40FB-AB7C-C4AFD46DB42B}"/>
-          </ac:spMkLst>
-        </pc:spChg>
-      </pc:sldChg>
-      <pc:sldChg chg="modSp">
-        <pc:chgData name="Eduardo Marques" userId="b9dd18581288d1e4" providerId="Windows Live" clId="Web-{D654B7EC-94F0-459E-AE3A-B472BD512854}" dt="2020-09-26T14:08:35.244" v="109" actId="20577"/>
-        <pc:sldMkLst>
-          <pc:docMk/>
-          <pc:sldMk cId="4164410817" sldId="258"/>
-        </pc:sldMkLst>
-        <pc:spChg chg="mod">
-          <ac:chgData name="Eduardo Marques" userId="b9dd18581288d1e4" providerId="Windows Live" clId="Web-{D654B7EC-94F0-459E-AE3A-B472BD512854}" dt="2020-09-26T14:08:35.244" v="109" actId="20577"/>
-          <ac:spMkLst>
-            <pc:docMk/>
-            <pc:sldMk cId="4164410817" sldId="258"/>
-            <ac:spMk id="75" creationId="{EF268438-E457-4CA6-B1E7-51526B9EFD58}"/>
-          </ac:spMkLst>
-        </pc:spChg>
-      </pc:sldChg>
-      <pc:sldChg chg="modSp">
-        <pc:chgData name="Eduardo Marques" userId="b9dd18581288d1e4" providerId="Windows Live" clId="Web-{D654B7EC-94F0-459E-AE3A-B472BD512854}" dt="2020-09-26T14:00:10.474" v="12" actId="20577"/>
-        <pc:sldMkLst>
-          <pc:docMk/>
-          <pc:sldMk cId="380695029" sldId="259"/>
-        </pc:sldMkLst>
-        <pc:spChg chg="mod">
-          <ac:chgData name="Eduardo Marques" userId="b9dd18581288d1e4" providerId="Windows Live" clId="Web-{D654B7EC-94F0-459E-AE3A-B472BD512854}" dt="2020-09-26T14:00:10.474" v="12" actId="20577"/>
-          <ac:spMkLst>
-            <pc:docMk/>
-            <pc:sldMk cId="380695029" sldId="259"/>
-            <ac:spMk id="3" creationId="{347FC2B7-BA24-4B90-B1F8-48AD93BDA9D8}"/>
-          </ac:spMkLst>
-        </pc:spChg>
-      </pc:sldChg>
-    </pc:docChg>
-  </pc:docChgLst>
-  <pc:docChgLst>
-    <pc:chgData name="Caio Ferreira" userId="aa37e96bb8b72277" providerId="LiveId" clId="{331D9DAE-A6D2-4280-8D11-1A19F29A6492}"/>
-    <pc:docChg chg="modSld">
-      <pc:chgData name="Caio Ferreira" userId="aa37e96bb8b72277" providerId="LiveId" clId="{331D9DAE-A6D2-4280-8D11-1A19F29A6492}" dt="2020-09-26T14:14:46.293" v="22" actId="20577"/>
-      <pc:docMkLst>
-        <pc:docMk/>
-      </pc:docMkLst>
-      <pc:sldChg chg="modSp mod">
-        <pc:chgData name="Caio Ferreira" userId="aa37e96bb8b72277" providerId="LiveId" clId="{331D9DAE-A6D2-4280-8D11-1A19F29A6492}" dt="2020-09-26T14:14:46.293" v="22" actId="20577"/>
-        <pc:sldMkLst>
-          <pc:docMk/>
-          <pc:sldMk cId="3918470033" sldId="257"/>
-        </pc:sldMkLst>
-        <pc:spChg chg="mod">
-          <ac:chgData name="Caio Ferreira" userId="aa37e96bb8b72277" providerId="LiveId" clId="{331D9DAE-A6D2-4280-8D11-1A19F29A6492}" dt="2020-09-26T14:14:46.293" v="22" actId="20577"/>
-          <ac:spMkLst>
-            <pc:docMk/>
-            <pc:sldMk cId="3918470033" sldId="257"/>
-            <ac:spMk id="2" creationId="{5DD6C70C-B6EF-40FB-AB7C-C4AFD46DB42B}"/>
-          </ac:spMkLst>
-        </pc:spChg>
-      </pc:sldChg>
-      <pc:sldChg chg="modSp mod">
-        <pc:chgData name="Caio Ferreira" userId="aa37e96bb8b72277" providerId="LiveId" clId="{331D9DAE-A6D2-4280-8D11-1A19F29A6492}" dt="2020-09-26T14:12:49.841" v="21" actId="20577"/>
-        <pc:sldMkLst>
-          <pc:docMk/>
-          <pc:sldMk cId="380695029" sldId="259"/>
-        </pc:sldMkLst>
-        <pc:spChg chg="mod">
-          <ac:chgData name="Caio Ferreira" userId="aa37e96bb8b72277" providerId="LiveId" clId="{331D9DAE-A6D2-4280-8D11-1A19F29A6492}" dt="2020-09-26T14:12:49.841" v="21" actId="20577"/>
           <ac:spMkLst>
             <pc:docMk/>
             <pc:sldMk cId="380695029" sldId="259"/>
@@ -1565,24 +1653,223 @@
     </pc:docChg>
   </pc:docChgLst>
   <pc:docChgLst>
-    <pc:chgData name="Caio Ferreira" userId="aa37e96bb8b72277" providerId="LiveId" clId="{FCCBAC36-6B76-4FBB-910C-0CD5DD751DDA}"/>
+    <pc:chgData name="Eduardo Marques" userId="b9dd18581288d1e4" providerId="Windows Live" clId="Web-{0F2C64EE-C0FE-4513-8E58-5A5F9A11C41F}"/>
     <pc:docChg chg="modSld">
-      <pc:chgData name="Caio Ferreira" userId="aa37e96bb8b72277" providerId="LiveId" clId="{FCCBAC36-6B76-4FBB-910C-0CD5DD751DDA}" dt="2020-10-16T22:36:22.171" v="2" actId="1076"/>
+      <pc:chgData name="Eduardo Marques" userId="b9dd18581288d1e4" providerId="Windows Live" clId="Web-{0F2C64EE-C0FE-4513-8E58-5A5F9A11C41F}" dt="2020-10-17T01:49:34.011" v="54" actId="1076"/>
       <pc:docMkLst>
         <pc:docMk/>
       </pc:docMkLst>
-      <pc:sldChg chg="modSp mod">
-        <pc:chgData name="Caio Ferreira" userId="aa37e96bb8b72277" providerId="LiveId" clId="{FCCBAC36-6B76-4FBB-910C-0CD5DD751DDA}" dt="2020-10-16T22:36:22.171" v="2" actId="1076"/>
+      <pc:sldChg chg="addSp delSp modSp">
+        <pc:chgData name="Eduardo Marques" userId="b9dd18581288d1e4" providerId="Windows Live" clId="Web-{0F2C64EE-C0FE-4513-8E58-5A5F9A11C41F}" dt="2020-10-17T01:49:34.011" v="54" actId="1076"/>
         <pc:sldMkLst>
           <pc:docMk/>
-          <pc:sldMk cId="380695029" sldId="259"/>
+          <pc:sldMk cId="3918470033" sldId="257"/>
         </pc:sldMkLst>
-        <pc:picChg chg="mod">
-          <ac:chgData name="Caio Ferreira" userId="aa37e96bb8b72277" providerId="LiveId" clId="{FCCBAC36-6B76-4FBB-910C-0CD5DD751DDA}" dt="2020-10-16T22:36:22.171" v="2" actId="1076"/>
+        <pc:spChg chg="del">
+          <ac:chgData name="Eduardo Marques" userId="b9dd18581288d1e4" providerId="Windows Live" clId="Web-{0F2C64EE-C0FE-4513-8E58-5A5F9A11C41F}" dt="2020-10-17T01:43:18.960" v="13"/>
+          <ac:spMkLst>
+            <pc:docMk/>
+            <pc:sldMk cId="3918470033" sldId="257"/>
+            <ac:spMk id="2" creationId="{5DD6C70C-B6EF-40FB-AB7C-C4AFD46DB42B}"/>
+          </ac:spMkLst>
+        </pc:spChg>
+        <pc:spChg chg="del">
+          <ac:chgData name="Eduardo Marques" userId="b9dd18581288d1e4" providerId="Windows Live" clId="Web-{0F2C64EE-C0FE-4513-8E58-5A5F9A11C41F}" dt="2020-10-17T01:43:14.522" v="2"/>
+          <ac:spMkLst>
+            <pc:docMk/>
+            <pc:sldMk cId="3918470033" sldId="257"/>
+            <ac:spMk id="6" creationId="{97757566-6FF0-4BE4-AD54-C3B07D0F32C5}"/>
+          </ac:spMkLst>
+        </pc:spChg>
+        <pc:spChg chg="del">
+          <ac:chgData name="Eduardo Marques" userId="b9dd18581288d1e4" providerId="Windows Live" clId="Web-{0F2C64EE-C0FE-4513-8E58-5A5F9A11C41F}" dt="2020-10-17T01:43:28.679" v="21"/>
+          <ac:spMkLst>
+            <pc:docMk/>
+            <pc:sldMk cId="3918470033" sldId="257"/>
+            <ac:spMk id="156" creationId="{2F14F296-042C-4288-8D72-F87FDE1D8F69}"/>
+          </ac:spMkLst>
+        </pc:spChg>
+        <pc:spChg chg="del">
+          <ac:chgData name="Eduardo Marques" userId="b9dd18581288d1e4" providerId="Windows Live" clId="Web-{0F2C64EE-C0FE-4513-8E58-5A5F9A11C41F}" dt="2020-10-17T01:43:14.538" v="12"/>
+          <ac:spMkLst>
+            <pc:docMk/>
+            <pc:sldMk cId="3918470033" sldId="257"/>
+            <ac:spMk id="174" creationId="{85114B75-AA90-4810-951B-8CF7037E9F6C}"/>
+          </ac:spMkLst>
+        </pc:spChg>
+        <pc:spChg chg="del mod">
+          <ac:chgData name="Eduardo Marques" userId="b9dd18581288d1e4" providerId="Windows Live" clId="Web-{0F2C64EE-C0FE-4513-8E58-5A5F9A11C41F}" dt="2020-10-17T01:43:24.179" v="17"/>
+          <ac:spMkLst>
+            <pc:docMk/>
+            <pc:sldMk cId="3918470033" sldId="257"/>
+            <ac:spMk id="178" creationId="{67FE5E71-AFAB-4972-B305-ECA2FCB7F97D}"/>
+          </ac:spMkLst>
+        </pc:spChg>
+        <pc:spChg chg="del">
+          <ac:chgData name="Eduardo Marques" userId="b9dd18581288d1e4" providerId="Windows Live" clId="Web-{0F2C64EE-C0FE-4513-8E58-5A5F9A11C41F}" dt="2020-10-17T01:43:14.522" v="10"/>
+          <ac:spMkLst>
+            <pc:docMk/>
+            <pc:sldMk cId="3918470033" sldId="257"/>
+            <ac:spMk id="182" creationId="{C00D3D9C-6D9A-4E63-885F-CF5CDE09E4DB}"/>
+          </ac:spMkLst>
+        </pc:spChg>
+        <pc:spChg chg="del">
+          <ac:chgData name="Eduardo Marques" userId="b9dd18581288d1e4" providerId="Windows Live" clId="Web-{0F2C64EE-C0FE-4513-8E58-5A5F9A11C41F}" dt="2020-10-17T01:43:14.522" v="7"/>
+          <ac:spMkLst>
+            <pc:docMk/>
+            <pc:sldMk cId="3918470033" sldId="257"/>
+            <ac:spMk id="190" creationId="{56D1219C-2816-46B9-9757-264CF041891A}"/>
+          </ac:spMkLst>
+        </pc:spChg>
+        <pc:spChg chg="del">
+          <ac:chgData name="Eduardo Marques" userId="b9dd18581288d1e4" providerId="Windows Live" clId="Web-{0F2C64EE-C0FE-4513-8E58-5A5F9A11C41F}" dt="2020-10-17T01:43:14.522" v="5"/>
+          <ac:spMkLst>
+            <pc:docMk/>
+            <pc:sldMk cId="3918470033" sldId="257"/>
+            <ac:spMk id="194" creationId="{A47BED64-C6A2-47C0-AD8A-E4AFBD73FA19}"/>
+          </ac:spMkLst>
+        </pc:spChg>
+        <pc:spChg chg="del">
+          <ac:chgData name="Eduardo Marques" userId="b9dd18581288d1e4" providerId="Windows Live" clId="Web-{0F2C64EE-C0FE-4513-8E58-5A5F9A11C41F}" dt="2020-10-17T01:43:14.522" v="4"/>
+          <ac:spMkLst>
+            <pc:docMk/>
+            <pc:sldMk cId="3918470033" sldId="257"/>
+            <ac:spMk id="196" creationId="{119D4FE6-C8E9-41CD-8902-D23875F6882F}"/>
+          </ac:spMkLst>
+        </pc:spChg>
+        <pc:picChg chg="add del mod">
+          <ac:chgData name="Eduardo Marques" userId="b9dd18581288d1e4" providerId="Windows Live" clId="Web-{0F2C64EE-C0FE-4513-8E58-5A5F9A11C41F}" dt="2020-10-17T01:44:27.055" v="30"/>
           <ac:picMkLst>
             <pc:docMk/>
-            <pc:sldMk cId="380695029" sldId="259"/>
-            <ac:picMk id="7" creationId="{C14B6780-2D11-4D73-9790-BF69A665559C}"/>
+            <pc:sldMk cId="3918470033" sldId="257"/>
+            <ac:picMk id="3" creationId="{9ED12355-7FD5-4D1D-A2E4-24E2087FC111}"/>
+          </ac:picMkLst>
+        </pc:picChg>
+        <pc:picChg chg="add del mod">
+          <ac:chgData name="Eduardo Marques" userId="b9dd18581288d1e4" providerId="Windows Live" clId="Web-{0F2C64EE-C0FE-4513-8E58-5A5F9A11C41F}" dt="2020-10-17T01:48:34.042" v="49"/>
+          <ac:picMkLst>
+            <pc:docMk/>
+            <pc:sldMk cId="3918470033" sldId="257"/>
+            <ac:picMk id="4" creationId="{BB8A9780-E713-4F89-B8AD-6668B090AAE2}"/>
+          </ac:picMkLst>
+        </pc:picChg>
+        <pc:picChg chg="add mod">
+          <ac:chgData name="Eduardo Marques" userId="b9dd18581288d1e4" providerId="Windows Live" clId="Web-{0F2C64EE-C0FE-4513-8E58-5A5F9A11C41F}" dt="2020-10-17T01:49:34.011" v="54" actId="1076"/>
+          <ac:picMkLst>
+            <pc:docMk/>
+            <pc:sldMk cId="3918470033" sldId="257"/>
+            <ac:picMk id="5" creationId="{DD49DC74-2B26-404F-BD29-9C3161EA3D51}"/>
+          </ac:picMkLst>
+        </pc:picChg>
+        <pc:cxnChg chg="del">
+          <ac:chgData name="Eduardo Marques" userId="b9dd18581288d1e4" providerId="Windows Live" clId="Web-{0F2C64EE-C0FE-4513-8E58-5A5F9A11C41F}" dt="2020-10-17T01:43:14.522" v="1"/>
+          <ac:cxnSpMkLst>
+            <pc:docMk/>
+            <pc:sldMk cId="3918470033" sldId="257"/>
+            <ac:cxnSpMk id="22" creationId="{DD487634-BF7B-4A17-A66F-00D892AE0CC2}"/>
+          </ac:cxnSpMkLst>
+        </pc:cxnChg>
+        <pc:cxnChg chg="del">
+          <ac:chgData name="Eduardo Marques" userId="b9dd18581288d1e4" providerId="Windows Live" clId="Web-{0F2C64EE-C0FE-4513-8E58-5A5F9A11C41F}" dt="2020-10-17T01:43:27.773" v="20"/>
+          <ac:cxnSpMkLst>
+            <pc:docMk/>
+            <pc:sldMk cId="3918470033" sldId="257"/>
+            <ac:cxnSpMk id="23" creationId="{2ED9FF81-ADC5-4B9E-8EB7-1160CFA93DCE}"/>
+          </ac:cxnSpMkLst>
+        </pc:cxnChg>
+        <pc:cxnChg chg="del">
+          <ac:chgData name="Eduardo Marques" userId="b9dd18581288d1e4" providerId="Windows Live" clId="Web-{0F2C64EE-C0FE-4513-8E58-5A5F9A11C41F}" dt="2020-10-17T01:43:14.522" v="0"/>
+          <ac:cxnSpMkLst>
+            <pc:docMk/>
+            <pc:sldMk cId="3918470033" sldId="257"/>
+            <ac:cxnSpMk id="24" creationId="{BA64A7F0-AFF7-4A8F-A376-EBE43E1B97BA}"/>
+          </ac:cxnSpMkLst>
+        </pc:cxnChg>
+        <pc:cxnChg chg="del">
+          <ac:chgData name="Eduardo Marques" userId="b9dd18581288d1e4" providerId="Windows Live" clId="Web-{0F2C64EE-C0FE-4513-8E58-5A5F9A11C41F}" dt="2020-10-17T01:43:25.523" v="19"/>
+          <ac:cxnSpMkLst>
+            <pc:docMk/>
+            <pc:sldMk cId="3918470033" sldId="257"/>
+            <ac:cxnSpMk id="25" creationId="{80E4EC68-9D15-46D5-AEBD-D77A8248098B}"/>
+          </ac:cxnSpMkLst>
+        </pc:cxnChg>
+        <pc:cxnChg chg="del">
+          <ac:chgData name="Eduardo Marques" userId="b9dd18581288d1e4" providerId="Windows Live" clId="Web-{0F2C64EE-C0FE-4513-8E58-5A5F9A11C41F}" dt="2020-10-17T01:43:29.273" v="22"/>
+          <ac:cxnSpMkLst>
+            <pc:docMk/>
+            <pc:sldMk cId="3918470033" sldId="257"/>
+            <ac:cxnSpMk id="138" creationId="{3B1ED90A-CF42-4450-9773-AB5CD8EC40F2}"/>
+          </ac:cxnSpMkLst>
+        </pc:cxnChg>
+        <pc:cxnChg chg="del">
+          <ac:chgData name="Eduardo Marques" userId="b9dd18581288d1e4" providerId="Windows Live" clId="Web-{0F2C64EE-C0FE-4513-8E58-5A5F9A11C41F}" dt="2020-10-17T01:43:25.320" v="18"/>
+          <ac:cxnSpMkLst>
+            <pc:docMk/>
+            <pc:sldMk cId="3918470033" sldId="257"/>
+            <ac:cxnSpMk id="152" creationId="{0A021F33-0CA1-4C99-967B-FB29FC904E2D}"/>
+          </ac:cxnSpMkLst>
+        </pc:cxnChg>
+        <pc:cxnChg chg="del">
+          <ac:chgData name="Eduardo Marques" userId="b9dd18581288d1e4" providerId="Windows Live" clId="Web-{0F2C64EE-C0FE-4513-8E58-5A5F9A11C41F}" dt="2020-10-17T01:43:14.538" v="11"/>
+          <ac:cxnSpMkLst>
+            <pc:docMk/>
+            <pc:sldMk cId="3918470033" sldId="257"/>
+            <ac:cxnSpMk id="180" creationId="{1364CD29-E5EE-46A2-B0A3-E9706945F018}"/>
+          </ac:cxnSpMkLst>
+        </pc:cxnChg>
+        <pc:cxnChg chg="del">
+          <ac:chgData name="Eduardo Marques" userId="b9dd18581288d1e4" providerId="Windows Live" clId="Web-{0F2C64EE-C0FE-4513-8E58-5A5F9A11C41F}" dt="2020-10-17T01:43:14.522" v="9"/>
+          <ac:cxnSpMkLst>
+            <pc:docMk/>
+            <pc:sldMk cId="3918470033" sldId="257"/>
+            <ac:cxnSpMk id="184" creationId="{960EE6A9-7D9B-42B4-AAAF-19F1A8E857DB}"/>
+          </ac:cxnSpMkLst>
+        </pc:cxnChg>
+        <pc:cxnChg chg="del">
+          <ac:chgData name="Eduardo Marques" userId="b9dd18581288d1e4" providerId="Windows Live" clId="Web-{0F2C64EE-C0FE-4513-8E58-5A5F9A11C41F}" dt="2020-10-17T01:43:14.522" v="8"/>
+          <ac:cxnSpMkLst>
+            <pc:docMk/>
+            <pc:sldMk cId="3918470033" sldId="257"/>
+            <ac:cxnSpMk id="188" creationId="{6EB0F3B4-4DDA-470C-BCA4-684978A7EE86}"/>
+          </ac:cxnSpMkLst>
+        </pc:cxnChg>
+        <pc:cxnChg chg="del">
+          <ac:chgData name="Eduardo Marques" userId="b9dd18581288d1e4" providerId="Windows Live" clId="Web-{0F2C64EE-C0FE-4513-8E58-5A5F9A11C41F}" dt="2020-10-17T01:43:14.522" v="6"/>
+          <ac:cxnSpMkLst>
+            <pc:docMk/>
+            <pc:sldMk cId="3918470033" sldId="257"/>
+            <ac:cxnSpMk id="192" creationId="{9195520B-3E57-4433-A3C3-3B2E060821CF}"/>
+          </ac:cxnSpMkLst>
+        </pc:cxnChg>
+        <pc:cxnChg chg="del">
+          <ac:chgData name="Eduardo Marques" userId="b9dd18581288d1e4" providerId="Windows Live" clId="Web-{0F2C64EE-C0FE-4513-8E58-5A5F9A11C41F}" dt="2020-10-17T01:43:14.522" v="3"/>
+          <ac:cxnSpMkLst>
+            <pc:docMk/>
+            <pc:sldMk cId="3918470033" sldId="257"/>
+            <ac:cxnSpMk id="198" creationId="{F49C351A-4A3A-49EB-8E60-915E0A624C7E}"/>
+          </ac:cxnSpMkLst>
+        </pc:cxnChg>
+      </pc:sldChg>
+      <pc:sldChg chg="addSp delSp modSp">
+        <pc:chgData name="Eduardo Marques" userId="b9dd18581288d1e4" providerId="Windows Live" clId="Web-{0F2C64EE-C0FE-4513-8E58-5A5F9A11C41F}" dt="2020-10-17T01:48:02.416" v="48" actId="14100"/>
+        <pc:sldMkLst>
+          <pc:docMk/>
+          <pc:sldMk cId="4164410817" sldId="258"/>
+        </pc:sldMkLst>
+        <pc:picChg chg="add mod">
+          <ac:chgData name="Eduardo Marques" userId="b9dd18581288d1e4" providerId="Windows Live" clId="Web-{0F2C64EE-C0FE-4513-8E58-5A5F9A11C41F}" dt="2020-10-17T01:48:02.416" v="48" actId="14100"/>
+          <ac:picMkLst>
+            <pc:docMk/>
+            <pc:sldMk cId="4164410817" sldId="258"/>
+            <ac:picMk id="2" creationId="{832534A1-DE6F-4D02-AEC5-7DE63FBB0EE8}"/>
+          </ac:picMkLst>
+        </pc:picChg>
+        <pc:picChg chg="del mod">
+          <ac:chgData name="Eduardo Marques" userId="b9dd18581288d1e4" providerId="Windows Live" clId="Web-{0F2C64EE-C0FE-4513-8E58-5A5F9A11C41F}" dt="2020-10-17T01:47:31.135" v="45"/>
+          <ac:picMkLst>
+            <pc:docMk/>
+            <pc:sldMk cId="4164410817" sldId="258"/>
+            <ac:picMk id="4" creationId="{546F0094-6A56-4B1B-A44C-63E0639D5CB7}"/>
           </ac:picMkLst>
         </pc:picChg>
       </pc:sldChg>
@@ -1673,7 +1960,7 @@
           <a:p>
             <a:fld id="{6863D66E-6F38-475F-9EE3-5034134499E8}" type="datetimeFigureOut">
               <a:rPr lang="pt-BR"/>
-              <a:t>06/11/2020</a:t>
+              <a:t>19/11/2020</a:t>
             </a:fld>
             <a:endParaRPr lang="pt-BR"/>
           </a:p>
@@ -1831,7 +2118,7 @@
           <a:p>
             <a:fld id="{D9DC7754-DAC6-480C-B3F2-9DB88F215196}" type="slidenum">
               <a:rPr lang="pt-BR"/>
-              <a:t>‹#›</a:t>
+              <a:t>‹nº›</a:t>
             </a:fld>
             <a:endParaRPr lang="pt-BR"/>
           </a:p>
@@ -2155,7 +2442,7 @@
           <a:p>
             <a:fld id="{F0E51C7C-CEA3-4CAA-BE4B-344879E7C377}" type="datetimeFigureOut">
               <a:rPr lang="de-DE" smtClean="0"/>
-              <a:t>06.11.2020</a:t>
+              <a:t>19.11.2020</a:t>
             </a:fld>
             <a:endParaRPr lang="de-DE"/>
           </a:p>
@@ -2197,7 +2484,7 @@
           <a:p>
             <a:fld id="{754FE2FE-B55E-4328-8F5C-2CEB8781A47B}" type="slidenum">
               <a:rPr lang="de-DE" smtClean="0"/>
-              <a:t>‹#›</a:t>
+              <a:t>‹nº›</a:t>
             </a:fld>
             <a:endParaRPr lang="de-DE"/>
           </a:p>
@@ -2325,7 +2612,7 @@
           <a:p>
             <a:fld id="{F0E51C7C-CEA3-4CAA-BE4B-344879E7C377}" type="datetimeFigureOut">
               <a:rPr lang="de-DE" smtClean="0"/>
-              <a:t>06.11.2020</a:t>
+              <a:t>19.11.2020</a:t>
             </a:fld>
             <a:endParaRPr lang="de-DE"/>
           </a:p>
@@ -2367,7 +2654,7 @@
           <a:p>
             <a:fld id="{754FE2FE-B55E-4328-8F5C-2CEB8781A47B}" type="slidenum">
               <a:rPr lang="de-DE" smtClean="0"/>
-              <a:t>‹#›</a:t>
+              <a:t>‹nº›</a:t>
             </a:fld>
             <a:endParaRPr lang="de-DE"/>
           </a:p>
@@ -2505,7 +2792,7 @@
           <a:p>
             <a:fld id="{F0E51C7C-CEA3-4CAA-BE4B-344879E7C377}" type="datetimeFigureOut">
               <a:rPr lang="de-DE" smtClean="0"/>
-              <a:t>06.11.2020</a:t>
+              <a:t>19.11.2020</a:t>
             </a:fld>
             <a:endParaRPr lang="de-DE"/>
           </a:p>
@@ -2547,7 +2834,7 @@
           <a:p>
             <a:fld id="{754FE2FE-B55E-4328-8F5C-2CEB8781A47B}" type="slidenum">
               <a:rPr lang="de-DE" smtClean="0"/>
-              <a:t>‹#›</a:t>
+              <a:t>‹nº›</a:t>
             </a:fld>
             <a:endParaRPr lang="de-DE"/>
           </a:p>
@@ -2675,7 +2962,7 @@
           <a:p>
             <a:fld id="{F0E51C7C-CEA3-4CAA-BE4B-344879E7C377}" type="datetimeFigureOut">
               <a:rPr lang="de-DE" smtClean="0"/>
-              <a:t>06.11.2020</a:t>
+              <a:t>19.11.2020</a:t>
             </a:fld>
             <a:endParaRPr lang="de-DE"/>
           </a:p>
@@ -2717,7 +3004,7 @@
           <a:p>
             <a:fld id="{754FE2FE-B55E-4328-8F5C-2CEB8781A47B}" type="slidenum">
               <a:rPr lang="de-DE" smtClean="0"/>
-              <a:t>‹#›</a:t>
+              <a:t>‹nº›</a:t>
             </a:fld>
             <a:endParaRPr lang="de-DE"/>
           </a:p>
@@ -2921,7 +3208,7 @@
           <a:p>
             <a:fld id="{F0E51C7C-CEA3-4CAA-BE4B-344879E7C377}" type="datetimeFigureOut">
               <a:rPr lang="de-DE" smtClean="0"/>
-              <a:t>06.11.2020</a:t>
+              <a:t>19.11.2020</a:t>
             </a:fld>
             <a:endParaRPr lang="de-DE"/>
           </a:p>
@@ -2963,7 +3250,7 @@
           <a:p>
             <a:fld id="{754FE2FE-B55E-4328-8F5C-2CEB8781A47B}" type="slidenum">
               <a:rPr lang="de-DE" smtClean="0"/>
-              <a:t>‹#›</a:t>
+              <a:t>‹nº›</a:t>
             </a:fld>
             <a:endParaRPr lang="de-DE"/>
           </a:p>
@@ -3153,7 +3440,7 @@
           <a:p>
             <a:fld id="{F0E51C7C-CEA3-4CAA-BE4B-344879E7C377}" type="datetimeFigureOut">
               <a:rPr lang="de-DE" smtClean="0"/>
-              <a:t>06.11.2020</a:t>
+              <a:t>19.11.2020</a:t>
             </a:fld>
             <a:endParaRPr lang="de-DE"/>
           </a:p>
@@ -3195,7 +3482,7 @@
           <a:p>
             <a:fld id="{754FE2FE-B55E-4328-8F5C-2CEB8781A47B}" type="slidenum">
               <a:rPr lang="de-DE" smtClean="0"/>
-              <a:t>‹#›</a:t>
+              <a:t>‹nº›</a:t>
             </a:fld>
             <a:endParaRPr lang="de-DE"/>
           </a:p>
@@ -3520,7 +3807,7 @@
           <a:p>
             <a:fld id="{F0E51C7C-CEA3-4CAA-BE4B-344879E7C377}" type="datetimeFigureOut">
               <a:rPr lang="de-DE" smtClean="0"/>
-              <a:t>06.11.2020</a:t>
+              <a:t>19.11.2020</a:t>
             </a:fld>
             <a:endParaRPr lang="de-DE"/>
           </a:p>
@@ -3562,7 +3849,7 @@
           <a:p>
             <a:fld id="{754FE2FE-B55E-4328-8F5C-2CEB8781A47B}" type="slidenum">
               <a:rPr lang="de-DE" smtClean="0"/>
-              <a:t>‹#›</a:t>
+              <a:t>‹nº›</a:t>
             </a:fld>
             <a:endParaRPr lang="de-DE"/>
           </a:p>
@@ -3638,7 +3925,7 @@
           <a:p>
             <a:fld id="{F0E51C7C-CEA3-4CAA-BE4B-344879E7C377}" type="datetimeFigureOut">
               <a:rPr lang="de-DE" smtClean="0"/>
-              <a:t>06.11.2020</a:t>
+              <a:t>19.11.2020</a:t>
             </a:fld>
             <a:endParaRPr lang="de-DE"/>
           </a:p>
@@ -3680,7 +3967,7 @@
           <a:p>
             <a:fld id="{754FE2FE-B55E-4328-8F5C-2CEB8781A47B}" type="slidenum">
               <a:rPr lang="de-DE" smtClean="0"/>
-              <a:t>‹#›</a:t>
+              <a:t>‹nº›</a:t>
             </a:fld>
             <a:endParaRPr lang="de-DE"/>
           </a:p>
@@ -3733,7 +4020,7 @@
           <a:p>
             <a:fld id="{F0E51C7C-CEA3-4CAA-BE4B-344879E7C377}" type="datetimeFigureOut">
               <a:rPr lang="de-DE" smtClean="0"/>
-              <a:t>06.11.2020</a:t>
+              <a:t>19.11.2020</a:t>
             </a:fld>
             <a:endParaRPr lang="de-DE"/>
           </a:p>
@@ -3775,7 +4062,7 @@
           <a:p>
             <a:fld id="{754FE2FE-B55E-4328-8F5C-2CEB8781A47B}" type="slidenum">
               <a:rPr lang="de-DE" smtClean="0"/>
-              <a:t>‹#›</a:t>
+              <a:t>‹nº›</a:t>
             </a:fld>
             <a:endParaRPr lang="de-DE"/>
           </a:p>
@@ -4010,7 +4297,7 @@
           <a:p>
             <a:fld id="{F0E51C7C-CEA3-4CAA-BE4B-344879E7C377}" type="datetimeFigureOut">
               <a:rPr lang="de-DE" smtClean="0"/>
-              <a:t>06.11.2020</a:t>
+              <a:t>19.11.2020</a:t>
             </a:fld>
             <a:endParaRPr lang="de-DE"/>
           </a:p>
@@ -4052,7 +4339,7 @@
           <a:p>
             <a:fld id="{754FE2FE-B55E-4328-8F5C-2CEB8781A47B}" type="slidenum">
               <a:rPr lang="de-DE" smtClean="0"/>
-              <a:t>‹#›</a:t>
+              <a:t>‹nº›</a:t>
             </a:fld>
             <a:endParaRPr lang="de-DE"/>
           </a:p>
@@ -4263,7 +4550,7 @@
           <a:p>
             <a:fld id="{F0E51C7C-CEA3-4CAA-BE4B-344879E7C377}" type="datetimeFigureOut">
               <a:rPr lang="de-DE" smtClean="0"/>
-              <a:t>06.11.2020</a:t>
+              <a:t>19.11.2020</a:t>
             </a:fld>
             <a:endParaRPr lang="de-DE"/>
           </a:p>
@@ -4305,7 +4592,7 @@
           <a:p>
             <a:fld id="{754FE2FE-B55E-4328-8F5C-2CEB8781A47B}" type="slidenum">
               <a:rPr lang="de-DE" smtClean="0"/>
-              <a:t>‹#›</a:t>
+              <a:t>‹nº›</a:t>
             </a:fld>
             <a:endParaRPr lang="de-DE"/>
           </a:p>
@@ -4476,7 +4763,7 @@
           <a:p>
             <a:fld id="{F0E51C7C-CEA3-4CAA-BE4B-344879E7C377}" type="datetimeFigureOut">
               <a:rPr lang="de-DE" smtClean="0"/>
-              <a:t>06.11.2020</a:t>
+              <a:t>19.11.2020</a:t>
             </a:fld>
             <a:endParaRPr lang="de-DE"/>
           </a:p>
@@ -4554,7 +4841,7 @@
           <a:p>
             <a:fld id="{754FE2FE-B55E-4328-8F5C-2CEB8781A47B}" type="slidenum">
               <a:rPr lang="de-DE" smtClean="0"/>
-              <a:t>‹#›</a:t>
+              <a:t>‹nº›</a:t>
             </a:fld>
             <a:endParaRPr lang="de-DE"/>
           </a:p>
@@ -5038,10 +5325,10 @@
       </p:grpSpPr>
       <p:pic>
         <p:nvPicPr>
-          <p:cNvPr id="4" name="Imagem 4" descr="Diagrama&#10;&#10;Descrição gerada automaticamente">
+          <p:cNvPr id="2" name="Imagem 2" descr="Diagrama&#10;&#10;Descrição gerada automaticamente">
             <a:extLst>
               <a:ext uri="{FF2B5EF4-FFF2-40B4-BE49-F238E27FC236}">
-                <a16:creationId xmlns:a16="http://schemas.microsoft.com/office/drawing/2014/main" id="{699CFC04-B36B-43FC-8AF6-8BCCC7EC0E83}"/>
+                <a16:creationId xmlns:a16="http://schemas.microsoft.com/office/drawing/2014/main" id="{F0DAEE11-CEDD-4B52-B53B-38E6FC4380C6}"/>
               </a:ext>
             </a:extLst>
           </p:cNvPr>
@@ -5058,8 +5345,8 @@
         </p:blipFill>
         <p:spPr>
           <a:xfrm>
-            <a:off x="1084849" y="362554"/>
-            <a:ext cx="10232856" cy="6132891"/>
+            <a:off x="733927" y="139191"/>
+            <a:ext cx="10724146" cy="6579618"/>
           </a:xfrm>
           <a:prstGeom prst="rect">
             <a:avLst/>
@@ -5098,10 +5385,10 @@
       </p:grpSpPr>
       <p:pic>
         <p:nvPicPr>
-          <p:cNvPr id="4" name="Imagem 4" descr="Diagrama&#10;&#10;Descrição gerada automaticamente">
+          <p:cNvPr id="2" name="Imagem 2" descr="Uma imagem contendo Diagrama, Texto&#10;&#10;Descrição gerada automaticamente">
             <a:extLst>
               <a:ext uri="{FF2B5EF4-FFF2-40B4-BE49-F238E27FC236}">
-                <a16:creationId xmlns:a16="http://schemas.microsoft.com/office/drawing/2014/main" id="{8551A667-AFBD-4C72-9091-A1688C112F59}"/>
+                <a16:creationId xmlns:a16="http://schemas.microsoft.com/office/drawing/2014/main" id="{47CEF8DF-0546-4346-A709-EDC64BDBFDE8}"/>
               </a:ext>
             </a:extLst>
           </p:cNvPr>
@@ -5118,8 +5405,8 @@
         </p:blipFill>
         <p:spPr>
           <a:xfrm>
-            <a:off x="372980" y="248821"/>
-            <a:ext cx="11446040" cy="6360357"/>
+            <a:off x="312822" y="256647"/>
+            <a:ext cx="11586409" cy="6354732"/>
           </a:xfrm>
           <a:prstGeom prst="rect">
             <a:avLst/>
@@ -5158,10 +5445,10 @@
       </p:grpSpPr>
       <p:pic>
         <p:nvPicPr>
-          <p:cNvPr id="4" name="Imagem 4" descr="Texto, Carta&#10;&#10;Descrição gerada automaticamente">
+          <p:cNvPr id="2" name="Imagem 2" descr="Diagrama&#10;&#10;Descrição gerada automaticamente">
             <a:extLst>
               <a:ext uri="{FF2B5EF4-FFF2-40B4-BE49-F238E27FC236}">
-                <a16:creationId xmlns:a16="http://schemas.microsoft.com/office/drawing/2014/main" id="{44C3F586-BCAB-45C3-B39C-B9ACAA21C532}"/>
+                <a16:creationId xmlns:a16="http://schemas.microsoft.com/office/drawing/2014/main" id="{49575F0F-6AA1-4AF9-95A5-C7F3335AB2D9}"/>
               </a:ext>
             </a:extLst>
           </p:cNvPr>
@@ -5178,8 +5465,8 @@
         </p:blipFill>
         <p:spPr>
           <a:xfrm>
-            <a:off x="1513727" y="87894"/>
-            <a:ext cx="9173109" cy="6673651"/>
+            <a:off x="1515980" y="113842"/>
+            <a:ext cx="9150014" cy="6620291"/>
           </a:xfrm>
           <a:prstGeom prst="rect">
             <a:avLst/>
@@ -5218,10 +5505,10 @@
       </p:grpSpPr>
       <p:pic>
         <p:nvPicPr>
-          <p:cNvPr id="4" name="Imagem 4" descr="Diagrama&#10;&#10;Descrição gerada automaticamente">
+          <p:cNvPr id="2" name="Imagem 2" descr="Diagrama&#10;&#10;Descrição gerada automaticamente">
             <a:extLst>
               <a:ext uri="{FF2B5EF4-FFF2-40B4-BE49-F238E27FC236}">
-                <a16:creationId xmlns:a16="http://schemas.microsoft.com/office/drawing/2014/main" id="{529461FB-FB31-43A9-B476-A46F716A9468}"/>
+                <a16:creationId xmlns:a16="http://schemas.microsoft.com/office/drawing/2014/main" id="{9B765F7B-E292-4DCA-B6E9-B27893DF0B59}"/>
               </a:ext>
             </a:extLst>
           </p:cNvPr>
@@ -5238,8 +5525,8 @@
         </p:blipFill>
         <p:spPr>
           <a:xfrm>
-            <a:off x="12032" y="143763"/>
-            <a:ext cx="12157909" cy="6570475"/>
+            <a:off x="413085" y="358909"/>
+            <a:ext cx="11365830" cy="6140182"/>
           </a:xfrm>
           <a:prstGeom prst="rect">
             <a:avLst/>
@@ -5313,10 +5600,10 @@
       </p:sp>
       <p:pic>
         <p:nvPicPr>
-          <p:cNvPr id="4" name="Imagem 4" descr="Diagrama&#10;&#10;Descrição gerada automaticamente">
+          <p:cNvPr id="2" name="Imagem 4" descr="Diagrama&#10;&#10;Descrição gerada automaticamente">
             <a:extLst>
               <a:ext uri="{FF2B5EF4-FFF2-40B4-BE49-F238E27FC236}">
-                <a16:creationId xmlns:a16="http://schemas.microsoft.com/office/drawing/2014/main" id="{A4CD9DEF-7964-482C-B37B-EB0E30FB9487}"/>
+                <a16:creationId xmlns:a16="http://schemas.microsoft.com/office/drawing/2014/main" id="{7EDA5E2D-0380-4B52-AC55-11AE01353C60}"/>
               </a:ext>
             </a:extLst>
           </p:cNvPr>
@@ -5333,8 +5620,8 @@
         </p:blipFill>
         <p:spPr>
           <a:xfrm>
-            <a:off x="991457" y="127856"/>
-            <a:ext cx="10209086" cy="6602288"/>
+            <a:off x="1165059" y="39862"/>
+            <a:ext cx="9851856" cy="6768250"/>
           </a:xfrm>
           <a:prstGeom prst="rect">
             <a:avLst/>
@@ -5373,10 +5660,10 @@
       </p:grpSpPr>
       <p:pic>
         <p:nvPicPr>
-          <p:cNvPr id="5" name="Imagem 6" descr="Diagrama&#10;&#10;Descrição gerada automaticamente">
+          <p:cNvPr id="3" name="Imagem 3" descr="Diagrama&#10;&#10;Descrição gerada automaticamente">
             <a:extLst>
               <a:ext uri="{FF2B5EF4-FFF2-40B4-BE49-F238E27FC236}">
-                <a16:creationId xmlns:a16="http://schemas.microsoft.com/office/drawing/2014/main" id="{DD49DC74-2B26-404F-BD29-9C3161EA3D51}"/>
+                <a16:creationId xmlns:a16="http://schemas.microsoft.com/office/drawing/2014/main" id="{43E7E1EA-84D0-4C18-84E9-E5F91F528B9B}"/>
               </a:ext>
             </a:extLst>
           </p:cNvPr>
@@ -5393,8 +5680,8 @@
         </p:blipFill>
         <p:spPr>
           <a:xfrm>
-            <a:off x="983674" y="45438"/>
-            <a:ext cx="10190017" cy="6767125"/>
+            <a:off x="884322" y="2213"/>
+            <a:ext cx="10423357" cy="6853573"/>
           </a:xfrm>
           <a:prstGeom prst="rect">
             <a:avLst/>
@@ -5433,10 +5720,10 @@
       </p:grpSpPr>
       <p:pic>
         <p:nvPicPr>
-          <p:cNvPr id="4" name="Imagem 4" descr="Diagrama&#10;&#10;Descrição gerada automaticamente">
+          <p:cNvPr id="2" name="Imagem 2" descr="Diagrama&#10;&#10;Descrição gerada automaticamente">
             <a:extLst>
               <a:ext uri="{FF2B5EF4-FFF2-40B4-BE49-F238E27FC236}">
-                <a16:creationId xmlns:a16="http://schemas.microsoft.com/office/drawing/2014/main" id="{B8AE95D8-7B1E-470F-8A72-7719D99A2AC6}"/>
+                <a16:creationId xmlns:a16="http://schemas.microsoft.com/office/drawing/2014/main" id="{5E32D10E-0B2E-4E6A-B553-B9BBAA2EDFAD}"/>
               </a:ext>
             </a:extLst>
           </p:cNvPr>
@@ -5453,8 +5740,8 @@
         </p:blipFill>
         <p:spPr>
           <a:xfrm>
-            <a:off x="1315453" y="-3645"/>
-            <a:ext cx="9561094" cy="6865289"/>
+            <a:off x="1505953" y="115035"/>
+            <a:ext cx="9170068" cy="6617903"/>
           </a:xfrm>
           <a:prstGeom prst="rect">
             <a:avLst/>
@@ -5493,10 +5780,10 @@
       </p:grpSpPr>
       <p:pic>
         <p:nvPicPr>
-          <p:cNvPr id="4" name="Imagem 4" descr="Texto, Carta&#10;&#10;Descrição gerada automaticamente">
+          <p:cNvPr id="5" name="Imagem 5" descr="Texto&#10;&#10;Descrição gerada automaticamente">
             <a:extLst>
               <a:ext uri="{FF2B5EF4-FFF2-40B4-BE49-F238E27FC236}">
-                <a16:creationId xmlns:a16="http://schemas.microsoft.com/office/drawing/2014/main" id="{D21FAAC9-82D5-401C-A22B-21C87881E4FF}"/>
+                <a16:creationId xmlns:a16="http://schemas.microsoft.com/office/drawing/2014/main" id="{3DBABF3F-B435-43EF-B98F-475C5EAB7CDA}"/>
               </a:ext>
             </a:extLst>
           </p:cNvPr>
@@ -5513,8 +5800,8 @@
         </p:blipFill>
         <p:spPr>
           <a:xfrm>
-            <a:off x="1255295" y="-1437"/>
-            <a:ext cx="9671383" cy="6860874"/>
+            <a:off x="1215190" y="-2277"/>
+            <a:ext cx="9761620" cy="6862553"/>
           </a:xfrm>
           <a:prstGeom prst="rect">
             <a:avLst/>
@@ -5613,10 +5900,10 @@
       </p:grpSpPr>
       <p:pic>
         <p:nvPicPr>
-          <p:cNvPr id="4" name="Imagem 4" descr="Diagrama&#10;&#10;Descrição gerada automaticamente">
+          <p:cNvPr id="2" name="Imagem 2" descr="Diagrama&#10;&#10;Descrição gerada automaticamente">
             <a:extLst>
               <a:ext uri="{FF2B5EF4-FFF2-40B4-BE49-F238E27FC236}">
-                <a16:creationId xmlns:a16="http://schemas.microsoft.com/office/drawing/2014/main" id="{2746FEAE-78B1-421B-ABD6-581FD1687AE7}"/>
+                <a16:creationId xmlns:a16="http://schemas.microsoft.com/office/drawing/2014/main" id="{0BE4D470-2E60-4989-8E87-C7831E70D0AC}"/>
               </a:ext>
             </a:extLst>
           </p:cNvPr>
@@ -5633,8 +5920,8 @@
         </p:blipFill>
         <p:spPr>
           <a:xfrm>
-            <a:off x="1185111" y="-3147"/>
-            <a:ext cx="9821778" cy="6864295"/>
+            <a:off x="1205164" y="-2722"/>
+            <a:ext cx="9771646" cy="6863443"/>
           </a:xfrm>
           <a:prstGeom prst="rect">
             <a:avLst/>
@@ -5673,10 +5960,10 @@
       </p:grpSpPr>
       <p:pic>
         <p:nvPicPr>
-          <p:cNvPr id="4" name="Imagem 4" descr="Diagrama, Texto&#10;&#10;Descrição gerada automaticamente">
+          <p:cNvPr id="2" name="Imagem 2" descr="Texto, Carta&#10;&#10;Descrição gerada automaticamente">
             <a:extLst>
               <a:ext uri="{FF2B5EF4-FFF2-40B4-BE49-F238E27FC236}">
-                <a16:creationId xmlns:a16="http://schemas.microsoft.com/office/drawing/2014/main" id="{4C820C70-B8C8-4B92-BA3A-195B6A5B149E}"/>
+                <a16:creationId xmlns:a16="http://schemas.microsoft.com/office/drawing/2014/main" id="{02C8A675-A06E-471E-AE94-D495B47E89F2}"/>
               </a:ext>
             </a:extLst>
           </p:cNvPr>
@@ -5693,8 +5980,8 @@
         </p:blipFill>
         <p:spPr>
           <a:xfrm>
-            <a:off x="1146020" y="168593"/>
-            <a:ext cx="9899960" cy="6520813"/>
+            <a:off x="884322" y="-1169"/>
+            <a:ext cx="10413330" cy="6860338"/>
           </a:xfrm>
           <a:prstGeom prst="rect">
             <a:avLst/>
@@ -5733,10 +6020,10 @@
       </p:grpSpPr>
       <p:pic>
         <p:nvPicPr>
-          <p:cNvPr id="4" name="Imagem 4" descr="Diagrama&#10;&#10;Descrição gerada automaticamente">
+          <p:cNvPr id="2" name="Imagem 2" descr="Diagrama&#10;&#10;Descrição gerada automaticamente">
             <a:extLst>
               <a:ext uri="{FF2B5EF4-FFF2-40B4-BE49-F238E27FC236}">
-                <a16:creationId xmlns:a16="http://schemas.microsoft.com/office/drawing/2014/main" id="{9197F1FD-D9D1-4E48-BD6E-21E66CBA70A9}"/>
+                <a16:creationId xmlns:a16="http://schemas.microsoft.com/office/drawing/2014/main" id="{AB299CF6-B39D-491E-8497-0D4E08B79510}"/>
               </a:ext>
             </a:extLst>
           </p:cNvPr>
@@ -5753,8 +6040,8 @@
         </p:blipFill>
         <p:spPr>
           <a:xfrm>
-            <a:off x="673769" y="154569"/>
-            <a:ext cx="10834435" cy="6548861"/>
+            <a:off x="82216" y="669656"/>
+            <a:ext cx="12027567" cy="5528713"/>
           </a:xfrm>
           <a:prstGeom prst="rect">
             <a:avLst/>
